--- a/_book/plot/unnamed-chunk-63-1.pptx
+++ b/_book/plot/unnamed-chunk-63-1.pptx
@@ -3192,8 +3192,8 @@
           </p:nvSpPr>
           <p:spPr>
             <a:xfrm>
-              <a:off x="2023549" y="1590617"/>
-              <a:ext cx="6913543" cy="4048310"/>
+              <a:off x="2179881" y="1809173"/>
+              <a:ext cx="1295770" cy="3245468"/>
             </a:xfrm>
             <a:prstGeom prst="rect">
               <a:avLst/>
@@ -3218,28 +3218,28 @@
           </p:nvSpPr>
           <p:spPr>
             <a:xfrm>
-              <a:off x="2594759" y="1590617"/>
-              <a:ext cx="0" cy="4048310"/>
-            </a:xfrm>
-            <a:custGeom>
-              <a:avLst/>
-              <a:pathLst>
-                <a:path w="0" h="4048310">
-                  <a:moveTo>
-                    <a:pt x="0" y="4048310"/>
-                  </a:moveTo>
-                  <a:lnTo>
-                    <a:pt x="0" y="0"/>
-                  </a:lnTo>
-                  <a:lnTo>
-                    <a:pt x="0" y="0"/>
-                  </a:lnTo>
-                </a:path>
-              </a:pathLst>
-            </a:custGeom>
-            <a:ln w="3387" cap="flat">
-              <a:solidFill>
-                <a:srgbClr val="DEDEDE">
+              <a:off x="2179881" y="4549058"/>
+              <a:ext cx="1295770" cy="0"/>
+            </a:xfrm>
+            <a:custGeom>
+              <a:avLst/>
+              <a:pathLst>
+                <a:path w="1295770" h="0">
+                  <a:moveTo>
+                    <a:pt x="0" y="0"/>
+                  </a:moveTo>
+                  <a:lnTo>
+                    <a:pt x="1295770" y="0"/>
+                  </a:lnTo>
+                  <a:lnTo>
+                    <a:pt x="1295770" y="0"/>
+                  </a:lnTo>
+                </a:path>
+              </a:pathLst>
+            </a:custGeom>
+            <a:ln w="6775" cap="flat">
+              <a:solidFill>
+                <a:srgbClr val="EBEBEB">
                   <a:alpha val="100000"/>
                 </a:srgbClr>
               </a:solidFill>
@@ -3261,28 +3261,28 @@
           </p:nvSpPr>
           <p:spPr>
             <a:xfrm>
-              <a:off x="3737180" y="1590617"/>
-              <a:ext cx="0" cy="4048310"/>
-            </a:xfrm>
-            <a:custGeom>
-              <a:avLst/>
-              <a:pathLst>
-                <a:path w="0" h="4048310">
-                  <a:moveTo>
-                    <a:pt x="0" y="4048310"/>
-                  </a:moveTo>
-                  <a:lnTo>
-                    <a:pt x="0" y="0"/>
-                  </a:lnTo>
-                  <a:lnTo>
-                    <a:pt x="0" y="0"/>
-                  </a:lnTo>
-                </a:path>
-              </a:pathLst>
-            </a:custGeom>
-            <a:ln w="3387" cap="flat">
-              <a:solidFill>
-                <a:srgbClr val="DEDEDE">
+              <a:off x="2179881" y="3832936"/>
+              <a:ext cx="1295770" cy="0"/>
+            </a:xfrm>
+            <a:custGeom>
+              <a:avLst/>
+              <a:pathLst>
+                <a:path w="1295770" h="0">
+                  <a:moveTo>
+                    <a:pt x="0" y="0"/>
+                  </a:moveTo>
+                  <a:lnTo>
+                    <a:pt x="1295770" y="0"/>
+                  </a:lnTo>
+                  <a:lnTo>
+                    <a:pt x="1295770" y="0"/>
+                  </a:lnTo>
+                </a:path>
+              </a:pathLst>
+            </a:custGeom>
+            <a:ln w="6775" cap="flat">
+              <a:solidFill>
+                <a:srgbClr val="EBEBEB">
                   <a:alpha val="100000"/>
                 </a:srgbClr>
               </a:solidFill>
@@ -3304,28 +3304,28 @@
           </p:nvSpPr>
           <p:spPr>
             <a:xfrm>
-              <a:off x="4879601" y="1590617"/>
-              <a:ext cx="0" cy="4048310"/>
-            </a:xfrm>
-            <a:custGeom>
-              <a:avLst/>
-              <a:pathLst>
-                <a:path w="0" h="4048310">
-                  <a:moveTo>
-                    <a:pt x="0" y="4048310"/>
-                  </a:moveTo>
-                  <a:lnTo>
-                    <a:pt x="0" y="0"/>
-                  </a:lnTo>
-                  <a:lnTo>
-                    <a:pt x="0" y="0"/>
-                  </a:lnTo>
-                </a:path>
-              </a:pathLst>
-            </a:custGeom>
-            <a:ln w="3387" cap="flat">
-              <a:solidFill>
-                <a:srgbClr val="DEDEDE">
+              <a:off x="2179881" y="3116813"/>
+              <a:ext cx="1295770" cy="0"/>
+            </a:xfrm>
+            <a:custGeom>
+              <a:avLst/>
+              <a:pathLst>
+                <a:path w="1295770" h="0">
+                  <a:moveTo>
+                    <a:pt x="0" y="0"/>
+                  </a:moveTo>
+                  <a:lnTo>
+                    <a:pt x="1295770" y="0"/>
+                  </a:lnTo>
+                  <a:lnTo>
+                    <a:pt x="1295770" y="0"/>
+                  </a:lnTo>
+                </a:path>
+              </a:pathLst>
+            </a:custGeom>
+            <a:ln w="6775" cap="flat">
+              <a:solidFill>
+                <a:srgbClr val="EBEBEB">
                   <a:alpha val="100000"/>
                 </a:srgbClr>
               </a:solidFill>
@@ -3347,28 +3347,28 @@
           </p:nvSpPr>
           <p:spPr>
             <a:xfrm>
-              <a:off x="6022022" y="1590617"/>
-              <a:ext cx="0" cy="4048310"/>
-            </a:xfrm>
-            <a:custGeom>
-              <a:avLst/>
-              <a:pathLst>
-                <a:path w="0" h="4048310">
-                  <a:moveTo>
-                    <a:pt x="0" y="4048310"/>
-                  </a:moveTo>
-                  <a:lnTo>
-                    <a:pt x="0" y="0"/>
-                  </a:lnTo>
-                  <a:lnTo>
-                    <a:pt x="0" y="0"/>
-                  </a:lnTo>
-                </a:path>
-              </a:pathLst>
-            </a:custGeom>
-            <a:ln w="3387" cap="flat">
-              <a:solidFill>
-                <a:srgbClr val="DEDEDE">
+              <a:off x="2179881" y="2400690"/>
+              <a:ext cx="1295770" cy="0"/>
+            </a:xfrm>
+            <a:custGeom>
+              <a:avLst/>
+              <a:pathLst>
+                <a:path w="1295770" h="0">
+                  <a:moveTo>
+                    <a:pt x="0" y="0"/>
+                  </a:moveTo>
+                  <a:lnTo>
+                    <a:pt x="1295770" y="0"/>
+                  </a:lnTo>
+                  <a:lnTo>
+                    <a:pt x="1295770" y="0"/>
+                  </a:lnTo>
+                </a:path>
+              </a:pathLst>
+            </a:custGeom>
+            <a:ln w="6775" cap="flat">
+              <a:solidFill>
+                <a:srgbClr val="EBEBEB">
                   <a:alpha val="100000"/>
                 </a:srgbClr>
               </a:solidFill>
@@ -3390,28 +3390,28 @@
           </p:nvSpPr>
           <p:spPr>
             <a:xfrm>
-              <a:off x="7164443" y="1590617"/>
-              <a:ext cx="0" cy="4048310"/>
-            </a:xfrm>
-            <a:custGeom>
-              <a:avLst/>
-              <a:pathLst>
-                <a:path w="0" h="4048310">
-                  <a:moveTo>
-                    <a:pt x="0" y="4048310"/>
-                  </a:moveTo>
-                  <a:lnTo>
-                    <a:pt x="0" y="0"/>
-                  </a:lnTo>
-                  <a:lnTo>
-                    <a:pt x="0" y="0"/>
-                  </a:lnTo>
-                </a:path>
-              </a:pathLst>
-            </a:custGeom>
-            <a:ln w="3387" cap="flat">
-              <a:solidFill>
-                <a:srgbClr val="DEDEDE">
+              <a:off x="2179881" y="4907120"/>
+              <a:ext cx="1295770" cy="0"/>
+            </a:xfrm>
+            <a:custGeom>
+              <a:avLst/>
+              <a:pathLst>
+                <a:path w="1295770" h="0">
+                  <a:moveTo>
+                    <a:pt x="0" y="0"/>
+                  </a:moveTo>
+                  <a:lnTo>
+                    <a:pt x="1295770" y="0"/>
+                  </a:lnTo>
+                  <a:lnTo>
+                    <a:pt x="1295770" y="0"/>
+                  </a:lnTo>
+                </a:path>
+              </a:pathLst>
+            </a:custGeom>
+            <a:ln w="13550" cap="flat">
+              <a:solidFill>
+                <a:srgbClr val="EBEBEB">
                   <a:alpha val="100000"/>
                 </a:srgbClr>
               </a:solidFill>
@@ -3433,28 +3433,28 @@
           </p:nvSpPr>
           <p:spPr>
             <a:xfrm>
-              <a:off x="8306864" y="1590617"/>
-              <a:ext cx="0" cy="4048310"/>
-            </a:xfrm>
-            <a:custGeom>
-              <a:avLst/>
-              <a:pathLst>
-                <a:path w="0" h="4048310">
-                  <a:moveTo>
-                    <a:pt x="0" y="4048310"/>
-                  </a:moveTo>
-                  <a:lnTo>
-                    <a:pt x="0" y="0"/>
-                  </a:lnTo>
-                  <a:lnTo>
-                    <a:pt x="0" y="0"/>
-                  </a:lnTo>
-                </a:path>
-              </a:pathLst>
-            </a:custGeom>
-            <a:ln w="3387" cap="flat">
-              <a:solidFill>
-                <a:srgbClr val="DEDEDE">
+              <a:off x="2179881" y="4190997"/>
+              <a:ext cx="1295770" cy="0"/>
+            </a:xfrm>
+            <a:custGeom>
+              <a:avLst/>
+              <a:pathLst>
+                <a:path w="1295770" h="0">
+                  <a:moveTo>
+                    <a:pt x="0" y="0"/>
+                  </a:moveTo>
+                  <a:lnTo>
+                    <a:pt x="1295770" y="0"/>
+                  </a:lnTo>
+                  <a:lnTo>
+                    <a:pt x="1295770" y="0"/>
+                  </a:lnTo>
+                </a:path>
+              </a:pathLst>
+            </a:custGeom>
+            <a:ln w="13550" cap="flat">
+              <a:solidFill>
+                <a:srgbClr val="EBEBEB">
                   <a:alpha val="100000"/>
                 </a:srgbClr>
               </a:solidFill>
@@ -3476,28 +3476,28 @@
           </p:nvSpPr>
           <p:spPr>
             <a:xfrm>
-              <a:off x="2023549" y="5342710"/>
-              <a:ext cx="6913543" cy="0"/>
-            </a:xfrm>
-            <a:custGeom>
-              <a:avLst/>
-              <a:pathLst>
-                <a:path w="6913543" h="0">
-                  <a:moveTo>
-                    <a:pt x="0" y="0"/>
-                  </a:moveTo>
-                  <a:lnTo>
-                    <a:pt x="6913543" y="0"/>
-                  </a:lnTo>
-                  <a:lnTo>
-                    <a:pt x="6913543" y="0"/>
-                  </a:lnTo>
-                </a:path>
-              </a:pathLst>
-            </a:custGeom>
-            <a:ln w="6775" cap="flat">
-              <a:solidFill>
-                <a:srgbClr val="DEDEDE">
+              <a:off x="2179881" y="3474874"/>
+              <a:ext cx="1295770" cy="0"/>
+            </a:xfrm>
+            <a:custGeom>
+              <a:avLst/>
+              <a:pathLst>
+                <a:path w="1295770" h="0">
+                  <a:moveTo>
+                    <a:pt x="0" y="0"/>
+                  </a:moveTo>
+                  <a:lnTo>
+                    <a:pt x="1295770" y="0"/>
+                  </a:lnTo>
+                  <a:lnTo>
+                    <a:pt x="1295770" y="0"/>
+                  </a:lnTo>
+                </a:path>
+              </a:pathLst>
+            </a:custGeom>
+            <a:ln w="13550" cap="flat">
+              <a:solidFill>
+                <a:srgbClr val="EBEBEB">
                   <a:alpha val="100000"/>
                 </a:srgbClr>
               </a:solidFill>
@@ -3519,28 +3519,28 @@
           </p:nvSpPr>
           <p:spPr>
             <a:xfrm>
-              <a:off x="2023549" y="4849013"/>
-              <a:ext cx="6913543" cy="0"/>
-            </a:xfrm>
-            <a:custGeom>
-              <a:avLst/>
-              <a:pathLst>
-                <a:path w="6913543" h="0">
-                  <a:moveTo>
-                    <a:pt x="0" y="0"/>
-                  </a:moveTo>
-                  <a:lnTo>
-                    <a:pt x="6913543" y="0"/>
-                  </a:lnTo>
-                  <a:lnTo>
-                    <a:pt x="6913543" y="0"/>
-                  </a:lnTo>
-                </a:path>
-              </a:pathLst>
-            </a:custGeom>
-            <a:ln w="6775" cap="flat">
-              <a:solidFill>
-                <a:srgbClr val="DEDEDE">
+              <a:off x="2179881" y="2758751"/>
+              <a:ext cx="1295770" cy="0"/>
+            </a:xfrm>
+            <a:custGeom>
+              <a:avLst/>
+              <a:pathLst>
+                <a:path w="1295770" h="0">
+                  <a:moveTo>
+                    <a:pt x="0" y="0"/>
+                  </a:moveTo>
+                  <a:lnTo>
+                    <a:pt x="1295770" y="0"/>
+                  </a:lnTo>
+                  <a:lnTo>
+                    <a:pt x="1295770" y="0"/>
+                  </a:lnTo>
+                </a:path>
+              </a:pathLst>
+            </a:custGeom>
+            <a:ln w="13550" cap="flat">
+              <a:solidFill>
+                <a:srgbClr val="EBEBEB">
                   <a:alpha val="100000"/>
                 </a:srgbClr>
               </a:solidFill>
@@ -3562,28 +3562,28 @@
           </p:nvSpPr>
           <p:spPr>
             <a:xfrm>
-              <a:off x="2023549" y="4355317"/>
-              <a:ext cx="6913543" cy="0"/>
-            </a:xfrm>
-            <a:custGeom>
-              <a:avLst/>
-              <a:pathLst>
-                <a:path w="6913543" h="0">
-                  <a:moveTo>
-                    <a:pt x="0" y="0"/>
-                  </a:moveTo>
-                  <a:lnTo>
-                    <a:pt x="6913543" y="0"/>
-                  </a:lnTo>
-                  <a:lnTo>
-                    <a:pt x="6913543" y="0"/>
-                  </a:lnTo>
-                </a:path>
-              </a:pathLst>
-            </a:custGeom>
-            <a:ln w="6775" cap="flat">
-              <a:solidFill>
-                <a:srgbClr val="DEDEDE">
+              <a:off x="2179881" y="2042629"/>
+              <a:ext cx="1295770" cy="0"/>
+            </a:xfrm>
+            <a:custGeom>
+              <a:avLst/>
+              <a:pathLst>
+                <a:path w="1295770" h="0">
+                  <a:moveTo>
+                    <a:pt x="0" y="0"/>
+                  </a:moveTo>
+                  <a:lnTo>
+                    <a:pt x="1295770" y="0"/>
+                  </a:lnTo>
+                  <a:lnTo>
+                    <a:pt x="1295770" y="0"/>
+                  </a:lnTo>
+                </a:path>
+              </a:pathLst>
+            </a:custGeom>
+            <a:ln w="13550" cap="flat">
+              <a:solidFill>
+                <a:srgbClr val="EBEBEB">
                   <a:alpha val="100000"/>
                 </a:srgbClr>
               </a:solidFill>
@@ -3605,28 +3605,28 @@
           </p:nvSpPr>
           <p:spPr>
             <a:xfrm>
-              <a:off x="2023549" y="3861620"/>
-              <a:ext cx="6913543" cy="0"/>
-            </a:xfrm>
-            <a:custGeom>
-              <a:avLst/>
-              <a:pathLst>
-                <a:path w="6913543" h="0">
-                  <a:moveTo>
-                    <a:pt x="0" y="0"/>
-                  </a:moveTo>
-                  <a:lnTo>
-                    <a:pt x="6913543" y="0"/>
-                  </a:lnTo>
-                  <a:lnTo>
-                    <a:pt x="6913543" y="0"/>
-                  </a:lnTo>
-                </a:path>
-              </a:pathLst>
-            </a:custGeom>
-            <a:ln w="6775" cap="flat">
-              <a:solidFill>
-                <a:srgbClr val="DEDEDE">
+              <a:off x="2274694" y="1809173"/>
+              <a:ext cx="0" cy="3245468"/>
+            </a:xfrm>
+            <a:custGeom>
+              <a:avLst/>
+              <a:pathLst>
+                <a:path w="0" h="3245468">
+                  <a:moveTo>
+                    <a:pt x="0" y="3245468"/>
+                  </a:moveTo>
+                  <a:lnTo>
+                    <a:pt x="0" y="0"/>
+                  </a:lnTo>
+                  <a:lnTo>
+                    <a:pt x="0" y="0"/>
+                  </a:lnTo>
+                </a:path>
+              </a:pathLst>
+            </a:custGeom>
+            <a:ln w="13550" cap="flat">
+              <a:solidFill>
+                <a:srgbClr val="EBEBEB">
                   <a:alpha val="100000"/>
                 </a:srgbClr>
               </a:solidFill>
@@ -3648,28 +3648,28 @@
           </p:nvSpPr>
           <p:spPr>
             <a:xfrm>
-              <a:off x="2023549" y="3367924"/>
-              <a:ext cx="6913543" cy="0"/>
-            </a:xfrm>
-            <a:custGeom>
-              <a:avLst/>
-              <a:pathLst>
-                <a:path w="6913543" h="0">
-                  <a:moveTo>
-                    <a:pt x="0" y="0"/>
-                  </a:moveTo>
-                  <a:lnTo>
-                    <a:pt x="6913543" y="0"/>
-                  </a:lnTo>
-                  <a:lnTo>
-                    <a:pt x="6913543" y="0"/>
-                  </a:lnTo>
-                </a:path>
-              </a:pathLst>
-            </a:custGeom>
-            <a:ln w="6775" cap="flat">
-              <a:solidFill>
-                <a:srgbClr val="DEDEDE">
+              <a:off x="2432715" y="1809173"/>
+              <a:ext cx="0" cy="3245468"/>
+            </a:xfrm>
+            <a:custGeom>
+              <a:avLst/>
+              <a:pathLst>
+                <a:path w="0" h="3245468">
+                  <a:moveTo>
+                    <a:pt x="0" y="3245468"/>
+                  </a:moveTo>
+                  <a:lnTo>
+                    <a:pt x="0" y="0"/>
+                  </a:lnTo>
+                  <a:lnTo>
+                    <a:pt x="0" y="0"/>
+                  </a:lnTo>
+                </a:path>
+              </a:pathLst>
+            </a:custGeom>
+            <a:ln w="13550" cap="flat">
+              <a:solidFill>
+                <a:srgbClr val="EBEBEB">
                   <a:alpha val="100000"/>
                 </a:srgbClr>
               </a:solidFill>
@@ -3691,28 +3691,28 @@
           </p:nvSpPr>
           <p:spPr>
             <a:xfrm>
-              <a:off x="2023549" y="2874227"/>
-              <a:ext cx="6913543" cy="0"/>
-            </a:xfrm>
-            <a:custGeom>
-              <a:avLst/>
-              <a:pathLst>
-                <a:path w="6913543" h="0">
-                  <a:moveTo>
-                    <a:pt x="0" y="0"/>
-                  </a:moveTo>
-                  <a:lnTo>
-                    <a:pt x="6913543" y="0"/>
-                  </a:lnTo>
-                  <a:lnTo>
-                    <a:pt x="6913543" y="0"/>
-                  </a:lnTo>
-                </a:path>
-              </a:pathLst>
-            </a:custGeom>
-            <a:ln w="6775" cap="flat">
-              <a:solidFill>
-                <a:srgbClr val="DEDEDE">
+              <a:off x="2590735" y="1809173"/>
+              <a:ext cx="0" cy="3245468"/>
+            </a:xfrm>
+            <a:custGeom>
+              <a:avLst/>
+              <a:pathLst>
+                <a:path w="0" h="3245468">
+                  <a:moveTo>
+                    <a:pt x="0" y="3245468"/>
+                  </a:moveTo>
+                  <a:lnTo>
+                    <a:pt x="0" y="0"/>
+                  </a:lnTo>
+                  <a:lnTo>
+                    <a:pt x="0" y="0"/>
+                  </a:lnTo>
+                </a:path>
+              </a:pathLst>
+            </a:custGeom>
+            <a:ln w="13550" cap="flat">
+              <a:solidFill>
+                <a:srgbClr val="EBEBEB">
                   <a:alpha val="100000"/>
                 </a:srgbClr>
               </a:solidFill>
@@ -3734,28 +3734,28 @@
           </p:nvSpPr>
           <p:spPr>
             <a:xfrm>
-              <a:off x="2023549" y="2380531"/>
-              <a:ext cx="6913543" cy="0"/>
-            </a:xfrm>
-            <a:custGeom>
-              <a:avLst/>
-              <a:pathLst>
-                <a:path w="6913543" h="0">
-                  <a:moveTo>
-                    <a:pt x="0" y="0"/>
-                  </a:moveTo>
-                  <a:lnTo>
-                    <a:pt x="6913543" y="0"/>
-                  </a:lnTo>
-                  <a:lnTo>
-                    <a:pt x="6913543" y="0"/>
-                  </a:lnTo>
-                </a:path>
-              </a:pathLst>
-            </a:custGeom>
-            <a:ln w="6775" cap="flat">
-              <a:solidFill>
-                <a:srgbClr val="DEDEDE">
+              <a:off x="2748756" y="1809173"/>
+              <a:ext cx="0" cy="3245468"/>
+            </a:xfrm>
+            <a:custGeom>
+              <a:avLst/>
+              <a:pathLst>
+                <a:path w="0" h="3245468">
+                  <a:moveTo>
+                    <a:pt x="0" y="3245468"/>
+                  </a:moveTo>
+                  <a:lnTo>
+                    <a:pt x="0" y="0"/>
+                  </a:lnTo>
+                  <a:lnTo>
+                    <a:pt x="0" y="0"/>
+                  </a:lnTo>
+                </a:path>
+              </a:pathLst>
+            </a:custGeom>
+            <a:ln w="13550" cap="flat">
+              <a:solidFill>
+                <a:srgbClr val="EBEBEB">
                   <a:alpha val="100000"/>
                 </a:srgbClr>
               </a:solidFill>
@@ -3777,28 +3777,28 @@
           </p:nvSpPr>
           <p:spPr>
             <a:xfrm>
-              <a:off x="2023549" y="1886835"/>
-              <a:ext cx="6913543" cy="0"/>
-            </a:xfrm>
-            <a:custGeom>
-              <a:avLst/>
-              <a:pathLst>
-                <a:path w="6913543" h="0">
-                  <a:moveTo>
-                    <a:pt x="0" y="0"/>
-                  </a:moveTo>
-                  <a:lnTo>
-                    <a:pt x="6913543" y="0"/>
-                  </a:lnTo>
-                  <a:lnTo>
-                    <a:pt x="6913543" y="0"/>
-                  </a:lnTo>
-                </a:path>
-              </a:pathLst>
-            </a:custGeom>
-            <a:ln w="6775" cap="flat">
-              <a:solidFill>
-                <a:srgbClr val="DEDEDE">
+              <a:off x="2906777" y="1809173"/>
+              <a:ext cx="0" cy="3245468"/>
+            </a:xfrm>
+            <a:custGeom>
+              <a:avLst/>
+              <a:pathLst>
+                <a:path w="0" h="3245468">
+                  <a:moveTo>
+                    <a:pt x="0" y="3245468"/>
+                  </a:moveTo>
+                  <a:lnTo>
+                    <a:pt x="0" y="0"/>
+                  </a:lnTo>
+                  <a:lnTo>
+                    <a:pt x="0" y="0"/>
+                  </a:lnTo>
+                </a:path>
+              </a:pathLst>
+            </a:custGeom>
+            <a:ln w="13550" cap="flat">
+              <a:solidFill>
+                <a:srgbClr val="EBEBEB">
                   <a:alpha val="100000"/>
                 </a:srgbClr>
               </a:solidFill>
@@ -3820,28 +3820,28 @@
           </p:nvSpPr>
           <p:spPr>
             <a:xfrm>
-              <a:off x="2023549" y="1590617"/>
-              <a:ext cx="0" cy="4048310"/>
-            </a:xfrm>
-            <a:custGeom>
-              <a:avLst/>
-              <a:pathLst>
-                <a:path w="0" h="4048310">
-                  <a:moveTo>
-                    <a:pt x="0" y="4048310"/>
-                  </a:moveTo>
-                  <a:lnTo>
-                    <a:pt x="0" y="0"/>
-                  </a:lnTo>
-                  <a:lnTo>
-                    <a:pt x="0" y="0"/>
-                  </a:lnTo>
-                </a:path>
-              </a:pathLst>
-            </a:custGeom>
-            <a:ln w="6775" cap="flat">
-              <a:solidFill>
-                <a:srgbClr val="DEDEDE">
+              <a:off x="3064798" y="1809173"/>
+              <a:ext cx="0" cy="3245468"/>
+            </a:xfrm>
+            <a:custGeom>
+              <a:avLst/>
+              <a:pathLst>
+                <a:path w="0" h="3245468">
+                  <a:moveTo>
+                    <a:pt x="0" y="3245468"/>
+                  </a:moveTo>
+                  <a:lnTo>
+                    <a:pt x="0" y="0"/>
+                  </a:lnTo>
+                  <a:lnTo>
+                    <a:pt x="0" y="0"/>
+                  </a:lnTo>
+                </a:path>
+              </a:pathLst>
+            </a:custGeom>
+            <a:ln w="13550" cap="flat">
+              <a:solidFill>
+                <a:srgbClr val="EBEBEB">
                   <a:alpha val="100000"/>
                 </a:srgbClr>
               </a:solidFill>
@@ -3863,28 +3863,28 @@
           </p:nvSpPr>
           <p:spPr>
             <a:xfrm>
-              <a:off x="3165970" y="1590617"/>
-              <a:ext cx="0" cy="4048310"/>
-            </a:xfrm>
-            <a:custGeom>
-              <a:avLst/>
-              <a:pathLst>
-                <a:path w="0" h="4048310">
-                  <a:moveTo>
-                    <a:pt x="0" y="4048310"/>
-                  </a:moveTo>
-                  <a:lnTo>
-                    <a:pt x="0" y="0"/>
-                  </a:lnTo>
-                  <a:lnTo>
-                    <a:pt x="0" y="0"/>
-                  </a:lnTo>
-                </a:path>
-              </a:pathLst>
-            </a:custGeom>
-            <a:ln w="6775" cap="flat">
-              <a:solidFill>
-                <a:srgbClr val="DEDEDE">
+              <a:off x="3222819" y="1809173"/>
+              <a:ext cx="0" cy="3245468"/>
+            </a:xfrm>
+            <a:custGeom>
+              <a:avLst/>
+              <a:pathLst>
+                <a:path w="0" h="3245468">
+                  <a:moveTo>
+                    <a:pt x="0" y="3245468"/>
+                  </a:moveTo>
+                  <a:lnTo>
+                    <a:pt x="0" y="0"/>
+                  </a:lnTo>
+                  <a:lnTo>
+                    <a:pt x="0" y="0"/>
+                  </a:lnTo>
+                </a:path>
+              </a:pathLst>
+            </a:custGeom>
+            <a:ln w="13550" cap="flat">
+              <a:solidFill>
+                <a:srgbClr val="EBEBEB">
                   <a:alpha val="100000"/>
                 </a:srgbClr>
               </a:solidFill>
@@ -3906,229 +3906,57 @@
           </p:nvSpPr>
           <p:spPr>
             <a:xfrm>
-              <a:off x="4308391" y="1590617"/>
-              <a:ext cx="0" cy="4048310"/>
-            </a:xfrm>
-            <a:custGeom>
-              <a:avLst/>
-              <a:pathLst>
-                <a:path w="0" h="4048310">
-                  <a:moveTo>
-                    <a:pt x="0" y="4048310"/>
-                  </a:moveTo>
-                  <a:lnTo>
-                    <a:pt x="0" y="0"/>
-                  </a:lnTo>
-                  <a:lnTo>
-                    <a:pt x="0" y="0"/>
-                  </a:lnTo>
-                </a:path>
-              </a:pathLst>
-            </a:custGeom>
-            <a:ln w="6775" cap="flat">
-              <a:solidFill>
-                <a:srgbClr val="DEDEDE">
-                  <a:alpha val="100000"/>
-                </a:srgbClr>
-              </a:solidFill>
-              <a:prstDash val="solid"/>
-              <a:round/>
-            </a:ln>
-          </p:spPr>
-          <p:txBody>
-            <a:bodyPr/>
-            <a:lstStyle/>
-            <a:p/>
-          </p:txBody>
-        </p:sp>
-        <p:sp>
-          <p:nvSpPr>
-            <p:cNvPr id="23" name="pl23"/>
-            <p:cNvSpPr/>
-            <p:nvPr/>
-          </p:nvSpPr>
-          <p:spPr>
-            <a:xfrm>
-              <a:off x="5450812" y="1590617"/>
-              <a:ext cx="0" cy="4048310"/>
-            </a:xfrm>
-            <a:custGeom>
-              <a:avLst/>
-              <a:pathLst>
-                <a:path w="0" h="4048310">
-                  <a:moveTo>
-                    <a:pt x="0" y="4048310"/>
-                  </a:moveTo>
-                  <a:lnTo>
-                    <a:pt x="0" y="0"/>
-                  </a:lnTo>
-                  <a:lnTo>
-                    <a:pt x="0" y="0"/>
-                  </a:lnTo>
-                </a:path>
-              </a:pathLst>
-            </a:custGeom>
-            <a:ln w="6775" cap="flat">
-              <a:solidFill>
-                <a:srgbClr val="DEDEDE">
-                  <a:alpha val="100000"/>
-                </a:srgbClr>
-              </a:solidFill>
-              <a:prstDash val="solid"/>
-              <a:round/>
-            </a:ln>
-          </p:spPr>
-          <p:txBody>
-            <a:bodyPr/>
-            <a:lstStyle/>
-            <a:p/>
-          </p:txBody>
-        </p:sp>
-        <p:sp>
-          <p:nvSpPr>
-            <p:cNvPr id="24" name="pl24"/>
-            <p:cNvSpPr/>
-            <p:nvPr/>
-          </p:nvSpPr>
-          <p:spPr>
-            <a:xfrm>
-              <a:off x="6593233" y="1590617"/>
-              <a:ext cx="0" cy="4048310"/>
-            </a:xfrm>
-            <a:custGeom>
-              <a:avLst/>
-              <a:pathLst>
-                <a:path w="0" h="4048310">
-                  <a:moveTo>
-                    <a:pt x="0" y="4048310"/>
-                  </a:moveTo>
-                  <a:lnTo>
-                    <a:pt x="0" y="0"/>
-                  </a:lnTo>
-                  <a:lnTo>
-                    <a:pt x="0" y="0"/>
-                  </a:lnTo>
-                </a:path>
-              </a:pathLst>
-            </a:custGeom>
-            <a:ln w="6775" cap="flat">
-              <a:solidFill>
-                <a:srgbClr val="DEDEDE">
-                  <a:alpha val="100000"/>
-                </a:srgbClr>
-              </a:solidFill>
-              <a:prstDash val="solid"/>
-              <a:round/>
-            </a:ln>
-          </p:spPr>
-          <p:txBody>
-            <a:bodyPr/>
-            <a:lstStyle/>
-            <a:p/>
-          </p:txBody>
-        </p:sp>
-        <p:sp>
-          <p:nvSpPr>
-            <p:cNvPr id="25" name="pl25"/>
-            <p:cNvSpPr/>
-            <p:nvPr/>
-          </p:nvSpPr>
-          <p:spPr>
-            <a:xfrm>
-              <a:off x="7735654" y="1590617"/>
-              <a:ext cx="0" cy="4048310"/>
-            </a:xfrm>
-            <a:custGeom>
-              <a:avLst/>
-              <a:pathLst>
-                <a:path w="0" h="4048310">
-                  <a:moveTo>
-                    <a:pt x="0" y="4048310"/>
-                  </a:moveTo>
-                  <a:lnTo>
-                    <a:pt x="0" y="0"/>
-                  </a:lnTo>
-                  <a:lnTo>
-                    <a:pt x="0" y="0"/>
-                  </a:lnTo>
-                </a:path>
-              </a:pathLst>
-            </a:custGeom>
-            <a:ln w="6775" cap="flat">
-              <a:solidFill>
-                <a:srgbClr val="DEDEDE">
-                  <a:alpha val="100000"/>
-                </a:srgbClr>
-              </a:solidFill>
-              <a:prstDash val="solid"/>
-              <a:round/>
-            </a:ln>
-          </p:spPr>
-          <p:txBody>
-            <a:bodyPr/>
-            <a:lstStyle/>
-            <a:p/>
-          </p:txBody>
-        </p:sp>
-        <p:sp>
-          <p:nvSpPr>
-            <p:cNvPr id="26" name="pl26"/>
-            <p:cNvSpPr/>
-            <p:nvPr/>
-          </p:nvSpPr>
-          <p:spPr>
-            <a:xfrm>
-              <a:off x="8878074" y="1590617"/>
-              <a:ext cx="0" cy="4048310"/>
-            </a:xfrm>
-            <a:custGeom>
-              <a:avLst/>
-              <a:pathLst>
-                <a:path w="0" h="4048310">
-                  <a:moveTo>
-                    <a:pt x="0" y="4048310"/>
-                  </a:moveTo>
-                  <a:lnTo>
-                    <a:pt x="0" y="0"/>
-                  </a:lnTo>
-                  <a:lnTo>
-                    <a:pt x="0" y="0"/>
-                  </a:lnTo>
-                </a:path>
-              </a:pathLst>
-            </a:custGeom>
-            <a:ln w="6775" cap="flat">
-              <a:solidFill>
-                <a:srgbClr val="DEDEDE">
-                  <a:alpha val="100000"/>
-                </a:srgbClr>
-              </a:solidFill>
-              <a:prstDash val="solid"/>
-              <a:round/>
-            </a:ln>
-          </p:spPr>
-          <p:txBody>
-            <a:bodyPr/>
-            <a:lstStyle/>
-            <a:p/>
-          </p:txBody>
-        </p:sp>
-        <p:sp>
-          <p:nvSpPr>
-            <p:cNvPr id="27" name="rc27"/>
-            <p:cNvSpPr/>
-            <p:nvPr/>
-          </p:nvSpPr>
-          <p:spPr>
-            <a:xfrm>
-              <a:off x="2023549" y="1664671"/>
-              <a:ext cx="6777983" cy="444326"/>
+              <a:off x="3380840" y="1809173"/>
+              <a:ext cx="0" cy="3245468"/>
+            </a:xfrm>
+            <a:custGeom>
+              <a:avLst/>
+              <a:pathLst>
+                <a:path w="0" h="3245468">
+                  <a:moveTo>
+                    <a:pt x="0" y="3245468"/>
+                  </a:moveTo>
+                  <a:lnTo>
+                    <a:pt x="0" y="0"/>
+                  </a:lnTo>
+                  <a:lnTo>
+                    <a:pt x="0" y="0"/>
+                  </a:lnTo>
+                </a:path>
+              </a:pathLst>
+            </a:custGeom>
+            <a:ln w="13550" cap="flat">
+              <a:solidFill>
+                <a:srgbClr val="EBEBEB">
+                  <a:alpha val="100000"/>
+                </a:srgbClr>
+              </a:solidFill>
+              <a:prstDash val="solid"/>
+              <a:round/>
+            </a:ln>
+          </p:spPr>
+          <p:txBody>
+            <a:bodyPr/>
+            <a:lstStyle/>
+            <a:p/>
+          </p:txBody>
+        </p:sp>
+        <p:sp>
+          <p:nvSpPr>
+            <p:cNvPr id="23" name="rc23"/>
+            <p:cNvSpPr/>
+            <p:nvPr/>
+          </p:nvSpPr>
+          <p:spPr>
+            <a:xfrm>
+              <a:off x="2203584" y="3990483"/>
+              <a:ext cx="142218" cy="916637"/>
             </a:xfrm>
             <a:prstGeom prst="rect">
               <a:avLst/>
             </a:prstGeom>
             <a:solidFill>
-              <a:srgbClr val="595959">
+              <a:srgbClr val="FFF5F0">
                 <a:alpha val="100000"/>
               </a:srgbClr>
             </a:solidFill>
@@ -4141,20 +3969,20 @@
         </p:sp>
         <p:sp>
           <p:nvSpPr>
-            <p:cNvPr id="28" name="rc28"/>
-            <p:cNvSpPr/>
-            <p:nvPr/>
-          </p:nvSpPr>
-          <p:spPr>
-            <a:xfrm>
-              <a:off x="2023549" y="2158368"/>
-              <a:ext cx="3584916" cy="444326"/>
+            <p:cNvPr id="24" name="rc24"/>
+            <p:cNvSpPr/>
+            <p:nvPr/>
+          </p:nvSpPr>
+          <p:spPr>
+            <a:xfrm>
+              <a:off x="2361605" y="4105062"/>
+              <a:ext cx="142218" cy="802057"/>
             </a:xfrm>
             <a:prstGeom prst="rect">
               <a:avLst/>
             </a:prstGeom>
             <a:solidFill>
-              <a:srgbClr val="595959">
+              <a:srgbClr val="FEE0D2">
                 <a:alpha val="100000"/>
               </a:srgbClr>
             </a:solidFill>
@@ -4167,20 +3995,20 @@
         </p:sp>
         <p:sp>
           <p:nvSpPr>
-            <p:cNvPr id="29" name="rc29"/>
-            <p:cNvSpPr/>
-            <p:nvPr/>
-          </p:nvSpPr>
-          <p:spPr>
-            <a:xfrm>
-              <a:off x="2023549" y="2652064"/>
-              <a:ext cx="3282175" cy="444326"/>
+            <p:cNvPr id="25" name="rc25"/>
+            <p:cNvSpPr/>
+            <p:nvPr/>
+          </p:nvSpPr>
+          <p:spPr>
+            <a:xfrm>
+              <a:off x="2519626" y="4019127"/>
+              <a:ext cx="142218" cy="887992"/>
             </a:xfrm>
             <a:prstGeom prst="rect">
               <a:avLst/>
             </a:prstGeom>
             <a:solidFill>
-              <a:srgbClr val="595959">
+              <a:srgbClr val="FCBBA1">
                 <a:alpha val="100000"/>
               </a:srgbClr>
             </a:solidFill>
@@ -4193,20 +4021,20 @@
         </p:sp>
         <p:sp>
           <p:nvSpPr>
-            <p:cNvPr id="30" name="rc30"/>
-            <p:cNvSpPr/>
-            <p:nvPr/>
-          </p:nvSpPr>
-          <p:spPr>
-            <a:xfrm>
-              <a:off x="2023549" y="3145760"/>
-              <a:ext cx="2489335" cy="444326"/>
+            <p:cNvPr id="26" name="rc26"/>
+            <p:cNvSpPr/>
+            <p:nvPr/>
+          </p:nvSpPr>
+          <p:spPr>
+            <a:xfrm>
+              <a:off x="2677647" y="3904548"/>
+              <a:ext cx="142218" cy="1002571"/>
             </a:xfrm>
             <a:prstGeom prst="rect">
               <a:avLst/>
             </a:prstGeom>
             <a:solidFill>
-              <a:srgbClr val="595959">
+              <a:srgbClr val="FC9272">
                 <a:alpha val="100000"/>
               </a:srgbClr>
             </a:solidFill>
@@ -4219,20 +4047,20 @@
         </p:sp>
         <p:sp>
           <p:nvSpPr>
-            <p:cNvPr id="31" name="rc31"/>
-            <p:cNvSpPr/>
-            <p:nvPr/>
-          </p:nvSpPr>
-          <p:spPr>
-            <a:xfrm>
-              <a:off x="2023549" y="3639457"/>
-              <a:ext cx="1246381" cy="444326"/>
+            <p:cNvPr id="27" name="rc27"/>
+            <p:cNvSpPr/>
+            <p:nvPr/>
+          </p:nvSpPr>
+          <p:spPr>
+            <a:xfrm>
+              <a:off x="2835668" y="2672817"/>
+              <a:ext cx="142218" cy="2234303"/>
             </a:xfrm>
             <a:prstGeom prst="rect">
               <a:avLst/>
             </a:prstGeom>
             <a:solidFill>
-              <a:srgbClr val="595959">
+              <a:srgbClr val="FB6A4A">
                 <a:alpha val="100000"/>
               </a:srgbClr>
             </a:solidFill>
@@ -4245,20 +4073,20 @@
         </p:sp>
         <p:sp>
           <p:nvSpPr>
-            <p:cNvPr id="32" name="rc32"/>
-            <p:cNvSpPr/>
-            <p:nvPr/>
-          </p:nvSpPr>
-          <p:spPr>
-            <a:xfrm>
-              <a:off x="2023549" y="4133153"/>
-              <a:ext cx="595201" cy="444326"/>
+            <p:cNvPr id="28" name="rc28"/>
+            <p:cNvSpPr/>
+            <p:nvPr/>
+          </p:nvSpPr>
+          <p:spPr>
+            <a:xfrm>
+              <a:off x="2993689" y="3159780"/>
+              <a:ext cx="142218" cy="1747339"/>
             </a:xfrm>
             <a:prstGeom prst="rect">
               <a:avLst/>
             </a:prstGeom>
             <a:solidFill>
-              <a:srgbClr val="595959">
+              <a:srgbClr val="EF3B2C">
                 <a:alpha val="100000"/>
               </a:srgbClr>
             </a:solidFill>
@@ -4271,20 +4099,20 @@
         </p:sp>
         <p:sp>
           <p:nvSpPr>
-            <p:cNvPr id="33" name="rc33"/>
-            <p:cNvSpPr/>
-            <p:nvPr/>
-          </p:nvSpPr>
-          <p:spPr>
-            <a:xfrm>
-              <a:off x="2023549" y="4626850"/>
-              <a:ext cx="562071" cy="444326"/>
+            <p:cNvPr id="29" name="rc29"/>
+            <p:cNvSpPr/>
+            <p:nvPr/>
+          </p:nvSpPr>
+          <p:spPr>
+            <a:xfrm>
+              <a:off x="3151709" y="1956694"/>
+              <a:ext cx="142218" cy="2950425"/>
             </a:xfrm>
             <a:prstGeom prst="rect">
               <a:avLst/>
             </a:prstGeom>
             <a:solidFill>
-              <a:srgbClr val="595959">
+              <a:srgbClr val="CB181D">
                 <a:alpha val="100000"/>
               </a:srgbClr>
             </a:solidFill>
@@ -4297,20 +4125,20 @@
         </p:sp>
         <p:sp>
           <p:nvSpPr>
-            <p:cNvPr id="34" name="rc34"/>
-            <p:cNvSpPr/>
-            <p:nvPr/>
-          </p:nvSpPr>
-          <p:spPr>
-            <a:xfrm>
-              <a:off x="2023549" y="5120546"/>
-              <a:ext cx="249047" cy="444326"/>
+            <p:cNvPr id="30" name="rc30"/>
+            <p:cNvSpPr/>
+            <p:nvPr/>
+          </p:nvSpPr>
+          <p:spPr>
+            <a:xfrm>
+              <a:off x="3309730" y="2844686"/>
+              <a:ext cx="142218" cy="2062433"/>
             </a:xfrm>
             <a:prstGeom prst="rect">
               <a:avLst/>
             </a:prstGeom>
             <a:solidFill>
-              <a:srgbClr val="595959">
+              <a:srgbClr val="99000D">
                 <a:alpha val="100000"/>
               </a:srgbClr>
             </a:solidFill>
@@ -4323,412 +4151,4059 @@
         </p:sp>
         <p:sp>
           <p:nvSpPr>
-            <p:cNvPr id="35" name="tx35"/>
-            <p:cNvSpPr/>
-            <p:nvPr/>
-          </p:nvSpPr>
-          <p:spPr>
-            <a:xfrm>
-              <a:off x="8201672" y="1829869"/>
-              <a:ext cx="436637" cy="80245"/>
-            </a:xfrm>
-            <a:prstGeom prst="rect">
-              <a:avLst/>
-            </a:prstGeom>
-            <a:noFill/>
-          </p:spPr>
-          <p:txBody>
-            <a:bodyPr lIns="0" rIns="0" tIns="0" bIns="0" anchorCtr="1" anchor="ctr" wrap="none"/>
-            <a:lstStyle/>
-            <a:p>
-              <a:pPr algn="l" marL="0" marR="0" indent="0">
-                <a:lnSpc>
-                  <a:spcPts val="853"/>
-                </a:lnSpc>
-                <a:spcBef>
-                  <a:spcPts val="0"/>
-                </a:spcBef>
-                <a:spcAft>
-                  <a:spcPts val="0"/>
-                </a:spcAft>
-              </a:pPr>
-              <a:r>
-                <a:rPr sz="853" b="1">
-                  <a:solidFill>
-                    <a:srgbClr val="FFFFFF">
-                      <a:alpha val="100000"/>
-                    </a:srgbClr>
-                  </a:solidFill>
-                  <a:latin typeface="Arial"/>
-                  <a:cs typeface="Arial"/>
-                </a:rPr>
-                <a:t>商超/便利店</a:t>
-              </a:r>
-            </a:p>
-          </p:txBody>
-        </p:sp>
-        <p:sp>
-          <p:nvSpPr>
-            <p:cNvPr id="36" name="tx36"/>
-            <p:cNvSpPr/>
-            <p:nvPr/>
-          </p:nvSpPr>
-          <p:spPr>
-            <a:xfrm>
-              <a:off x="4388294" y="2336057"/>
-              <a:ext cx="1056948" cy="67753"/>
-            </a:xfrm>
-            <a:prstGeom prst="rect">
-              <a:avLst/>
-            </a:prstGeom>
-            <a:noFill/>
-          </p:spPr>
-          <p:txBody>
-            <a:bodyPr lIns="0" rIns="0" tIns="0" bIns="0" anchorCtr="1" anchor="ctr" wrap="none"/>
-            <a:lstStyle/>
-            <a:p>
-              <a:pPr algn="l" marL="0" marR="0" indent="0">
-                <a:lnSpc>
-                  <a:spcPts val="853"/>
-                </a:lnSpc>
-                <a:spcBef>
-                  <a:spcPts val="0"/>
-                </a:spcBef>
-                <a:spcAft>
-                  <a:spcPts val="0"/>
-                </a:spcAft>
-              </a:pPr>
-              <a:r>
-                <a:rPr sz="853" b="1">
-                  <a:solidFill>
-                    <a:srgbClr val="FFFFFF">
-                      <a:alpha val="100000"/>
-                    </a:srgbClr>
-                  </a:solidFill>
-                  <a:latin typeface="Arial"/>
-                  <a:cs typeface="Arial"/>
-                </a:rPr>
-                <a:t>电商平台（如淘宝、天猫等）</a:t>
-              </a:r>
-            </a:p>
-          </p:txBody>
-        </p:sp>
-        <p:sp>
-          <p:nvSpPr>
-            <p:cNvPr id="37" name="tx37"/>
-            <p:cNvSpPr/>
-            <p:nvPr/>
-          </p:nvSpPr>
-          <p:spPr>
-            <a:xfrm>
-              <a:off x="5468948" y="2845274"/>
-              <a:ext cx="731733" cy="67753"/>
-            </a:xfrm>
-            <a:prstGeom prst="rect">
-              <a:avLst/>
-            </a:prstGeom>
-            <a:noFill/>
-          </p:spPr>
-          <p:txBody>
-            <a:bodyPr lIns="0" rIns="0" tIns="0" bIns="0" anchorCtr="1" anchor="ctr" wrap="none"/>
-            <a:lstStyle/>
-            <a:p>
-              <a:pPr algn="l" marL="0" marR="0" indent="0">
-                <a:lnSpc>
-                  <a:spcPts val="853"/>
-                </a:lnSpc>
-                <a:spcBef>
-                  <a:spcPts val="0"/>
-                </a:spcBef>
-                <a:spcAft>
-                  <a:spcPts val="0"/>
-                </a:spcAft>
-              </a:pPr>
-              <a:r>
-                <a:rPr sz="853">
-                  <a:solidFill>
-                    <a:srgbClr val="000000">
-                      <a:alpha val="100000"/>
-                    </a:srgbClr>
-                  </a:solidFill>
-                  <a:latin typeface="Arial"/>
-                  <a:cs typeface="Arial"/>
-                </a:rPr>
-                <a:t>药店（含网上药店）</a:t>
-              </a:r>
-            </a:p>
-          </p:txBody>
-        </p:sp>
-        <p:sp>
-          <p:nvSpPr>
-            <p:cNvPr id="38" name="tx38"/>
-            <p:cNvSpPr/>
-            <p:nvPr/>
-          </p:nvSpPr>
-          <p:spPr>
-            <a:xfrm>
-              <a:off x="4676107" y="3338970"/>
-              <a:ext cx="1056948" cy="67753"/>
-            </a:xfrm>
-            <a:prstGeom prst="rect">
-              <a:avLst/>
-            </a:prstGeom>
-            <a:noFill/>
-          </p:spPr>
-          <p:txBody>
-            <a:bodyPr lIns="0" rIns="0" tIns="0" bIns="0" anchorCtr="1" anchor="ctr" wrap="none"/>
-            <a:lstStyle/>
-            <a:p>
-              <a:pPr algn="l" marL="0" marR="0" indent="0">
-                <a:lnSpc>
-                  <a:spcPts val="853"/>
-                </a:lnSpc>
-                <a:spcBef>
-                  <a:spcPts val="0"/>
-                </a:spcBef>
-                <a:spcAft>
-                  <a:spcPts val="0"/>
-                </a:spcAft>
-              </a:pPr>
-              <a:r>
-                <a:rPr sz="853">
-                  <a:solidFill>
-                    <a:srgbClr val="000000">
-                      <a:alpha val="100000"/>
-                    </a:srgbClr>
-                  </a:solidFill>
-                  <a:latin typeface="Arial"/>
-                  <a:cs typeface="Arial"/>
-                </a:rPr>
-                <a:t>跨境电商平台（如天猫国际）</a:t>
-              </a:r>
-            </a:p>
-          </p:txBody>
-        </p:sp>
-        <p:sp>
-          <p:nvSpPr>
-            <p:cNvPr id="39" name="tx39"/>
-            <p:cNvSpPr/>
-            <p:nvPr/>
-          </p:nvSpPr>
-          <p:spPr>
-            <a:xfrm>
-              <a:off x="3433153" y="3832666"/>
-              <a:ext cx="975645" cy="67753"/>
-            </a:xfrm>
-            <a:prstGeom prst="rect">
-              <a:avLst/>
-            </a:prstGeom>
-            <a:noFill/>
-          </p:spPr>
-          <p:txBody>
-            <a:bodyPr lIns="0" rIns="0" tIns="0" bIns="0" anchorCtr="1" anchor="ctr" wrap="none"/>
-            <a:lstStyle/>
-            <a:p>
-              <a:pPr algn="l" marL="0" marR="0" indent="0">
-                <a:lnSpc>
-                  <a:spcPts val="853"/>
-                </a:lnSpc>
-                <a:spcBef>
-                  <a:spcPts val="0"/>
-                </a:spcBef>
-                <a:spcAft>
-                  <a:spcPts val="0"/>
-                </a:spcAft>
-              </a:pPr>
-              <a:r>
-                <a:rPr sz="853">
-                  <a:solidFill>
-                    <a:srgbClr val="000000">
-                      <a:alpha val="100000"/>
-                    </a:srgbClr>
-                  </a:solidFill>
-                  <a:latin typeface="Arial"/>
-                  <a:cs typeface="Arial"/>
-                </a:rPr>
-                <a:t>社交电商平台（如拼多多）</a:t>
-              </a:r>
-            </a:p>
-          </p:txBody>
-        </p:sp>
-        <p:sp>
-          <p:nvSpPr>
-            <p:cNvPr id="40" name="tx40"/>
-            <p:cNvSpPr/>
-            <p:nvPr/>
-          </p:nvSpPr>
-          <p:spPr>
-            <a:xfrm>
-              <a:off x="2781973" y="4326363"/>
-              <a:ext cx="162607" cy="67753"/>
-            </a:xfrm>
-            <a:prstGeom prst="rect">
-              <a:avLst/>
-            </a:prstGeom>
-            <a:noFill/>
-          </p:spPr>
-          <p:txBody>
-            <a:bodyPr lIns="0" rIns="0" tIns="0" bIns="0" anchorCtr="1" anchor="ctr" wrap="none"/>
-            <a:lstStyle/>
-            <a:p>
-              <a:pPr algn="l" marL="0" marR="0" indent="0">
-                <a:lnSpc>
-                  <a:spcPts val="853"/>
-                </a:lnSpc>
-                <a:spcBef>
-                  <a:spcPts val="0"/>
-                </a:spcBef>
-                <a:spcAft>
-                  <a:spcPts val="0"/>
-                </a:spcAft>
-              </a:pPr>
-              <a:r>
-                <a:rPr sz="853">
-                  <a:solidFill>
-                    <a:srgbClr val="000000">
-                      <a:alpha val="100000"/>
-                    </a:srgbClr>
-                  </a:solidFill>
-                  <a:latin typeface="Arial"/>
-                  <a:cs typeface="Arial"/>
-                </a:rPr>
-                <a:t>医院</a:t>
-              </a:r>
-            </a:p>
-          </p:txBody>
-        </p:sp>
-        <p:sp>
-          <p:nvSpPr>
-            <p:cNvPr id="41" name="tx41"/>
-            <p:cNvSpPr/>
-            <p:nvPr/>
-          </p:nvSpPr>
-          <p:spPr>
-            <a:xfrm>
-              <a:off x="2748843" y="4820059"/>
-              <a:ext cx="1382163" cy="67753"/>
-            </a:xfrm>
-            <a:prstGeom prst="rect">
-              <a:avLst/>
-            </a:prstGeom>
-            <a:noFill/>
-          </p:spPr>
-          <p:txBody>
-            <a:bodyPr lIns="0" rIns="0" tIns="0" bIns="0" anchorCtr="1" anchor="ctr" wrap="none"/>
-            <a:lstStyle/>
-            <a:p>
-              <a:pPr algn="l" marL="0" marR="0" indent="0">
-                <a:lnSpc>
-                  <a:spcPts val="853"/>
-                </a:lnSpc>
-                <a:spcBef>
-                  <a:spcPts val="0"/>
-                </a:spcBef>
-                <a:spcAft>
-                  <a:spcPts val="0"/>
-                </a:spcAft>
-              </a:pPr>
-              <a:r>
-                <a:rPr sz="853">
-                  <a:solidFill>
-                    <a:srgbClr val="000000">
-                      <a:alpha val="100000"/>
-                    </a:srgbClr>
-                  </a:solidFill>
-                  <a:latin typeface="Arial"/>
-                  <a:cs typeface="Arial"/>
-                </a:rPr>
-                <a:t>直播带货平台（如淘宝直播、抖音等）</a:t>
-              </a:r>
-            </a:p>
-          </p:txBody>
-        </p:sp>
-        <p:sp>
-          <p:nvSpPr>
-            <p:cNvPr id="42" name="tx42"/>
-            <p:cNvSpPr/>
-            <p:nvPr/>
-          </p:nvSpPr>
-          <p:spPr>
-            <a:xfrm>
-              <a:off x="2435820" y="5313756"/>
-              <a:ext cx="406518" cy="67753"/>
-            </a:xfrm>
-            <a:prstGeom prst="rect">
-              <a:avLst/>
-            </a:prstGeom>
-            <a:noFill/>
-          </p:spPr>
-          <p:txBody>
-            <a:bodyPr lIns="0" rIns="0" tIns="0" bIns="0" anchorCtr="1" anchor="ctr" wrap="none"/>
-            <a:lstStyle/>
-            <a:p>
-              <a:pPr algn="l" marL="0" marR="0" indent="0">
-                <a:lnSpc>
-                  <a:spcPts val="853"/>
-                </a:lnSpc>
-                <a:spcBef>
-                  <a:spcPts val="0"/>
-                </a:spcBef>
-                <a:spcAft>
-                  <a:spcPts val="0"/>
-                </a:spcAft>
-              </a:pPr>
-              <a:r>
-                <a:rPr sz="853">
-                  <a:solidFill>
-                    <a:srgbClr val="000000">
-                      <a:alpha val="100000"/>
-                    </a:srgbClr>
-                  </a:solidFill>
-                  <a:latin typeface="Arial"/>
-                  <a:cs typeface="Arial"/>
-                </a:rPr>
-                <a:t>朋友圈微商</a:t>
-              </a:r>
-            </a:p>
-          </p:txBody>
-        </p:sp>
-        <p:sp>
-          <p:nvSpPr>
-            <p:cNvPr id="43" name="rc43"/>
-            <p:cNvSpPr/>
-            <p:nvPr/>
-          </p:nvSpPr>
-          <p:spPr>
-            <a:xfrm>
-              <a:off x="2023549" y="1590617"/>
-              <a:ext cx="6913543" cy="4048310"/>
+            <p:cNvPr id="31" name="rc31"/>
+            <p:cNvSpPr/>
+            <p:nvPr/>
+          </p:nvSpPr>
+          <p:spPr>
+            <a:xfrm>
+              <a:off x="2179881" y="1809173"/>
+              <a:ext cx="1295770" cy="3245468"/>
             </a:xfrm>
             <a:prstGeom prst="rect">
               <a:avLst/>
             </a:prstGeom>
             <a:ln w="13550" cap="rnd">
               <a:solidFill>
-                <a:srgbClr val="B3B3B3">
-                  <a:alpha val="100000"/>
-                </a:srgbClr>
-              </a:solidFill>
-              <a:prstDash val="solid"/>
-              <a:round/>
-            </a:ln>
-          </p:spPr>
-          <p:txBody>
-            <a:bodyPr/>
-            <a:lstStyle/>
-            <a:p/>
-          </p:txBody>
-        </p:sp>
-        <p:sp>
-          <p:nvSpPr>
-            <p:cNvPr id="44" name="tx44"/>
-            <p:cNvSpPr/>
-            <p:nvPr/>
-          </p:nvSpPr>
-          <p:spPr>
-            <a:xfrm>
-              <a:off x="1926599" y="5300963"/>
-              <a:ext cx="62155" cy="81746"/>
+                <a:srgbClr val="333333">
+                  <a:alpha val="100000"/>
+                </a:srgbClr>
+              </a:solidFill>
+              <a:prstDash val="solid"/>
+              <a:round/>
+            </a:ln>
+          </p:spPr>
+          <p:txBody>
+            <a:bodyPr/>
+            <a:lstStyle/>
+            <a:p/>
+          </p:txBody>
+        </p:sp>
+        <p:sp>
+          <p:nvSpPr>
+            <p:cNvPr id="32" name="rc32"/>
+            <p:cNvSpPr/>
+            <p:nvPr/>
+          </p:nvSpPr>
+          <p:spPr>
+            <a:xfrm>
+              <a:off x="3545241" y="1809173"/>
+              <a:ext cx="1295770" cy="3245468"/>
+            </a:xfrm>
+            <a:prstGeom prst="rect">
+              <a:avLst/>
+            </a:prstGeom>
+            <a:solidFill>
+              <a:srgbClr val="FFFFFF">
+                <a:alpha val="100000"/>
+              </a:srgbClr>
+            </a:solidFill>
+          </p:spPr>
+          <p:txBody>
+            <a:bodyPr/>
+            <a:lstStyle/>
+            <a:p/>
+          </p:txBody>
+        </p:sp>
+        <p:sp>
+          <p:nvSpPr>
+            <p:cNvPr id="33" name="pl33"/>
+            <p:cNvSpPr/>
+            <p:nvPr/>
+          </p:nvSpPr>
+          <p:spPr>
+            <a:xfrm>
+              <a:off x="3545241" y="4549058"/>
+              <a:ext cx="1295770" cy="0"/>
+            </a:xfrm>
+            <a:custGeom>
+              <a:avLst/>
+              <a:pathLst>
+                <a:path w="1295770" h="0">
+                  <a:moveTo>
+                    <a:pt x="0" y="0"/>
+                  </a:moveTo>
+                  <a:lnTo>
+                    <a:pt x="1295770" y="0"/>
+                  </a:lnTo>
+                  <a:lnTo>
+                    <a:pt x="1295770" y="0"/>
+                  </a:lnTo>
+                </a:path>
+              </a:pathLst>
+            </a:custGeom>
+            <a:ln w="6775" cap="flat">
+              <a:solidFill>
+                <a:srgbClr val="EBEBEB">
+                  <a:alpha val="100000"/>
+                </a:srgbClr>
+              </a:solidFill>
+              <a:prstDash val="solid"/>
+              <a:round/>
+            </a:ln>
+          </p:spPr>
+          <p:txBody>
+            <a:bodyPr/>
+            <a:lstStyle/>
+            <a:p/>
+          </p:txBody>
+        </p:sp>
+        <p:sp>
+          <p:nvSpPr>
+            <p:cNvPr id="34" name="pl34"/>
+            <p:cNvSpPr/>
+            <p:nvPr/>
+          </p:nvSpPr>
+          <p:spPr>
+            <a:xfrm>
+              <a:off x="3545241" y="3832936"/>
+              <a:ext cx="1295770" cy="0"/>
+            </a:xfrm>
+            <a:custGeom>
+              <a:avLst/>
+              <a:pathLst>
+                <a:path w="1295770" h="0">
+                  <a:moveTo>
+                    <a:pt x="0" y="0"/>
+                  </a:moveTo>
+                  <a:lnTo>
+                    <a:pt x="1295770" y="0"/>
+                  </a:lnTo>
+                  <a:lnTo>
+                    <a:pt x="1295770" y="0"/>
+                  </a:lnTo>
+                </a:path>
+              </a:pathLst>
+            </a:custGeom>
+            <a:ln w="6775" cap="flat">
+              <a:solidFill>
+                <a:srgbClr val="EBEBEB">
+                  <a:alpha val="100000"/>
+                </a:srgbClr>
+              </a:solidFill>
+              <a:prstDash val="solid"/>
+              <a:round/>
+            </a:ln>
+          </p:spPr>
+          <p:txBody>
+            <a:bodyPr/>
+            <a:lstStyle/>
+            <a:p/>
+          </p:txBody>
+        </p:sp>
+        <p:sp>
+          <p:nvSpPr>
+            <p:cNvPr id="35" name="pl35"/>
+            <p:cNvSpPr/>
+            <p:nvPr/>
+          </p:nvSpPr>
+          <p:spPr>
+            <a:xfrm>
+              <a:off x="3545241" y="3116813"/>
+              <a:ext cx="1295770" cy="0"/>
+            </a:xfrm>
+            <a:custGeom>
+              <a:avLst/>
+              <a:pathLst>
+                <a:path w="1295770" h="0">
+                  <a:moveTo>
+                    <a:pt x="0" y="0"/>
+                  </a:moveTo>
+                  <a:lnTo>
+                    <a:pt x="1295770" y="0"/>
+                  </a:lnTo>
+                  <a:lnTo>
+                    <a:pt x="1295770" y="0"/>
+                  </a:lnTo>
+                </a:path>
+              </a:pathLst>
+            </a:custGeom>
+            <a:ln w="6775" cap="flat">
+              <a:solidFill>
+                <a:srgbClr val="EBEBEB">
+                  <a:alpha val="100000"/>
+                </a:srgbClr>
+              </a:solidFill>
+              <a:prstDash val="solid"/>
+              <a:round/>
+            </a:ln>
+          </p:spPr>
+          <p:txBody>
+            <a:bodyPr/>
+            <a:lstStyle/>
+            <a:p/>
+          </p:txBody>
+        </p:sp>
+        <p:sp>
+          <p:nvSpPr>
+            <p:cNvPr id="36" name="pl36"/>
+            <p:cNvSpPr/>
+            <p:nvPr/>
+          </p:nvSpPr>
+          <p:spPr>
+            <a:xfrm>
+              <a:off x="3545241" y="2400690"/>
+              <a:ext cx="1295770" cy="0"/>
+            </a:xfrm>
+            <a:custGeom>
+              <a:avLst/>
+              <a:pathLst>
+                <a:path w="1295770" h="0">
+                  <a:moveTo>
+                    <a:pt x="0" y="0"/>
+                  </a:moveTo>
+                  <a:lnTo>
+                    <a:pt x="1295770" y="0"/>
+                  </a:lnTo>
+                  <a:lnTo>
+                    <a:pt x="1295770" y="0"/>
+                  </a:lnTo>
+                </a:path>
+              </a:pathLst>
+            </a:custGeom>
+            <a:ln w="6775" cap="flat">
+              <a:solidFill>
+                <a:srgbClr val="EBEBEB">
+                  <a:alpha val="100000"/>
+                </a:srgbClr>
+              </a:solidFill>
+              <a:prstDash val="solid"/>
+              <a:round/>
+            </a:ln>
+          </p:spPr>
+          <p:txBody>
+            <a:bodyPr/>
+            <a:lstStyle/>
+            <a:p/>
+          </p:txBody>
+        </p:sp>
+        <p:sp>
+          <p:nvSpPr>
+            <p:cNvPr id="37" name="pl37"/>
+            <p:cNvSpPr/>
+            <p:nvPr/>
+          </p:nvSpPr>
+          <p:spPr>
+            <a:xfrm>
+              <a:off x="3545241" y="4907120"/>
+              <a:ext cx="1295770" cy="0"/>
+            </a:xfrm>
+            <a:custGeom>
+              <a:avLst/>
+              <a:pathLst>
+                <a:path w="1295770" h="0">
+                  <a:moveTo>
+                    <a:pt x="0" y="0"/>
+                  </a:moveTo>
+                  <a:lnTo>
+                    <a:pt x="1295770" y="0"/>
+                  </a:lnTo>
+                  <a:lnTo>
+                    <a:pt x="1295770" y="0"/>
+                  </a:lnTo>
+                </a:path>
+              </a:pathLst>
+            </a:custGeom>
+            <a:ln w="13550" cap="flat">
+              <a:solidFill>
+                <a:srgbClr val="EBEBEB">
+                  <a:alpha val="100000"/>
+                </a:srgbClr>
+              </a:solidFill>
+              <a:prstDash val="solid"/>
+              <a:round/>
+            </a:ln>
+          </p:spPr>
+          <p:txBody>
+            <a:bodyPr/>
+            <a:lstStyle/>
+            <a:p/>
+          </p:txBody>
+        </p:sp>
+        <p:sp>
+          <p:nvSpPr>
+            <p:cNvPr id="38" name="pl38"/>
+            <p:cNvSpPr/>
+            <p:nvPr/>
+          </p:nvSpPr>
+          <p:spPr>
+            <a:xfrm>
+              <a:off x="3545241" y="4190997"/>
+              <a:ext cx="1295770" cy="0"/>
+            </a:xfrm>
+            <a:custGeom>
+              <a:avLst/>
+              <a:pathLst>
+                <a:path w="1295770" h="0">
+                  <a:moveTo>
+                    <a:pt x="0" y="0"/>
+                  </a:moveTo>
+                  <a:lnTo>
+                    <a:pt x="1295770" y="0"/>
+                  </a:lnTo>
+                  <a:lnTo>
+                    <a:pt x="1295770" y="0"/>
+                  </a:lnTo>
+                </a:path>
+              </a:pathLst>
+            </a:custGeom>
+            <a:ln w="13550" cap="flat">
+              <a:solidFill>
+                <a:srgbClr val="EBEBEB">
+                  <a:alpha val="100000"/>
+                </a:srgbClr>
+              </a:solidFill>
+              <a:prstDash val="solid"/>
+              <a:round/>
+            </a:ln>
+          </p:spPr>
+          <p:txBody>
+            <a:bodyPr/>
+            <a:lstStyle/>
+            <a:p/>
+          </p:txBody>
+        </p:sp>
+        <p:sp>
+          <p:nvSpPr>
+            <p:cNvPr id="39" name="pl39"/>
+            <p:cNvSpPr/>
+            <p:nvPr/>
+          </p:nvSpPr>
+          <p:spPr>
+            <a:xfrm>
+              <a:off x="3545241" y="3474874"/>
+              <a:ext cx="1295770" cy="0"/>
+            </a:xfrm>
+            <a:custGeom>
+              <a:avLst/>
+              <a:pathLst>
+                <a:path w="1295770" h="0">
+                  <a:moveTo>
+                    <a:pt x="0" y="0"/>
+                  </a:moveTo>
+                  <a:lnTo>
+                    <a:pt x="1295770" y="0"/>
+                  </a:lnTo>
+                  <a:lnTo>
+                    <a:pt x="1295770" y="0"/>
+                  </a:lnTo>
+                </a:path>
+              </a:pathLst>
+            </a:custGeom>
+            <a:ln w="13550" cap="flat">
+              <a:solidFill>
+                <a:srgbClr val="EBEBEB">
+                  <a:alpha val="100000"/>
+                </a:srgbClr>
+              </a:solidFill>
+              <a:prstDash val="solid"/>
+              <a:round/>
+            </a:ln>
+          </p:spPr>
+          <p:txBody>
+            <a:bodyPr/>
+            <a:lstStyle/>
+            <a:p/>
+          </p:txBody>
+        </p:sp>
+        <p:sp>
+          <p:nvSpPr>
+            <p:cNvPr id="40" name="pl40"/>
+            <p:cNvSpPr/>
+            <p:nvPr/>
+          </p:nvSpPr>
+          <p:spPr>
+            <a:xfrm>
+              <a:off x="3545241" y="2758751"/>
+              <a:ext cx="1295770" cy="0"/>
+            </a:xfrm>
+            <a:custGeom>
+              <a:avLst/>
+              <a:pathLst>
+                <a:path w="1295770" h="0">
+                  <a:moveTo>
+                    <a:pt x="0" y="0"/>
+                  </a:moveTo>
+                  <a:lnTo>
+                    <a:pt x="1295770" y="0"/>
+                  </a:lnTo>
+                  <a:lnTo>
+                    <a:pt x="1295770" y="0"/>
+                  </a:lnTo>
+                </a:path>
+              </a:pathLst>
+            </a:custGeom>
+            <a:ln w="13550" cap="flat">
+              <a:solidFill>
+                <a:srgbClr val="EBEBEB">
+                  <a:alpha val="100000"/>
+                </a:srgbClr>
+              </a:solidFill>
+              <a:prstDash val="solid"/>
+              <a:round/>
+            </a:ln>
+          </p:spPr>
+          <p:txBody>
+            <a:bodyPr/>
+            <a:lstStyle/>
+            <a:p/>
+          </p:txBody>
+        </p:sp>
+        <p:sp>
+          <p:nvSpPr>
+            <p:cNvPr id="41" name="pl41"/>
+            <p:cNvSpPr/>
+            <p:nvPr/>
+          </p:nvSpPr>
+          <p:spPr>
+            <a:xfrm>
+              <a:off x="3545241" y="2042629"/>
+              <a:ext cx="1295770" cy="0"/>
+            </a:xfrm>
+            <a:custGeom>
+              <a:avLst/>
+              <a:pathLst>
+                <a:path w="1295770" h="0">
+                  <a:moveTo>
+                    <a:pt x="0" y="0"/>
+                  </a:moveTo>
+                  <a:lnTo>
+                    <a:pt x="1295770" y="0"/>
+                  </a:lnTo>
+                  <a:lnTo>
+                    <a:pt x="1295770" y="0"/>
+                  </a:lnTo>
+                </a:path>
+              </a:pathLst>
+            </a:custGeom>
+            <a:ln w="13550" cap="flat">
+              <a:solidFill>
+                <a:srgbClr val="EBEBEB">
+                  <a:alpha val="100000"/>
+                </a:srgbClr>
+              </a:solidFill>
+              <a:prstDash val="solid"/>
+              <a:round/>
+            </a:ln>
+          </p:spPr>
+          <p:txBody>
+            <a:bodyPr/>
+            <a:lstStyle/>
+            <a:p/>
+          </p:txBody>
+        </p:sp>
+        <p:sp>
+          <p:nvSpPr>
+            <p:cNvPr id="42" name="pl42"/>
+            <p:cNvSpPr/>
+            <p:nvPr/>
+          </p:nvSpPr>
+          <p:spPr>
+            <a:xfrm>
+              <a:off x="3640054" y="1809173"/>
+              <a:ext cx="0" cy="3245468"/>
+            </a:xfrm>
+            <a:custGeom>
+              <a:avLst/>
+              <a:pathLst>
+                <a:path w="0" h="3245468">
+                  <a:moveTo>
+                    <a:pt x="0" y="3245468"/>
+                  </a:moveTo>
+                  <a:lnTo>
+                    <a:pt x="0" y="0"/>
+                  </a:lnTo>
+                  <a:lnTo>
+                    <a:pt x="0" y="0"/>
+                  </a:lnTo>
+                </a:path>
+              </a:pathLst>
+            </a:custGeom>
+            <a:ln w="13550" cap="flat">
+              <a:solidFill>
+                <a:srgbClr val="EBEBEB">
+                  <a:alpha val="100000"/>
+                </a:srgbClr>
+              </a:solidFill>
+              <a:prstDash val="solid"/>
+              <a:round/>
+            </a:ln>
+          </p:spPr>
+          <p:txBody>
+            <a:bodyPr/>
+            <a:lstStyle/>
+            <a:p/>
+          </p:txBody>
+        </p:sp>
+        <p:sp>
+          <p:nvSpPr>
+            <p:cNvPr id="43" name="pl43"/>
+            <p:cNvSpPr/>
+            <p:nvPr/>
+          </p:nvSpPr>
+          <p:spPr>
+            <a:xfrm>
+              <a:off x="3798075" y="1809173"/>
+              <a:ext cx="0" cy="3245468"/>
+            </a:xfrm>
+            <a:custGeom>
+              <a:avLst/>
+              <a:pathLst>
+                <a:path w="0" h="3245468">
+                  <a:moveTo>
+                    <a:pt x="0" y="3245468"/>
+                  </a:moveTo>
+                  <a:lnTo>
+                    <a:pt x="0" y="0"/>
+                  </a:lnTo>
+                  <a:lnTo>
+                    <a:pt x="0" y="0"/>
+                  </a:lnTo>
+                </a:path>
+              </a:pathLst>
+            </a:custGeom>
+            <a:ln w="13550" cap="flat">
+              <a:solidFill>
+                <a:srgbClr val="EBEBEB">
+                  <a:alpha val="100000"/>
+                </a:srgbClr>
+              </a:solidFill>
+              <a:prstDash val="solid"/>
+              <a:round/>
+            </a:ln>
+          </p:spPr>
+          <p:txBody>
+            <a:bodyPr/>
+            <a:lstStyle/>
+            <a:p/>
+          </p:txBody>
+        </p:sp>
+        <p:sp>
+          <p:nvSpPr>
+            <p:cNvPr id="44" name="pl44"/>
+            <p:cNvSpPr/>
+            <p:nvPr/>
+          </p:nvSpPr>
+          <p:spPr>
+            <a:xfrm>
+              <a:off x="3956095" y="1809173"/>
+              <a:ext cx="0" cy="3245468"/>
+            </a:xfrm>
+            <a:custGeom>
+              <a:avLst/>
+              <a:pathLst>
+                <a:path w="0" h="3245468">
+                  <a:moveTo>
+                    <a:pt x="0" y="3245468"/>
+                  </a:moveTo>
+                  <a:lnTo>
+                    <a:pt x="0" y="0"/>
+                  </a:lnTo>
+                  <a:lnTo>
+                    <a:pt x="0" y="0"/>
+                  </a:lnTo>
+                </a:path>
+              </a:pathLst>
+            </a:custGeom>
+            <a:ln w="13550" cap="flat">
+              <a:solidFill>
+                <a:srgbClr val="EBEBEB">
+                  <a:alpha val="100000"/>
+                </a:srgbClr>
+              </a:solidFill>
+              <a:prstDash val="solid"/>
+              <a:round/>
+            </a:ln>
+          </p:spPr>
+          <p:txBody>
+            <a:bodyPr/>
+            <a:lstStyle/>
+            <a:p/>
+          </p:txBody>
+        </p:sp>
+        <p:sp>
+          <p:nvSpPr>
+            <p:cNvPr id="45" name="pl45"/>
+            <p:cNvSpPr/>
+            <p:nvPr/>
+          </p:nvSpPr>
+          <p:spPr>
+            <a:xfrm>
+              <a:off x="4114116" y="1809173"/>
+              <a:ext cx="0" cy="3245468"/>
+            </a:xfrm>
+            <a:custGeom>
+              <a:avLst/>
+              <a:pathLst>
+                <a:path w="0" h="3245468">
+                  <a:moveTo>
+                    <a:pt x="0" y="3245468"/>
+                  </a:moveTo>
+                  <a:lnTo>
+                    <a:pt x="0" y="0"/>
+                  </a:lnTo>
+                  <a:lnTo>
+                    <a:pt x="0" y="0"/>
+                  </a:lnTo>
+                </a:path>
+              </a:pathLst>
+            </a:custGeom>
+            <a:ln w="13550" cap="flat">
+              <a:solidFill>
+                <a:srgbClr val="EBEBEB">
+                  <a:alpha val="100000"/>
+                </a:srgbClr>
+              </a:solidFill>
+              <a:prstDash val="solid"/>
+              <a:round/>
+            </a:ln>
+          </p:spPr>
+          <p:txBody>
+            <a:bodyPr/>
+            <a:lstStyle/>
+            <a:p/>
+          </p:txBody>
+        </p:sp>
+        <p:sp>
+          <p:nvSpPr>
+            <p:cNvPr id="46" name="pl46"/>
+            <p:cNvSpPr/>
+            <p:nvPr/>
+          </p:nvSpPr>
+          <p:spPr>
+            <a:xfrm>
+              <a:off x="4272137" y="1809173"/>
+              <a:ext cx="0" cy="3245468"/>
+            </a:xfrm>
+            <a:custGeom>
+              <a:avLst/>
+              <a:pathLst>
+                <a:path w="0" h="3245468">
+                  <a:moveTo>
+                    <a:pt x="0" y="3245468"/>
+                  </a:moveTo>
+                  <a:lnTo>
+                    <a:pt x="0" y="0"/>
+                  </a:lnTo>
+                  <a:lnTo>
+                    <a:pt x="0" y="0"/>
+                  </a:lnTo>
+                </a:path>
+              </a:pathLst>
+            </a:custGeom>
+            <a:ln w="13550" cap="flat">
+              <a:solidFill>
+                <a:srgbClr val="EBEBEB">
+                  <a:alpha val="100000"/>
+                </a:srgbClr>
+              </a:solidFill>
+              <a:prstDash val="solid"/>
+              <a:round/>
+            </a:ln>
+          </p:spPr>
+          <p:txBody>
+            <a:bodyPr/>
+            <a:lstStyle/>
+            <a:p/>
+          </p:txBody>
+        </p:sp>
+        <p:sp>
+          <p:nvSpPr>
+            <p:cNvPr id="47" name="pl47"/>
+            <p:cNvSpPr/>
+            <p:nvPr/>
+          </p:nvSpPr>
+          <p:spPr>
+            <a:xfrm>
+              <a:off x="4430158" y="1809173"/>
+              <a:ext cx="0" cy="3245468"/>
+            </a:xfrm>
+            <a:custGeom>
+              <a:avLst/>
+              <a:pathLst>
+                <a:path w="0" h="3245468">
+                  <a:moveTo>
+                    <a:pt x="0" y="3245468"/>
+                  </a:moveTo>
+                  <a:lnTo>
+                    <a:pt x="0" y="0"/>
+                  </a:lnTo>
+                  <a:lnTo>
+                    <a:pt x="0" y="0"/>
+                  </a:lnTo>
+                </a:path>
+              </a:pathLst>
+            </a:custGeom>
+            <a:ln w="13550" cap="flat">
+              <a:solidFill>
+                <a:srgbClr val="EBEBEB">
+                  <a:alpha val="100000"/>
+                </a:srgbClr>
+              </a:solidFill>
+              <a:prstDash val="solid"/>
+              <a:round/>
+            </a:ln>
+          </p:spPr>
+          <p:txBody>
+            <a:bodyPr/>
+            <a:lstStyle/>
+            <a:p/>
+          </p:txBody>
+        </p:sp>
+        <p:sp>
+          <p:nvSpPr>
+            <p:cNvPr id="48" name="pl48"/>
+            <p:cNvSpPr/>
+            <p:nvPr/>
+          </p:nvSpPr>
+          <p:spPr>
+            <a:xfrm>
+              <a:off x="4588179" y="1809173"/>
+              <a:ext cx="0" cy="3245468"/>
+            </a:xfrm>
+            <a:custGeom>
+              <a:avLst/>
+              <a:pathLst>
+                <a:path w="0" h="3245468">
+                  <a:moveTo>
+                    <a:pt x="0" y="3245468"/>
+                  </a:moveTo>
+                  <a:lnTo>
+                    <a:pt x="0" y="0"/>
+                  </a:lnTo>
+                  <a:lnTo>
+                    <a:pt x="0" y="0"/>
+                  </a:lnTo>
+                </a:path>
+              </a:pathLst>
+            </a:custGeom>
+            <a:ln w="13550" cap="flat">
+              <a:solidFill>
+                <a:srgbClr val="EBEBEB">
+                  <a:alpha val="100000"/>
+                </a:srgbClr>
+              </a:solidFill>
+              <a:prstDash val="solid"/>
+              <a:round/>
+            </a:ln>
+          </p:spPr>
+          <p:txBody>
+            <a:bodyPr/>
+            <a:lstStyle/>
+            <a:p/>
+          </p:txBody>
+        </p:sp>
+        <p:sp>
+          <p:nvSpPr>
+            <p:cNvPr id="49" name="pl49"/>
+            <p:cNvSpPr/>
+            <p:nvPr/>
+          </p:nvSpPr>
+          <p:spPr>
+            <a:xfrm>
+              <a:off x="4746200" y="1809173"/>
+              <a:ext cx="0" cy="3245468"/>
+            </a:xfrm>
+            <a:custGeom>
+              <a:avLst/>
+              <a:pathLst>
+                <a:path w="0" h="3245468">
+                  <a:moveTo>
+                    <a:pt x="0" y="3245468"/>
+                  </a:moveTo>
+                  <a:lnTo>
+                    <a:pt x="0" y="0"/>
+                  </a:lnTo>
+                  <a:lnTo>
+                    <a:pt x="0" y="0"/>
+                  </a:lnTo>
+                </a:path>
+              </a:pathLst>
+            </a:custGeom>
+            <a:ln w="13550" cap="flat">
+              <a:solidFill>
+                <a:srgbClr val="EBEBEB">
+                  <a:alpha val="100000"/>
+                </a:srgbClr>
+              </a:solidFill>
+              <a:prstDash val="solid"/>
+              <a:round/>
+            </a:ln>
+          </p:spPr>
+          <p:txBody>
+            <a:bodyPr/>
+            <a:lstStyle/>
+            <a:p/>
+          </p:txBody>
+        </p:sp>
+        <p:sp>
+          <p:nvSpPr>
+            <p:cNvPr id="50" name="rc50"/>
+            <p:cNvSpPr/>
+            <p:nvPr/>
+          </p:nvSpPr>
+          <p:spPr>
+            <a:xfrm>
+              <a:off x="3568944" y="4019127"/>
+              <a:ext cx="142218" cy="887992"/>
+            </a:xfrm>
+            <a:prstGeom prst="rect">
+              <a:avLst/>
+            </a:prstGeom>
+            <a:solidFill>
+              <a:srgbClr val="FFF5F0">
+                <a:alpha val="100000"/>
+              </a:srgbClr>
+            </a:solidFill>
+          </p:spPr>
+          <p:txBody>
+            <a:bodyPr/>
+            <a:lstStyle/>
+            <a:p/>
+          </p:txBody>
+        </p:sp>
+        <p:sp>
+          <p:nvSpPr>
+            <p:cNvPr id="51" name="rc51"/>
+            <p:cNvSpPr/>
+            <p:nvPr/>
+          </p:nvSpPr>
+          <p:spPr>
+            <a:xfrm>
+              <a:off x="3726965" y="4019127"/>
+              <a:ext cx="142218" cy="887992"/>
+            </a:xfrm>
+            <a:prstGeom prst="rect">
+              <a:avLst/>
+            </a:prstGeom>
+            <a:solidFill>
+              <a:srgbClr val="FEE0D2">
+                <a:alpha val="100000"/>
+              </a:srgbClr>
+            </a:solidFill>
+          </p:spPr>
+          <p:txBody>
+            <a:bodyPr/>
+            <a:lstStyle/>
+            <a:p/>
+          </p:txBody>
+        </p:sp>
+        <p:sp>
+          <p:nvSpPr>
+            <p:cNvPr id="52" name="rc52"/>
+            <p:cNvSpPr/>
+            <p:nvPr/>
+          </p:nvSpPr>
+          <p:spPr>
+            <a:xfrm>
+              <a:off x="3884986" y="4190997"/>
+              <a:ext cx="142218" cy="716122"/>
+            </a:xfrm>
+            <a:prstGeom prst="rect">
+              <a:avLst/>
+            </a:prstGeom>
+            <a:solidFill>
+              <a:srgbClr val="FCBBA1">
+                <a:alpha val="100000"/>
+              </a:srgbClr>
+            </a:solidFill>
+          </p:spPr>
+          <p:txBody>
+            <a:bodyPr/>
+            <a:lstStyle/>
+            <a:p/>
+          </p:txBody>
+        </p:sp>
+        <p:sp>
+          <p:nvSpPr>
+            <p:cNvPr id="53" name="rc53"/>
+            <p:cNvSpPr/>
+            <p:nvPr/>
+          </p:nvSpPr>
+          <p:spPr>
+            <a:xfrm>
+              <a:off x="4043007" y="4477446"/>
+              <a:ext cx="142218" cy="429673"/>
+            </a:xfrm>
+            <a:prstGeom prst="rect">
+              <a:avLst/>
+            </a:prstGeom>
+            <a:solidFill>
+              <a:srgbClr val="FC9272">
+                <a:alpha val="100000"/>
+              </a:srgbClr>
+            </a:solidFill>
+          </p:spPr>
+          <p:txBody>
+            <a:bodyPr/>
+            <a:lstStyle/>
+            <a:p/>
+          </p:txBody>
+        </p:sp>
+        <p:sp>
+          <p:nvSpPr>
+            <p:cNvPr id="54" name="rc54"/>
+            <p:cNvSpPr/>
+            <p:nvPr/>
+          </p:nvSpPr>
+          <p:spPr>
+            <a:xfrm>
+              <a:off x="4201028" y="3875903"/>
+              <a:ext cx="142218" cy="1031216"/>
+            </a:xfrm>
+            <a:prstGeom prst="rect">
+              <a:avLst/>
+            </a:prstGeom>
+            <a:solidFill>
+              <a:srgbClr val="FB6A4A">
+                <a:alpha val="100000"/>
+              </a:srgbClr>
+            </a:solidFill>
+          </p:spPr>
+          <p:txBody>
+            <a:bodyPr/>
+            <a:lstStyle/>
+            <a:p/>
+          </p:txBody>
+        </p:sp>
+        <p:sp>
+          <p:nvSpPr>
+            <p:cNvPr id="55" name="rc55"/>
+            <p:cNvSpPr/>
+            <p:nvPr/>
+          </p:nvSpPr>
+          <p:spPr>
+            <a:xfrm>
+              <a:off x="4359049" y="3847258"/>
+              <a:ext cx="142218" cy="1059861"/>
+            </a:xfrm>
+            <a:prstGeom prst="rect">
+              <a:avLst/>
+            </a:prstGeom>
+            <a:solidFill>
+              <a:srgbClr val="EF3B2C">
+                <a:alpha val="100000"/>
+              </a:srgbClr>
+            </a:solidFill>
+          </p:spPr>
+          <p:txBody>
+            <a:bodyPr/>
+            <a:lstStyle/>
+            <a:p/>
+          </p:txBody>
+        </p:sp>
+        <p:sp>
+          <p:nvSpPr>
+            <p:cNvPr id="56" name="rc56"/>
+            <p:cNvSpPr/>
+            <p:nvPr/>
+          </p:nvSpPr>
+          <p:spPr>
+            <a:xfrm>
+              <a:off x="4517069" y="3045200"/>
+              <a:ext cx="142218" cy="1861919"/>
+            </a:xfrm>
+            <a:prstGeom prst="rect">
+              <a:avLst/>
+            </a:prstGeom>
+            <a:solidFill>
+              <a:srgbClr val="CB181D">
+                <a:alpha val="100000"/>
+              </a:srgbClr>
+            </a:solidFill>
+          </p:spPr>
+          <p:txBody>
+            <a:bodyPr/>
+            <a:lstStyle/>
+            <a:p/>
+          </p:txBody>
+        </p:sp>
+        <p:sp>
+          <p:nvSpPr>
+            <p:cNvPr id="57" name="rc57"/>
+            <p:cNvSpPr/>
+            <p:nvPr/>
+          </p:nvSpPr>
+          <p:spPr>
+            <a:xfrm>
+              <a:off x="4675090" y="4362866"/>
+              <a:ext cx="142218" cy="544253"/>
+            </a:xfrm>
+            <a:prstGeom prst="rect">
+              <a:avLst/>
+            </a:prstGeom>
+            <a:solidFill>
+              <a:srgbClr val="99000D">
+                <a:alpha val="100000"/>
+              </a:srgbClr>
+            </a:solidFill>
+          </p:spPr>
+          <p:txBody>
+            <a:bodyPr/>
+            <a:lstStyle/>
+            <a:p/>
+          </p:txBody>
+        </p:sp>
+        <p:sp>
+          <p:nvSpPr>
+            <p:cNvPr id="58" name="rc58"/>
+            <p:cNvSpPr/>
+            <p:nvPr/>
+          </p:nvSpPr>
+          <p:spPr>
+            <a:xfrm>
+              <a:off x="3545241" y="1809173"/>
+              <a:ext cx="1295770" cy="3245468"/>
+            </a:xfrm>
+            <a:prstGeom prst="rect">
+              <a:avLst/>
+            </a:prstGeom>
+            <a:ln w="13550" cap="rnd">
+              <a:solidFill>
+                <a:srgbClr val="333333">
+                  <a:alpha val="100000"/>
+                </a:srgbClr>
+              </a:solidFill>
+              <a:prstDash val="solid"/>
+              <a:round/>
+            </a:ln>
+          </p:spPr>
+          <p:txBody>
+            <a:bodyPr/>
+            <a:lstStyle/>
+            <a:p/>
+          </p:txBody>
+        </p:sp>
+        <p:sp>
+          <p:nvSpPr>
+            <p:cNvPr id="59" name="rc59"/>
+            <p:cNvSpPr/>
+            <p:nvPr/>
+          </p:nvSpPr>
+          <p:spPr>
+            <a:xfrm>
+              <a:off x="4910601" y="1809173"/>
+              <a:ext cx="1295770" cy="3245468"/>
+            </a:xfrm>
+            <a:prstGeom prst="rect">
+              <a:avLst/>
+            </a:prstGeom>
+            <a:solidFill>
+              <a:srgbClr val="FFFFFF">
+                <a:alpha val="100000"/>
+              </a:srgbClr>
+            </a:solidFill>
+          </p:spPr>
+          <p:txBody>
+            <a:bodyPr/>
+            <a:lstStyle/>
+            <a:p/>
+          </p:txBody>
+        </p:sp>
+        <p:sp>
+          <p:nvSpPr>
+            <p:cNvPr id="60" name="pl60"/>
+            <p:cNvSpPr/>
+            <p:nvPr/>
+          </p:nvSpPr>
+          <p:spPr>
+            <a:xfrm>
+              <a:off x="4910601" y="4549058"/>
+              <a:ext cx="1295770" cy="0"/>
+            </a:xfrm>
+            <a:custGeom>
+              <a:avLst/>
+              <a:pathLst>
+                <a:path w="1295770" h="0">
+                  <a:moveTo>
+                    <a:pt x="0" y="0"/>
+                  </a:moveTo>
+                  <a:lnTo>
+                    <a:pt x="1295770" y="0"/>
+                  </a:lnTo>
+                  <a:lnTo>
+                    <a:pt x="1295770" y="0"/>
+                  </a:lnTo>
+                </a:path>
+              </a:pathLst>
+            </a:custGeom>
+            <a:ln w="6775" cap="flat">
+              <a:solidFill>
+                <a:srgbClr val="EBEBEB">
+                  <a:alpha val="100000"/>
+                </a:srgbClr>
+              </a:solidFill>
+              <a:prstDash val="solid"/>
+              <a:round/>
+            </a:ln>
+          </p:spPr>
+          <p:txBody>
+            <a:bodyPr/>
+            <a:lstStyle/>
+            <a:p/>
+          </p:txBody>
+        </p:sp>
+        <p:sp>
+          <p:nvSpPr>
+            <p:cNvPr id="61" name="pl61"/>
+            <p:cNvSpPr/>
+            <p:nvPr/>
+          </p:nvSpPr>
+          <p:spPr>
+            <a:xfrm>
+              <a:off x="4910601" y="3832936"/>
+              <a:ext cx="1295770" cy="0"/>
+            </a:xfrm>
+            <a:custGeom>
+              <a:avLst/>
+              <a:pathLst>
+                <a:path w="1295770" h="0">
+                  <a:moveTo>
+                    <a:pt x="0" y="0"/>
+                  </a:moveTo>
+                  <a:lnTo>
+                    <a:pt x="1295770" y="0"/>
+                  </a:lnTo>
+                  <a:lnTo>
+                    <a:pt x="1295770" y="0"/>
+                  </a:lnTo>
+                </a:path>
+              </a:pathLst>
+            </a:custGeom>
+            <a:ln w="6775" cap="flat">
+              <a:solidFill>
+                <a:srgbClr val="EBEBEB">
+                  <a:alpha val="100000"/>
+                </a:srgbClr>
+              </a:solidFill>
+              <a:prstDash val="solid"/>
+              <a:round/>
+            </a:ln>
+          </p:spPr>
+          <p:txBody>
+            <a:bodyPr/>
+            <a:lstStyle/>
+            <a:p/>
+          </p:txBody>
+        </p:sp>
+        <p:sp>
+          <p:nvSpPr>
+            <p:cNvPr id="62" name="pl62"/>
+            <p:cNvSpPr/>
+            <p:nvPr/>
+          </p:nvSpPr>
+          <p:spPr>
+            <a:xfrm>
+              <a:off x="4910601" y="3116813"/>
+              <a:ext cx="1295770" cy="0"/>
+            </a:xfrm>
+            <a:custGeom>
+              <a:avLst/>
+              <a:pathLst>
+                <a:path w="1295770" h="0">
+                  <a:moveTo>
+                    <a:pt x="0" y="0"/>
+                  </a:moveTo>
+                  <a:lnTo>
+                    <a:pt x="1295770" y="0"/>
+                  </a:lnTo>
+                  <a:lnTo>
+                    <a:pt x="1295770" y="0"/>
+                  </a:lnTo>
+                </a:path>
+              </a:pathLst>
+            </a:custGeom>
+            <a:ln w="6775" cap="flat">
+              <a:solidFill>
+                <a:srgbClr val="EBEBEB">
+                  <a:alpha val="100000"/>
+                </a:srgbClr>
+              </a:solidFill>
+              <a:prstDash val="solid"/>
+              <a:round/>
+            </a:ln>
+          </p:spPr>
+          <p:txBody>
+            <a:bodyPr/>
+            <a:lstStyle/>
+            <a:p/>
+          </p:txBody>
+        </p:sp>
+        <p:sp>
+          <p:nvSpPr>
+            <p:cNvPr id="63" name="pl63"/>
+            <p:cNvSpPr/>
+            <p:nvPr/>
+          </p:nvSpPr>
+          <p:spPr>
+            <a:xfrm>
+              <a:off x="4910601" y="2400690"/>
+              <a:ext cx="1295770" cy="0"/>
+            </a:xfrm>
+            <a:custGeom>
+              <a:avLst/>
+              <a:pathLst>
+                <a:path w="1295770" h="0">
+                  <a:moveTo>
+                    <a:pt x="0" y="0"/>
+                  </a:moveTo>
+                  <a:lnTo>
+                    <a:pt x="1295770" y="0"/>
+                  </a:lnTo>
+                  <a:lnTo>
+                    <a:pt x="1295770" y="0"/>
+                  </a:lnTo>
+                </a:path>
+              </a:pathLst>
+            </a:custGeom>
+            <a:ln w="6775" cap="flat">
+              <a:solidFill>
+                <a:srgbClr val="EBEBEB">
+                  <a:alpha val="100000"/>
+                </a:srgbClr>
+              </a:solidFill>
+              <a:prstDash val="solid"/>
+              <a:round/>
+            </a:ln>
+          </p:spPr>
+          <p:txBody>
+            <a:bodyPr/>
+            <a:lstStyle/>
+            <a:p/>
+          </p:txBody>
+        </p:sp>
+        <p:sp>
+          <p:nvSpPr>
+            <p:cNvPr id="64" name="pl64"/>
+            <p:cNvSpPr/>
+            <p:nvPr/>
+          </p:nvSpPr>
+          <p:spPr>
+            <a:xfrm>
+              <a:off x="4910601" y="4907120"/>
+              <a:ext cx="1295770" cy="0"/>
+            </a:xfrm>
+            <a:custGeom>
+              <a:avLst/>
+              <a:pathLst>
+                <a:path w="1295770" h="0">
+                  <a:moveTo>
+                    <a:pt x="0" y="0"/>
+                  </a:moveTo>
+                  <a:lnTo>
+                    <a:pt x="1295770" y="0"/>
+                  </a:lnTo>
+                  <a:lnTo>
+                    <a:pt x="1295770" y="0"/>
+                  </a:lnTo>
+                </a:path>
+              </a:pathLst>
+            </a:custGeom>
+            <a:ln w="13550" cap="flat">
+              <a:solidFill>
+                <a:srgbClr val="EBEBEB">
+                  <a:alpha val="100000"/>
+                </a:srgbClr>
+              </a:solidFill>
+              <a:prstDash val="solid"/>
+              <a:round/>
+            </a:ln>
+          </p:spPr>
+          <p:txBody>
+            <a:bodyPr/>
+            <a:lstStyle/>
+            <a:p/>
+          </p:txBody>
+        </p:sp>
+        <p:sp>
+          <p:nvSpPr>
+            <p:cNvPr id="65" name="pl65"/>
+            <p:cNvSpPr/>
+            <p:nvPr/>
+          </p:nvSpPr>
+          <p:spPr>
+            <a:xfrm>
+              <a:off x="4910601" y="4190997"/>
+              <a:ext cx="1295770" cy="0"/>
+            </a:xfrm>
+            <a:custGeom>
+              <a:avLst/>
+              <a:pathLst>
+                <a:path w="1295770" h="0">
+                  <a:moveTo>
+                    <a:pt x="0" y="0"/>
+                  </a:moveTo>
+                  <a:lnTo>
+                    <a:pt x="1295770" y="0"/>
+                  </a:lnTo>
+                  <a:lnTo>
+                    <a:pt x="1295770" y="0"/>
+                  </a:lnTo>
+                </a:path>
+              </a:pathLst>
+            </a:custGeom>
+            <a:ln w="13550" cap="flat">
+              <a:solidFill>
+                <a:srgbClr val="EBEBEB">
+                  <a:alpha val="100000"/>
+                </a:srgbClr>
+              </a:solidFill>
+              <a:prstDash val="solid"/>
+              <a:round/>
+            </a:ln>
+          </p:spPr>
+          <p:txBody>
+            <a:bodyPr/>
+            <a:lstStyle/>
+            <a:p/>
+          </p:txBody>
+        </p:sp>
+        <p:sp>
+          <p:nvSpPr>
+            <p:cNvPr id="66" name="pl66"/>
+            <p:cNvSpPr/>
+            <p:nvPr/>
+          </p:nvSpPr>
+          <p:spPr>
+            <a:xfrm>
+              <a:off x="4910601" y="3474874"/>
+              <a:ext cx="1295770" cy="0"/>
+            </a:xfrm>
+            <a:custGeom>
+              <a:avLst/>
+              <a:pathLst>
+                <a:path w="1295770" h="0">
+                  <a:moveTo>
+                    <a:pt x="0" y="0"/>
+                  </a:moveTo>
+                  <a:lnTo>
+                    <a:pt x="1295770" y="0"/>
+                  </a:lnTo>
+                  <a:lnTo>
+                    <a:pt x="1295770" y="0"/>
+                  </a:lnTo>
+                </a:path>
+              </a:pathLst>
+            </a:custGeom>
+            <a:ln w="13550" cap="flat">
+              <a:solidFill>
+                <a:srgbClr val="EBEBEB">
+                  <a:alpha val="100000"/>
+                </a:srgbClr>
+              </a:solidFill>
+              <a:prstDash val="solid"/>
+              <a:round/>
+            </a:ln>
+          </p:spPr>
+          <p:txBody>
+            <a:bodyPr/>
+            <a:lstStyle/>
+            <a:p/>
+          </p:txBody>
+        </p:sp>
+        <p:sp>
+          <p:nvSpPr>
+            <p:cNvPr id="67" name="pl67"/>
+            <p:cNvSpPr/>
+            <p:nvPr/>
+          </p:nvSpPr>
+          <p:spPr>
+            <a:xfrm>
+              <a:off x="4910601" y="2758751"/>
+              <a:ext cx="1295770" cy="0"/>
+            </a:xfrm>
+            <a:custGeom>
+              <a:avLst/>
+              <a:pathLst>
+                <a:path w="1295770" h="0">
+                  <a:moveTo>
+                    <a:pt x="0" y="0"/>
+                  </a:moveTo>
+                  <a:lnTo>
+                    <a:pt x="1295770" y="0"/>
+                  </a:lnTo>
+                  <a:lnTo>
+                    <a:pt x="1295770" y="0"/>
+                  </a:lnTo>
+                </a:path>
+              </a:pathLst>
+            </a:custGeom>
+            <a:ln w="13550" cap="flat">
+              <a:solidFill>
+                <a:srgbClr val="EBEBEB">
+                  <a:alpha val="100000"/>
+                </a:srgbClr>
+              </a:solidFill>
+              <a:prstDash val="solid"/>
+              <a:round/>
+            </a:ln>
+          </p:spPr>
+          <p:txBody>
+            <a:bodyPr/>
+            <a:lstStyle/>
+            <a:p/>
+          </p:txBody>
+        </p:sp>
+        <p:sp>
+          <p:nvSpPr>
+            <p:cNvPr id="68" name="pl68"/>
+            <p:cNvSpPr/>
+            <p:nvPr/>
+          </p:nvSpPr>
+          <p:spPr>
+            <a:xfrm>
+              <a:off x="4910601" y="2042629"/>
+              <a:ext cx="1295770" cy="0"/>
+            </a:xfrm>
+            <a:custGeom>
+              <a:avLst/>
+              <a:pathLst>
+                <a:path w="1295770" h="0">
+                  <a:moveTo>
+                    <a:pt x="0" y="0"/>
+                  </a:moveTo>
+                  <a:lnTo>
+                    <a:pt x="1295770" y="0"/>
+                  </a:lnTo>
+                  <a:lnTo>
+                    <a:pt x="1295770" y="0"/>
+                  </a:lnTo>
+                </a:path>
+              </a:pathLst>
+            </a:custGeom>
+            <a:ln w="13550" cap="flat">
+              <a:solidFill>
+                <a:srgbClr val="EBEBEB">
+                  <a:alpha val="100000"/>
+                </a:srgbClr>
+              </a:solidFill>
+              <a:prstDash val="solid"/>
+              <a:round/>
+            </a:ln>
+          </p:spPr>
+          <p:txBody>
+            <a:bodyPr/>
+            <a:lstStyle/>
+            <a:p/>
+          </p:txBody>
+        </p:sp>
+        <p:sp>
+          <p:nvSpPr>
+            <p:cNvPr id="69" name="pl69"/>
+            <p:cNvSpPr/>
+            <p:nvPr/>
+          </p:nvSpPr>
+          <p:spPr>
+            <a:xfrm>
+              <a:off x="5005414" y="1809173"/>
+              <a:ext cx="0" cy="3245468"/>
+            </a:xfrm>
+            <a:custGeom>
+              <a:avLst/>
+              <a:pathLst>
+                <a:path w="0" h="3245468">
+                  <a:moveTo>
+                    <a:pt x="0" y="3245468"/>
+                  </a:moveTo>
+                  <a:lnTo>
+                    <a:pt x="0" y="0"/>
+                  </a:lnTo>
+                  <a:lnTo>
+                    <a:pt x="0" y="0"/>
+                  </a:lnTo>
+                </a:path>
+              </a:pathLst>
+            </a:custGeom>
+            <a:ln w="13550" cap="flat">
+              <a:solidFill>
+                <a:srgbClr val="EBEBEB">
+                  <a:alpha val="100000"/>
+                </a:srgbClr>
+              </a:solidFill>
+              <a:prstDash val="solid"/>
+              <a:round/>
+            </a:ln>
+          </p:spPr>
+          <p:txBody>
+            <a:bodyPr/>
+            <a:lstStyle/>
+            <a:p/>
+          </p:txBody>
+        </p:sp>
+        <p:sp>
+          <p:nvSpPr>
+            <p:cNvPr id="70" name="pl70"/>
+            <p:cNvSpPr/>
+            <p:nvPr/>
+          </p:nvSpPr>
+          <p:spPr>
+            <a:xfrm>
+              <a:off x="5163434" y="1809173"/>
+              <a:ext cx="0" cy="3245468"/>
+            </a:xfrm>
+            <a:custGeom>
+              <a:avLst/>
+              <a:pathLst>
+                <a:path w="0" h="3245468">
+                  <a:moveTo>
+                    <a:pt x="0" y="3245468"/>
+                  </a:moveTo>
+                  <a:lnTo>
+                    <a:pt x="0" y="0"/>
+                  </a:lnTo>
+                  <a:lnTo>
+                    <a:pt x="0" y="0"/>
+                  </a:lnTo>
+                </a:path>
+              </a:pathLst>
+            </a:custGeom>
+            <a:ln w="13550" cap="flat">
+              <a:solidFill>
+                <a:srgbClr val="EBEBEB">
+                  <a:alpha val="100000"/>
+                </a:srgbClr>
+              </a:solidFill>
+              <a:prstDash val="solid"/>
+              <a:round/>
+            </a:ln>
+          </p:spPr>
+          <p:txBody>
+            <a:bodyPr/>
+            <a:lstStyle/>
+            <a:p/>
+          </p:txBody>
+        </p:sp>
+        <p:sp>
+          <p:nvSpPr>
+            <p:cNvPr id="71" name="pl71"/>
+            <p:cNvSpPr/>
+            <p:nvPr/>
+          </p:nvSpPr>
+          <p:spPr>
+            <a:xfrm>
+              <a:off x="5321455" y="1809173"/>
+              <a:ext cx="0" cy="3245468"/>
+            </a:xfrm>
+            <a:custGeom>
+              <a:avLst/>
+              <a:pathLst>
+                <a:path w="0" h="3245468">
+                  <a:moveTo>
+                    <a:pt x="0" y="3245468"/>
+                  </a:moveTo>
+                  <a:lnTo>
+                    <a:pt x="0" y="0"/>
+                  </a:lnTo>
+                  <a:lnTo>
+                    <a:pt x="0" y="0"/>
+                  </a:lnTo>
+                </a:path>
+              </a:pathLst>
+            </a:custGeom>
+            <a:ln w="13550" cap="flat">
+              <a:solidFill>
+                <a:srgbClr val="EBEBEB">
+                  <a:alpha val="100000"/>
+                </a:srgbClr>
+              </a:solidFill>
+              <a:prstDash val="solid"/>
+              <a:round/>
+            </a:ln>
+          </p:spPr>
+          <p:txBody>
+            <a:bodyPr/>
+            <a:lstStyle/>
+            <a:p/>
+          </p:txBody>
+        </p:sp>
+        <p:sp>
+          <p:nvSpPr>
+            <p:cNvPr id="72" name="pl72"/>
+            <p:cNvSpPr/>
+            <p:nvPr/>
+          </p:nvSpPr>
+          <p:spPr>
+            <a:xfrm>
+              <a:off x="5479476" y="1809173"/>
+              <a:ext cx="0" cy="3245468"/>
+            </a:xfrm>
+            <a:custGeom>
+              <a:avLst/>
+              <a:pathLst>
+                <a:path w="0" h="3245468">
+                  <a:moveTo>
+                    <a:pt x="0" y="3245468"/>
+                  </a:moveTo>
+                  <a:lnTo>
+                    <a:pt x="0" y="0"/>
+                  </a:lnTo>
+                  <a:lnTo>
+                    <a:pt x="0" y="0"/>
+                  </a:lnTo>
+                </a:path>
+              </a:pathLst>
+            </a:custGeom>
+            <a:ln w="13550" cap="flat">
+              <a:solidFill>
+                <a:srgbClr val="EBEBEB">
+                  <a:alpha val="100000"/>
+                </a:srgbClr>
+              </a:solidFill>
+              <a:prstDash val="solid"/>
+              <a:round/>
+            </a:ln>
+          </p:spPr>
+          <p:txBody>
+            <a:bodyPr/>
+            <a:lstStyle/>
+            <a:p/>
+          </p:txBody>
+        </p:sp>
+        <p:sp>
+          <p:nvSpPr>
+            <p:cNvPr id="73" name="pl73"/>
+            <p:cNvSpPr/>
+            <p:nvPr/>
+          </p:nvSpPr>
+          <p:spPr>
+            <a:xfrm>
+              <a:off x="5637497" y="1809173"/>
+              <a:ext cx="0" cy="3245468"/>
+            </a:xfrm>
+            <a:custGeom>
+              <a:avLst/>
+              <a:pathLst>
+                <a:path w="0" h="3245468">
+                  <a:moveTo>
+                    <a:pt x="0" y="3245468"/>
+                  </a:moveTo>
+                  <a:lnTo>
+                    <a:pt x="0" y="0"/>
+                  </a:lnTo>
+                  <a:lnTo>
+                    <a:pt x="0" y="0"/>
+                  </a:lnTo>
+                </a:path>
+              </a:pathLst>
+            </a:custGeom>
+            <a:ln w="13550" cap="flat">
+              <a:solidFill>
+                <a:srgbClr val="EBEBEB">
+                  <a:alpha val="100000"/>
+                </a:srgbClr>
+              </a:solidFill>
+              <a:prstDash val="solid"/>
+              <a:round/>
+            </a:ln>
+          </p:spPr>
+          <p:txBody>
+            <a:bodyPr/>
+            <a:lstStyle/>
+            <a:p/>
+          </p:txBody>
+        </p:sp>
+        <p:sp>
+          <p:nvSpPr>
+            <p:cNvPr id="74" name="pl74"/>
+            <p:cNvSpPr/>
+            <p:nvPr/>
+          </p:nvSpPr>
+          <p:spPr>
+            <a:xfrm>
+              <a:off x="5795518" y="1809173"/>
+              <a:ext cx="0" cy="3245468"/>
+            </a:xfrm>
+            <a:custGeom>
+              <a:avLst/>
+              <a:pathLst>
+                <a:path w="0" h="3245468">
+                  <a:moveTo>
+                    <a:pt x="0" y="3245468"/>
+                  </a:moveTo>
+                  <a:lnTo>
+                    <a:pt x="0" y="0"/>
+                  </a:lnTo>
+                  <a:lnTo>
+                    <a:pt x="0" y="0"/>
+                  </a:lnTo>
+                </a:path>
+              </a:pathLst>
+            </a:custGeom>
+            <a:ln w="13550" cap="flat">
+              <a:solidFill>
+                <a:srgbClr val="EBEBEB">
+                  <a:alpha val="100000"/>
+                </a:srgbClr>
+              </a:solidFill>
+              <a:prstDash val="solid"/>
+              <a:round/>
+            </a:ln>
+          </p:spPr>
+          <p:txBody>
+            <a:bodyPr/>
+            <a:lstStyle/>
+            <a:p/>
+          </p:txBody>
+        </p:sp>
+        <p:sp>
+          <p:nvSpPr>
+            <p:cNvPr id="75" name="pl75"/>
+            <p:cNvSpPr/>
+            <p:nvPr/>
+          </p:nvSpPr>
+          <p:spPr>
+            <a:xfrm>
+              <a:off x="5953539" y="1809173"/>
+              <a:ext cx="0" cy="3245468"/>
+            </a:xfrm>
+            <a:custGeom>
+              <a:avLst/>
+              <a:pathLst>
+                <a:path w="0" h="3245468">
+                  <a:moveTo>
+                    <a:pt x="0" y="3245468"/>
+                  </a:moveTo>
+                  <a:lnTo>
+                    <a:pt x="0" y="0"/>
+                  </a:lnTo>
+                  <a:lnTo>
+                    <a:pt x="0" y="0"/>
+                  </a:lnTo>
+                </a:path>
+              </a:pathLst>
+            </a:custGeom>
+            <a:ln w="13550" cap="flat">
+              <a:solidFill>
+                <a:srgbClr val="EBEBEB">
+                  <a:alpha val="100000"/>
+                </a:srgbClr>
+              </a:solidFill>
+              <a:prstDash val="solid"/>
+              <a:round/>
+            </a:ln>
+          </p:spPr>
+          <p:txBody>
+            <a:bodyPr/>
+            <a:lstStyle/>
+            <a:p/>
+          </p:txBody>
+        </p:sp>
+        <p:sp>
+          <p:nvSpPr>
+            <p:cNvPr id="76" name="pl76"/>
+            <p:cNvSpPr/>
+            <p:nvPr/>
+          </p:nvSpPr>
+          <p:spPr>
+            <a:xfrm>
+              <a:off x="6111560" y="1809173"/>
+              <a:ext cx="0" cy="3245468"/>
+            </a:xfrm>
+            <a:custGeom>
+              <a:avLst/>
+              <a:pathLst>
+                <a:path w="0" h="3245468">
+                  <a:moveTo>
+                    <a:pt x="0" y="3245468"/>
+                  </a:moveTo>
+                  <a:lnTo>
+                    <a:pt x="0" y="0"/>
+                  </a:lnTo>
+                  <a:lnTo>
+                    <a:pt x="0" y="0"/>
+                  </a:lnTo>
+                </a:path>
+              </a:pathLst>
+            </a:custGeom>
+            <a:ln w="13550" cap="flat">
+              <a:solidFill>
+                <a:srgbClr val="EBEBEB">
+                  <a:alpha val="100000"/>
+                </a:srgbClr>
+              </a:solidFill>
+              <a:prstDash val="solid"/>
+              <a:round/>
+            </a:ln>
+          </p:spPr>
+          <p:txBody>
+            <a:bodyPr/>
+            <a:lstStyle/>
+            <a:p/>
+          </p:txBody>
+        </p:sp>
+        <p:sp>
+          <p:nvSpPr>
+            <p:cNvPr id="77" name="rc77"/>
+            <p:cNvSpPr/>
+            <p:nvPr/>
+          </p:nvSpPr>
+          <p:spPr>
+            <a:xfrm>
+              <a:off x="4934304" y="4391511"/>
+              <a:ext cx="142218" cy="515608"/>
+            </a:xfrm>
+            <a:prstGeom prst="rect">
+              <a:avLst/>
+            </a:prstGeom>
+            <a:solidFill>
+              <a:srgbClr val="FFF5F0">
+                <a:alpha val="100000"/>
+              </a:srgbClr>
+            </a:solidFill>
+          </p:spPr>
+          <p:txBody>
+            <a:bodyPr/>
+            <a:lstStyle/>
+            <a:p/>
+          </p:txBody>
+        </p:sp>
+        <p:sp>
+          <p:nvSpPr>
+            <p:cNvPr id="78" name="rc78"/>
+            <p:cNvSpPr/>
+            <p:nvPr/>
+          </p:nvSpPr>
+          <p:spPr>
+            <a:xfrm>
+              <a:off x="5092325" y="4821185"/>
+              <a:ext cx="142218" cy="85934"/>
+            </a:xfrm>
+            <a:prstGeom prst="rect">
+              <a:avLst/>
+            </a:prstGeom>
+            <a:solidFill>
+              <a:srgbClr val="FEE0D2">
+                <a:alpha val="100000"/>
+              </a:srgbClr>
+            </a:solidFill>
+          </p:spPr>
+          <p:txBody>
+            <a:bodyPr/>
+            <a:lstStyle/>
+            <a:p/>
+          </p:txBody>
+        </p:sp>
+        <p:sp>
+          <p:nvSpPr>
+            <p:cNvPr id="79" name="rc79"/>
+            <p:cNvSpPr/>
+            <p:nvPr/>
+          </p:nvSpPr>
+          <p:spPr>
+            <a:xfrm>
+              <a:off x="5250346" y="4792540"/>
+              <a:ext cx="142218" cy="114579"/>
+            </a:xfrm>
+            <a:prstGeom prst="rect">
+              <a:avLst/>
+            </a:prstGeom>
+            <a:solidFill>
+              <a:srgbClr val="FCBBA1">
+                <a:alpha val="100000"/>
+              </a:srgbClr>
+            </a:solidFill>
+          </p:spPr>
+          <p:txBody>
+            <a:bodyPr/>
+            <a:lstStyle/>
+            <a:p/>
+          </p:txBody>
+        </p:sp>
+        <p:sp>
+          <p:nvSpPr>
+            <p:cNvPr id="80" name="rc80"/>
+            <p:cNvSpPr/>
+            <p:nvPr/>
+          </p:nvSpPr>
+          <p:spPr>
+            <a:xfrm>
+              <a:off x="5408367" y="4677960"/>
+              <a:ext cx="142218" cy="229159"/>
+            </a:xfrm>
+            <a:prstGeom prst="rect">
+              <a:avLst/>
+            </a:prstGeom>
+            <a:solidFill>
+              <a:srgbClr val="FC9272">
+                <a:alpha val="100000"/>
+              </a:srgbClr>
+            </a:solidFill>
+          </p:spPr>
+          <p:txBody>
+            <a:bodyPr/>
+            <a:lstStyle/>
+            <a:p/>
+          </p:txBody>
+        </p:sp>
+        <p:sp>
+          <p:nvSpPr>
+            <p:cNvPr id="81" name="rc81"/>
+            <p:cNvSpPr/>
+            <p:nvPr/>
+          </p:nvSpPr>
+          <p:spPr>
+            <a:xfrm>
+              <a:off x="5566388" y="4821185"/>
+              <a:ext cx="142218" cy="85934"/>
+            </a:xfrm>
+            <a:prstGeom prst="rect">
+              <a:avLst/>
+            </a:prstGeom>
+            <a:solidFill>
+              <a:srgbClr val="FB6A4A">
+                <a:alpha val="100000"/>
+              </a:srgbClr>
+            </a:solidFill>
+          </p:spPr>
+          <p:txBody>
+            <a:bodyPr/>
+            <a:lstStyle/>
+            <a:p/>
+          </p:txBody>
+        </p:sp>
+        <p:sp>
+          <p:nvSpPr>
+            <p:cNvPr id="82" name="rc82"/>
+            <p:cNvSpPr/>
+            <p:nvPr/>
+          </p:nvSpPr>
+          <p:spPr>
+            <a:xfrm>
+              <a:off x="5724408" y="4477446"/>
+              <a:ext cx="142218" cy="429673"/>
+            </a:xfrm>
+            <a:prstGeom prst="rect">
+              <a:avLst/>
+            </a:prstGeom>
+            <a:solidFill>
+              <a:srgbClr val="EF3B2C">
+                <a:alpha val="100000"/>
+              </a:srgbClr>
+            </a:solidFill>
+          </p:spPr>
+          <p:txBody>
+            <a:bodyPr/>
+            <a:lstStyle/>
+            <a:p/>
+          </p:txBody>
+        </p:sp>
+        <p:sp>
+          <p:nvSpPr>
+            <p:cNvPr id="83" name="rc83"/>
+            <p:cNvSpPr/>
+            <p:nvPr/>
+          </p:nvSpPr>
+          <p:spPr>
+            <a:xfrm>
+              <a:off x="5882429" y="4334221"/>
+              <a:ext cx="142218" cy="572898"/>
+            </a:xfrm>
+            <a:prstGeom prst="rect">
+              <a:avLst/>
+            </a:prstGeom>
+            <a:solidFill>
+              <a:srgbClr val="CB181D">
+                <a:alpha val="100000"/>
+              </a:srgbClr>
+            </a:solidFill>
+          </p:spPr>
+          <p:txBody>
+            <a:bodyPr/>
+            <a:lstStyle/>
+            <a:p/>
+          </p:txBody>
+        </p:sp>
+        <p:sp>
+          <p:nvSpPr>
+            <p:cNvPr id="84" name="rc84"/>
+            <p:cNvSpPr/>
+            <p:nvPr/>
+          </p:nvSpPr>
+          <p:spPr>
+            <a:xfrm>
+              <a:off x="6040450" y="4477446"/>
+              <a:ext cx="142218" cy="429673"/>
+            </a:xfrm>
+            <a:prstGeom prst="rect">
+              <a:avLst/>
+            </a:prstGeom>
+            <a:solidFill>
+              <a:srgbClr val="99000D">
+                <a:alpha val="100000"/>
+              </a:srgbClr>
+            </a:solidFill>
+          </p:spPr>
+          <p:txBody>
+            <a:bodyPr/>
+            <a:lstStyle/>
+            <a:p/>
+          </p:txBody>
+        </p:sp>
+        <p:sp>
+          <p:nvSpPr>
+            <p:cNvPr id="85" name="rc85"/>
+            <p:cNvSpPr/>
+            <p:nvPr/>
+          </p:nvSpPr>
+          <p:spPr>
+            <a:xfrm>
+              <a:off x="4910601" y="1809173"/>
+              <a:ext cx="1295770" cy="3245468"/>
+            </a:xfrm>
+            <a:prstGeom prst="rect">
+              <a:avLst/>
+            </a:prstGeom>
+            <a:ln w="13550" cap="rnd">
+              <a:solidFill>
+                <a:srgbClr val="333333">
+                  <a:alpha val="100000"/>
+                </a:srgbClr>
+              </a:solidFill>
+              <a:prstDash val="solid"/>
+              <a:round/>
+            </a:ln>
+          </p:spPr>
+          <p:txBody>
+            <a:bodyPr/>
+            <a:lstStyle/>
+            <a:p/>
+          </p:txBody>
+        </p:sp>
+        <p:sp>
+          <p:nvSpPr>
+            <p:cNvPr id="86" name="rc86"/>
+            <p:cNvSpPr/>
+            <p:nvPr/>
+          </p:nvSpPr>
+          <p:spPr>
+            <a:xfrm>
+              <a:off x="6275961" y="1809173"/>
+              <a:ext cx="1295770" cy="3245468"/>
+            </a:xfrm>
+            <a:prstGeom prst="rect">
+              <a:avLst/>
+            </a:prstGeom>
+            <a:solidFill>
+              <a:srgbClr val="FFFFFF">
+                <a:alpha val="100000"/>
+              </a:srgbClr>
+            </a:solidFill>
+          </p:spPr>
+          <p:txBody>
+            <a:bodyPr/>
+            <a:lstStyle/>
+            <a:p/>
+          </p:txBody>
+        </p:sp>
+        <p:sp>
+          <p:nvSpPr>
+            <p:cNvPr id="87" name="pl87"/>
+            <p:cNvSpPr/>
+            <p:nvPr/>
+          </p:nvSpPr>
+          <p:spPr>
+            <a:xfrm>
+              <a:off x="6275961" y="4549058"/>
+              <a:ext cx="1295770" cy="0"/>
+            </a:xfrm>
+            <a:custGeom>
+              <a:avLst/>
+              <a:pathLst>
+                <a:path w="1295770" h="0">
+                  <a:moveTo>
+                    <a:pt x="0" y="0"/>
+                  </a:moveTo>
+                  <a:lnTo>
+                    <a:pt x="1295770" y="0"/>
+                  </a:lnTo>
+                  <a:lnTo>
+                    <a:pt x="1295770" y="0"/>
+                  </a:lnTo>
+                </a:path>
+              </a:pathLst>
+            </a:custGeom>
+            <a:ln w="6775" cap="flat">
+              <a:solidFill>
+                <a:srgbClr val="EBEBEB">
+                  <a:alpha val="100000"/>
+                </a:srgbClr>
+              </a:solidFill>
+              <a:prstDash val="solid"/>
+              <a:round/>
+            </a:ln>
+          </p:spPr>
+          <p:txBody>
+            <a:bodyPr/>
+            <a:lstStyle/>
+            <a:p/>
+          </p:txBody>
+        </p:sp>
+        <p:sp>
+          <p:nvSpPr>
+            <p:cNvPr id="88" name="pl88"/>
+            <p:cNvSpPr/>
+            <p:nvPr/>
+          </p:nvSpPr>
+          <p:spPr>
+            <a:xfrm>
+              <a:off x="6275961" y="3832936"/>
+              <a:ext cx="1295770" cy="0"/>
+            </a:xfrm>
+            <a:custGeom>
+              <a:avLst/>
+              <a:pathLst>
+                <a:path w="1295770" h="0">
+                  <a:moveTo>
+                    <a:pt x="0" y="0"/>
+                  </a:moveTo>
+                  <a:lnTo>
+                    <a:pt x="1295770" y="0"/>
+                  </a:lnTo>
+                  <a:lnTo>
+                    <a:pt x="1295770" y="0"/>
+                  </a:lnTo>
+                </a:path>
+              </a:pathLst>
+            </a:custGeom>
+            <a:ln w="6775" cap="flat">
+              <a:solidFill>
+                <a:srgbClr val="EBEBEB">
+                  <a:alpha val="100000"/>
+                </a:srgbClr>
+              </a:solidFill>
+              <a:prstDash val="solid"/>
+              <a:round/>
+            </a:ln>
+          </p:spPr>
+          <p:txBody>
+            <a:bodyPr/>
+            <a:lstStyle/>
+            <a:p/>
+          </p:txBody>
+        </p:sp>
+        <p:sp>
+          <p:nvSpPr>
+            <p:cNvPr id="89" name="pl89"/>
+            <p:cNvSpPr/>
+            <p:nvPr/>
+          </p:nvSpPr>
+          <p:spPr>
+            <a:xfrm>
+              <a:off x="6275961" y="3116813"/>
+              <a:ext cx="1295770" cy="0"/>
+            </a:xfrm>
+            <a:custGeom>
+              <a:avLst/>
+              <a:pathLst>
+                <a:path w="1295770" h="0">
+                  <a:moveTo>
+                    <a:pt x="0" y="0"/>
+                  </a:moveTo>
+                  <a:lnTo>
+                    <a:pt x="1295770" y="0"/>
+                  </a:lnTo>
+                  <a:lnTo>
+                    <a:pt x="1295770" y="0"/>
+                  </a:lnTo>
+                </a:path>
+              </a:pathLst>
+            </a:custGeom>
+            <a:ln w="6775" cap="flat">
+              <a:solidFill>
+                <a:srgbClr val="EBEBEB">
+                  <a:alpha val="100000"/>
+                </a:srgbClr>
+              </a:solidFill>
+              <a:prstDash val="solid"/>
+              <a:round/>
+            </a:ln>
+          </p:spPr>
+          <p:txBody>
+            <a:bodyPr/>
+            <a:lstStyle/>
+            <a:p/>
+          </p:txBody>
+        </p:sp>
+        <p:sp>
+          <p:nvSpPr>
+            <p:cNvPr id="90" name="pl90"/>
+            <p:cNvSpPr/>
+            <p:nvPr/>
+          </p:nvSpPr>
+          <p:spPr>
+            <a:xfrm>
+              <a:off x="6275961" y="2400690"/>
+              <a:ext cx="1295770" cy="0"/>
+            </a:xfrm>
+            <a:custGeom>
+              <a:avLst/>
+              <a:pathLst>
+                <a:path w="1295770" h="0">
+                  <a:moveTo>
+                    <a:pt x="0" y="0"/>
+                  </a:moveTo>
+                  <a:lnTo>
+                    <a:pt x="1295770" y="0"/>
+                  </a:lnTo>
+                  <a:lnTo>
+                    <a:pt x="1295770" y="0"/>
+                  </a:lnTo>
+                </a:path>
+              </a:pathLst>
+            </a:custGeom>
+            <a:ln w="6775" cap="flat">
+              <a:solidFill>
+                <a:srgbClr val="EBEBEB">
+                  <a:alpha val="100000"/>
+                </a:srgbClr>
+              </a:solidFill>
+              <a:prstDash val="solid"/>
+              <a:round/>
+            </a:ln>
+          </p:spPr>
+          <p:txBody>
+            <a:bodyPr/>
+            <a:lstStyle/>
+            <a:p/>
+          </p:txBody>
+        </p:sp>
+        <p:sp>
+          <p:nvSpPr>
+            <p:cNvPr id="91" name="pl91"/>
+            <p:cNvSpPr/>
+            <p:nvPr/>
+          </p:nvSpPr>
+          <p:spPr>
+            <a:xfrm>
+              <a:off x="6275961" y="4907120"/>
+              <a:ext cx="1295770" cy="0"/>
+            </a:xfrm>
+            <a:custGeom>
+              <a:avLst/>
+              <a:pathLst>
+                <a:path w="1295770" h="0">
+                  <a:moveTo>
+                    <a:pt x="0" y="0"/>
+                  </a:moveTo>
+                  <a:lnTo>
+                    <a:pt x="1295770" y="0"/>
+                  </a:lnTo>
+                  <a:lnTo>
+                    <a:pt x="1295770" y="0"/>
+                  </a:lnTo>
+                </a:path>
+              </a:pathLst>
+            </a:custGeom>
+            <a:ln w="13550" cap="flat">
+              <a:solidFill>
+                <a:srgbClr val="EBEBEB">
+                  <a:alpha val="100000"/>
+                </a:srgbClr>
+              </a:solidFill>
+              <a:prstDash val="solid"/>
+              <a:round/>
+            </a:ln>
+          </p:spPr>
+          <p:txBody>
+            <a:bodyPr/>
+            <a:lstStyle/>
+            <a:p/>
+          </p:txBody>
+        </p:sp>
+        <p:sp>
+          <p:nvSpPr>
+            <p:cNvPr id="92" name="pl92"/>
+            <p:cNvSpPr/>
+            <p:nvPr/>
+          </p:nvSpPr>
+          <p:spPr>
+            <a:xfrm>
+              <a:off x="6275961" y="4190997"/>
+              <a:ext cx="1295770" cy="0"/>
+            </a:xfrm>
+            <a:custGeom>
+              <a:avLst/>
+              <a:pathLst>
+                <a:path w="1295770" h="0">
+                  <a:moveTo>
+                    <a:pt x="0" y="0"/>
+                  </a:moveTo>
+                  <a:lnTo>
+                    <a:pt x="1295770" y="0"/>
+                  </a:lnTo>
+                  <a:lnTo>
+                    <a:pt x="1295770" y="0"/>
+                  </a:lnTo>
+                </a:path>
+              </a:pathLst>
+            </a:custGeom>
+            <a:ln w="13550" cap="flat">
+              <a:solidFill>
+                <a:srgbClr val="EBEBEB">
+                  <a:alpha val="100000"/>
+                </a:srgbClr>
+              </a:solidFill>
+              <a:prstDash val="solid"/>
+              <a:round/>
+            </a:ln>
+          </p:spPr>
+          <p:txBody>
+            <a:bodyPr/>
+            <a:lstStyle/>
+            <a:p/>
+          </p:txBody>
+        </p:sp>
+        <p:sp>
+          <p:nvSpPr>
+            <p:cNvPr id="93" name="pl93"/>
+            <p:cNvSpPr/>
+            <p:nvPr/>
+          </p:nvSpPr>
+          <p:spPr>
+            <a:xfrm>
+              <a:off x="6275961" y="3474874"/>
+              <a:ext cx="1295770" cy="0"/>
+            </a:xfrm>
+            <a:custGeom>
+              <a:avLst/>
+              <a:pathLst>
+                <a:path w="1295770" h="0">
+                  <a:moveTo>
+                    <a:pt x="0" y="0"/>
+                  </a:moveTo>
+                  <a:lnTo>
+                    <a:pt x="1295770" y="0"/>
+                  </a:lnTo>
+                  <a:lnTo>
+                    <a:pt x="1295770" y="0"/>
+                  </a:lnTo>
+                </a:path>
+              </a:pathLst>
+            </a:custGeom>
+            <a:ln w="13550" cap="flat">
+              <a:solidFill>
+                <a:srgbClr val="EBEBEB">
+                  <a:alpha val="100000"/>
+                </a:srgbClr>
+              </a:solidFill>
+              <a:prstDash val="solid"/>
+              <a:round/>
+            </a:ln>
+          </p:spPr>
+          <p:txBody>
+            <a:bodyPr/>
+            <a:lstStyle/>
+            <a:p/>
+          </p:txBody>
+        </p:sp>
+        <p:sp>
+          <p:nvSpPr>
+            <p:cNvPr id="94" name="pl94"/>
+            <p:cNvSpPr/>
+            <p:nvPr/>
+          </p:nvSpPr>
+          <p:spPr>
+            <a:xfrm>
+              <a:off x="6275961" y="2758751"/>
+              <a:ext cx="1295770" cy="0"/>
+            </a:xfrm>
+            <a:custGeom>
+              <a:avLst/>
+              <a:pathLst>
+                <a:path w="1295770" h="0">
+                  <a:moveTo>
+                    <a:pt x="0" y="0"/>
+                  </a:moveTo>
+                  <a:lnTo>
+                    <a:pt x="1295770" y="0"/>
+                  </a:lnTo>
+                  <a:lnTo>
+                    <a:pt x="1295770" y="0"/>
+                  </a:lnTo>
+                </a:path>
+              </a:pathLst>
+            </a:custGeom>
+            <a:ln w="13550" cap="flat">
+              <a:solidFill>
+                <a:srgbClr val="EBEBEB">
+                  <a:alpha val="100000"/>
+                </a:srgbClr>
+              </a:solidFill>
+              <a:prstDash val="solid"/>
+              <a:round/>
+            </a:ln>
+          </p:spPr>
+          <p:txBody>
+            <a:bodyPr/>
+            <a:lstStyle/>
+            <a:p/>
+          </p:txBody>
+        </p:sp>
+        <p:sp>
+          <p:nvSpPr>
+            <p:cNvPr id="95" name="pl95"/>
+            <p:cNvSpPr/>
+            <p:nvPr/>
+          </p:nvSpPr>
+          <p:spPr>
+            <a:xfrm>
+              <a:off x="6275961" y="2042629"/>
+              <a:ext cx="1295770" cy="0"/>
+            </a:xfrm>
+            <a:custGeom>
+              <a:avLst/>
+              <a:pathLst>
+                <a:path w="1295770" h="0">
+                  <a:moveTo>
+                    <a:pt x="0" y="0"/>
+                  </a:moveTo>
+                  <a:lnTo>
+                    <a:pt x="1295770" y="0"/>
+                  </a:lnTo>
+                  <a:lnTo>
+                    <a:pt x="1295770" y="0"/>
+                  </a:lnTo>
+                </a:path>
+              </a:pathLst>
+            </a:custGeom>
+            <a:ln w="13550" cap="flat">
+              <a:solidFill>
+                <a:srgbClr val="EBEBEB">
+                  <a:alpha val="100000"/>
+                </a:srgbClr>
+              </a:solidFill>
+              <a:prstDash val="solid"/>
+              <a:round/>
+            </a:ln>
+          </p:spPr>
+          <p:txBody>
+            <a:bodyPr/>
+            <a:lstStyle/>
+            <a:p/>
+          </p:txBody>
+        </p:sp>
+        <p:sp>
+          <p:nvSpPr>
+            <p:cNvPr id="96" name="pl96"/>
+            <p:cNvSpPr/>
+            <p:nvPr/>
+          </p:nvSpPr>
+          <p:spPr>
+            <a:xfrm>
+              <a:off x="6370774" y="1809173"/>
+              <a:ext cx="0" cy="3245468"/>
+            </a:xfrm>
+            <a:custGeom>
+              <a:avLst/>
+              <a:pathLst>
+                <a:path w="0" h="3245468">
+                  <a:moveTo>
+                    <a:pt x="0" y="3245468"/>
+                  </a:moveTo>
+                  <a:lnTo>
+                    <a:pt x="0" y="0"/>
+                  </a:lnTo>
+                  <a:lnTo>
+                    <a:pt x="0" y="0"/>
+                  </a:lnTo>
+                </a:path>
+              </a:pathLst>
+            </a:custGeom>
+            <a:ln w="13550" cap="flat">
+              <a:solidFill>
+                <a:srgbClr val="EBEBEB">
+                  <a:alpha val="100000"/>
+                </a:srgbClr>
+              </a:solidFill>
+              <a:prstDash val="solid"/>
+              <a:round/>
+            </a:ln>
+          </p:spPr>
+          <p:txBody>
+            <a:bodyPr/>
+            <a:lstStyle/>
+            <a:p/>
+          </p:txBody>
+        </p:sp>
+        <p:sp>
+          <p:nvSpPr>
+            <p:cNvPr id="97" name="pl97"/>
+            <p:cNvSpPr/>
+            <p:nvPr/>
+          </p:nvSpPr>
+          <p:spPr>
+            <a:xfrm>
+              <a:off x="6528794" y="1809173"/>
+              <a:ext cx="0" cy="3245468"/>
+            </a:xfrm>
+            <a:custGeom>
+              <a:avLst/>
+              <a:pathLst>
+                <a:path w="0" h="3245468">
+                  <a:moveTo>
+                    <a:pt x="0" y="3245468"/>
+                  </a:moveTo>
+                  <a:lnTo>
+                    <a:pt x="0" y="0"/>
+                  </a:lnTo>
+                  <a:lnTo>
+                    <a:pt x="0" y="0"/>
+                  </a:lnTo>
+                </a:path>
+              </a:pathLst>
+            </a:custGeom>
+            <a:ln w="13550" cap="flat">
+              <a:solidFill>
+                <a:srgbClr val="EBEBEB">
+                  <a:alpha val="100000"/>
+                </a:srgbClr>
+              </a:solidFill>
+              <a:prstDash val="solid"/>
+              <a:round/>
+            </a:ln>
+          </p:spPr>
+          <p:txBody>
+            <a:bodyPr/>
+            <a:lstStyle/>
+            <a:p/>
+          </p:txBody>
+        </p:sp>
+        <p:sp>
+          <p:nvSpPr>
+            <p:cNvPr id="98" name="pl98"/>
+            <p:cNvSpPr/>
+            <p:nvPr/>
+          </p:nvSpPr>
+          <p:spPr>
+            <a:xfrm>
+              <a:off x="6686815" y="1809173"/>
+              <a:ext cx="0" cy="3245468"/>
+            </a:xfrm>
+            <a:custGeom>
+              <a:avLst/>
+              <a:pathLst>
+                <a:path w="0" h="3245468">
+                  <a:moveTo>
+                    <a:pt x="0" y="3245468"/>
+                  </a:moveTo>
+                  <a:lnTo>
+                    <a:pt x="0" y="0"/>
+                  </a:lnTo>
+                  <a:lnTo>
+                    <a:pt x="0" y="0"/>
+                  </a:lnTo>
+                </a:path>
+              </a:pathLst>
+            </a:custGeom>
+            <a:ln w="13550" cap="flat">
+              <a:solidFill>
+                <a:srgbClr val="EBEBEB">
+                  <a:alpha val="100000"/>
+                </a:srgbClr>
+              </a:solidFill>
+              <a:prstDash val="solid"/>
+              <a:round/>
+            </a:ln>
+          </p:spPr>
+          <p:txBody>
+            <a:bodyPr/>
+            <a:lstStyle/>
+            <a:p/>
+          </p:txBody>
+        </p:sp>
+        <p:sp>
+          <p:nvSpPr>
+            <p:cNvPr id="99" name="pl99"/>
+            <p:cNvSpPr/>
+            <p:nvPr/>
+          </p:nvSpPr>
+          <p:spPr>
+            <a:xfrm>
+              <a:off x="6844836" y="1809173"/>
+              <a:ext cx="0" cy="3245468"/>
+            </a:xfrm>
+            <a:custGeom>
+              <a:avLst/>
+              <a:pathLst>
+                <a:path w="0" h="3245468">
+                  <a:moveTo>
+                    <a:pt x="0" y="3245468"/>
+                  </a:moveTo>
+                  <a:lnTo>
+                    <a:pt x="0" y="0"/>
+                  </a:lnTo>
+                  <a:lnTo>
+                    <a:pt x="0" y="0"/>
+                  </a:lnTo>
+                </a:path>
+              </a:pathLst>
+            </a:custGeom>
+            <a:ln w="13550" cap="flat">
+              <a:solidFill>
+                <a:srgbClr val="EBEBEB">
+                  <a:alpha val="100000"/>
+                </a:srgbClr>
+              </a:solidFill>
+              <a:prstDash val="solid"/>
+              <a:round/>
+            </a:ln>
+          </p:spPr>
+          <p:txBody>
+            <a:bodyPr/>
+            <a:lstStyle/>
+            <a:p/>
+          </p:txBody>
+        </p:sp>
+        <p:sp>
+          <p:nvSpPr>
+            <p:cNvPr id="100" name="pl100"/>
+            <p:cNvSpPr/>
+            <p:nvPr/>
+          </p:nvSpPr>
+          <p:spPr>
+            <a:xfrm>
+              <a:off x="7002857" y="1809173"/>
+              <a:ext cx="0" cy="3245468"/>
+            </a:xfrm>
+            <a:custGeom>
+              <a:avLst/>
+              <a:pathLst>
+                <a:path w="0" h="3245468">
+                  <a:moveTo>
+                    <a:pt x="0" y="3245468"/>
+                  </a:moveTo>
+                  <a:lnTo>
+                    <a:pt x="0" y="0"/>
+                  </a:lnTo>
+                  <a:lnTo>
+                    <a:pt x="0" y="0"/>
+                  </a:lnTo>
+                </a:path>
+              </a:pathLst>
+            </a:custGeom>
+            <a:ln w="13550" cap="flat">
+              <a:solidFill>
+                <a:srgbClr val="EBEBEB">
+                  <a:alpha val="100000"/>
+                </a:srgbClr>
+              </a:solidFill>
+              <a:prstDash val="solid"/>
+              <a:round/>
+            </a:ln>
+          </p:spPr>
+          <p:txBody>
+            <a:bodyPr/>
+            <a:lstStyle/>
+            <a:p/>
+          </p:txBody>
+        </p:sp>
+        <p:sp>
+          <p:nvSpPr>
+            <p:cNvPr id="101" name="pl101"/>
+            <p:cNvSpPr/>
+            <p:nvPr/>
+          </p:nvSpPr>
+          <p:spPr>
+            <a:xfrm>
+              <a:off x="7160878" y="1809173"/>
+              <a:ext cx="0" cy="3245468"/>
+            </a:xfrm>
+            <a:custGeom>
+              <a:avLst/>
+              <a:pathLst>
+                <a:path w="0" h="3245468">
+                  <a:moveTo>
+                    <a:pt x="0" y="3245468"/>
+                  </a:moveTo>
+                  <a:lnTo>
+                    <a:pt x="0" y="0"/>
+                  </a:lnTo>
+                  <a:lnTo>
+                    <a:pt x="0" y="0"/>
+                  </a:lnTo>
+                </a:path>
+              </a:pathLst>
+            </a:custGeom>
+            <a:ln w="13550" cap="flat">
+              <a:solidFill>
+                <a:srgbClr val="EBEBEB">
+                  <a:alpha val="100000"/>
+                </a:srgbClr>
+              </a:solidFill>
+              <a:prstDash val="solid"/>
+              <a:round/>
+            </a:ln>
+          </p:spPr>
+          <p:txBody>
+            <a:bodyPr/>
+            <a:lstStyle/>
+            <a:p/>
+          </p:txBody>
+        </p:sp>
+        <p:sp>
+          <p:nvSpPr>
+            <p:cNvPr id="102" name="pl102"/>
+            <p:cNvSpPr/>
+            <p:nvPr/>
+          </p:nvSpPr>
+          <p:spPr>
+            <a:xfrm>
+              <a:off x="7318899" y="1809173"/>
+              <a:ext cx="0" cy="3245468"/>
+            </a:xfrm>
+            <a:custGeom>
+              <a:avLst/>
+              <a:pathLst>
+                <a:path w="0" h="3245468">
+                  <a:moveTo>
+                    <a:pt x="0" y="3245468"/>
+                  </a:moveTo>
+                  <a:lnTo>
+                    <a:pt x="0" y="0"/>
+                  </a:lnTo>
+                  <a:lnTo>
+                    <a:pt x="0" y="0"/>
+                  </a:lnTo>
+                </a:path>
+              </a:pathLst>
+            </a:custGeom>
+            <a:ln w="13550" cap="flat">
+              <a:solidFill>
+                <a:srgbClr val="EBEBEB">
+                  <a:alpha val="100000"/>
+                </a:srgbClr>
+              </a:solidFill>
+              <a:prstDash val="solid"/>
+              <a:round/>
+            </a:ln>
+          </p:spPr>
+          <p:txBody>
+            <a:bodyPr/>
+            <a:lstStyle/>
+            <a:p/>
+          </p:txBody>
+        </p:sp>
+        <p:sp>
+          <p:nvSpPr>
+            <p:cNvPr id="103" name="pl103"/>
+            <p:cNvSpPr/>
+            <p:nvPr/>
+          </p:nvSpPr>
+          <p:spPr>
+            <a:xfrm>
+              <a:off x="7476919" y="1809173"/>
+              <a:ext cx="0" cy="3245468"/>
+            </a:xfrm>
+            <a:custGeom>
+              <a:avLst/>
+              <a:pathLst>
+                <a:path w="0" h="3245468">
+                  <a:moveTo>
+                    <a:pt x="0" y="3245468"/>
+                  </a:moveTo>
+                  <a:lnTo>
+                    <a:pt x="0" y="0"/>
+                  </a:lnTo>
+                  <a:lnTo>
+                    <a:pt x="0" y="0"/>
+                  </a:lnTo>
+                </a:path>
+              </a:pathLst>
+            </a:custGeom>
+            <a:ln w="13550" cap="flat">
+              <a:solidFill>
+                <a:srgbClr val="EBEBEB">
+                  <a:alpha val="100000"/>
+                </a:srgbClr>
+              </a:solidFill>
+              <a:prstDash val="solid"/>
+              <a:round/>
+            </a:ln>
+          </p:spPr>
+          <p:txBody>
+            <a:bodyPr/>
+            <a:lstStyle/>
+            <a:p/>
+          </p:txBody>
+        </p:sp>
+        <p:sp>
+          <p:nvSpPr>
+            <p:cNvPr id="104" name="rc104"/>
+            <p:cNvSpPr/>
+            <p:nvPr/>
+          </p:nvSpPr>
+          <p:spPr>
+            <a:xfrm>
+              <a:off x="6299664" y="4706605"/>
+              <a:ext cx="142218" cy="200514"/>
+            </a:xfrm>
+            <a:prstGeom prst="rect">
+              <a:avLst/>
+            </a:prstGeom>
+            <a:solidFill>
+              <a:srgbClr val="FFF5F0">
+                <a:alpha val="100000"/>
+              </a:srgbClr>
+            </a:solidFill>
+          </p:spPr>
+          <p:txBody>
+            <a:bodyPr/>
+            <a:lstStyle/>
+            <a:p/>
+          </p:txBody>
+        </p:sp>
+        <p:sp>
+          <p:nvSpPr>
+            <p:cNvPr id="105" name="rc105"/>
+            <p:cNvSpPr/>
+            <p:nvPr/>
+          </p:nvSpPr>
+          <p:spPr>
+            <a:xfrm>
+              <a:off x="6457685" y="4792540"/>
+              <a:ext cx="142218" cy="114579"/>
+            </a:xfrm>
+            <a:prstGeom prst="rect">
+              <a:avLst/>
+            </a:prstGeom>
+            <a:solidFill>
+              <a:srgbClr val="FEE0D2">
+                <a:alpha val="100000"/>
+              </a:srgbClr>
+            </a:solidFill>
+          </p:spPr>
+          <p:txBody>
+            <a:bodyPr/>
+            <a:lstStyle/>
+            <a:p/>
+          </p:txBody>
+        </p:sp>
+        <p:sp>
+          <p:nvSpPr>
+            <p:cNvPr id="106" name="rc106"/>
+            <p:cNvSpPr/>
+            <p:nvPr/>
+          </p:nvSpPr>
+          <p:spPr>
+            <a:xfrm>
+              <a:off x="6615706" y="4821185"/>
+              <a:ext cx="142218" cy="85934"/>
+            </a:xfrm>
+            <a:prstGeom prst="rect">
+              <a:avLst/>
+            </a:prstGeom>
+            <a:solidFill>
+              <a:srgbClr val="FCBBA1">
+                <a:alpha val="100000"/>
+              </a:srgbClr>
+            </a:solidFill>
+          </p:spPr>
+          <p:txBody>
+            <a:bodyPr/>
+            <a:lstStyle/>
+            <a:p/>
+          </p:txBody>
+        </p:sp>
+        <p:sp>
+          <p:nvSpPr>
+            <p:cNvPr id="107" name="rc107"/>
+            <p:cNvSpPr/>
+            <p:nvPr/>
+          </p:nvSpPr>
+          <p:spPr>
+            <a:xfrm>
+              <a:off x="6773727" y="4821185"/>
+              <a:ext cx="142218" cy="85934"/>
+            </a:xfrm>
+            <a:prstGeom prst="rect">
+              <a:avLst/>
+            </a:prstGeom>
+            <a:solidFill>
+              <a:srgbClr val="FC9272">
+                <a:alpha val="100000"/>
+              </a:srgbClr>
+            </a:solidFill>
+          </p:spPr>
+          <p:txBody>
+            <a:bodyPr/>
+            <a:lstStyle/>
+            <a:p/>
+          </p:txBody>
+        </p:sp>
+        <p:sp>
+          <p:nvSpPr>
+            <p:cNvPr id="108" name="rc108"/>
+            <p:cNvSpPr/>
+            <p:nvPr/>
+          </p:nvSpPr>
+          <p:spPr>
+            <a:xfrm>
+              <a:off x="6931748" y="4792540"/>
+              <a:ext cx="142218" cy="114579"/>
+            </a:xfrm>
+            <a:prstGeom prst="rect">
+              <a:avLst/>
+            </a:prstGeom>
+            <a:solidFill>
+              <a:srgbClr val="FB6A4A">
+                <a:alpha val="100000"/>
+              </a:srgbClr>
+            </a:solidFill>
+          </p:spPr>
+          <p:txBody>
+            <a:bodyPr/>
+            <a:lstStyle/>
+            <a:p/>
+          </p:txBody>
+        </p:sp>
+        <p:sp>
+          <p:nvSpPr>
+            <p:cNvPr id="109" name="rc109"/>
+            <p:cNvSpPr/>
+            <p:nvPr/>
+          </p:nvSpPr>
+          <p:spPr>
+            <a:xfrm>
+              <a:off x="7089768" y="4592026"/>
+              <a:ext cx="142218" cy="315094"/>
+            </a:xfrm>
+            <a:prstGeom prst="rect">
+              <a:avLst/>
+            </a:prstGeom>
+            <a:solidFill>
+              <a:srgbClr val="EF3B2C">
+                <a:alpha val="100000"/>
+              </a:srgbClr>
+            </a:solidFill>
+          </p:spPr>
+          <p:txBody>
+            <a:bodyPr/>
+            <a:lstStyle/>
+            <a:p/>
+          </p:txBody>
+        </p:sp>
+        <p:sp>
+          <p:nvSpPr>
+            <p:cNvPr id="110" name="rc110"/>
+            <p:cNvSpPr/>
+            <p:nvPr/>
+          </p:nvSpPr>
+          <p:spPr>
+            <a:xfrm>
+              <a:off x="7247789" y="4019127"/>
+              <a:ext cx="142218" cy="887992"/>
+            </a:xfrm>
+            <a:prstGeom prst="rect">
+              <a:avLst/>
+            </a:prstGeom>
+            <a:solidFill>
+              <a:srgbClr val="CB181D">
+                <a:alpha val="100000"/>
+              </a:srgbClr>
+            </a:solidFill>
+          </p:spPr>
+          <p:txBody>
+            <a:bodyPr/>
+            <a:lstStyle/>
+            <a:p/>
+          </p:txBody>
+        </p:sp>
+        <p:sp>
+          <p:nvSpPr>
+            <p:cNvPr id="111" name="rc111"/>
+            <p:cNvSpPr/>
+            <p:nvPr/>
+          </p:nvSpPr>
+          <p:spPr>
+            <a:xfrm>
+              <a:off x="7405810" y="4706605"/>
+              <a:ext cx="142218" cy="200514"/>
+            </a:xfrm>
+            <a:prstGeom prst="rect">
+              <a:avLst/>
+            </a:prstGeom>
+            <a:solidFill>
+              <a:srgbClr val="99000D">
+                <a:alpha val="100000"/>
+              </a:srgbClr>
+            </a:solidFill>
+          </p:spPr>
+          <p:txBody>
+            <a:bodyPr/>
+            <a:lstStyle/>
+            <a:p/>
+          </p:txBody>
+        </p:sp>
+        <p:sp>
+          <p:nvSpPr>
+            <p:cNvPr id="112" name="rc112"/>
+            <p:cNvSpPr/>
+            <p:nvPr/>
+          </p:nvSpPr>
+          <p:spPr>
+            <a:xfrm>
+              <a:off x="6275961" y="1809173"/>
+              <a:ext cx="1295770" cy="3245468"/>
+            </a:xfrm>
+            <a:prstGeom prst="rect">
+              <a:avLst/>
+            </a:prstGeom>
+            <a:ln w="13550" cap="rnd">
+              <a:solidFill>
+                <a:srgbClr val="333333">
+                  <a:alpha val="100000"/>
+                </a:srgbClr>
+              </a:solidFill>
+              <a:prstDash val="solid"/>
+              <a:round/>
+            </a:ln>
+          </p:spPr>
+          <p:txBody>
+            <a:bodyPr/>
+            <a:lstStyle/>
+            <a:p/>
+          </p:txBody>
+        </p:sp>
+        <p:sp>
+          <p:nvSpPr>
+            <p:cNvPr id="113" name="rc113"/>
+            <p:cNvSpPr/>
+            <p:nvPr/>
+          </p:nvSpPr>
+          <p:spPr>
+            <a:xfrm>
+              <a:off x="7641321" y="1809173"/>
+              <a:ext cx="1295770" cy="3245468"/>
+            </a:xfrm>
+            <a:prstGeom prst="rect">
+              <a:avLst/>
+            </a:prstGeom>
+            <a:solidFill>
+              <a:srgbClr val="FFFFFF">
+                <a:alpha val="100000"/>
+              </a:srgbClr>
+            </a:solidFill>
+          </p:spPr>
+          <p:txBody>
+            <a:bodyPr/>
+            <a:lstStyle/>
+            <a:p/>
+          </p:txBody>
+        </p:sp>
+        <p:sp>
+          <p:nvSpPr>
+            <p:cNvPr id="114" name="pl114"/>
+            <p:cNvSpPr/>
+            <p:nvPr/>
+          </p:nvSpPr>
+          <p:spPr>
+            <a:xfrm>
+              <a:off x="7641321" y="4549058"/>
+              <a:ext cx="1295770" cy="0"/>
+            </a:xfrm>
+            <a:custGeom>
+              <a:avLst/>
+              <a:pathLst>
+                <a:path w="1295770" h="0">
+                  <a:moveTo>
+                    <a:pt x="0" y="0"/>
+                  </a:moveTo>
+                  <a:lnTo>
+                    <a:pt x="1295770" y="0"/>
+                  </a:lnTo>
+                  <a:lnTo>
+                    <a:pt x="1295770" y="0"/>
+                  </a:lnTo>
+                </a:path>
+              </a:pathLst>
+            </a:custGeom>
+            <a:ln w="6775" cap="flat">
+              <a:solidFill>
+                <a:srgbClr val="EBEBEB">
+                  <a:alpha val="100000"/>
+                </a:srgbClr>
+              </a:solidFill>
+              <a:prstDash val="solid"/>
+              <a:round/>
+            </a:ln>
+          </p:spPr>
+          <p:txBody>
+            <a:bodyPr/>
+            <a:lstStyle/>
+            <a:p/>
+          </p:txBody>
+        </p:sp>
+        <p:sp>
+          <p:nvSpPr>
+            <p:cNvPr id="115" name="pl115"/>
+            <p:cNvSpPr/>
+            <p:nvPr/>
+          </p:nvSpPr>
+          <p:spPr>
+            <a:xfrm>
+              <a:off x="7641321" y="3832936"/>
+              <a:ext cx="1295770" cy="0"/>
+            </a:xfrm>
+            <a:custGeom>
+              <a:avLst/>
+              <a:pathLst>
+                <a:path w="1295770" h="0">
+                  <a:moveTo>
+                    <a:pt x="0" y="0"/>
+                  </a:moveTo>
+                  <a:lnTo>
+                    <a:pt x="1295770" y="0"/>
+                  </a:lnTo>
+                  <a:lnTo>
+                    <a:pt x="1295770" y="0"/>
+                  </a:lnTo>
+                </a:path>
+              </a:pathLst>
+            </a:custGeom>
+            <a:ln w="6775" cap="flat">
+              <a:solidFill>
+                <a:srgbClr val="EBEBEB">
+                  <a:alpha val="100000"/>
+                </a:srgbClr>
+              </a:solidFill>
+              <a:prstDash val="solid"/>
+              <a:round/>
+            </a:ln>
+          </p:spPr>
+          <p:txBody>
+            <a:bodyPr/>
+            <a:lstStyle/>
+            <a:p/>
+          </p:txBody>
+        </p:sp>
+        <p:sp>
+          <p:nvSpPr>
+            <p:cNvPr id="116" name="pl116"/>
+            <p:cNvSpPr/>
+            <p:nvPr/>
+          </p:nvSpPr>
+          <p:spPr>
+            <a:xfrm>
+              <a:off x="7641321" y="3116813"/>
+              <a:ext cx="1295770" cy="0"/>
+            </a:xfrm>
+            <a:custGeom>
+              <a:avLst/>
+              <a:pathLst>
+                <a:path w="1295770" h="0">
+                  <a:moveTo>
+                    <a:pt x="0" y="0"/>
+                  </a:moveTo>
+                  <a:lnTo>
+                    <a:pt x="1295770" y="0"/>
+                  </a:lnTo>
+                  <a:lnTo>
+                    <a:pt x="1295770" y="0"/>
+                  </a:lnTo>
+                </a:path>
+              </a:pathLst>
+            </a:custGeom>
+            <a:ln w="6775" cap="flat">
+              <a:solidFill>
+                <a:srgbClr val="EBEBEB">
+                  <a:alpha val="100000"/>
+                </a:srgbClr>
+              </a:solidFill>
+              <a:prstDash val="solid"/>
+              <a:round/>
+            </a:ln>
+          </p:spPr>
+          <p:txBody>
+            <a:bodyPr/>
+            <a:lstStyle/>
+            <a:p/>
+          </p:txBody>
+        </p:sp>
+        <p:sp>
+          <p:nvSpPr>
+            <p:cNvPr id="117" name="pl117"/>
+            <p:cNvSpPr/>
+            <p:nvPr/>
+          </p:nvSpPr>
+          <p:spPr>
+            <a:xfrm>
+              <a:off x="7641321" y="2400690"/>
+              <a:ext cx="1295770" cy="0"/>
+            </a:xfrm>
+            <a:custGeom>
+              <a:avLst/>
+              <a:pathLst>
+                <a:path w="1295770" h="0">
+                  <a:moveTo>
+                    <a:pt x="0" y="0"/>
+                  </a:moveTo>
+                  <a:lnTo>
+                    <a:pt x="1295770" y="0"/>
+                  </a:lnTo>
+                  <a:lnTo>
+                    <a:pt x="1295770" y="0"/>
+                  </a:lnTo>
+                </a:path>
+              </a:pathLst>
+            </a:custGeom>
+            <a:ln w="6775" cap="flat">
+              <a:solidFill>
+                <a:srgbClr val="EBEBEB">
+                  <a:alpha val="100000"/>
+                </a:srgbClr>
+              </a:solidFill>
+              <a:prstDash val="solid"/>
+              <a:round/>
+            </a:ln>
+          </p:spPr>
+          <p:txBody>
+            <a:bodyPr/>
+            <a:lstStyle/>
+            <a:p/>
+          </p:txBody>
+        </p:sp>
+        <p:sp>
+          <p:nvSpPr>
+            <p:cNvPr id="118" name="pl118"/>
+            <p:cNvSpPr/>
+            <p:nvPr/>
+          </p:nvSpPr>
+          <p:spPr>
+            <a:xfrm>
+              <a:off x="7641321" y="4907120"/>
+              <a:ext cx="1295770" cy="0"/>
+            </a:xfrm>
+            <a:custGeom>
+              <a:avLst/>
+              <a:pathLst>
+                <a:path w="1295770" h="0">
+                  <a:moveTo>
+                    <a:pt x="0" y="0"/>
+                  </a:moveTo>
+                  <a:lnTo>
+                    <a:pt x="1295770" y="0"/>
+                  </a:lnTo>
+                  <a:lnTo>
+                    <a:pt x="1295770" y="0"/>
+                  </a:lnTo>
+                </a:path>
+              </a:pathLst>
+            </a:custGeom>
+            <a:ln w="13550" cap="flat">
+              <a:solidFill>
+                <a:srgbClr val="EBEBEB">
+                  <a:alpha val="100000"/>
+                </a:srgbClr>
+              </a:solidFill>
+              <a:prstDash val="solid"/>
+              <a:round/>
+            </a:ln>
+          </p:spPr>
+          <p:txBody>
+            <a:bodyPr/>
+            <a:lstStyle/>
+            <a:p/>
+          </p:txBody>
+        </p:sp>
+        <p:sp>
+          <p:nvSpPr>
+            <p:cNvPr id="119" name="pl119"/>
+            <p:cNvSpPr/>
+            <p:nvPr/>
+          </p:nvSpPr>
+          <p:spPr>
+            <a:xfrm>
+              <a:off x="7641321" y="4190997"/>
+              <a:ext cx="1295770" cy="0"/>
+            </a:xfrm>
+            <a:custGeom>
+              <a:avLst/>
+              <a:pathLst>
+                <a:path w="1295770" h="0">
+                  <a:moveTo>
+                    <a:pt x="0" y="0"/>
+                  </a:moveTo>
+                  <a:lnTo>
+                    <a:pt x="1295770" y="0"/>
+                  </a:lnTo>
+                  <a:lnTo>
+                    <a:pt x="1295770" y="0"/>
+                  </a:lnTo>
+                </a:path>
+              </a:pathLst>
+            </a:custGeom>
+            <a:ln w="13550" cap="flat">
+              <a:solidFill>
+                <a:srgbClr val="EBEBEB">
+                  <a:alpha val="100000"/>
+                </a:srgbClr>
+              </a:solidFill>
+              <a:prstDash val="solid"/>
+              <a:round/>
+            </a:ln>
+          </p:spPr>
+          <p:txBody>
+            <a:bodyPr/>
+            <a:lstStyle/>
+            <a:p/>
+          </p:txBody>
+        </p:sp>
+        <p:sp>
+          <p:nvSpPr>
+            <p:cNvPr id="120" name="pl120"/>
+            <p:cNvSpPr/>
+            <p:nvPr/>
+          </p:nvSpPr>
+          <p:spPr>
+            <a:xfrm>
+              <a:off x="7641321" y="3474874"/>
+              <a:ext cx="1295770" cy="0"/>
+            </a:xfrm>
+            <a:custGeom>
+              <a:avLst/>
+              <a:pathLst>
+                <a:path w="1295770" h="0">
+                  <a:moveTo>
+                    <a:pt x="0" y="0"/>
+                  </a:moveTo>
+                  <a:lnTo>
+                    <a:pt x="1295770" y="0"/>
+                  </a:lnTo>
+                  <a:lnTo>
+                    <a:pt x="1295770" y="0"/>
+                  </a:lnTo>
+                </a:path>
+              </a:pathLst>
+            </a:custGeom>
+            <a:ln w="13550" cap="flat">
+              <a:solidFill>
+                <a:srgbClr val="EBEBEB">
+                  <a:alpha val="100000"/>
+                </a:srgbClr>
+              </a:solidFill>
+              <a:prstDash val="solid"/>
+              <a:round/>
+            </a:ln>
+          </p:spPr>
+          <p:txBody>
+            <a:bodyPr/>
+            <a:lstStyle/>
+            <a:p/>
+          </p:txBody>
+        </p:sp>
+        <p:sp>
+          <p:nvSpPr>
+            <p:cNvPr id="121" name="pl121"/>
+            <p:cNvSpPr/>
+            <p:nvPr/>
+          </p:nvSpPr>
+          <p:spPr>
+            <a:xfrm>
+              <a:off x="7641321" y="2758751"/>
+              <a:ext cx="1295770" cy="0"/>
+            </a:xfrm>
+            <a:custGeom>
+              <a:avLst/>
+              <a:pathLst>
+                <a:path w="1295770" h="0">
+                  <a:moveTo>
+                    <a:pt x="0" y="0"/>
+                  </a:moveTo>
+                  <a:lnTo>
+                    <a:pt x="1295770" y="0"/>
+                  </a:lnTo>
+                  <a:lnTo>
+                    <a:pt x="1295770" y="0"/>
+                  </a:lnTo>
+                </a:path>
+              </a:pathLst>
+            </a:custGeom>
+            <a:ln w="13550" cap="flat">
+              <a:solidFill>
+                <a:srgbClr val="EBEBEB">
+                  <a:alpha val="100000"/>
+                </a:srgbClr>
+              </a:solidFill>
+              <a:prstDash val="solid"/>
+              <a:round/>
+            </a:ln>
+          </p:spPr>
+          <p:txBody>
+            <a:bodyPr/>
+            <a:lstStyle/>
+            <a:p/>
+          </p:txBody>
+        </p:sp>
+        <p:sp>
+          <p:nvSpPr>
+            <p:cNvPr id="122" name="pl122"/>
+            <p:cNvSpPr/>
+            <p:nvPr/>
+          </p:nvSpPr>
+          <p:spPr>
+            <a:xfrm>
+              <a:off x="7641321" y="2042629"/>
+              <a:ext cx="1295770" cy="0"/>
+            </a:xfrm>
+            <a:custGeom>
+              <a:avLst/>
+              <a:pathLst>
+                <a:path w="1295770" h="0">
+                  <a:moveTo>
+                    <a:pt x="0" y="0"/>
+                  </a:moveTo>
+                  <a:lnTo>
+                    <a:pt x="1295770" y="0"/>
+                  </a:lnTo>
+                  <a:lnTo>
+                    <a:pt x="1295770" y="0"/>
+                  </a:lnTo>
+                </a:path>
+              </a:pathLst>
+            </a:custGeom>
+            <a:ln w="13550" cap="flat">
+              <a:solidFill>
+                <a:srgbClr val="EBEBEB">
+                  <a:alpha val="100000"/>
+                </a:srgbClr>
+              </a:solidFill>
+              <a:prstDash val="solid"/>
+              <a:round/>
+            </a:ln>
+          </p:spPr>
+          <p:txBody>
+            <a:bodyPr/>
+            <a:lstStyle/>
+            <a:p/>
+          </p:txBody>
+        </p:sp>
+        <p:sp>
+          <p:nvSpPr>
+            <p:cNvPr id="123" name="pl123"/>
+            <p:cNvSpPr/>
+            <p:nvPr/>
+          </p:nvSpPr>
+          <p:spPr>
+            <a:xfrm>
+              <a:off x="7736134" y="1809173"/>
+              <a:ext cx="0" cy="3245468"/>
+            </a:xfrm>
+            <a:custGeom>
+              <a:avLst/>
+              <a:pathLst>
+                <a:path w="0" h="3245468">
+                  <a:moveTo>
+                    <a:pt x="0" y="3245468"/>
+                  </a:moveTo>
+                  <a:lnTo>
+                    <a:pt x="0" y="0"/>
+                  </a:lnTo>
+                  <a:lnTo>
+                    <a:pt x="0" y="0"/>
+                  </a:lnTo>
+                </a:path>
+              </a:pathLst>
+            </a:custGeom>
+            <a:ln w="13550" cap="flat">
+              <a:solidFill>
+                <a:srgbClr val="EBEBEB">
+                  <a:alpha val="100000"/>
+                </a:srgbClr>
+              </a:solidFill>
+              <a:prstDash val="solid"/>
+              <a:round/>
+            </a:ln>
+          </p:spPr>
+          <p:txBody>
+            <a:bodyPr/>
+            <a:lstStyle/>
+            <a:p/>
+          </p:txBody>
+        </p:sp>
+        <p:sp>
+          <p:nvSpPr>
+            <p:cNvPr id="124" name="pl124"/>
+            <p:cNvSpPr/>
+            <p:nvPr/>
+          </p:nvSpPr>
+          <p:spPr>
+            <a:xfrm>
+              <a:off x="7894154" y="1809173"/>
+              <a:ext cx="0" cy="3245468"/>
+            </a:xfrm>
+            <a:custGeom>
+              <a:avLst/>
+              <a:pathLst>
+                <a:path w="0" h="3245468">
+                  <a:moveTo>
+                    <a:pt x="0" y="3245468"/>
+                  </a:moveTo>
+                  <a:lnTo>
+                    <a:pt x="0" y="0"/>
+                  </a:lnTo>
+                  <a:lnTo>
+                    <a:pt x="0" y="0"/>
+                  </a:lnTo>
+                </a:path>
+              </a:pathLst>
+            </a:custGeom>
+            <a:ln w="13550" cap="flat">
+              <a:solidFill>
+                <a:srgbClr val="EBEBEB">
+                  <a:alpha val="100000"/>
+                </a:srgbClr>
+              </a:solidFill>
+              <a:prstDash val="solid"/>
+              <a:round/>
+            </a:ln>
+          </p:spPr>
+          <p:txBody>
+            <a:bodyPr/>
+            <a:lstStyle/>
+            <a:p/>
+          </p:txBody>
+        </p:sp>
+        <p:sp>
+          <p:nvSpPr>
+            <p:cNvPr id="125" name="pl125"/>
+            <p:cNvSpPr/>
+            <p:nvPr/>
+          </p:nvSpPr>
+          <p:spPr>
+            <a:xfrm>
+              <a:off x="8052175" y="1809173"/>
+              <a:ext cx="0" cy="3245468"/>
+            </a:xfrm>
+            <a:custGeom>
+              <a:avLst/>
+              <a:pathLst>
+                <a:path w="0" h="3245468">
+                  <a:moveTo>
+                    <a:pt x="0" y="3245468"/>
+                  </a:moveTo>
+                  <a:lnTo>
+                    <a:pt x="0" y="0"/>
+                  </a:lnTo>
+                  <a:lnTo>
+                    <a:pt x="0" y="0"/>
+                  </a:lnTo>
+                </a:path>
+              </a:pathLst>
+            </a:custGeom>
+            <a:ln w="13550" cap="flat">
+              <a:solidFill>
+                <a:srgbClr val="EBEBEB">
+                  <a:alpha val="100000"/>
+                </a:srgbClr>
+              </a:solidFill>
+              <a:prstDash val="solid"/>
+              <a:round/>
+            </a:ln>
+          </p:spPr>
+          <p:txBody>
+            <a:bodyPr/>
+            <a:lstStyle/>
+            <a:p/>
+          </p:txBody>
+        </p:sp>
+        <p:sp>
+          <p:nvSpPr>
+            <p:cNvPr id="126" name="pl126"/>
+            <p:cNvSpPr/>
+            <p:nvPr/>
+          </p:nvSpPr>
+          <p:spPr>
+            <a:xfrm>
+              <a:off x="8210196" y="1809173"/>
+              <a:ext cx="0" cy="3245468"/>
+            </a:xfrm>
+            <a:custGeom>
+              <a:avLst/>
+              <a:pathLst>
+                <a:path w="0" h="3245468">
+                  <a:moveTo>
+                    <a:pt x="0" y="3245468"/>
+                  </a:moveTo>
+                  <a:lnTo>
+                    <a:pt x="0" y="0"/>
+                  </a:lnTo>
+                  <a:lnTo>
+                    <a:pt x="0" y="0"/>
+                  </a:lnTo>
+                </a:path>
+              </a:pathLst>
+            </a:custGeom>
+            <a:ln w="13550" cap="flat">
+              <a:solidFill>
+                <a:srgbClr val="EBEBEB">
+                  <a:alpha val="100000"/>
+                </a:srgbClr>
+              </a:solidFill>
+              <a:prstDash val="solid"/>
+              <a:round/>
+            </a:ln>
+          </p:spPr>
+          <p:txBody>
+            <a:bodyPr/>
+            <a:lstStyle/>
+            <a:p/>
+          </p:txBody>
+        </p:sp>
+        <p:sp>
+          <p:nvSpPr>
+            <p:cNvPr id="127" name="pl127"/>
+            <p:cNvSpPr/>
+            <p:nvPr/>
+          </p:nvSpPr>
+          <p:spPr>
+            <a:xfrm>
+              <a:off x="8368217" y="1809173"/>
+              <a:ext cx="0" cy="3245468"/>
+            </a:xfrm>
+            <a:custGeom>
+              <a:avLst/>
+              <a:pathLst>
+                <a:path w="0" h="3245468">
+                  <a:moveTo>
+                    <a:pt x="0" y="3245468"/>
+                  </a:moveTo>
+                  <a:lnTo>
+                    <a:pt x="0" y="0"/>
+                  </a:lnTo>
+                  <a:lnTo>
+                    <a:pt x="0" y="0"/>
+                  </a:lnTo>
+                </a:path>
+              </a:pathLst>
+            </a:custGeom>
+            <a:ln w="13550" cap="flat">
+              <a:solidFill>
+                <a:srgbClr val="EBEBEB">
+                  <a:alpha val="100000"/>
+                </a:srgbClr>
+              </a:solidFill>
+              <a:prstDash val="solid"/>
+              <a:round/>
+            </a:ln>
+          </p:spPr>
+          <p:txBody>
+            <a:bodyPr/>
+            <a:lstStyle/>
+            <a:p/>
+          </p:txBody>
+        </p:sp>
+        <p:sp>
+          <p:nvSpPr>
+            <p:cNvPr id="128" name="pl128"/>
+            <p:cNvSpPr/>
+            <p:nvPr/>
+          </p:nvSpPr>
+          <p:spPr>
+            <a:xfrm>
+              <a:off x="8526238" y="1809173"/>
+              <a:ext cx="0" cy="3245468"/>
+            </a:xfrm>
+            <a:custGeom>
+              <a:avLst/>
+              <a:pathLst>
+                <a:path w="0" h="3245468">
+                  <a:moveTo>
+                    <a:pt x="0" y="3245468"/>
+                  </a:moveTo>
+                  <a:lnTo>
+                    <a:pt x="0" y="0"/>
+                  </a:lnTo>
+                  <a:lnTo>
+                    <a:pt x="0" y="0"/>
+                  </a:lnTo>
+                </a:path>
+              </a:pathLst>
+            </a:custGeom>
+            <a:ln w="13550" cap="flat">
+              <a:solidFill>
+                <a:srgbClr val="EBEBEB">
+                  <a:alpha val="100000"/>
+                </a:srgbClr>
+              </a:solidFill>
+              <a:prstDash val="solid"/>
+              <a:round/>
+            </a:ln>
+          </p:spPr>
+          <p:txBody>
+            <a:bodyPr/>
+            <a:lstStyle/>
+            <a:p/>
+          </p:txBody>
+        </p:sp>
+        <p:sp>
+          <p:nvSpPr>
+            <p:cNvPr id="129" name="pl129"/>
+            <p:cNvSpPr/>
+            <p:nvPr/>
+          </p:nvSpPr>
+          <p:spPr>
+            <a:xfrm>
+              <a:off x="8684259" y="1809173"/>
+              <a:ext cx="0" cy="3245468"/>
+            </a:xfrm>
+            <a:custGeom>
+              <a:avLst/>
+              <a:pathLst>
+                <a:path w="0" h="3245468">
+                  <a:moveTo>
+                    <a:pt x="0" y="3245468"/>
+                  </a:moveTo>
+                  <a:lnTo>
+                    <a:pt x="0" y="0"/>
+                  </a:lnTo>
+                  <a:lnTo>
+                    <a:pt x="0" y="0"/>
+                  </a:lnTo>
+                </a:path>
+              </a:pathLst>
+            </a:custGeom>
+            <a:ln w="13550" cap="flat">
+              <a:solidFill>
+                <a:srgbClr val="EBEBEB">
+                  <a:alpha val="100000"/>
+                </a:srgbClr>
+              </a:solidFill>
+              <a:prstDash val="solid"/>
+              <a:round/>
+            </a:ln>
+          </p:spPr>
+          <p:txBody>
+            <a:bodyPr/>
+            <a:lstStyle/>
+            <a:p/>
+          </p:txBody>
+        </p:sp>
+        <p:sp>
+          <p:nvSpPr>
+            <p:cNvPr id="130" name="pl130"/>
+            <p:cNvSpPr/>
+            <p:nvPr/>
+          </p:nvSpPr>
+          <p:spPr>
+            <a:xfrm>
+              <a:off x="8842279" y="1809173"/>
+              <a:ext cx="0" cy="3245468"/>
+            </a:xfrm>
+            <a:custGeom>
+              <a:avLst/>
+              <a:pathLst>
+                <a:path w="0" h="3245468">
+                  <a:moveTo>
+                    <a:pt x="0" y="3245468"/>
+                  </a:moveTo>
+                  <a:lnTo>
+                    <a:pt x="0" y="0"/>
+                  </a:lnTo>
+                  <a:lnTo>
+                    <a:pt x="0" y="0"/>
+                  </a:lnTo>
+                </a:path>
+              </a:pathLst>
+            </a:custGeom>
+            <a:ln w="13550" cap="flat">
+              <a:solidFill>
+                <a:srgbClr val="EBEBEB">
+                  <a:alpha val="100000"/>
+                </a:srgbClr>
+              </a:solidFill>
+              <a:prstDash val="solid"/>
+              <a:round/>
+            </a:ln>
+          </p:spPr>
+          <p:txBody>
+            <a:bodyPr/>
+            <a:lstStyle/>
+            <a:p/>
+          </p:txBody>
+        </p:sp>
+        <p:sp>
+          <p:nvSpPr>
+            <p:cNvPr id="131" name="rc131"/>
+            <p:cNvSpPr/>
+            <p:nvPr/>
+          </p:nvSpPr>
+          <p:spPr>
+            <a:xfrm>
+              <a:off x="7665024" y="4592026"/>
+              <a:ext cx="142218" cy="315094"/>
+            </a:xfrm>
+            <a:prstGeom prst="rect">
+              <a:avLst/>
+            </a:prstGeom>
+            <a:solidFill>
+              <a:srgbClr val="FFF5F0">
+                <a:alpha val="100000"/>
+              </a:srgbClr>
+            </a:solidFill>
+          </p:spPr>
+          <p:txBody>
+            <a:bodyPr/>
+            <a:lstStyle/>
+            <a:p/>
+          </p:txBody>
+        </p:sp>
+        <p:sp>
+          <p:nvSpPr>
+            <p:cNvPr id="132" name="rc132"/>
+            <p:cNvSpPr/>
+            <p:nvPr/>
+          </p:nvSpPr>
+          <p:spPr>
+            <a:xfrm>
+              <a:off x="7823045" y="4506091"/>
+              <a:ext cx="142218" cy="401028"/>
+            </a:xfrm>
+            <a:prstGeom prst="rect">
+              <a:avLst/>
+            </a:prstGeom>
+            <a:solidFill>
+              <a:srgbClr val="FEE0D2">
+                <a:alpha val="100000"/>
+              </a:srgbClr>
+            </a:solidFill>
+          </p:spPr>
+          <p:txBody>
+            <a:bodyPr/>
+            <a:lstStyle/>
+            <a:p/>
+          </p:txBody>
+        </p:sp>
+        <p:sp>
+          <p:nvSpPr>
+            <p:cNvPr id="133" name="rc133"/>
+            <p:cNvSpPr/>
+            <p:nvPr/>
+          </p:nvSpPr>
+          <p:spPr>
+            <a:xfrm>
+              <a:off x="7981066" y="4620671"/>
+              <a:ext cx="142218" cy="286449"/>
+            </a:xfrm>
+            <a:prstGeom prst="rect">
+              <a:avLst/>
+            </a:prstGeom>
+            <a:solidFill>
+              <a:srgbClr val="FCBBA1">
+                <a:alpha val="100000"/>
+              </a:srgbClr>
+            </a:solidFill>
+          </p:spPr>
+          <p:txBody>
+            <a:bodyPr/>
+            <a:lstStyle/>
+            <a:p/>
+          </p:txBody>
+        </p:sp>
+        <p:sp>
+          <p:nvSpPr>
+            <p:cNvPr id="134" name="rc134"/>
+            <p:cNvSpPr/>
+            <p:nvPr/>
+          </p:nvSpPr>
+          <p:spPr>
+            <a:xfrm>
+              <a:off x="8139087" y="4792540"/>
+              <a:ext cx="142218" cy="114579"/>
+            </a:xfrm>
+            <a:prstGeom prst="rect">
+              <a:avLst/>
+            </a:prstGeom>
+            <a:solidFill>
+              <a:srgbClr val="FC9272">
+                <a:alpha val="100000"/>
+              </a:srgbClr>
+            </a:solidFill>
+          </p:spPr>
+          <p:txBody>
+            <a:bodyPr/>
+            <a:lstStyle/>
+            <a:p/>
+          </p:txBody>
+        </p:sp>
+        <p:sp>
+          <p:nvSpPr>
+            <p:cNvPr id="135" name="rc135"/>
+            <p:cNvSpPr/>
+            <p:nvPr/>
+          </p:nvSpPr>
+          <p:spPr>
+            <a:xfrm>
+              <a:off x="8297108" y="4649315"/>
+              <a:ext cx="142218" cy="257804"/>
+            </a:xfrm>
+            <a:prstGeom prst="rect">
+              <a:avLst/>
+            </a:prstGeom>
+            <a:solidFill>
+              <a:srgbClr val="FB6A4A">
+                <a:alpha val="100000"/>
+              </a:srgbClr>
+            </a:solidFill>
+          </p:spPr>
+          <p:txBody>
+            <a:bodyPr/>
+            <a:lstStyle/>
+            <a:p/>
+          </p:txBody>
+        </p:sp>
+        <p:sp>
+          <p:nvSpPr>
+            <p:cNvPr id="136" name="rc136"/>
+            <p:cNvSpPr/>
+            <p:nvPr/>
+          </p:nvSpPr>
+          <p:spPr>
+            <a:xfrm>
+              <a:off x="8455128" y="4534736"/>
+              <a:ext cx="142218" cy="372383"/>
+            </a:xfrm>
+            <a:prstGeom prst="rect">
+              <a:avLst/>
+            </a:prstGeom>
+            <a:solidFill>
+              <a:srgbClr val="EF3B2C">
+                <a:alpha val="100000"/>
+              </a:srgbClr>
+            </a:solidFill>
+          </p:spPr>
+          <p:txBody>
+            <a:bodyPr/>
+            <a:lstStyle/>
+            <a:p/>
+          </p:txBody>
+        </p:sp>
+        <p:sp>
+          <p:nvSpPr>
+            <p:cNvPr id="137" name="rc137"/>
+            <p:cNvSpPr/>
+            <p:nvPr/>
+          </p:nvSpPr>
+          <p:spPr>
+            <a:xfrm>
+              <a:off x="8613149" y="4133707"/>
+              <a:ext cx="142218" cy="773412"/>
+            </a:xfrm>
+            <a:prstGeom prst="rect">
+              <a:avLst/>
+            </a:prstGeom>
+            <a:solidFill>
+              <a:srgbClr val="CB181D">
+                <a:alpha val="100000"/>
+              </a:srgbClr>
+            </a:solidFill>
+          </p:spPr>
+          <p:txBody>
+            <a:bodyPr/>
+            <a:lstStyle/>
+            <a:p/>
+          </p:txBody>
+        </p:sp>
+        <p:sp>
+          <p:nvSpPr>
+            <p:cNvPr id="138" name="rc138"/>
+            <p:cNvSpPr/>
+            <p:nvPr/>
+          </p:nvSpPr>
+          <p:spPr>
+            <a:xfrm>
+              <a:off x="8771170" y="4620671"/>
+              <a:ext cx="142218" cy="286449"/>
+            </a:xfrm>
+            <a:prstGeom prst="rect">
+              <a:avLst/>
+            </a:prstGeom>
+            <a:solidFill>
+              <a:srgbClr val="99000D">
+                <a:alpha val="100000"/>
+              </a:srgbClr>
+            </a:solidFill>
+          </p:spPr>
+          <p:txBody>
+            <a:bodyPr/>
+            <a:lstStyle/>
+            <a:p/>
+          </p:txBody>
+        </p:sp>
+        <p:sp>
+          <p:nvSpPr>
+            <p:cNvPr id="139" name="rc139"/>
+            <p:cNvSpPr/>
+            <p:nvPr/>
+          </p:nvSpPr>
+          <p:spPr>
+            <a:xfrm>
+              <a:off x="7641321" y="1809173"/>
+              <a:ext cx="1295770" cy="3245468"/>
+            </a:xfrm>
+            <a:prstGeom prst="rect">
+              <a:avLst/>
+            </a:prstGeom>
+            <a:ln w="13550" cap="rnd">
+              <a:solidFill>
+                <a:srgbClr val="333333">
+                  <a:alpha val="100000"/>
+                </a:srgbClr>
+              </a:solidFill>
+              <a:prstDash val="solid"/>
+              <a:round/>
+            </a:ln>
+          </p:spPr>
+          <p:txBody>
+            <a:bodyPr/>
+            <a:lstStyle/>
+            <a:p/>
+          </p:txBody>
+        </p:sp>
+        <p:sp>
+          <p:nvSpPr>
+            <p:cNvPr id="140" name="rc140"/>
+            <p:cNvSpPr/>
+            <p:nvPr/>
+          </p:nvSpPr>
+          <p:spPr>
+            <a:xfrm>
+              <a:off x="2179881" y="1590617"/>
+              <a:ext cx="1295770" cy="218555"/>
+            </a:xfrm>
+            <a:prstGeom prst="rect">
+              <a:avLst/>
+            </a:prstGeom>
+            <a:solidFill>
+              <a:srgbClr val="D9D9D9">
+                <a:alpha val="100000"/>
+              </a:srgbClr>
+            </a:solidFill>
+            <a:ln w="13550" cap="rnd">
+              <a:solidFill>
+                <a:srgbClr val="333333">
+                  <a:alpha val="100000"/>
+                </a:srgbClr>
+              </a:solidFill>
+              <a:prstDash val="solid"/>
+              <a:round/>
+            </a:ln>
+          </p:spPr>
+          <p:txBody>
+            <a:bodyPr/>
+            <a:lstStyle/>
+            <a:p/>
+          </p:txBody>
+        </p:sp>
+        <p:sp>
+          <p:nvSpPr>
+            <p:cNvPr id="141" name="tx141"/>
+            <p:cNvSpPr/>
+            <p:nvPr/>
+          </p:nvSpPr>
+          <p:spPr>
+            <a:xfrm>
+              <a:off x="2618217" y="1670045"/>
+              <a:ext cx="419100" cy="69850"/>
             </a:xfrm>
             <a:prstGeom prst="rect">
               <a:avLst/>
@@ -4751,30 +8226,65 @@
                 </a:spcAft>
               </a:pPr>
               <a:r>
-                <a:rPr sz="880" b="1">
+                <a:rPr sz="880">
                   <a:solidFill>
-                    <a:srgbClr val="4D4D4D">
+                    <a:srgbClr val="1A1A1A">
                       <a:alpha val="100000"/>
                     </a:srgbClr>
                   </a:solidFill>
                   <a:latin typeface="Arial"/>
                   <a:cs typeface="Arial"/>
                 </a:rPr>
-                <a:t>8</a:t>
+                <a:t>基础研究者</a:t>
               </a:r>
             </a:p>
           </p:txBody>
         </p:sp>
         <p:sp>
           <p:nvSpPr>
-            <p:cNvPr id="45" name="tx45"/>
-            <p:cNvSpPr/>
-            <p:nvPr/>
-          </p:nvSpPr>
-          <p:spPr>
-            <a:xfrm>
-              <a:off x="1926599" y="4810105"/>
-              <a:ext cx="62155" cy="78908"/>
+            <p:cNvPr id="142" name="rc142"/>
+            <p:cNvSpPr/>
+            <p:nvPr/>
+          </p:nvSpPr>
+          <p:spPr>
+            <a:xfrm>
+              <a:off x="3545241" y="1590617"/>
+              <a:ext cx="1295770" cy="218555"/>
+            </a:xfrm>
+            <a:prstGeom prst="rect">
+              <a:avLst/>
+            </a:prstGeom>
+            <a:solidFill>
+              <a:srgbClr val="D9D9D9">
+                <a:alpha val="100000"/>
+              </a:srgbClr>
+            </a:solidFill>
+            <a:ln w="13550" cap="rnd">
+              <a:solidFill>
+                <a:srgbClr val="333333">
+                  <a:alpha val="100000"/>
+                </a:srgbClr>
+              </a:solidFill>
+              <a:prstDash val="solid"/>
+              <a:round/>
+            </a:ln>
+          </p:spPr>
+          <p:txBody>
+            <a:bodyPr/>
+            <a:lstStyle/>
+            <a:p/>
+          </p:txBody>
+        </p:sp>
+        <p:sp>
+          <p:nvSpPr>
+            <p:cNvPr id="143" name="tx143"/>
+            <p:cNvSpPr/>
+            <p:nvPr/>
+          </p:nvSpPr>
+          <p:spPr>
+            <a:xfrm>
+              <a:off x="4025487" y="1670045"/>
+              <a:ext cx="335280" cy="69850"/>
             </a:xfrm>
             <a:prstGeom prst="rect">
               <a:avLst/>
@@ -4797,30 +8307,65 @@
                 </a:spcAft>
               </a:pPr>
               <a:r>
-                <a:rPr sz="880" b="1">
+                <a:rPr sz="880">
                   <a:solidFill>
-                    <a:srgbClr val="4D4D4D">
+                    <a:srgbClr val="1A1A1A">
                       <a:alpha val="100000"/>
                     </a:srgbClr>
                   </a:solidFill>
                   <a:latin typeface="Arial"/>
                   <a:cs typeface="Arial"/>
                 </a:rPr>
-                <a:t>7</a:t>
+                <a:t>临床医生</a:t>
               </a:r>
             </a:p>
           </p:txBody>
         </p:sp>
         <p:sp>
           <p:nvSpPr>
-            <p:cNvPr id="46" name="tx46"/>
-            <p:cNvSpPr/>
-            <p:nvPr/>
-          </p:nvSpPr>
-          <p:spPr>
-            <a:xfrm>
-              <a:off x="1926599" y="4313625"/>
-              <a:ext cx="62155" cy="81691"/>
+            <p:cNvPr id="144" name="rc144"/>
+            <p:cNvSpPr/>
+            <p:nvPr/>
+          </p:nvSpPr>
+          <p:spPr>
+            <a:xfrm>
+              <a:off x="4910601" y="1590617"/>
+              <a:ext cx="1295770" cy="218555"/>
+            </a:xfrm>
+            <a:prstGeom prst="rect">
+              <a:avLst/>
+            </a:prstGeom>
+            <a:solidFill>
+              <a:srgbClr val="D9D9D9">
+                <a:alpha val="100000"/>
+              </a:srgbClr>
+            </a:solidFill>
+            <a:ln w="13550" cap="rnd">
+              <a:solidFill>
+                <a:srgbClr val="333333">
+                  <a:alpha val="100000"/>
+                </a:srgbClr>
+              </a:solidFill>
+              <a:prstDash val="solid"/>
+              <a:round/>
+            </a:ln>
+          </p:spPr>
+          <p:txBody>
+            <a:bodyPr/>
+            <a:lstStyle/>
+            <a:p/>
+          </p:txBody>
+        </p:sp>
+        <p:sp>
+          <p:nvSpPr>
+            <p:cNvPr id="145" name="tx145"/>
+            <p:cNvSpPr/>
+            <p:nvPr/>
+          </p:nvSpPr>
+          <p:spPr>
+            <a:xfrm>
+              <a:off x="5348937" y="1670045"/>
+              <a:ext cx="419100" cy="69850"/>
             </a:xfrm>
             <a:prstGeom prst="rect">
               <a:avLst/>
@@ -4843,30 +8388,65 @@
                 </a:spcAft>
               </a:pPr>
               <a:r>
-                <a:rPr sz="880" b="1">
+                <a:rPr sz="880">
                   <a:solidFill>
-                    <a:srgbClr val="4D4D4D">
+                    <a:srgbClr val="1A1A1A">
                       <a:alpha val="100000"/>
                     </a:srgbClr>
                   </a:solidFill>
                   <a:latin typeface="Arial"/>
                   <a:cs typeface="Arial"/>
                 </a:rPr>
-                <a:t>6</a:t>
+                <a:t>企业管理者</a:t>
               </a:r>
             </a:p>
           </p:txBody>
         </p:sp>
         <p:sp>
           <p:nvSpPr>
-            <p:cNvPr id="47" name="tx47"/>
-            <p:cNvSpPr/>
-            <p:nvPr/>
-          </p:nvSpPr>
-          <p:spPr>
-            <a:xfrm>
-              <a:off x="1926599" y="3821347"/>
-              <a:ext cx="62155" cy="80272"/>
+            <p:cNvPr id="146" name="rc146"/>
+            <p:cNvSpPr/>
+            <p:nvPr/>
+          </p:nvSpPr>
+          <p:spPr>
+            <a:xfrm>
+              <a:off x="6275961" y="1590617"/>
+              <a:ext cx="1295770" cy="218555"/>
+            </a:xfrm>
+            <a:prstGeom prst="rect">
+              <a:avLst/>
+            </a:prstGeom>
+            <a:solidFill>
+              <a:srgbClr val="D9D9D9">
+                <a:alpha val="100000"/>
+              </a:srgbClr>
+            </a:solidFill>
+            <a:ln w="13550" cap="rnd">
+              <a:solidFill>
+                <a:srgbClr val="333333">
+                  <a:alpha val="100000"/>
+                </a:srgbClr>
+              </a:solidFill>
+              <a:prstDash val="solid"/>
+              <a:round/>
+            </a:ln>
+          </p:spPr>
+          <p:txBody>
+            <a:bodyPr/>
+            <a:lstStyle/>
+            <a:p/>
+          </p:txBody>
+        </p:sp>
+        <p:sp>
+          <p:nvSpPr>
+            <p:cNvPr id="147" name="tx147"/>
+            <p:cNvSpPr/>
+            <p:nvPr/>
+          </p:nvSpPr>
+          <p:spPr>
+            <a:xfrm>
+              <a:off x="6672387" y="1670045"/>
+              <a:ext cx="502920" cy="69850"/>
             </a:xfrm>
             <a:prstGeom prst="rect">
               <a:avLst/>
@@ -4889,30 +8469,65 @@
                 </a:spcAft>
               </a:pPr>
               <a:r>
-                <a:rPr sz="880" b="1">
+                <a:rPr sz="880">
                   <a:solidFill>
-                    <a:srgbClr val="4D4D4D">
+                    <a:srgbClr val="1A1A1A">
                       <a:alpha val="100000"/>
                     </a:srgbClr>
                   </a:solidFill>
                   <a:latin typeface="Arial"/>
                   <a:cs typeface="Arial"/>
                 </a:rPr>
-                <a:t>5</a:t>
+                <a:t>企业研发人员</a:t>
               </a:r>
             </a:p>
           </p:txBody>
         </p:sp>
         <p:sp>
           <p:nvSpPr>
-            <p:cNvPr id="48" name="tx48"/>
-            <p:cNvSpPr/>
-            <p:nvPr/>
-          </p:nvSpPr>
-          <p:spPr>
-            <a:xfrm>
-              <a:off x="1926599" y="3327596"/>
-              <a:ext cx="62155" cy="80327"/>
+            <p:cNvPr id="148" name="rc148"/>
+            <p:cNvSpPr/>
+            <p:nvPr/>
+          </p:nvSpPr>
+          <p:spPr>
+            <a:xfrm>
+              <a:off x="7641321" y="1590617"/>
+              <a:ext cx="1295770" cy="218555"/>
+            </a:xfrm>
+            <a:prstGeom prst="rect">
+              <a:avLst/>
+            </a:prstGeom>
+            <a:solidFill>
+              <a:srgbClr val="D9D9D9">
+                <a:alpha val="100000"/>
+              </a:srgbClr>
+            </a:solidFill>
+            <a:ln w="13550" cap="rnd">
+              <a:solidFill>
+                <a:srgbClr val="333333">
+                  <a:alpha val="100000"/>
+                </a:srgbClr>
+              </a:solidFill>
+              <a:prstDash val="solid"/>
+              <a:round/>
+            </a:ln>
+          </p:spPr>
+          <p:txBody>
+            <a:bodyPr/>
+            <a:lstStyle/>
+            <a:p/>
+          </p:txBody>
+        </p:sp>
+        <p:sp>
+          <p:nvSpPr>
+            <p:cNvPr id="149" name="tx149"/>
+            <p:cNvSpPr/>
+            <p:nvPr/>
+          </p:nvSpPr>
+          <p:spPr>
+            <a:xfrm>
+              <a:off x="8205386" y="1670045"/>
+              <a:ext cx="167640" cy="69850"/>
             </a:xfrm>
             <a:prstGeom prst="rect">
               <a:avLst/>
@@ -4935,487 +8550,29 @@
                 </a:spcAft>
               </a:pPr>
               <a:r>
-                <a:rPr sz="880" b="1">
+                <a:rPr sz="880">
                   <a:solidFill>
-                    <a:srgbClr val="4D4D4D">
+                    <a:srgbClr val="1A1A1A">
                       <a:alpha val="100000"/>
                     </a:srgbClr>
                   </a:solidFill>
                   <a:latin typeface="Arial"/>
                   <a:cs typeface="Arial"/>
                 </a:rPr>
-                <a:t>4</a:t>
+                <a:t>其他</a:t>
               </a:r>
             </a:p>
           </p:txBody>
         </p:sp>
         <p:sp>
           <p:nvSpPr>
-            <p:cNvPr id="49" name="tx49"/>
-            <p:cNvSpPr/>
-            <p:nvPr/>
-          </p:nvSpPr>
-          <p:spPr>
-            <a:xfrm>
-              <a:off x="1926599" y="2832536"/>
-              <a:ext cx="62155" cy="81691"/>
-            </a:xfrm>
-            <a:prstGeom prst="rect">
-              <a:avLst/>
-            </a:prstGeom>
-            <a:noFill/>
-          </p:spPr>
-          <p:txBody>
-            <a:bodyPr lIns="0" rIns="0" tIns="0" bIns="0" anchorCtr="1" anchor="ctr" wrap="none"/>
-            <a:lstStyle/>
-            <a:p>
-              <a:pPr algn="l" marL="0" marR="0" indent="0">
-                <a:lnSpc>
-                  <a:spcPts val="880"/>
-                </a:lnSpc>
-                <a:spcBef>
-                  <a:spcPts val="0"/>
-                </a:spcBef>
-                <a:spcAft>
-                  <a:spcPts val="0"/>
-                </a:spcAft>
-              </a:pPr>
-              <a:r>
-                <a:rPr sz="880" b="1">
-                  <a:solidFill>
-                    <a:srgbClr val="4D4D4D">
-                      <a:alpha val="100000"/>
-                    </a:srgbClr>
-                  </a:solidFill>
-                  <a:latin typeface="Arial"/>
-                  <a:cs typeface="Arial"/>
-                </a:rPr>
-                <a:t>3</a:t>
-              </a:r>
-            </a:p>
-          </p:txBody>
-        </p:sp>
-        <p:sp>
-          <p:nvSpPr>
-            <p:cNvPr id="50" name="tx50"/>
-            <p:cNvSpPr/>
-            <p:nvPr/>
-          </p:nvSpPr>
-          <p:spPr>
-            <a:xfrm>
-              <a:off x="1926599" y="2340204"/>
-              <a:ext cx="62155" cy="80327"/>
-            </a:xfrm>
-            <a:prstGeom prst="rect">
-              <a:avLst/>
-            </a:prstGeom>
-            <a:noFill/>
-          </p:spPr>
-          <p:txBody>
-            <a:bodyPr lIns="0" rIns="0" tIns="0" bIns="0" anchorCtr="1" anchor="ctr" wrap="none"/>
-            <a:lstStyle/>
-            <a:p>
-              <a:pPr algn="l" marL="0" marR="0" indent="0">
-                <a:lnSpc>
-                  <a:spcPts val="880"/>
-                </a:lnSpc>
-                <a:spcBef>
-                  <a:spcPts val="0"/>
-                </a:spcBef>
-                <a:spcAft>
-                  <a:spcPts val="0"/>
-                </a:spcAft>
-              </a:pPr>
-              <a:r>
-                <a:rPr sz="880" b="1">
-                  <a:solidFill>
-                    <a:srgbClr val="4D4D4D">
-                      <a:alpha val="100000"/>
-                    </a:srgbClr>
-                  </a:solidFill>
-                  <a:latin typeface="Arial"/>
-                  <a:cs typeface="Arial"/>
-                </a:rPr>
-                <a:t>2</a:t>
-              </a:r>
-            </a:p>
-          </p:txBody>
-        </p:sp>
-        <p:sp>
-          <p:nvSpPr>
-            <p:cNvPr id="51" name="tx51"/>
-            <p:cNvSpPr/>
-            <p:nvPr/>
-          </p:nvSpPr>
-          <p:spPr>
-            <a:xfrm>
-              <a:off x="1926599" y="1846507"/>
-              <a:ext cx="62155" cy="80327"/>
-            </a:xfrm>
-            <a:prstGeom prst="rect">
-              <a:avLst/>
-            </a:prstGeom>
-            <a:noFill/>
-          </p:spPr>
-          <p:txBody>
-            <a:bodyPr lIns="0" rIns="0" tIns="0" bIns="0" anchorCtr="1" anchor="ctr" wrap="none"/>
-            <a:lstStyle/>
-            <a:p>
-              <a:pPr algn="l" marL="0" marR="0" indent="0">
-                <a:lnSpc>
-                  <a:spcPts val="880"/>
-                </a:lnSpc>
-                <a:spcBef>
-                  <a:spcPts val="0"/>
-                </a:spcBef>
-                <a:spcAft>
-                  <a:spcPts val="0"/>
-                </a:spcAft>
-              </a:pPr>
-              <a:r>
-                <a:rPr sz="880" b="1">
-                  <a:solidFill>
-                    <a:srgbClr val="4D4D4D">
-                      <a:alpha val="100000"/>
-                    </a:srgbClr>
-                  </a:solidFill>
-                  <a:latin typeface="Arial"/>
-                  <a:cs typeface="Arial"/>
-                </a:rPr>
-                <a:t>1</a:t>
-              </a:r>
-            </a:p>
-          </p:txBody>
-        </p:sp>
-        <p:sp>
-          <p:nvSpPr>
-            <p:cNvPr id="52" name="pl52"/>
-            <p:cNvSpPr/>
-            <p:nvPr/>
-          </p:nvSpPr>
-          <p:spPr>
-            <a:xfrm>
-              <a:off x="1988754" y="5342710"/>
-              <a:ext cx="34794" cy="0"/>
-            </a:xfrm>
-            <a:custGeom>
-              <a:avLst/>
-              <a:pathLst>
-                <a:path w="34794" h="0">
-                  <a:moveTo>
-                    <a:pt x="0" y="0"/>
-                  </a:moveTo>
-                  <a:lnTo>
-                    <a:pt x="34794" y="0"/>
-                  </a:lnTo>
-                </a:path>
-              </a:pathLst>
-            </a:custGeom>
-            <a:ln w="6775" cap="flat">
-              <a:solidFill>
-                <a:srgbClr val="B3B3B3">
-                  <a:alpha val="100000"/>
-                </a:srgbClr>
-              </a:solidFill>
-              <a:prstDash val="solid"/>
-              <a:round/>
-            </a:ln>
-          </p:spPr>
-          <p:txBody>
-            <a:bodyPr/>
-            <a:lstStyle/>
-            <a:p/>
-          </p:txBody>
-        </p:sp>
-        <p:sp>
-          <p:nvSpPr>
-            <p:cNvPr id="53" name="pl53"/>
-            <p:cNvSpPr/>
-            <p:nvPr/>
-          </p:nvSpPr>
-          <p:spPr>
-            <a:xfrm>
-              <a:off x="1988754" y="4849013"/>
-              <a:ext cx="34794" cy="0"/>
-            </a:xfrm>
-            <a:custGeom>
-              <a:avLst/>
-              <a:pathLst>
-                <a:path w="34794" h="0">
-                  <a:moveTo>
-                    <a:pt x="0" y="0"/>
-                  </a:moveTo>
-                  <a:lnTo>
-                    <a:pt x="34794" y="0"/>
-                  </a:lnTo>
-                </a:path>
-              </a:pathLst>
-            </a:custGeom>
-            <a:ln w="6775" cap="flat">
-              <a:solidFill>
-                <a:srgbClr val="B3B3B3">
-                  <a:alpha val="100000"/>
-                </a:srgbClr>
-              </a:solidFill>
-              <a:prstDash val="solid"/>
-              <a:round/>
-            </a:ln>
-          </p:spPr>
-          <p:txBody>
-            <a:bodyPr/>
-            <a:lstStyle/>
-            <a:p/>
-          </p:txBody>
-        </p:sp>
-        <p:sp>
-          <p:nvSpPr>
-            <p:cNvPr id="54" name="pl54"/>
-            <p:cNvSpPr/>
-            <p:nvPr/>
-          </p:nvSpPr>
-          <p:spPr>
-            <a:xfrm>
-              <a:off x="1988754" y="4355317"/>
-              <a:ext cx="34794" cy="0"/>
-            </a:xfrm>
-            <a:custGeom>
-              <a:avLst/>
-              <a:pathLst>
-                <a:path w="34794" h="0">
-                  <a:moveTo>
-                    <a:pt x="0" y="0"/>
-                  </a:moveTo>
-                  <a:lnTo>
-                    <a:pt x="34794" y="0"/>
-                  </a:lnTo>
-                </a:path>
-              </a:pathLst>
-            </a:custGeom>
-            <a:ln w="6775" cap="flat">
-              <a:solidFill>
-                <a:srgbClr val="B3B3B3">
-                  <a:alpha val="100000"/>
-                </a:srgbClr>
-              </a:solidFill>
-              <a:prstDash val="solid"/>
-              <a:round/>
-            </a:ln>
-          </p:spPr>
-          <p:txBody>
-            <a:bodyPr/>
-            <a:lstStyle/>
-            <a:p/>
-          </p:txBody>
-        </p:sp>
-        <p:sp>
-          <p:nvSpPr>
-            <p:cNvPr id="55" name="pl55"/>
-            <p:cNvSpPr/>
-            <p:nvPr/>
-          </p:nvSpPr>
-          <p:spPr>
-            <a:xfrm>
-              <a:off x="1988754" y="3861620"/>
-              <a:ext cx="34794" cy="0"/>
-            </a:xfrm>
-            <a:custGeom>
-              <a:avLst/>
-              <a:pathLst>
-                <a:path w="34794" h="0">
-                  <a:moveTo>
-                    <a:pt x="0" y="0"/>
-                  </a:moveTo>
-                  <a:lnTo>
-                    <a:pt x="34794" y="0"/>
-                  </a:lnTo>
-                </a:path>
-              </a:pathLst>
-            </a:custGeom>
-            <a:ln w="6775" cap="flat">
-              <a:solidFill>
-                <a:srgbClr val="B3B3B3">
-                  <a:alpha val="100000"/>
-                </a:srgbClr>
-              </a:solidFill>
-              <a:prstDash val="solid"/>
-              <a:round/>
-            </a:ln>
-          </p:spPr>
-          <p:txBody>
-            <a:bodyPr/>
-            <a:lstStyle/>
-            <a:p/>
-          </p:txBody>
-        </p:sp>
-        <p:sp>
-          <p:nvSpPr>
-            <p:cNvPr id="56" name="pl56"/>
-            <p:cNvSpPr/>
-            <p:nvPr/>
-          </p:nvSpPr>
-          <p:spPr>
-            <a:xfrm>
-              <a:off x="1988754" y="3367924"/>
-              <a:ext cx="34794" cy="0"/>
-            </a:xfrm>
-            <a:custGeom>
-              <a:avLst/>
-              <a:pathLst>
-                <a:path w="34794" h="0">
-                  <a:moveTo>
-                    <a:pt x="0" y="0"/>
-                  </a:moveTo>
-                  <a:lnTo>
-                    <a:pt x="34794" y="0"/>
-                  </a:lnTo>
-                </a:path>
-              </a:pathLst>
-            </a:custGeom>
-            <a:ln w="6775" cap="flat">
-              <a:solidFill>
-                <a:srgbClr val="B3B3B3">
-                  <a:alpha val="100000"/>
-                </a:srgbClr>
-              </a:solidFill>
-              <a:prstDash val="solid"/>
-              <a:round/>
-            </a:ln>
-          </p:spPr>
-          <p:txBody>
-            <a:bodyPr/>
-            <a:lstStyle/>
-            <a:p/>
-          </p:txBody>
-        </p:sp>
-        <p:sp>
-          <p:nvSpPr>
-            <p:cNvPr id="57" name="pl57"/>
-            <p:cNvSpPr/>
-            <p:nvPr/>
-          </p:nvSpPr>
-          <p:spPr>
-            <a:xfrm>
-              <a:off x="1988754" y="2874227"/>
-              <a:ext cx="34794" cy="0"/>
-            </a:xfrm>
-            <a:custGeom>
-              <a:avLst/>
-              <a:pathLst>
-                <a:path w="34794" h="0">
-                  <a:moveTo>
-                    <a:pt x="0" y="0"/>
-                  </a:moveTo>
-                  <a:lnTo>
-                    <a:pt x="34794" y="0"/>
-                  </a:lnTo>
-                </a:path>
-              </a:pathLst>
-            </a:custGeom>
-            <a:ln w="6775" cap="flat">
-              <a:solidFill>
-                <a:srgbClr val="B3B3B3">
-                  <a:alpha val="100000"/>
-                </a:srgbClr>
-              </a:solidFill>
-              <a:prstDash val="solid"/>
-              <a:round/>
-            </a:ln>
-          </p:spPr>
-          <p:txBody>
-            <a:bodyPr/>
-            <a:lstStyle/>
-            <a:p/>
-          </p:txBody>
-        </p:sp>
-        <p:sp>
-          <p:nvSpPr>
-            <p:cNvPr id="58" name="pl58"/>
-            <p:cNvSpPr/>
-            <p:nvPr/>
-          </p:nvSpPr>
-          <p:spPr>
-            <a:xfrm>
-              <a:off x="1988754" y="2380531"/>
-              <a:ext cx="34794" cy="0"/>
-            </a:xfrm>
-            <a:custGeom>
-              <a:avLst/>
-              <a:pathLst>
-                <a:path w="34794" h="0">
-                  <a:moveTo>
-                    <a:pt x="0" y="0"/>
-                  </a:moveTo>
-                  <a:lnTo>
-                    <a:pt x="34794" y="0"/>
-                  </a:lnTo>
-                </a:path>
-              </a:pathLst>
-            </a:custGeom>
-            <a:ln w="6775" cap="flat">
-              <a:solidFill>
-                <a:srgbClr val="B3B3B3">
-                  <a:alpha val="100000"/>
-                </a:srgbClr>
-              </a:solidFill>
-              <a:prstDash val="solid"/>
-              <a:round/>
-            </a:ln>
-          </p:spPr>
-          <p:txBody>
-            <a:bodyPr/>
-            <a:lstStyle/>
-            <a:p/>
-          </p:txBody>
-        </p:sp>
-        <p:sp>
-          <p:nvSpPr>
-            <p:cNvPr id="59" name="pl59"/>
-            <p:cNvSpPr/>
-            <p:nvPr/>
-          </p:nvSpPr>
-          <p:spPr>
-            <a:xfrm>
-              <a:off x="1988754" y="1886835"/>
-              <a:ext cx="34794" cy="0"/>
-            </a:xfrm>
-            <a:custGeom>
-              <a:avLst/>
-              <a:pathLst>
-                <a:path w="34794" h="0">
-                  <a:moveTo>
-                    <a:pt x="0" y="0"/>
-                  </a:moveTo>
-                  <a:lnTo>
-                    <a:pt x="34794" y="0"/>
-                  </a:lnTo>
-                </a:path>
-              </a:pathLst>
-            </a:custGeom>
-            <a:ln w="6775" cap="flat">
-              <a:solidFill>
-                <a:srgbClr val="B3B3B3">
-                  <a:alpha val="100000"/>
-                </a:srgbClr>
-              </a:solidFill>
-              <a:prstDash val="solid"/>
-              <a:round/>
-            </a:ln>
-          </p:spPr>
-          <p:txBody>
-            <a:bodyPr/>
-            <a:lstStyle/>
-            <a:p/>
-          </p:txBody>
-        </p:sp>
-        <p:sp>
-          <p:nvSpPr>
-            <p:cNvPr id="60" name="pl60"/>
-            <p:cNvSpPr/>
-            <p:nvPr/>
-          </p:nvSpPr>
-          <p:spPr>
-            <a:xfrm>
-              <a:off x="2023549" y="5638927"/>
+            <p:cNvPr id="150" name="pl150"/>
+            <p:cNvSpPr/>
+            <p:nvPr/>
+          </p:nvSpPr>
+          <p:spPr>
+            <a:xfrm>
+              <a:off x="2274694" y="5054641"/>
               <a:ext cx="0" cy="34794"/>
             </a:xfrm>
             <a:custGeom>
@@ -5431,31 +8588,31 @@
                 </a:path>
               </a:pathLst>
             </a:custGeom>
-            <a:ln w="6775" cap="flat">
-              <a:solidFill>
-                <a:srgbClr val="B3B3B3">
-                  <a:alpha val="100000"/>
-                </a:srgbClr>
-              </a:solidFill>
-              <a:prstDash val="solid"/>
-              <a:round/>
-            </a:ln>
-          </p:spPr>
-          <p:txBody>
-            <a:bodyPr/>
-            <a:lstStyle/>
-            <a:p/>
-          </p:txBody>
-        </p:sp>
-        <p:sp>
-          <p:nvSpPr>
-            <p:cNvPr id="61" name="pl61"/>
-            <p:cNvSpPr/>
-            <p:nvPr/>
-          </p:nvSpPr>
-          <p:spPr>
-            <a:xfrm>
-              <a:off x="3165970" y="5638927"/>
+            <a:ln w="13550" cap="flat">
+              <a:solidFill>
+                <a:srgbClr val="333333">
+                  <a:alpha val="100000"/>
+                </a:srgbClr>
+              </a:solidFill>
+              <a:prstDash val="solid"/>
+              <a:round/>
+            </a:ln>
+          </p:spPr>
+          <p:txBody>
+            <a:bodyPr/>
+            <a:lstStyle/>
+            <a:p/>
+          </p:txBody>
+        </p:sp>
+        <p:sp>
+          <p:nvSpPr>
+            <p:cNvPr id="151" name="pl151"/>
+            <p:cNvSpPr/>
+            <p:nvPr/>
+          </p:nvSpPr>
+          <p:spPr>
+            <a:xfrm>
+              <a:off x="2432715" y="5054641"/>
               <a:ext cx="0" cy="34794"/>
             </a:xfrm>
             <a:custGeom>
@@ -5471,31 +8628,31 @@
                 </a:path>
               </a:pathLst>
             </a:custGeom>
-            <a:ln w="6775" cap="flat">
-              <a:solidFill>
-                <a:srgbClr val="B3B3B3">
-                  <a:alpha val="100000"/>
-                </a:srgbClr>
-              </a:solidFill>
-              <a:prstDash val="solid"/>
-              <a:round/>
-            </a:ln>
-          </p:spPr>
-          <p:txBody>
-            <a:bodyPr/>
-            <a:lstStyle/>
-            <a:p/>
-          </p:txBody>
-        </p:sp>
-        <p:sp>
-          <p:nvSpPr>
-            <p:cNvPr id="62" name="pl62"/>
-            <p:cNvSpPr/>
-            <p:nvPr/>
-          </p:nvSpPr>
-          <p:spPr>
-            <a:xfrm>
-              <a:off x="4308391" y="5638927"/>
+            <a:ln w="13550" cap="flat">
+              <a:solidFill>
+                <a:srgbClr val="333333">
+                  <a:alpha val="100000"/>
+                </a:srgbClr>
+              </a:solidFill>
+              <a:prstDash val="solid"/>
+              <a:round/>
+            </a:ln>
+          </p:spPr>
+          <p:txBody>
+            <a:bodyPr/>
+            <a:lstStyle/>
+            <a:p/>
+          </p:txBody>
+        </p:sp>
+        <p:sp>
+          <p:nvSpPr>
+            <p:cNvPr id="152" name="pl152"/>
+            <p:cNvSpPr/>
+            <p:nvPr/>
+          </p:nvSpPr>
+          <p:spPr>
+            <a:xfrm>
+              <a:off x="2590735" y="5054641"/>
               <a:ext cx="0" cy="34794"/>
             </a:xfrm>
             <a:custGeom>
@@ -5511,31 +8668,31 @@
                 </a:path>
               </a:pathLst>
             </a:custGeom>
-            <a:ln w="6775" cap="flat">
-              <a:solidFill>
-                <a:srgbClr val="B3B3B3">
-                  <a:alpha val="100000"/>
-                </a:srgbClr>
-              </a:solidFill>
-              <a:prstDash val="solid"/>
-              <a:round/>
-            </a:ln>
-          </p:spPr>
-          <p:txBody>
-            <a:bodyPr/>
-            <a:lstStyle/>
-            <a:p/>
-          </p:txBody>
-        </p:sp>
-        <p:sp>
-          <p:nvSpPr>
-            <p:cNvPr id="63" name="pl63"/>
-            <p:cNvSpPr/>
-            <p:nvPr/>
-          </p:nvSpPr>
-          <p:spPr>
-            <a:xfrm>
-              <a:off x="5450812" y="5638927"/>
+            <a:ln w="13550" cap="flat">
+              <a:solidFill>
+                <a:srgbClr val="333333">
+                  <a:alpha val="100000"/>
+                </a:srgbClr>
+              </a:solidFill>
+              <a:prstDash val="solid"/>
+              <a:round/>
+            </a:ln>
+          </p:spPr>
+          <p:txBody>
+            <a:bodyPr/>
+            <a:lstStyle/>
+            <a:p/>
+          </p:txBody>
+        </p:sp>
+        <p:sp>
+          <p:nvSpPr>
+            <p:cNvPr id="153" name="pl153"/>
+            <p:cNvSpPr/>
+            <p:nvPr/>
+          </p:nvSpPr>
+          <p:spPr>
+            <a:xfrm>
+              <a:off x="2748756" y="5054641"/>
               <a:ext cx="0" cy="34794"/>
             </a:xfrm>
             <a:custGeom>
@@ -5551,31 +8708,31 @@
                 </a:path>
               </a:pathLst>
             </a:custGeom>
-            <a:ln w="6775" cap="flat">
-              <a:solidFill>
-                <a:srgbClr val="B3B3B3">
-                  <a:alpha val="100000"/>
-                </a:srgbClr>
-              </a:solidFill>
-              <a:prstDash val="solid"/>
-              <a:round/>
-            </a:ln>
-          </p:spPr>
-          <p:txBody>
-            <a:bodyPr/>
-            <a:lstStyle/>
-            <a:p/>
-          </p:txBody>
-        </p:sp>
-        <p:sp>
-          <p:nvSpPr>
-            <p:cNvPr id="64" name="pl64"/>
-            <p:cNvSpPr/>
-            <p:nvPr/>
-          </p:nvSpPr>
-          <p:spPr>
-            <a:xfrm>
-              <a:off x="6593233" y="5638927"/>
+            <a:ln w="13550" cap="flat">
+              <a:solidFill>
+                <a:srgbClr val="333333">
+                  <a:alpha val="100000"/>
+                </a:srgbClr>
+              </a:solidFill>
+              <a:prstDash val="solid"/>
+              <a:round/>
+            </a:ln>
+          </p:spPr>
+          <p:txBody>
+            <a:bodyPr/>
+            <a:lstStyle/>
+            <a:p/>
+          </p:txBody>
+        </p:sp>
+        <p:sp>
+          <p:nvSpPr>
+            <p:cNvPr id="154" name="pl154"/>
+            <p:cNvSpPr/>
+            <p:nvPr/>
+          </p:nvSpPr>
+          <p:spPr>
+            <a:xfrm>
+              <a:off x="2906777" y="5054641"/>
               <a:ext cx="0" cy="34794"/>
             </a:xfrm>
             <a:custGeom>
@@ -5591,31 +8748,31 @@
                 </a:path>
               </a:pathLst>
             </a:custGeom>
-            <a:ln w="6775" cap="flat">
-              <a:solidFill>
-                <a:srgbClr val="B3B3B3">
-                  <a:alpha val="100000"/>
-                </a:srgbClr>
-              </a:solidFill>
-              <a:prstDash val="solid"/>
-              <a:round/>
-            </a:ln>
-          </p:spPr>
-          <p:txBody>
-            <a:bodyPr/>
-            <a:lstStyle/>
-            <a:p/>
-          </p:txBody>
-        </p:sp>
-        <p:sp>
-          <p:nvSpPr>
-            <p:cNvPr id="65" name="pl65"/>
-            <p:cNvSpPr/>
-            <p:nvPr/>
-          </p:nvSpPr>
-          <p:spPr>
-            <a:xfrm>
-              <a:off x="7735654" y="5638927"/>
+            <a:ln w="13550" cap="flat">
+              <a:solidFill>
+                <a:srgbClr val="333333">
+                  <a:alpha val="100000"/>
+                </a:srgbClr>
+              </a:solidFill>
+              <a:prstDash val="solid"/>
+              <a:round/>
+            </a:ln>
+          </p:spPr>
+          <p:txBody>
+            <a:bodyPr/>
+            <a:lstStyle/>
+            <a:p/>
+          </p:txBody>
+        </p:sp>
+        <p:sp>
+          <p:nvSpPr>
+            <p:cNvPr id="155" name="pl155"/>
+            <p:cNvSpPr/>
+            <p:nvPr/>
+          </p:nvSpPr>
+          <p:spPr>
+            <a:xfrm>
+              <a:off x="3064798" y="5054641"/>
               <a:ext cx="0" cy="34794"/>
             </a:xfrm>
             <a:custGeom>
@@ -5631,31 +8788,31 @@
                 </a:path>
               </a:pathLst>
             </a:custGeom>
-            <a:ln w="6775" cap="flat">
-              <a:solidFill>
-                <a:srgbClr val="B3B3B3">
-                  <a:alpha val="100000"/>
-                </a:srgbClr>
-              </a:solidFill>
-              <a:prstDash val="solid"/>
-              <a:round/>
-            </a:ln>
-          </p:spPr>
-          <p:txBody>
-            <a:bodyPr/>
-            <a:lstStyle/>
-            <a:p/>
-          </p:txBody>
-        </p:sp>
-        <p:sp>
-          <p:nvSpPr>
-            <p:cNvPr id="66" name="pl66"/>
-            <p:cNvSpPr/>
-            <p:nvPr/>
-          </p:nvSpPr>
-          <p:spPr>
-            <a:xfrm>
-              <a:off x="8878074" y="5638927"/>
+            <a:ln w="13550" cap="flat">
+              <a:solidFill>
+                <a:srgbClr val="333333">
+                  <a:alpha val="100000"/>
+                </a:srgbClr>
+              </a:solidFill>
+              <a:prstDash val="solid"/>
+              <a:round/>
+            </a:ln>
+          </p:spPr>
+          <p:txBody>
+            <a:bodyPr/>
+            <a:lstStyle/>
+            <a:p/>
+          </p:txBody>
+        </p:sp>
+        <p:sp>
+          <p:nvSpPr>
+            <p:cNvPr id="156" name="pl156"/>
+            <p:cNvSpPr/>
+            <p:nvPr/>
+          </p:nvSpPr>
+          <p:spPr>
+            <a:xfrm>
+              <a:off x="3222819" y="5054641"/>
               <a:ext cx="0" cy="34794"/>
             </a:xfrm>
             <a:custGeom>
@@ -5671,31 +8828,1351 @@
                 </a:path>
               </a:pathLst>
             </a:custGeom>
-            <a:ln w="6775" cap="flat">
-              <a:solidFill>
-                <a:srgbClr val="B3B3B3">
-                  <a:alpha val="100000"/>
-                </a:srgbClr>
-              </a:solidFill>
-              <a:prstDash val="solid"/>
-              <a:round/>
-            </a:ln>
-          </p:spPr>
-          <p:txBody>
-            <a:bodyPr/>
-            <a:lstStyle/>
-            <a:p/>
-          </p:txBody>
-        </p:sp>
-        <p:sp>
-          <p:nvSpPr>
-            <p:cNvPr id="67" name="tx67"/>
-            <p:cNvSpPr/>
-            <p:nvPr/>
-          </p:nvSpPr>
-          <p:spPr>
-            <a:xfrm>
-              <a:off x="1992471" y="5699866"/>
+            <a:ln w="13550" cap="flat">
+              <a:solidFill>
+                <a:srgbClr val="333333">
+                  <a:alpha val="100000"/>
+                </a:srgbClr>
+              </a:solidFill>
+              <a:prstDash val="solid"/>
+              <a:round/>
+            </a:ln>
+          </p:spPr>
+          <p:txBody>
+            <a:bodyPr/>
+            <a:lstStyle/>
+            <a:p/>
+          </p:txBody>
+        </p:sp>
+        <p:sp>
+          <p:nvSpPr>
+            <p:cNvPr id="157" name="pl157"/>
+            <p:cNvSpPr/>
+            <p:nvPr/>
+          </p:nvSpPr>
+          <p:spPr>
+            <a:xfrm>
+              <a:off x="3380840" y="5054641"/>
+              <a:ext cx="0" cy="34794"/>
+            </a:xfrm>
+            <a:custGeom>
+              <a:avLst/>
+              <a:pathLst>
+                <a:path w="0" h="34794">
+                  <a:moveTo>
+                    <a:pt x="0" y="34794"/>
+                  </a:moveTo>
+                  <a:lnTo>
+                    <a:pt x="0" y="0"/>
+                  </a:lnTo>
+                </a:path>
+              </a:pathLst>
+            </a:custGeom>
+            <a:ln w="13550" cap="flat">
+              <a:solidFill>
+                <a:srgbClr val="333333">
+                  <a:alpha val="100000"/>
+                </a:srgbClr>
+              </a:solidFill>
+              <a:prstDash val="solid"/>
+              <a:round/>
+            </a:ln>
+          </p:spPr>
+          <p:txBody>
+            <a:bodyPr/>
+            <a:lstStyle/>
+            <a:p/>
+          </p:txBody>
+        </p:sp>
+        <p:sp>
+          <p:nvSpPr>
+            <p:cNvPr id="158" name="pl158"/>
+            <p:cNvSpPr/>
+            <p:nvPr/>
+          </p:nvSpPr>
+          <p:spPr>
+            <a:xfrm>
+              <a:off x="3640054" y="5054641"/>
+              <a:ext cx="0" cy="34794"/>
+            </a:xfrm>
+            <a:custGeom>
+              <a:avLst/>
+              <a:pathLst>
+                <a:path w="0" h="34794">
+                  <a:moveTo>
+                    <a:pt x="0" y="34794"/>
+                  </a:moveTo>
+                  <a:lnTo>
+                    <a:pt x="0" y="0"/>
+                  </a:lnTo>
+                </a:path>
+              </a:pathLst>
+            </a:custGeom>
+            <a:ln w="13550" cap="flat">
+              <a:solidFill>
+                <a:srgbClr val="333333">
+                  <a:alpha val="100000"/>
+                </a:srgbClr>
+              </a:solidFill>
+              <a:prstDash val="solid"/>
+              <a:round/>
+            </a:ln>
+          </p:spPr>
+          <p:txBody>
+            <a:bodyPr/>
+            <a:lstStyle/>
+            <a:p/>
+          </p:txBody>
+        </p:sp>
+        <p:sp>
+          <p:nvSpPr>
+            <p:cNvPr id="159" name="pl159"/>
+            <p:cNvSpPr/>
+            <p:nvPr/>
+          </p:nvSpPr>
+          <p:spPr>
+            <a:xfrm>
+              <a:off x="3798075" y="5054641"/>
+              <a:ext cx="0" cy="34794"/>
+            </a:xfrm>
+            <a:custGeom>
+              <a:avLst/>
+              <a:pathLst>
+                <a:path w="0" h="34794">
+                  <a:moveTo>
+                    <a:pt x="0" y="34794"/>
+                  </a:moveTo>
+                  <a:lnTo>
+                    <a:pt x="0" y="0"/>
+                  </a:lnTo>
+                </a:path>
+              </a:pathLst>
+            </a:custGeom>
+            <a:ln w="13550" cap="flat">
+              <a:solidFill>
+                <a:srgbClr val="333333">
+                  <a:alpha val="100000"/>
+                </a:srgbClr>
+              </a:solidFill>
+              <a:prstDash val="solid"/>
+              <a:round/>
+            </a:ln>
+          </p:spPr>
+          <p:txBody>
+            <a:bodyPr/>
+            <a:lstStyle/>
+            <a:p/>
+          </p:txBody>
+        </p:sp>
+        <p:sp>
+          <p:nvSpPr>
+            <p:cNvPr id="160" name="pl160"/>
+            <p:cNvSpPr/>
+            <p:nvPr/>
+          </p:nvSpPr>
+          <p:spPr>
+            <a:xfrm>
+              <a:off x="3956095" y="5054641"/>
+              <a:ext cx="0" cy="34794"/>
+            </a:xfrm>
+            <a:custGeom>
+              <a:avLst/>
+              <a:pathLst>
+                <a:path w="0" h="34794">
+                  <a:moveTo>
+                    <a:pt x="0" y="34794"/>
+                  </a:moveTo>
+                  <a:lnTo>
+                    <a:pt x="0" y="0"/>
+                  </a:lnTo>
+                </a:path>
+              </a:pathLst>
+            </a:custGeom>
+            <a:ln w="13550" cap="flat">
+              <a:solidFill>
+                <a:srgbClr val="333333">
+                  <a:alpha val="100000"/>
+                </a:srgbClr>
+              </a:solidFill>
+              <a:prstDash val="solid"/>
+              <a:round/>
+            </a:ln>
+          </p:spPr>
+          <p:txBody>
+            <a:bodyPr/>
+            <a:lstStyle/>
+            <a:p/>
+          </p:txBody>
+        </p:sp>
+        <p:sp>
+          <p:nvSpPr>
+            <p:cNvPr id="161" name="pl161"/>
+            <p:cNvSpPr/>
+            <p:nvPr/>
+          </p:nvSpPr>
+          <p:spPr>
+            <a:xfrm>
+              <a:off x="4114116" y="5054641"/>
+              <a:ext cx="0" cy="34794"/>
+            </a:xfrm>
+            <a:custGeom>
+              <a:avLst/>
+              <a:pathLst>
+                <a:path w="0" h="34794">
+                  <a:moveTo>
+                    <a:pt x="0" y="34794"/>
+                  </a:moveTo>
+                  <a:lnTo>
+                    <a:pt x="0" y="0"/>
+                  </a:lnTo>
+                </a:path>
+              </a:pathLst>
+            </a:custGeom>
+            <a:ln w="13550" cap="flat">
+              <a:solidFill>
+                <a:srgbClr val="333333">
+                  <a:alpha val="100000"/>
+                </a:srgbClr>
+              </a:solidFill>
+              <a:prstDash val="solid"/>
+              <a:round/>
+            </a:ln>
+          </p:spPr>
+          <p:txBody>
+            <a:bodyPr/>
+            <a:lstStyle/>
+            <a:p/>
+          </p:txBody>
+        </p:sp>
+        <p:sp>
+          <p:nvSpPr>
+            <p:cNvPr id="162" name="pl162"/>
+            <p:cNvSpPr/>
+            <p:nvPr/>
+          </p:nvSpPr>
+          <p:spPr>
+            <a:xfrm>
+              <a:off x="4272137" y="5054641"/>
+              <a:ext cx="0" cy="34794"/>
+            </a:xfrm>
+            <a:custGeom>
+              <a:avLst/>
+              <a:pathLst>
+                <a:path w="0" h="34794">
+                  <a:moveTo>
+                    <a:pt x="0" y="34794"/>
+                  </a:moveTo>
+                  <a:lnTo>
+                    <a:pt x="0" y="0"/>
+                  </a:lnTo>
+                </a:path>
+              </a:pathLst>
+            </a:custGeom>
+            <a:ln w="13550" cap="flat">
+              <a:solidFill>
+                <a:srgbClr val="333333">
+                  <a:alpha val="100000"/>
+                </a:srgbClr>
+              </a:solidFill>
+              <a:prstDash val="solid"/>
+              <a:round/>
+            </a:ln>
+          </p:spPr>
+          <p:txBody>
+            <a:bodyPr/>
+            <a:lstStyle/>
+            <a:p/>
+          </p:txBody>
+        </p:sp>
+        <p:sp>
+          <p:nvSpPr>
+            <p:cNvPr id="163" name="pl163"/>
+            <p:cNvSpPr/>
+            <p:nvPr/>
+          </p:nvSpPr>
+          <p:spPr>
+            <a:xfrm>
+              <a:off x="4430158" y="5054641"/>
+              <a:ext cx="0" cy="34794"/>
+            </a:xfrm>
+            <a:custGeom>
+              <a:avLst/>
+              <a:pathLst>
+                <a:path w="0" h="34794">
+                  <a:moveTo>
+                    <a:pt x="0" y="34794"/>
+                  </a:moveTo>
+                  <a:lnTo>
+                    <a:pt x="0" y="0"/>
+                  </a:lnTo>
+                </a:path>
+              </a:pathLst>
+            </a:custGeom>
+            <a:ln w="13550" cap="flat">
+              <a:solidFill>
+                <a:srgbClr val="333333">
+                  <a:alpha val="100000"/>
+                </a:srgbClr>
+              </a:solidFill>
+              <a:prstDash val="solid"/>
+              <a:round/>
+            </a:ln>
+          </p:spPr>
+          <p:txBody>
+            <a:bodyPr/>
+            <a:lstStyle/>
+            <a:p/>
+          </p:txBody>
+        </p:sp>
+        <p:sp>
+          <p:nvSpPr>
+            <p:cNvPr id="164" name="pl164"/>
+            <p:cNvSpPr/>
+            <p:nvPr/>
+          </p:nvSpPr>
+          <p:spPr>
+            <a:xfrm>
+              <a:off x="4588179" y="5054641"/>
+              <a:ext cx="0" cy="34794"/>
+            </a:xfrm>
+            <a:custGeom>
+              <a:avLst/>
+              <a:pathLst>
+                <a:path w="0" h="34794">
+                  <a:moveTo>
+                    <a:pt x="0" y="34794"/>
+                  </a:moveTo>
+                  <a:lnTo>
+                    <a:pt x="0" y="0"/>
+                  </a:lnTo>
+                </a:path>
+              </a:pathLst>
+            </a:custGeom>
+            <a:ln w="13550" cap="flat">
+              <a:solidFill>
+                <a:srgbClr val="333333">
+                  <a:alpha val="100000"/>
+                </a:srgbClr>
+              </a:solidFill>
+              <a:prstDash val="solid"/>
+              <a:round/>
+            </a:ln>
+          </p:spPr>
+          <p:txBody>
+            <a:bodyPr/>
+            <a:lstStyle/>
+            <a:p/>
+          </p:txBody>
+        </p:sp>
+        <p:sp>
+          <p:nvSpPr>
+            <p:cNvPr id="165" name="pl165"/>
+            <p:cNvSpPr/>
+            <p:nvPr/>
+          </p:nvSpPr>
+          <p:spPr>
+            <a:xfrm>
+              <a:off x="4746200" y="5054641"/>
+              <a:ext cx="0" cy="34794"/>
+            </a:xfrm>
+            <a:custGeom>
+              <a:avLst/>
+              <a:pathLst>
+                <a:path w="0" h="34794">
+                  <a:moveTo>
+                    <a:pt x="0" y="34794"/>
+                  </a:moveTo>
+                  <a:lnTo>
+                    <a:pt x="0" y="0"/>
+                  </a:lnTo>
+                </a:path>
+              </a:pathLst>
+            </a:custGeom>
+            <a:ln w="13550" cap="flat">
+              <a:solidFill>
+                <a:srgbClr val="333333">
+                  <a:alpha val="100000"/>
+                </a:srgbClr>
+              </a:solidFill>
+              <a:prstDash val="solid"/>
+              <a:round/>
+            </a:ln>
+          </p:spPr>
+          <p:txBody>
+            <a:bodyPr/>
+            <a:lstStyle/>
+            <a:p/>
+          </p:txBody>
+        </p:sp>
+        <p:sp>
+          <p:nvSpPr>
+            <p:cNvPr id="166" name="pl166"/>
+            <p:cNvSpPr/>
+            <p:nvPr/>
+          </p:nvSpPr>
+          <p:spPr>
+            <a:xfrm>
+              <a:off x="5005414" y="5054641"/>
+              <a:ext cx="0" cy="34794"/>
+            </a:xfrm>
+            <a:custGeom>
+              <a:avLst/>
+              <a:pathLst>
+                <a:path w="0" h="34794">
+                  <a:moveTo>
+                    <a:pt x="0" y="34794"/>
+                  </a:moveTo>
+                  <a:lnTo>
+                    <a:pt x="0" y="0"/>
+                  </a:lnTo>
+                </a:path>
+              </a:pathLst>
+            </a:custGeom>
+            <a:ln w="13550" cap="flat">
+              <a:solidFill>
+                <a:srgbClr val="333333">
+                  <a:alpha val="100000"/>
+                </a:srgbClr>
+              </a:solidFill>
+              <a:prstDash val="solid"/>
+              <a:round/>
+            </a:ln>
+          </p:spPr>
+          <p:txBody>
+            <a:bodyPr/>
+            <a:lstStyle/>
+            <a:p/>
+          </p:txBody>
+        </p:sp>
+        <p:sp>
+          <p:nvSpPr>
+            <p:cNvPr id="167" name="pl167"/>
+            <p:cNvSpPr/>
+            <p:nvPr/>
+          </p:nvSpPr>
+          <p:spPr>
+            <a:xfrm>
+              <a:off x="5163434" y="5054641"/>
+              <a:ext cx="0" cy="34794"/>
+            </a:xfrm>
+            <a:custGeom>
+              <a:avLst/>
+              <a:pathLst>
+                <a:path w="0" h="34794">
+                  <a:moveTo>
+                    <a:pt x="0" y="34794"/>
+                  </a:moveTo>
+                  <a:lnTo>
+                    <a:pt x="0" y="0"/>
+                  </a:lnTo>
+                </a:path>
+              </a:pathLst>
+            </a:custGeom>
+            <a:ln w="13550" cap="flat">
+              <a:solidFill>
+                <a:srgbClr val="333333">
+                  <a:alpha val="100000"/>
+                </a:srgbClr>
+              </a:solidFill>
+              <a:prstDash val="solid"/>
+              <a:round/>
+            </a:ln>
+          </p:spPr>
+          <p:txBody>
+            <a:bodyPr/>
+            <a:lstStyle/>
+            <a:p/>
+          </p:txBody>
+        </p:sp>
+        <p:sp>
+          <p:nvSpPr>
+            <p:cNvPr id="168" name="pl168"/>
+            <p:cNvSpPr/>
+            <p:nvPr/>
+          </p:nvSpPr>
+          <p:spPr>
+            <a:xfrm>
+              <a:off x="5321455" y="5054641"/>
+              <a:ext cx="0" cy="34794"/>
+            </a:xfrm>
+            <a:custGeom>
+              <a:avLst/>
+              <a:pathLst>
+                <a:path w="0" h="34794">
+                  <a:moveTo>
+                    <a:pt x="0" y="34794"/>
+                  </a:moveTo>
+                  <a:lnTo>
+                    <a:pt x="0" y="0"/>
+                  </a:lnTo>
+                </a:path>
+              </a:pathLst>
+            </a:custGeom>
+            <a:ln w="13550" cap="flat">
+              <a:solidFill>
+                <a:srgbClr val="333333">
+                  <a:alpha val="100000"/>
+                </a:srgbClr>
+              </a:solidFill>
+              <a:prstDash val="solid"/>
+              <a:round/>
+            </a:ln>
+          </p:spPr>
+          <p:txBody>
+            <a:bodyPr/>
+            <a:lstStyle/>
+            <a:p/>
+          </p:txBody>
+        </p:sp>
+        <p:sp>
+          <p:nvSpPr>
+            <p:cNvPr id="169" name="pl169"/>
+            <p:cNvSpPr/>
+            <p:nvPr/>
+          </p:nvSpPr>
+          <p:spPr>
+            <a:xfrm>
+              <a:off x="5479476" y="5054641"/>
+              <a:ext cx="0" cy="34794"/>
+            </a:xfrm>
+            <a:custGeom>
+              <a:avLst/>
+              <a:pathLst>
+                <a:path w="0" h="34794">
+                  <a:moveTo>
+                    <a:pt x="0" y="34794"/>
+                  </a:moveTo>
+                  <a:lnTo>
+                    <a:pt x="0" y="0"/>
+                  </a:lnTo>
+                </a:path>
+              </a:pathLst>
+            </a:custGeom>
+            <a:ln w="13550" cap="flat">
+              <a:solidFill>
+                <a:srgbClr val="333333">
+                  <a:alpha val="100000"/>
+                </a:srgbClr>
+              </a:solidFill>
+              <a:prstDash val="solid"/>
+              <a:round/>
+            </a:ln>
+          </p:spPr>
+          <p:txBody>
+            <a:bodyPr/>
+            <a:lstStyle/>
+            <a:p/>
+          </p:txBody>
+        </p:sp>
+        <p:sp>
+          <p:nvSpPr>
+            <p:cNvPr id="170" name="pl170"/>
+            <p:cNvSpPr/>
+            <p:nvPr/>
+          </p:nvSpPr>
+          <p:spPr>
+            <a:xfrm>
+              <a:off x="5637497" y="5054641"/>
+              <a:ext cx="0" cy="34794"/>
+            </a:xfrm>
+            <a:custGeom>
+              <a:avLst/>
+              <a:pathLst>
+                <a:path w="0" h="34794">
+                  <a:moveTo>
+                    <a:pt x="0" y="34794"/>
+                  </a:moveTo>
+                  <a:lnTo>
+                    <a:pt x="0" y="0"/>
+                  </a:lnTo>
+                </a:path>
+              </a:pathLst>
+            </a:custGeom>
+            <a:ln w="13550" cap="flat">
+              <a:solidFill>
+                <a:srgbClr val="333333">
+                  <a:alpha val="100000"/>
+                </a:srgbClr>
+              </a:solidFill>
+              <a:prstDash val="solid"/>
+              <a:round/>
+            </a:ln>
+          </p:spPr>
+          <p:txBody>
+            <a:bodyPr/>
+            <a:lstStyle/>
+            <a:p/>
+          </p:txBody>
+        </p:sp>
+        <p:sp>
+          <p:nvSpPr>
+            <p:cNvPr id="171" name="pl171"/>
+            <p:cNvSpPr/>
+            <p:nvPr/>
+          </p:nvSpPr>
+          <p:spPr>
+            <a:xfrm>
+              <a:off x="5795518" y="5054641"/>
+              <a:ext cx="0" cy="34794"/>
+            </a:xfrm>
+            <a:custGeom>
+              <a:avLst/>
+              <a:pathLst>
+                <a:path w="0" h="34794">
+                  <a:moveTo>
+                    <a:pt x="0" y="34794"/>
+                  </a:moveTo>
+                  <a:lnTo>
+                    <a:pt x="0" y="0"/>
+                  </a:lnTo>
+                </a:path>
+              </a:pathLst>
+            </a:custGeom>
+            <a:ln w="13550" cap="flat">
+              <a:solidFill>
+                <a:srgbClr val="333333">
+                  <a:alpha val="100000"/>
+                </a:srgbClr>
+              </a:solidFill>
+              <a:prstDash val="solid"/>
+              <a:round/>
+            </a:ln>
+          </p:spPr>
+          <p:txBody>
+            <a:bodyPr/>
+            <a:lstStyle/>
+            <a:p/>
+          </p:txBody>
+        </p:sp>
+        <p:sp>
+          <p:nvSpPr>
+            <p:cNvPr id="172" name="pl172"/>
+            <p:cNvSpPr/>
+            <p:nvPr/>
+          </p:nvSpPr>
+          <p:spPr>
+            <a:xfrm>
+              <a:off x="5953539" y="5054641"/>
+              <a:ext cx="0" cy="34794"/>
+            </a:xfrm>
+            <a:custGeom>
+              <a:avLst/>
+              <a:pathLst>
+                <a:path w="0" h="34794">
+                  <a:moveTo>
+                    <a:pt x="0" y="34794"/>
+                  </a:moveTo>
+                  <a:lnTo>
+                    <a:pt x="0" y="0"/>
+                  </a:lnTo>
+                </a:path>
+              </a:pathLst>
+            </a:custGeom>
+            <a:ln w="13550" cap="flat">
+              <a:solidFill>
+                <a:srgbClr val="333333">
+                  <a:alpha val="100000"/>
+                </a:srgbClr>
+              </a:solidFill>
+              <a:prstDash val="solid"/>
+              <a:round/>
+            </a:ln>
+          </p:spPr>
+          <p:txBody>
+            <a:bodyPr/>
+            <a:lstStyle/>
+            <a:p/>
+          </p:txBody>
+        </p:sp>
+        <p:sp>
+          <p:nvSpPr>
+            <p:cNvPr id="173" name="pl173"/>
+            <p:cNvSpPr/>
+            <p:nvPr/>
+          </p:nvSpPr>
+          <p:spPr>
+            <a:xfrm>
+              <a:off x="6111560" y="5054641"/>
+              <a:ext cx="0" cy="34794"/>
+            </a:xfrm>
+            <a:custGeom>
+              <a:avLst/>
+              <a:pathLst>
+                <a:path w="0" h="34794">
+                  <a:moveTo>
+                    <a:pt x="0" y="34794"/>
+                  </a:moveTo>
+                  <a:lnTo>
+                    <a:pt x="0" y="0"/>
+                  </a:lnTo>
+                </a:path>
+              </a:pathLst>
+            </a:custGeom>
+            <a:ln w="13550" cap="flat">
+              <a:solidFill>
+                <a:srgbClr val="333333">
+                  <a:alpha val="100000"/>
+                </a:srgbClr>
+              </a:solidFill>
+              <a:prstDash val="solid"/>
+              <a:round/>
+            </a:ln>
+          </p:spPr>
+          <p:txBody>
+            <a:bodyPr/>
+            <a:lstStyle/>
+            <a:p/>
+          </p:txBody>
+        </p:sp>
+        <p:sp>
+          <p:nvSpPr>
+            <p:cNvPr id="174" name="pl174"/>
+            <p:cNvSpPr/>
+            <p:nvPr/>
+          </p:nvSpPr>
+          <p:spPr>
+            <a:xfrm>
+              <a:off x="6370774" y="5054641"/>
+              <a:ext cx="0" cy="34794"/>
+            </a:xfrm>
+            <a:custGeom>
+              <a:avLst/>
+              <a:pathLst>
+                <a:path w="0" h="34794">
+                  <a:moveTo>
+                    <a:pt x="0" y="34794"/>
+                  </a:moveTo>
+                  <a:lnTo>
+                    <a:pt x="0" y="0"/>
+                  </a:lnTo>
+                </a:path>
+              </a:pathLst>
+            </a:custGeom>
+            <a:ln w="13550" cap="flat">
+              <a:solidFill>
+                <a:srgbClr val="333333">
+                  <a:alpha val="100000"/>
+                </a:srgbClr>
+              </a:solidFill>
+              <a:prstDash val="solid"/>
+              <a:round/>
+            </a:ln>
+          </p:spPr>
+          <p:txBody>
+            <a:bodyPr/>
+            <a:lstStyle/>
+            <a:p/>
+          </p:txBody>
+        </p:sp>
+        <p:sp>
+          <p:nvSpPr>
+            <p:cNvPr id="175" name="pl175"/>
+            <p:cNvSpPr/>
+            <p:nvPr/>
+          </p:nvSpPr>
+          <p:spPr>
+            <a:xfrm>
+              <a:off x="6528794" y="5054641"/>
+              <a:ext cx="0" cy="34794"/>
+            </a:xfrm>
+            <a:custGeom>
+              <a:avLst/>
+              <a:pathLst>
+                <a:path w="0" h="34794">
+                  <a:moveTo>
+                    <a:pt x="0" y="34794"/>
+                  </a:moveTo>
+                  <a:lnTo>
+                    <a:pt x="0" y="0"/>
+                  </a:lnTo>
+                </a:path>
+              </a:pathLst>
+            </a:custGeom>
+            <a:ln w="13550" cap="flat">
+              <a:solidFill>
+                <a:srgbClr val="333333">
+                  <a:alpha val="100000"/>
+                </a:srgbClr>
+              </a:solidFill>
+              <a:prstDash val="solid"/>
+              <a:round/>
+            </a:ln>
+          </p:spPr>
+          <p:txBody>
+            <a:bodyPr/>
+            <a:lstStyle/>
+            <a:p/>
+          </p:txBody>
+        </p:sp>
+        <p:sp>
+          <p:nvSpPr>
+            <p:cNvPr id="176" name="pl176"/>
+            <p:cNvSpPr/>
+            <p:nvPr/>
+          </p:nvSpPr>
+          <p:spPr>
+            <a:xfrm>
+              <a:off x="6686815" y="5054641"/>
+              <a:ext cx="0" cy="34794"/>
+            </a:xfrm>
+            <a:custGeom>
+              <a:avLst/>
+              <a:pathLst>
+                <a:path w="0" h="34794">
+                  <a:moveTo>
+                    <a:pt x="0" y="34794"/>
+                  </a:moveTo>
+                  <a:lnTo>
+                    <a:pt x="0" y="0"/>
+                  </a:lnTo>
+                </a:path>
+              </a:pathLst>
+            </a:custGeom>
+            <a:ln w="13550" cap="flat">
+              <a:solidFill>
+                <a:srgbClr val="333333">
+                  <a:alpha val="100000"/>
+                </a:srgbClr>
+              </a:solidFill>
+              <a:prstDash val="solid"/>
+              <a:round/>
+            </a:ln>
+          </p:spPr>
+          <p:txBody>
+            <a:bodyPr/>
+            <a:lstStyle/>
+            <a:p/>
+          </p:txBody>
+        </p:sp>
+        <p:sp>
+          <p:nvSpPr>
+            <p:cNvPr id="177" name="pl177"/>
+            <p:cNvSpPr/>
+            <p:nvPr/>
+          </p:nvSpPr>
+          <p:spPr>
+            <a:xfrm>
+              <a:off x="6844836" y="5054641"/>
+              <a:ext cx="0" cy="34794"/>
+            </a:xfrm>
+            <a:custGeom>
+              <a:avLst/>
+              <a:pathLst>
+                <a:path w="0" h="34794">
+                  <a:moveTo>
+                    <a:pt x="0" y="34794"/>
+                  </a:moveTo>
+                  <a:lnTo>
+                    <a:pt x="0" y="0"/>
+                  </a:lnTo>
+                </a:path>
+              </a:pathLst>
+            </a:custGeom>
+            <a:ln w="13550" cap="flat">
+              <a:solidFill>
+                <a:srgbClr val="333333">
+                  <a:alpha val="100000"/>
+                </a:srgbClr>
+              </a:solidFill>
+              <a:prstDash val="solid"/>
+              <a:round/>
+            </a:ln>
+          </p:spPr>
+          <p:txBody>
+            <a:bodyPr/>
+            <a:lstStyle/>
+            <a:p/>
+          </p:txBody>
+        </p:sp>
+        <p:sp>
+          <p:nvSpPr>
+            <p:cNvPr id="178" name="pl178"/>
+            <p:cNvSpPr/>
+            <p:nvPr/>
+          </p:nvSpPr>
+          <p:spPr>
+            <a:xfrm>
+              <a:off x="7002857" y="5054641"/>
+              <a:ext cx="0" cy="34794"/>
+            </a:xfrm>
+            <a:custGeom>
+              <a:avLst/>
+              <a:pathLst>
+                <a:path w="0" h="34794">
+                  <a:moveTo>
+                    <a:pt x="0" y="34794"/>
+                  </a:moveTo>
+                  <a:lnTo>
+                    <a:pt x="0" y="0"/>
+                  </a:lnTo>
+                </a:path>
+              </a:pathLst>
+            </a:custGeom>
+            <a:ln w="13550" cap="flat">
+              <a:solidFill>
+                <a:srgbClr val="333333">
+                  <a:alpha val="100000"/>
+                </a:srgbClr>
+              </a:solidFill>
+              <a:prstDash val="solid"/>
+              <a:round/>
+            </a:ln>
+          </p:spPr>
+          <p:txBody>
+            <a:bodyPr/>
+            <a:lstStyle/>
+            <a:p/>
+          </p:txBody>
+        </p:sp>
+        <p:sp>
+          <p:nvSpPr>
+            <p:cNvPr id="179" name="pl179"/>
+            <p:cNvSpPr/>
+            <p:nvPr/>
+          </p:nvSpPr>
+          <p:spPr>
+            <a:xfrm>
+              <a:off x="7160878" y="5054641"/>
+              <a:ext cx="0" cy="34794"/>
+            </a:xfrm>
+            <a:custGeom>
+              <a:avLst/>
+              <a:pathLst>
+                <a:path w="0" h="34794">
+                  <a:moveTo>
+                    <a:pt x="0" y="34794"/>
+                  </a:moveTo>
+                  <a:lnTo>
+                    <a:pt x="0" y="0"/>
+                  </a:lnTo>
+                </a:path>
+              </a:pathLst>
+            </a:custGeom>
+            <a:ln w="13550" cap="flat">
+              <a:solidFill>
+                <a:srgbClr val="333333">
+                  <a:alpha val="100000"/>
+                </a:srgbClr>
+              </a:solidFill>
+              <a:prstDash val="solid"/>
+              <a:round/>
+            </a:ln>
+          </p:spPr>
+          <p:txBody>
+            <a:bodyPr/>
+            <a:lstStyle/>
+            <a:p/>
+          </p:txBody>
+        </p:sp>
+        <p:sp>
+          <p:nvSpPr>
+            <p:cNvPr id="180" name="pl180"/>
+            <p:cNvSpPr/>
+            <p:nvPr/>
+          </p:nvSpPr>
+          <p:spPr>
+            <a:xfrm>
+              <a:off x="7318899" y="5054641"/>
+              <a:ext cx="0" cy="34794"/>
+            </a:xfrm>
+            <a:custGeom>
+              <a:avLst/>
+              <a:pathLst>
+                <a:path w="0" h="34794">
+                  <a:moveTo>
+                    <a:pt x="0" y="34794"/>
+                  </a:moveTo>
+                  <a:lnTo>
+                    <a:pt x="0" y="0"/>
+                  </a:lnTo>
+                </a:path>
+              </a:pathLst>
+            </a:custGeom>
+            <a:ln w="13550" cap="flat">
+              <a:solidFill>
+                <a:srgbClr val="333333">
+                  <a:alpha val="100000"/>
+                </a:srgbClr>
+              </a:solidFill>
+              <a:prstDash val="solid"/>
+              <a:round/>
+            </a:ln>
+          </p:spPr>
+          <p:txBody>
+            <a:bodyPr/>
+            <a:lstStyle/>
+            <a:p/>
+          </p:txBody>
+        </p:sp>
+        <p:sp>
+          <p:nvSpPr>
+            <p:cNvPr id="181" name="pl181"/>
+            <p:cNvSpPr/>
+            <p:nvPr/>
+          </p:nvSpPr>
+          <p:spPr>
+            <a:xfrm>
+              <a:off x="7476919" y="5054641"/>
+              <a:ext cx="0" cy="34794"/>
+            </a:xfrm>
+            <a:custGeom>
+              <a:avLst/>
+              <a:pathLst>
+                <a:path w="0" h="34794">
+                  <a:moveTo>
+                    <a:pt x="0" y="34794"/>
+                  </a:moveTo>
+                  <a:lnTo>
+                    <a:pt x="0" y="0"/>
+                  </a:lnTo>
+                </a:path>
+              </a:pathLst>
+            </a:custGeom>
+            <a:ln w="13550" cap="flat">
+              <a:solidFill>
+                <a:srgbClr val="333333">
+                  <a:alpha val="100000"/>
+                </a:srgbClr>
+              </a:solidFill>
+              <a:prstDash val="solid"/>
+              <a:round/>
+            </a:ln>
+          </p:spPr>
+          <p:txBody>
+            <a:bodyPr/>
+            <a:lstStyle/>
+            <a:p/>
+          </p:txBody>
+        </p:sp>
+        <p:sp>
+          <p:nvSpPr>
+            <p:cNvPr id="182" name="pl182"/>
+            <p:cNvSpPr/>
+            <p:nvPr/>
+          </p:nvSpPr>
+          <p:spPr>
+            <a:xfrm>
+              <a:off x="7736134" y="5054641"/>
+              <a:ext cx="0" cy="34794"/>
+            </a:xfrm>
+            <a:custGeom>
+              <a:avLst/>
+              <a:pathLst>
+                <a:path w="0" h="34794">
+                  <a:moveTo>
+                    <a:pt x="0" y="34794"/>
+                  </a:moveTo>
+                  <a:lnTo>
+                    <a:pt x="0" y="0"/>
+                  </a:lnTo>
+                </a:path>
+              </a:pathLst>
+            </a:custGeom>
+            <a:ln w="13550" cap="flat">
+              <a:solidFill>
+                <a:srgbClr val="333333">
+                  <a:alpha val="100000"/>
+                </a:srgbClr>
+              </a:solidFill>
+              <a:prstDash val="solid"/>
+              <a:round/>
+            </a:ln>
+          </p:spPr>
+          <p:txBody>
+            <a:bodyPr/>
+            <a:lstStyle/>
+            <a:p/>
+          </p:txBody>
+        </p:sp>
+        <p:sp>
+          <p:nvSpPr>
+            <p:cNvPr id="183" name="pl183"/>
+            <p:cNvSpPr/>
+            <p:nvPr/>
+          </p:nvSpPr>
+          <p:spPr>
+            <a:xfrm>
+              <a:off x="7894154" y="5054641"/>
+              <a:ext cx="0" cy="34794"/>
+            </a:xfrm>
+            <a:custGeom>
+              <a:avLst/>
+              <a:pathLst>
+                <a:path w="0" h="34794">
+                  <a:moveTo>
+                    <a:pt x="0" y="34794"/>
+                  </a:moveTo>
+                  <a:lnTo>
+                    <a:pt x="0" y="0"/>
+                  </a:lnTo>
+                </a:path>
+              </a:pathLst>
+            </a:custGeom>
+            <a:ln w="13550" cap="flat">
+              <a:solidFill>
+                <a:srgbClr val="333333">
+                  <a:alpha val="100000"/>
+                </a:srgbClr>
+              </a:solidFill>
+              <a:prstDash val="solid"/>
+              <a:round/>
+            </a:ln>
+          </p:spPr>
+          <p:txBody>
+            <a:bodyPr/>
+            <a:lstStyle/>
+            <a:p/>
+          </p:txBody>
+        </p:sp>
+        <p:sp>
+          <p:nvSpPr>
+            <p:cNvPr id="184" name="pl184"/>
+            <p:cNvSpPr/>
+            <p:nvPr/>
+          </p:nvSpPr>
+          <p:spPr>
+            <a:xfrm>
+              <a:off x="8052175" y="5054641"/>
+              <a:ext cx="0" cy="34794"/>
+            </a:xfrm>
+            <a:custGeom>
+              <a:avLst/>
+              <a:pathLst>
+                <a:path w="0" h="34794">
+                  <a:moveTo>
+                    <a:pt x="0" y="34794"/>
+                  </a:moveTo>
+                  <a:lnTo>
+                    <a:pt x="0" y="0"/>
+                  </a:lnTo>
+                </a:path>
+              </a:pathLst>
+            </a:custGeom>
+            <a:ln w="13550" cap="flat">
+              <a:solidFill>
+                <a:srgbClr val="333333">
+                  <a:alpha val="100000"/>
+                </a:srgbClr>
+              </a:solidFill>
+              <a:prstDash val="solid"/>
+              <a:round/>
+            </a:ln>
+          </p:spPr>
+          <p:txBody>
+            <a:bodyPr/>
+            <a:lstStyle/>
+            <a:p/>
+          </p:txBody>
+        </p:sp>
+        <p:sp>
+          <p:nvSpPr>
+            <p:cNvPr id="185" name="pl185"/>
+            <p:cNvSpPr/>
+            <p:nvPr/>
+          </p:nvSpPr>
+          <p:spPr>
+            <a:xfrm>
+              <a:off x="8210196" y="5054641"/>
+              <a:ext cx="0" cy="34794"/>
+            </a:xfrm>
+            <a:custGeom>
+              <a:avLst/>
+              <a:pathLst>
+                <a:path w="0" h="34794">
+                  <a:moveTo>
+                    <a:pt x="0" y="34794"/>
+                  </a:moveTo>
+                  <a:lnTo>
+                    <a:pt x="0" y="0"/>
+                  </a:lnTo>
+                </a:path>
+              </a:pathLst>
+            </a:custGeom>
+            <a:ln w="13550" cap="flat">
+              <a:solidFill>
+                <a:srgbClr val="333333">
+                  <a:alpha val="100000"/>
+                </a:srgbClr>
+              </a:solidFill>
+              <a:prstDash val="solid"/>
+              <a:round/>
+            </a:ln>
+          </p:spPr>
+          <p:txBody>
+            <a:bodyPr/>
+            <a:lstStyle/>
+            <a:p/>
+          </p:txBody>
+        </p:sp>
+        <p:sp>
+          <p:nvSpPr>
+            <p:cNvPr id="186" name="pl186"/>
+            <p:cNvSpPr/>
+            <p:nvPr/>
+          </p:nvSpPr>
+          <p:spPr>
+            <a:xfrm>
+              <a:off x="8368217" y="5054641"/>
+              <a:ext cx="0" cy="34794"/>
+            </a:xfrm>
+            <a:custGeom>
+              <a:avLst/>
+              <a:pathLst>
+                <a:path w="0" h="34794">
+                  <a:moveTo>
+                    <a:pt x="0" y="34794"/>
+                  </a:moveTo>
+                  <a:lnTo>
+                    <a:pt x="0" y="0"/>
+                  </a:lnTo>
+                </a:path>
+              </a:pathLst>
+            </a:custGeom>
+            <a:ln w="13550" cap="flat">
+              <a:solidFill>
+                <a:srgbClr val="333333">
+                  <a:alpha val="100000"/>
+                </a:srgbClr>
+              </a:solidFill>
+              <a:prstDash val="solid"/>
+              <a:round/>
+            </a:ln>
+          </p:spPr>
+          <p:txBody>
+            <a:bodyPr/>
+            <a:lstStyle/>
+            <a:p/>
+          </p:txBody>
+        </p:sp>
+        <p:sp>
+          <p:nvSpPr>
+            <p:cNvPr id="187" name="pl187"/>
+            <p:cNvSpPr/>
+            <p:nvPr/>
+          </p:nvSpPr>
+          <p:spPr>
+            <a:xfrm>
+              <a:off x="8526238" y="5054641"/>
+              <a:ext cx="0" cy="34794"/>
+            </a:xfrm>
+            <a:custGeom>
+              <a:avLst/>
+              <a:pathLst>
+                <a:path w="0" h="34794">
+                  <a:moveTo>
+                    <a:pt x="0" y="34794"/>
+                  </a:moveTo>
+                  <a:lnTo>
+                    <a:pt x="0" y="0"/>
+                  </a:lnTo>
+                </a:path>
+              </a:pathLst>
+            </a:custGeom>
+            <a:ln w="13550" cap="flat">
+              <a:solidFill>
+                <a:srgbClr val="333333">
+                  <a:alpha val="100000"/>
+                </a:srgbClr>
+              </a:solidFill>
+              <a:prstDash val="solid"/>
+              <a:round/>
+            </a:ln>
+          </p:spPr>
+          <p:txBody>
+            <a:bodyPr/>
+            <a:lstStyle/>
+            <a:p/>
+          </p:txBody>
+        </p:sp>
+        <p:sp>
+          <p:nvSpPr>
+            <p:cNvPr id="188" name="pl188"/>
+            <p:cNvSpPr/>
+            <p:nvPr/>
+          </p:nvSpPr>
+          <p:spPr>
+            <a:xfrm>
+              <a:off x="8684259" y="5054641"/>
+              <a:ext cx="0" cy="34794"/>
+            </a:xfrm>
+            <a:custGeom>
+              <a:avLst/>
+              <a:pathLst>
+                <a:path w="0" h="34794">
+                  <a:moveTo>
+                    <a:pt x="0" y="34794"/>
+                  </a:moveTo>
+                  <a:lnTo>
+                    <a:pt x="0" y="0"/>
+                  </a:lnTo>
+                </a:path>
+              </a:pathLst>
+            </a:custGeom>
+            <a:ln w="13550" cap="flat">
+              <a:solidFill>
+                <a:srgbClr val="333333">
+                  <a:alpha val="100000"/>
+                </a:srgbClr>
+              </a:solidFill>
+              <a:prstDash val="solid"/>
+              <a:round/>
+            </a:ln>
+          </p:spPr>
+          <p:txBody>
+            <a:bodyPr/>
+            <a:lstStyle/>
+            <a:p/>
+          </p:txBody>
+        </p:sp>
+        <p:sp>
+          <p:nvSpPr>
+            <p:cNvPr id="189" name="pl189"/>
+            <p:cNvSpPr/>
+            <p:nvPr/>
+          </p:nvSpPr>
+          <p:spPr>
+            <a:xfrm>
+              <a:off x="8842279" y="5054641"/>
+              <a:ext cx="0" cy="34794"/>
+            </a:xfrm>
+            <a:custGeom>
+              <a:avLst/>
+              <a:pathLst>
+                <a:path w="0" h="34794">
+                  <a:moveTo>
+                    <a:pt x="0" y="34794"/>
+                  </a:moveTo>
+                  <a:lnTo>
+                    <a:pt x="0" y="0"/>
+                  </a:lnTo>
+                </a:path>
+              </a:pathLst>
+            </a:custGeom>
+            <a:ln w="13550" cap="flat">
+              <a:solidFill>
+                <a:srgbClr val="333333">
+                  <a:alpha val="100000"/>
+                </a:srgbClr>
+              </a:solidFill>
+              <a:prstDash val="solid"/>
+              <a:round/>
+            </a:ln>
+          </p:spPr>
+          <p:txBody>
+            <a:bodyPr/>
+            <a:lstStyle/>
+            <a:p/>
+          </p:txBody>
+        </p:sp>
+        <p:sp>
+          <p:nvSpPr>
+            <p:cNvPr id="190" name="tx190"/>
+            <p:cNvSpPr/>
+            <p:nvPr/>
+          </p:nvSpPr>
+          <p:spPr>
+            <a:xfrm>
+              <a:off x="2055095" y="4865428"/>
               <a:ext cx="62155" cy="81691"/>
             </a:xfrm>
             <a:prstGeom prst="rect">
@@ -5735,14 +10212,14 @@
         </p:sp>
         <p:sp>
           <p:nvSpPr>
-            <p:cNvPr id="68" name="tx68"/>
-            <p:cNvSpPr/>
-            <p:nvPr/>
-          </p:nvSpPr>
-          <p:spPr>
-            <a:xfrm>
-              <a:off x="3041659" y="5699866"/>
-              <a:ext cx="248622" cy="81691"/>
+            <p:cNvPr id="191" name="tx191"/>
+            <p:cNvSpPr/>
+            <p:nvPr/>
+          </p:nvSpPr>
+          <p:spPr>
+            <a:xfrm>
+              <a:off x="1992940" y="4149305"/>
+              <a:ext cx="124311" cy="81691"/>
             </a:xfrm>
             <a:prstGeom prst="rect">
               <a:avLst/>
@@ -5774,21 +10251,21 @@
                   <a:latin typeface="Arial"/>
                   <a:cs typeface="Arial"/>
                 </a:rPr>
-                <a:t>1000</a:t>
+                <a:t>25</a:t>
               </a:r>
             </a:p>
           </p:txBody>
         </p:sp>
         <p:sp>
           <p:nvSpPr>
-            <p:cNvPr id="69" name="tx69"/>
-            <p:cNvSpPr/>
-            <p:nvPr/>
-          </p:nvSpPr>
-          <p:spPr>
-            <a:xfrm>
-              <a:off x="4184080" y="5699866"/>
-              <a:ext cx="248622" cy="81691"/>
+            <p:cNvPr id="192" name="tx192"/>
+            <p:cNvSpPr/>
+            <p:nvPr/>
+          </p:nvSpPr>
+          <p:spPr>
+            <a:xfrm>
+              <a:off x="1992940" y="3433182"/>
+              <a:ext cx="124311" cy="81691"/>
             </a:xfrm>
             <a:prstGeom prst="rect">
               <a:avLst/>
@@ -5820,21 +10297,21 @@
                   <a:latin typeface="Arial"/>
                   <a:cs typeface="Arial"/>
                 </a:rPr>
-                <a:t>2000</a:t>
+                <a:t>50</a:t>
               </a:r>
             </a:p>
           </p:txBody>
         </p:sp>
         <p:sp>
           <p:nvSpPr>
-            <p:cNvPr id="70" name="tx70"/>
-            <p:cNvSpPr/>
-            <p:nvPr/>
-          </p:nvSpPr>
-          <p:spPr>
-            <a:xfrm>
-              <a:off x="5326500" y="5699811"/>
-              <a:ext cx="248622" cy="81746"/>
+            <p:cNvPr id="193" name="tx193"/>
+            <p:cNvSpPr/>
+            <p:nvPr/>
+          </p:nvSpPr>
+          <p:spPr>
+            <a:xfrm>
+              <a:off x="1992940" y="2718424"/>
+              <a:ext cx="124311" cy="80327"/>
             </a:xfrm>
             <a:prstGeom prst="rect">
               <a:avLst/>
@@ -5866,21 +10343,21 @@
                   <a:latin typeface="Arial"/>
                   <a:cs typeface="Arial"/>
                 </a:rPr>
-                <a:t>3000</a:t>
+                <a:t>75</a:t>
               </a:r>
             </a:p>
           </p:txBody>
         </p:sp>
         <p:sp>
           <p:nvSpPr>
-            <p:cNvPr id="71" name="tx71"/>
-            <p:cNvSpPr/>
-            <p:nvPr/>
-          </p:nvSpPr>
-          <p:spPr>
-            <a:xfrm>
-              <a:off x="6468921" y="5699866"/>
-              <a:ext cx="248622" cy="81691"/>
+            <p:cNvPr id="194" name="tx194"/>
+            <p:cNvSpPr/>
+            <p:nvPr/>
+          </p:nvSpPr>
+          <p:spPr>
+            <a:xfrm>
+              <a:off x="1930784" y="2000937"/>
+              <a:ext cx="186466" cy="81691"/>
             </a:xfrm>
             <a:prstGeom prst="rect">
               <a:avLst/>
@@ -5912,21 +10389,663 @@
                   <a:latin typeface="Arial"/>
                   <a:cs typeface="Arial"/>
                 </a:rPr>
-                <a:t>4000</a:t>
+                <a:t>100</a:t>
               </a:r>
             </a:p>
           </p:txBody>
         </p:sp>
         <p:sp>
           <p:nvSpPr>
-            <p:cNvPr id="72" name="tx72"/>
-            <p:cNvSpPr/>
-            <p:nvPr/>
-          </p:nvSpPr>
-          <p:spPr>
-            <a:xfrm>
-              <a:off x="7611342" y="5699866"/>
-              <a:ext cx="248622" cy="81691"/>
+            <p:cNvPr id="195" name="pl195"/>
+            <p:cNvSpPr/>
+            <p:nvPr/>
+          </p:nvSpPr>
+          <p:spPr>
+            <a:xfrm>
+              <a:off x="2145087" y="4907120"/>
+              <a:ext cx="34794" cy="0"/>
+            </a:xfrm>
+            <a:custGeom>
+              <a:avLst/>
+              <a:pathLst>
+                <a:path w="34794" h="0">
+                  <a:moveTo>
+                    <a:pt x="0" y="0"/>
+                  </a:moveTo>
+                  <a:lnTo>
+                    <a:pt x="34794" y="0"/>
+                  </a:lnTo>
+                </a:path>
+              </a:pathLst>
+            </a:custGeom>
+            <a:ln w="13550" cap="flat">
+              <a:solidFill>
+                <a:srgbClr val="333333">
+                  <a:alpha val="100000"/>
+                </a:srgbClr>
+              </a:solidFill>
+              <a:prstDash val="solid"/>
+              <a:round/>
+            </a:ln>
+          </p:spPr>
+          <p:txBody>
+            <a:bodyPr/>
+            <a:lstStyle/>
+            <a:p/>
+          </p:txBody>
+        </p:sp>
+        <p:sp>
+          <p:nvSpPr>
+            <p:cNvPr id="196" name="pl196"/>
+            <p:cNvSpPr/>
+            <p:nvPr/>
+          </p:nvSpPr>
+          <p:spPr>
+            <a:xfrm>
+              <a:off x="2145087" y="4190997"/>
+              <a:ext cx="34794" cy="0"/>
+            </a:xfrm>
+            <a:custGeom>
+              <a:avLst/>
+              <a:pathLst>
+                <a:path w="34794" h="0">
+                  <a:moveTo>
+                    <a:pt x="0" y="0"/>
+                  </a:moveTo>
+                  <a:lnTo>
+                    <a:pt x="34794" y="0"/>
+                  </a:lnTo>
+                </a:path>
+              </a:pathLst>
+            </a:custGeom>
+            <a:ln w="13550" cap="flat">
+              <a:solidFill>
+                <a:srgbClr val="333333">
+                  <a:alpha val="100000"/>
+                </a:srgbClr>
+              </a:solidFill>
+              <a:prstDash val="solid"/>
+              <a:round/>
+            </a:ln>
+          </p:spPr>
+          <p:txBody>
+            <a:bodyPr/>
+            <a:lstStyle/>
+            <a:p/>
+          </p:txBody>
+        </p:sp>
+        <p:sp>
+          <p:nvSpPr>
+            <p:cNvPr id="197" name="pl197"/>
+            <p:cNvSpPr/>
+            <p:nvPr/>
+          </p:nvSpPr>
+          <p:spPr>
+            <a:xfrm>
+              <a:off x="2145087" y="3474874"/>
+              <a:ext cx="34794" cy="0"/>
+            </a:xfrm>
+            <a:custGeom>
+              <a:avLst/>
+              <a:pathLst>
+                <a:path w="34794" h="0">
+                  <a:moveTo>
+                    <a:pt x="0" y="0"/>
+                  </a:moveTo>
+                  <a:lnTo>
+                    <a:pt x="34794" y="0"/>
+                  </a:lnTo>
+                </a:path>
+              </a:pathLst>
+            </a:custGeom>
+            <a:ln w="13550" cap="flat">
+              <a:solidFill>
+                <a:srgbClr val="333333">
+                  <a:alpha val="100000"/>
+                </a:srgbClr>
+              </a:solidFill>
+              <a:prstDash val="solid"/>
+              <a:round/>
+            </a:ln>
+          </p:spPr>
+          <p:txBody>
+            <a:bodyPr/>
+            <a:lstStyle/>
+            <a:p/>
+          </p:txBody>
+        </p:sp>
+        <p:sp>
+          <p:nvSpPr>
+            <p:cNvPr id="198" name="pl198"/>
+            <p:cNvSpPr/>
+            <p:nvPr/>
+          </p:nvSpPr>
+          <p:spPr>
+            <a:xfrm>
+              <a:off x="2145087" y="2758751"/>
+              <a:ext cx="34794" cy="0"/>
+            </a:xfrm>
+            <a:custGeom>
+              <a:avLst/>
+              <a:pathLst>
+                <a:path w="34794" h="0">
+                  <a:moveTo>
+                    <a:pt x="0" y="0"/>
+                  </a:moveTo>
+                  <a:lnTo>
+                    <a:pt x="34794" y="0"/>
+                  </a:lnTo>
+                </a:path>
+              </a:pathLst>
+            </a:custGeom>
+            <a:ln w="13550" cap="flat">
+              <a:solidFill>
+                <a:srgbClr val="333333">
+                  <a:alpha val="100000"/>
+                </a:srgbClr>
+              </a:solidFill>
+              <a:prstDash val="solid"/>
+              <a:round/>
+            </a:ln>
+          </p:spPr>
+          <p:txBody>
+            <a:bodyPr/>
+            <a:lstStyle/>
+            <a:p/>
+          </p:txBody>
+        </p:sp>
+        <p:sp>
+          <p:nvSpPr>
+            <p:cNvPr id="199" name="pl199"/>
+            <p:cNvSpPr/>
+            <p:nvPr/>
+          </p:nvSpPr>
+          <p:spPr>
+            <a:xfrm>
+              <a:off x="2145087" y="2042629"/>
+              <a:ext cx="34794" cy="0"/>
+            </a:xfrm>
+            <a:custGeom>
+              <a:avLst/>
+              <a:pathLst>
+                <a:path w="34794" h="0">
+                  <a:moveTo>
+                    <a:pt x="0" y="0"/>
+                  </a:moveTo>
+                  <a:lnTo>
+                    <a:pt x="34794" y="0"/>
+                  </a:lnTo>
+                </a:path>
+              </a:pathLst>
+            </a:custGeom>
+            <a:ln w="13550" cap="flat">
+              <a:solidFill>
+                <a:srgbClr val="333333">
+                  <a:alpha val="100000"/>
+                </a:srgbClr>
+              </a:solidFill>
+              <a:prstDash val="solid"/>
+              <a:round/>
+            </a:ln>
+          </p:spPr>
+          <p:txBody>
+            <a:bodyPr/>
+            <a:lstStyle/>
+            <a:p/>
+          </p:txBody>
+        </p:sp>
+        <p:sp>
+          <p:nvSpPr>
+            <p:cNvPr id="200" name="rc200"/>
+            <p:cNvSpPr/>
+            <p:nvPr/>
+          </p:nvSpPr>
+          <p:spPr>
+            <a:xfrm>
+              <a:off x="2202794" y="5394142"/>
+              <a:ext cx="6711385" cy="578090"/>
+            </a:xfrm>
+            <a:prstGeom prst="rect">
+              <a:avLst/>
+            </a:prstGeom>
+            <a:solidFill>
+              <a:srgbClr val="FFFFFF">
+                <a:alpha val="100000"/>
+              </a:srgbClr>
+            </a:solidFill>
+          </p:spPr>
+          <p:txBody>
+            <a:bodyPr/>
+            <a:lstStyle/>
+            <a:p/>
+          </p:txBody>
+        </p:sp>
+        <p:sp>
+          <p:nvSpPr>
+            <p:cNvPr id="201" name="rc201"/>
+            <p:cNvSpPr/>
+            <p:nvPr/>
+          </p:nvSpPr>
+          <p:spPr>
+            <a:xfrm>
+              <a:off x="2341972" y="5463731"/>
+              <a:ext cx="219456" cy="219455"/>
+            </a:xfrm>
+            <a:prstGeom prst="rect">
+              <a:avLst/>
+            </a:prstGeom>
+            <a:solidFill>
+              <a:srgbClr val="FFFFFF">
+                <a:alpha val="100000"/>
+              </a:srgbClr>
+            </a:solidFill>
+          </p:spPr>
+          <p:txBody>
+            <a:bodyPr/>
+            <a:lstStyle/>
+            <a:p/>
+          </p:txBody>
+        </p:sp>
+        <p:sp>
+          <p:nvSpPr>
+            <p:cNvPr id="202" name="rc202"/>
+            <p:cNvSpPr/>
+            <p:nvPr/>
+          </p:nvSpPr>
+          <p:spPr>
+            <a:xfrm>
+              <a:off x="2350972" y="5472731"/>
+              <a:ext cx="201455" cy="201456"/>
+            </a:xfrm>
+            <a:prstGeom prst="rect">
+              <a:avLst/>
+            </a:prstGeom>
+            <a:solidFill>
+              <a:srgbClr val="FFF5F0">
+                <a:alpha val="100000"/>
+              </a:srgbClr>
+            </a:solidFill>
+          </p:spPr>
+          <p:txBody>
+            <a:bodyPr/>
+            <a:lstStyle/>
+            <a:p/>
+          </p:txBody>
+        </p:sp>
+        <p:sp>
+          <p:nvSpPr>
+            <p:cNvPr id="203" name="rc203"/>
+            <p:cNvSpPr/>
+            <p:nvPr/>
+          </p:nvSpPr>
+          <p:spPr>
+            <a:xfrm>
+              <a:off x="2341972" y="5683187"/>
+              <a:ext cx="219456" cy="219455"/>
+            </a:xfrm>
+            <a:prstGeom prst="rect">
+              <a:avLst/>
+            </a:prstGeom>
+            <a:solidFill>
+              <a:srgbClr val="FFFFFF">
+                <a:alpha val="100000"/>
+              </a:srgbClr>
+            </a:solidFill>
+          </p:spPr>
+          <p:txBody>
+            <a:bodyPr/>
+            <a:lstStyle/>
+            <a:p/>
+          </p:txBody>
+        </p:sp>
+        <p:sp>
+          <p:nvSpPr>
+            <p:cNvPr id="204" name="rc204"/>
+            <p:cNvSpPr/>
+            <p:nvPr/>
+          </p:nvSpPr>
+          <p:spPr>
+            <a:xfrm>
+              <a:off x="2350972" y="5692187"/>
+              <a:ext cx="201455" cy="201456"/>
+            </a:xfrm>
+            <a:prstGeom prst="rect">
+              <a:avLst/>
+            </a:prstGeom>
+            <a:solidFill>
+              <a:srgbClr val="FEE0D2">
+                <a:alpha val="100000"/>
+              </a:srgbClr>
+            </a:solidFill>
+          </p:spPr>
+          <p:txBody>
+            <a:bodyPr/>
+            <a:lstStyle/>
+            <a:p/>
+          </p:txBody>
+        </p:sp>
+        <p:sp>
+          <p:nvSpPr>
+            <p:cNvPr id="205" name="rc205"/>
+            <p:cNvSpPr/>
+            <p:nvPr/>
+          </p:nvSpPr>
+          <p:spPr>
+            <a:xfrm>
+              <a:off x="3669642" y="5463731"/>
+              <a:ext cx="219455" cy="219455"/>
+            </a:xfrm>
+            <a:prstGeom prst="rect">
+              <a:avLst/>
+            </a:prstGeom>
+            <a:solidFill>
+              <a:srgbClr val="FFFFFF">
+                <a:alpha val="100000"/>
+              </a:srgbClr>
+            </a:solidFill>
+          </p:spPr>
+          <p:txBody>
+            <a:bodyPr/>
+            <a:lstStyle/>
+            <a:p/>
+          </p:txBody>
+        </p:sp>
+        <p:sp>
+          <p:nvSpPr>
+            <p:cNvPr id="206" name="rc206"/>
+            <p:cNvSpPr/>
+            <p:nvPr/>
+          </p:nvSpPr>
+          <p:spPr>
+            <a:xfrm>
+              <a:off x="3678642" y="5472731"/>
+              <a:ext cx="201456" cy="201456"/>
+            </a:xfrm>
+            <a:prstGeom prst="rect">
+              <a:avLst/>
+            </a:prstGeom>
+            <a:solidFill>
+              <a:srgbClr val="FCBBA1">
+                <a:alpha val="100000"/>
+              </a:srgbClr>
+            </a:solidFill>
+          </p:spPr>
+          <p:txBody>
+            <a:bodyPr/>
+            <a:lstStyle/>
+            <a:p/>
+          </p:txBody>
+        </p:sp>
+        <p:sp>
+          <p:nvSpPr>
+            <p:cNvPr id="207" name="rc207"/>
+            <p:cNvSpPr/>
+            <p:nvPr/>
+          </p:nvSpPr>
+          <p:spPr>
+            <a:xfrm>
+              <a:off x="3669642" y="5683187"/>
+              <a:ext cx="219455" cy="219455"/>
+            </a:xfrm>
+            <a:prstGeom prst="rect">
+              <a:avLst/>
+            </a:prstGeom>
+            <a:solidFill>
+              <a:srgbClr val="FFFFFF">
+                <a:alpha val="100000"/>
+              </a:srgbClr>
+            </a:solidFill>
+          </p:spPr>
+          <p:txBody>
+            <a:bodyPr/>
+            <a:lstStyle/>
+            <a:p/>
+          </p:txBody>
+        </p:sp>
+        <p:sp>
+          <p:nvSpPr>
+            <p:cNvPr id="208" name="rc208"/>
+            <p:cNvSpPr/>
+            <p:nvPr/>
+          </p:nvSpPr>
+          <p:spPr>
+            <a:xfrm>
+              <a:off x="3678642" y="5692187"/>
+              <a:ext cx="201456" cy="201456"/>
+            </a:xfrm>
+            <a:prstGeom prst="rect">
+              <a:avLst/>
+            </a:prstGeom>
+            <a:solidFill>
+              <a:srgbClr val="FC9272">
+                <a:alpha val="100000"/>
+              </a:srgbClr>
+            </a:solidFill>
+          </p:spPr>
+          <p:txBody>
+            <a:bodyPr/>
+            <a:lstStyle/>
+            <a:p/>
+          </p:txBody>
+        </p:sp>
+        <p:sp>
+          <p:nvSpPr>
+            <p:cNvPr id="209" name="rc209"/>
+            <p:cNvSpPr/>
+            <p:nvPr/>
+          </p:nvSpPr>
+          <p:spPr>
+            <a:xfrm>
+              <a:off x="4571658" y="5463731"/>
+              <a:ext cx="219455" cy="219455"/>
+            </a:xfrm>
+            <a:prstGeom prst="rect">
+              <a:avLst/>
+            </a:prstGeom>
+            <a:solidFill>
+              <a:srgbClr val="FFFFFF">
+                <a:alpha val="100000"/>
+              </a:srgbClr>
+            </a:solidFill>
+          </p:spPr>
+          <p:txBody>
+            <a:bodyPr/>
+            <a:lstStyle/>
+            <a:p/>
+          </p:txBody>
+        </p:sp>
+        <p:sp>
+          <p:nvSpPr>
+            <p:cNvPr id="210" name="rc210"/>
+            <p:cNvSpPr/>
+            <p:nvPr/>
+          </p:nvSpPr>
+          <p:spPr>
+            <a:xfrm>
+              <a:off x="4580658" y="5472731"/>
+              <a:ext cx="201456" cy="201456"/>
+            </a:xfrm>
+            <a:prstGeom prst="rect">
+              <a:avLst/>
+            </a:prstGeom>
+            <a:solidFill>
+              <a:srgbClr val="FB6A4A">
+                <a:alpha val="100000"/>
+              </a:srgbClr>
+            </a:solidFill>
+          </p:spPr>
+          <p:txBody>
+            <a:bodyPr/>
+            <a:lstStyle/>
+            <a:p/>
+          </p:txBody>
+        </p:sp>
+        <p:sp>
+          <p:nvSpPr>
+            <p:cNvPr id="211" name="rc211"/>
+            <p:cNvSpPr/>
+            <p:nvPr/>
+          </p:nvSpPr>
+          <p:spPr>
+            <a:xfrm>
+              <a:off x="4571658" y="5683187"/>
+              <a:ext cx="219455" cy="219455"/>
+            </a:xfrm>
+            <a:prstGeom prst="rect">
+              <a:avLst/>
+            </a:prstGeom>
+            <a:solidFill>
+              <a:srgbClr val="FFFFFF">
+                <a:alpha val="100000"/>
+              </a:srgbClr>
+            </a:solidFill>
+          </p:spPr>
+          <p:txBody>
+            <a:bodyPr/>
+            <a:lstStyle/>
+            <a:p/>
+          </p:txBody>
+        </p:sp>
+        <p:sp>
+          <p:nvSpPr>
+            <p:cNvPr id="212" name="rc212"/>
+            <p:cNvSpPr/>
+            <p:nvPr/>
+          </p:nvSpPr>
+          <p:spPr>
+            <a:xfrm>
+              <a:off x="4580658" y="5692187"/>
+              <a:ext cx="201456" cy="201456"/>
+            </a:xfrm>
+            <a:prstGeom prst="rect">
+              <a:avLst/>
+            </a:prstGeom>
+            <a:solidFill>
+              <a:srgbClr val="EF3B2C">
+                <a:alpha val="100000"/>
+              </a:srgbClr>
+            </a:solidFill>
+          </p:spPr>
+          <p:txBody>
+            <a:bodyPr/>
+            <a:lstStyle/>
+            <a:p/>
+          </p:txBody>
+        </p:sp>
+        <p:sp>
+          <p:nvSpPr>
+            <p:cNvPr id="213" name="rc213"/>
+            <p:cNvSpPr/>
+            <p:nvPr/>
+          </p:nvSpPr>
+          <p:spPr>
+            <a:xfrm>
+              <a:off x="5772226" y="5463731"/>
+              <a:ext cx="219455" cy="219455"/>
+            </a:xfrm>
+            <a:prstGeom prst="rect">
+              <a:avLst/>
+            </a:prstGeom>
+            <a:solidFill>
+              <a:srgbClr val="FFFFFF">
+                <a:alpha val="100000"/>
+              </a:srgbClr>
+            </a:solidFill>
+          </p:spPr>
+          <p:txBody>
+            <a:bodyPr/>
+            <a:lstStyle/>
+            <a:p/>
+          </p:txBody>
+        </p:sp>
+        <p:sp>
+          <p:nvSpPr>
+            <p:cNvPr id="214" name="rc214"/>
+            <p:cNvSpPr/>
+            <p:nvPr/>
+          </p:nvSpPr>
+          <p:spPr>
+            <a:xfrm>
+              <a:off x="5781226" y="5472731"/>
+              <a:ext cx="201456" cy="201456"/>
+            </a:xfrm>
+            <a:prstGeom prst="rect">
+              <a:avLst/>
+            </a:prstGeom>
+            <a:solidFill>
+              <a:srgbClr val="CB181D">
+                <a:alpha val="100000"/>
+              </a:srgbClr>
+            </a:solidFill>
+          </p:spPr>
+          <p:txBody>
+            <a:bodyPr/>
+            <a:lstStyle/>
+            <a:p/>
+          </p:txBody>
+        </p:sp>
+        <p:sp>
+          <p:nvSpPr>
+            <p:cNvPr id="215" name="rc215"/>
+            <p:cNvSpPr/>
+            <p:nvPr/>
+          </p:nvSpPr>
+          <p:spPr>
+            <a:xfrm>
+              <a:off x="5772226" y="5683187"/>
+              <a:ext cx="219455" cy="219455"/>
+            </a:xfrm>
+            <a:prstGeom prst="rect">
+              <a:avLst/>
+            </a:prstGeom>
+            <a:solidFill>
+              <a:srgbClr val="FFFFFF">
+                <a:alpha val="100000"/>
+              </a:srgbClr>
+            </a:solidFill>
+          </p:spPr>
+          <p:txBody>
+            <a:bodyPr/>
+            <a:lstStyle/>
+            <a:p/>
+          </p:txBody>
+        </p:sp>
+        <p:sp>
+          <p:nvSpPr>
+            <p:cNvPr id="216" name="rc216"/>
+            <p:cNvSpPr/>
+            <p:nvPr/>
+          </p:nvSpPr>
+          <p:spPr>
+            <a:xfrm>
+              <a:off x="5781226" y="5692187"/>
+              <a:ext cx="201456" cy="201456"/>
+            </a:xfrm>
+            <a:prstGeom prst="rect">
+              <a:avLst/>
+            </a:prstGeom>
+            <a:solidFill>
+              <a:srgbClr val="99000D">
+                <a:alpha val="100000"/>
+              </a:srgbClr>
+            </a:solidFill>
+          </p:spPr>
+          <p:txBody>
+            <a:bodyPr/>
+            <a:lstStyle/>
+            <a:p/>
+          </p:txBody>
+        </p:sp>
+        <p:sp>
+          <p:nvSpPr>
+            <p:cNvPr id="217" name="tx217"/>
+            <p:cNvSpPr/>
+            <p:nvPr/>
+          </p:nvSpPr>
+          <p:spPr>
+            <a:xfrm>
+              <a:off x="2631017" y="5531767"/>
+              <a:ext cx="999346" cy="81691"/>
             </a:xfrm>
             <a:prstGeom prst="rect">
               <a:avLst/>
@@ -5951,28 +11070,28 @@
               <a:r>
                 <a:rPr sz="880">
                   <a:solidFill>
-                    <a:srgbClr val="4D4D4D">
+                    <a:srgbClr val="000000">
                       <a:alpha val="100000"/>
                     </a:srgbClr>
                   </a:solidFill>
                   <a:latin typeface="Arial"/>
                   <a:cs typeface="Arial"/>
                 </a:rPr>
-                <a:t>5000</a:t>
+                <a:t>≥10的10次方（100亿）</a:t>
               </a:r>
             </a:p>
           </p:txBody>
         </p:sp>
         <p:sp>
           <p:nvSpPr>
-            <p:cNvPr id="73" name="tx73"/>
-            <p:cNvSpPr/>
-            <p:nvPr/>
-          </p:nvSpPr>
-          <p:spPr>
-            <a:xfrm>
-              <a:off x="8753763" y="5699866"/>
-              <a:ext cx="248622" cy="81691"/>
+            <p:cNvPr id="218" name="tx218"/>
+            <p:cNvSpPr/>
+            <p:nvPr/>
+          </p:nvSpPr>
+          <p:spPr>
+            <a:xfrm>
+              <a:off x="2631017" y="5751223"/>
+              <a:ext cx="499263" cy="81691"/>
             </a:xfrm>
             <a:prstGeom prst="rect">
               <a:avLst/>
@@ -5997,14 +11116,290 @@
               <a:r>
                 <a:rPr sz="880">
                   <a:solidFill>
-                    <a:srgbClr val="4D4D4D">
+                    <a:srgbClr val="000000">
                       <a:alpha val="100000"/>
                     </a:srgbClr>
                   </a:solidFill>
                   <a:latin typeface="Arial"/>
                   <a:cs typeface="Arial"/>
                 </a:rPr>
-                <a:t>6000</a:t>
+                <a:t>≥10的5次方</a:t>
+              </a:r>
+            </a:p>
+          </p:txBody>
+        </p:sp>
+        <p:sp>
+          <p:nvSpPr>
+            <p:cNvPr id="219" name="tx219"/>
+            <p:cNvSpPr/>
+            <p:nvPr/>
+          </p:nvSpPr>
+          <p:spPr>
+            <a:xfrm>
+              <a:off x="3958687" y="5531767"/>
+              <a:ext cx="499263" cy="81691"/>
+            </a:xfrm>
+            <a:prstGeom prst="rect">
+              <a:avLst/>
+            </a:prstGeom>
+            <a:noFill/>
+          </p:spPr>
+          <p:txBody>
+            <a:bodyPr lIns="0" rIns="0" tIns="0" bIns="0" anchorCtr="1" anchor="ctr" wrap="none"/>
+            <a:lstStyle/>
+            <a:p>
+              <a:pPr algn="l" marL="0" marR="0" indent="0">
+                <a:lnSpc>
+                  <a:spcPts val="880"/>
+                </a:lnSpc>
+                <a:spcBef>
+                  <a:spcPts val="0"/>
+                </a:spcBef>
+                <a:spcAft>
+                  <a:spcPts val="0"/>
+                </a:spcAft>
+              </a:pPr>
+              <a:r>
+                <a:rPr sz="880">
+                  <a:solidFill>
+                    <a:srgbClr val="000000">
+                      <a:alpha val="100000"/>
+                    </a:srgbClr>
+                  </a:solidFill>
+                  <a:latin typeface="Arial"/>
+                  <a:cs typeface="Arial"/>
+                </a:rPr>
+                <a:t>≥10的6次方</a:t>
+              </a:r>
+            </a:p>
+          </p:txBody>
+        </p:sp>
+        <p:sp>
+          <p:nvSpPr>
+            <p:cNvPr id="220" name="tx220"/>
+            <p:cNvSpPr/>
+            <p:nvPr/>
+          </p:nvSpPr>
+          <p:spPr>
+            <a:xfrm>
+              <a:off x="3958687" y="5751223"/>
+              <a:ext cx="499263" cy="81691"/>
+            </a:xfrm>
+            <a:prstGeom prst="rect">
+              <a:avLst/>
+            </a:prstGeom>
+            <a:noFill/>
+          </p:spPr>
+          <p:txBody>
+            <a:bodyPr lIns="0" rIns="0" tIns="0" bIns="0" anchorCtr="1" anchor="ctr" wrap="none"/>
+            <a:lstStyle/>
+            <a:p>
+              <a:pPr algn="l" marL="0" marR="0" indent="0">
+                <a:lnSpc>
+                  <a:spcPts val="880"/>
+                </a:lnSpc>
+                <a:spcBef>
+                  <a:spcPts val="0"/>
+                </a:spcBef>
+                <a:spcAft>
+                  <a:spcPts val="0"/>
+                </a:spcAft>
+              </a:pPr>
+              <a:r>
+                <a:rPr sz="880">
+                  <a:solidFill>
+                    <a:srgbClr val="000000">
+                      <a:alpha val="100000"/>
+                    </a:srgbClr>
+                  </a:solidFill>
+                  <a:latin typeface="Arial"/>
+                  <a:cs typeface="Arial"/>
+                </a:rPr>
+                <a:t>≥10的7次方</a:t>
+              </a:r>
+            </a:p>
+          </p:txBody>
+        </p:sp>
+        <p:sp>
+          <p:nvSpPr>
+            <p:cNvPr id="221" name="tx221"/>
+            <p:cNvSpPr/>
+            <p:nvPr/>
+          </p:nvSpPr>
+          <p:spPr>
+            <a:xfrm>
+              <a:off x="4860703" y="5531767"/>
+              <a:ext cx="812879" cy="81691"/>
+            </a:xfrm>
+            <a:prstGeom prst="rect">
+              <a:avLst/>
+            </a:prstGeom>
+            <a:noFill/>
+          </p:spPr>
+          <p:txBody>
+            <a:bodyPr lIns="0" rIns="0" tIns="0" bIns="0" anchorCtr="1" anchor="ctr" wrap="none"/>
+            <a:lstStyle/>
+            <a:p>
+              <a:pPr algn="l" marL="0" marR="0" indent="0">
+                <a:lnSpc>
+                  <a:spcPts val="880"/>
+                </a:lnSpc>
+                <a:spcBef>
+                  <a:spcPts val="0"/>
+                </a:spcBef>
+                <a:spcAft>
+                  <a:spcPts val="0"/>
+                </a:spcAft>
+              </a:pPr>
+              <a:r>
+                <a:rPr sz="880">
+                  <a:solidFill>
+                    <a:srgbClr val="000000">
+                      <a:alpha val="100000"/>
+                    </a:srgbClr>
+                  </a:solidFill>
+                  <a:latin typeface="Arial"/>
+                  <a:cs typeface="Arial"/>
+                </a:rPr>
+                <a:t>≥10的8次方（1亿）</a:t>
+              </a:r>
+            </a:p>
+          </p:txBody>
+        </p:sp>
+        <p:sp>
+          <p:nvSpPr>
+            <p:cNvPr id="222" name="tx222"/>
+            <p:cNvSpPr/>
+            <p:nvPr/>
+          </p:nvSpPr>
+          <p:spPr>
+            <a:xfrm>
+              <a:off x="4860703" y="5751223"/>
+              <a:ext cx="875034" cy="81691"/>
+            </a:xfrm>
+            <a:prstGeom prst="rect">
+              <a:avLst/>
+            </a:prstGeom>
+            <a:noFill/>
+          </p:spPr>
+          <p:txBody>
+            <a:bodyPr lIns="0" rIns="0" tIns="0" bIns="0" anchorCtr="1" anchor="ctr" wrap="none"/>
+            <a:lstStyle/>
+            <a:p>
+              <a:pPr algn="l" marL="0" marR="0" indent="0">
+                <a:lnSpc>
+                  <a:spcPts val="880"/>
+                </a:lnSpc>
+                <a:spcBef>
+                  <a:spcPts val="0"/>
+                </a:spcBef>
+                <a:spcAft>
+                  <a:spcPts val="0"/>
+                </a:spcAft>
+              </a:pPr>
+              <a:r>
+                <a:rPr sz="880">
+                  <a:solidFill>
+                    <a:srgbClr val="000000">
+                      <a:alpha val="100000"/>
+                    </a:srgbClr>
+                  </a:solidFill>
+                  <a:latin typeface="Arial"/>
+                  <a:cs typeface="Arial"/>
+                </a:rPr>
+                <a:t>≥10的9次方（10亿）</a:t>
+              </a:r>
+            </a:p>
+          </p:txBody>
+        </p:sp>
+        <p:sp>
+          <p:nvSpPr>
+            <p:cNvPr id="223" name="tx223"/>
+            <p:cNvSpPr/>
+            <p:nvPr/>
+          </p:nvSpPr>
+          <p:spPr>
+            <a:xfrm>
+              <a:off x="6061271" y="5509885"/>
+              <a:ext cx="2694954" cy="103574"/>
+            </a:xfrm>
+            <a:prstGeom prst="rect">
+              <a:avLst/>
+            </a:prstGeom>
+            <a:noFill/>
+          </p:spPr>
+          <p:txBody>
+            <a:bodyPr lIns="0" rIns="0" tIns="0" bIns="0" anchorCtr="1" anchor="ctr" wrap="none"/>
+            <a:lstStyle/>
+            <a:p>
+              <a:pPr algn="l" marL="0" marR="0" indent="0">
+                <a:lnSpc>
+                  <a:spcPts val="880"/>
+                </a:lnSpc>
+                <a:spcBef>
+                  <a:spcPts val="0"/>
+                </a:spcBef>
+                <a:spcAft>
+                  <a:spcPts val="0"/>
+                </a:spcAft>
+              </a:pPr>
+              <a:r>
+                <a:rPr sz="880">
+                  <a:solidFill>
+                    <a:srgbClr val="000000">
+                      <a:alpha val="100000"/>
+                    </a:srgbClr>
+                  </a:solidFill>
+                  <a:latin typeface="Arial"/>
+                  <a:cs typeface="Arial"/>
+                </a:rPr>
+                <a:t>不能低于出厂活菌数的一定百分比：____%（如选该项，请填写数值）</a:t>
+              </a:r>
+            </a:p>
+          </p:txBody>
+        </p:sp>
+        <p:sp>
+          <p:nvSpPr>
+            <p:cNvPr id="224" name="tx224"/>
+            <p:cNvSpPr/>
+            <p:nvPr/>
+          </p:nvSpPr>
+          <p:spPr>
+            <a:xfrm>
+              <a:off x="6061271" y="5763065"/>
+              <a:ext cx="1089659" cy="69850"/>
+            </a:xfrm>
+            <a:prstGeom prst="rect">
+              <a:avLst/>
+            </a:prstGeom>
+            <a:noFill/>
+          </p:spPr>
+          <p:txBody>
+            <a:bodyPr lIns="0" rIns="0" tIns="0" bIns="0" anchorCtr="1" anchor="ctr" wrap="none"/>
+            <a:lstStyle/>
+            <a:p>
+              <a:pPr algn="l" marL="0" marR="0" indent="0">
+                <a:lnSpc>
+                  <a:spcPts val="880"/>
+                </a:lnSpc>
+                <a:spcBef>
+                  <a:spcPts val="0"/>
+                </a:spcBef>
+                <a:spcAft>
+                  <a:spcPts val="0"/>
+                </a:spcAft>
+              </a:pPr>
+              <a:r>
+                <a:rPr sz="880">
+                  <a:solidFill>
+                    <a:srgbClr val="000000">
+                      <a:alpha val="100000"/>
+                    </a:srgbClr>
+                  </a:solidFill>
+                  <a:latin typeface="Arial"/>
+                  <a:cs typeface="Arial"/>
+                </a:rPr>
+                <a:t>无所谓死活，只要产品还有效</a:t>
               </a:r>
             </a:p>
           </p:txBody>

--- a/_book/plot/unnamed-chunk-63-1.pptx
+++ b/_book/plot/unnamed-chunk-63-1.pptx
@@ -3192,8 +3192,8 @@
           </p:nvSpPr>
           <p:spPr>
             <a:xfrm>
-              <a:off x="2019661" y="1590617"/>
-              <a:ext cx="6917431" cy="4055309"/>
+              <a:off x="2017917" y="1590617"/>
+              <a:ext cx="6919174" cy="4059006"/>
             </a:xfrm>
             <a:prstGeom prst="rect">
               <a:avLst/>
@@ -3218,15 +3218,15 @@
           </p:nvSpPr>
           <p:spPr>
             <a:xfrm>
-              <a:off x="2889865" y="1590617"/>
-              <a:ext cx="0" cy="4055309"/>
+              <a:off x="2888341" y="1590617"/>
+              <a:ext cx="0" cy="4059006"/>
             </a:xfrm>
             <a:custGeom>
               <a:avLst/>
               <a:pathLst>
-                <a:path w="0" h="4055309">
+                <a:path w="0" h="4059006">
                   <a:moveTo>
-                    <a:pt x="0" y="4055309"/>
+                    <a:pt x="0" y="4059006"/>
                   </a:moveTo>
                   <a:lnTo>
                     <a:pt x="0" y="0"/>
@@ -3261,15 +3261,15 @@
           </p:nvSpPr>
           <p:spPr>
             <a:xfrm>
-              <a:off x="4630275" y="1590617"/>
-              <a:ext cx="0" cy="4055309"/>
+              <a:off x="4629189" y="1590617"/>
+              <a:ext cx="0" cy="4059006"/>
             </a:xfrm>
             <a:custGeom>
               <a:avLst/>
               <a:pathLst>
-                <a:path w="0" h="4055309">
+                <a:path w="0" h="4059006">
                   <a:moveTo>
-                    <a:pt x="0" y="4055309"/>
+                    <a:pt x="0" y="4059006"/>
                   </a:moveTo>
                   <a:lnTo>
                     <a:pt x="0" y="0"/>
@@ -3304,15 +3304,15 @@
           </p:nvSpPr>
           <p:spPr>
             <a:xfrm>
-              <a:off x="6370684" y="1590617"/>
-              <a:ext cx="0" cy="4055309"/>
+              <a:off x="6370037" y="1590617"/>
+              <a:ext cx="0" cy="4059006"/>
             </a:xfrm>
             <a:custGeom>
               <a:avLst/>
               <a:pathLst>
-                <a:path w="0" h="4055309">
+                <a:path w="0" h="4059006">
                   <a:moveTo>
-                    <a:pt x="0" y="4055309"/>
+                    <a:pt x="0" y="4059006"/>
                   </a:moveTo>
                   <a:lnTo>
                     <a:pt x="0" y="0"/>
@@ -3347,15 +3347,15 @@
           </p:nvSpPr>
           <p:spPr>
             <a:xfrm>
-              <a:off x="8111094" y="1590617"/>
-              <a:ext cx="0" cy="4055309"/>
+              <a:off x="8110885" y="1590617"/>
+              <a:ext cx="0" cy="4059006"/>
             </a:xfrm>
             <a:custGeom>
               <a:avLst/>
               <a:pathLst>
-                <a:path w="0" h="4055309">
+                <a:path w="0" h="4059006">
                   <a:moveTo>
-                    <a:pt x="0" y="4055309"/>
+                    <a:pt x="0" y="4059006"/>
                   </a:moveTo>
                   <a:lnTo>
                     <a:pt x="0" y="0"/>
@@ -3390,21 +3390,21 @@
           </p:nvSpPr>
           <p:spPr>
             <a:xfrm>
-              <a:off x="2019661" y="5381449"/>
-              <a:ext cx="6917431" cy="0"/>
+              <a:off x="2017917" y="5384905"/>
+              <a:ext cx="6919174" cy="0"/>
             </a:xfrm>
             <a:custGeom>
               <a:avLst/>
               <a:pathLst>
-                <a:path w="6917431" h="0">
+                <a:path w="6919174" h="0">
                   <a:moveTo>
                     <a:pt x="0" y="0"/>
                   </a:moveTo>
                   <a:lnTo>
-                    <a:pt x="6917431" y="0"/>
-                  </a:lnTo>
-                  <a:lnTo>
-                    <a:pt x="6917431" y="0"/>
+                    <a:pt x="6919174" y="0"/>
+                  </a:lnTo>
+                  <a:lnTo>
+                    <a:pt x="6919174" y="0"/>
                   </a:lnTo>
                 </a:path>
               </a:pathLst>
@@ -3433,21 +3433,21 @@
           </p:nvSpPr>
           <p:spPr>
             <a:xfrm>
-              <a:off x="2019661" y="4940655"/>
-              <a:ext cx="6917431" cy="0"/>
+              <a:off x="2017917" y="4943709"/>
+              <a:ext cx="6919174" cy="0"/>
             </a:xfrm>
             <a:custGeom>
               <a:avLst/>
               <a:pathLst>
-                <a:path w="6917431" h="0">
+                <a:path w="6919174" h="0">
                   <a:moveTo>
                     <a:pt x="0" y="0"/>
                   </a:moveTo>
                   <a:lnTo>
-                    <a:pt x="6917431" y="0"/>
-                  </a:lnTo>
-                  <a:lnTo>
-                    <a:pt x="6917431" y="0"/>
+                    <a:pt x="6919174" y="0"/>
+                  </a:lnTo>
+                  <a:lnTo>
+                    <a:pt x="6919174" y="0"/>
                   </a:lnTo>
                 </a:path>
               </a:pathLst>
@@ -3476,21 +3476,21 @@
           </p:nvSpPr>
           <p:spPr>
             <a:xfrm>
-              <a:off x="2019661" y="4499860"/>
-              <a:ext cx="6917431" cy="0"/>
+              <a:off x="2017917" y="4502513"/>
+              <a:ext cx="6919174" cy="0"/>
             </a:xfrm>
             <a:custGeom>
               <a:avLst/>
               <a:pathLst>
-                <a:path w="6917431" h="0">
+                <a:path w="6919174" h="0">
                   <a:moveTo>
                     <a:pt x="0" y="0"/>
                   </a:moveTo>
                   <a:lnTo>
-                    <a:pt x="6917431" y="0"/>
-                  </a:lnTo>
-                  <a:lnTo>
-                    <a:pt x="6917431" y="0"/>
+                    <a:pt x="6919174" y="0"/>
+                  </a:lnTo>
+                  <a:lnTo>
+                    <a:pt x="6919174" y="0"/>
                   </a:lnTo>
                 </a:path>
               </a:pathLst>
@@ -3519,21 +3519,21 @@
           </p:nvSpPr>
           <p:spPr>
             <a:xfrm>
-              <a:off x="2019661" y="4059066"/>
-              <a:ext cx="6917431" cy="0"/>
+              <a:off x="2017917" y="4061316"/>
+              <a:ext cx="6919174" cy="0"/>
             </a:xfrm>
             <a:custGeom>
               <a:avLst/>
               <a:pathLst>
-                <a:path w="6917431" h="0">
+                <a:path w="6919174" h="0">
                   <a:moveTo>
                     <a:pt x="0" y="0"/>
                   </a:moveTo>
                   <a:lnTo>
-                    <a:pt x="6917431" y="0"/>
-                  </a:lnTo>
-                  <a:lnTo>
-                    <a:pt x="6917431" y="0"/>
+                    <a:pt x="6919174" y="0"/>
+                  </a:lnTo>
+                  <a:lnTo>
+                    <a:pt x="6919174" y="0"/>
                   </a:lnTo>
                 </a:path>
               </a:pathLst>
@@ -3562,21 +3562,21 @@
           </p:nvSpPr>
           <p:spPr>
             <a:xfrm>
-              <a:off x="2019661" y="3618271"/>
-              <a:ext cx="6917431" cy="0"/>
+              <a:off x="2017917" y="3620120"/>
+              <a:ext cx="6919174" cy="0"/>
             </a:xfrm>
             <a:custGeom>
               <a:avLst/>
               <a:pathLst>
-                <a:path w="6917431" h="0">
+                <a:path w="6919174" h="0">
                   <a:moveTo>
                     <a:pt x="0" y="0"/>
                   </a:moveTo>
                   <a:lnTo>
-                    <a:pt x="6917431" y="0"/>
-                  </a:lnTo>
-                  <a:lnTo>
-                    <a:pt x="6917431" y="0"/>
+                    <a:pt x="6919174" y="0"/>
+                  </a:lnTo>
+                  <a:lnTo>
+                    <a:pt x="6919174" y="0"/>
                   </a:lnTo>
                 </a:path>
               </a:pathLst>
@@ -3605,21 +3605,21 @@
           </p:nvSpPr>
           <p:spPr>
             <a:xfrm>
-              <a:off x="2019661" y="3177477"/>
-              <a:ext cx="6917431" cy="0"/>
+              <a:off x="2017917" y="3178924"/>
+              <a:ext cx="6919174" cy="0"/>
             </a:xfrm>
             <a:custGeom>
               <a:avLst/>
               <a:pathLst>
-                <a:path w="6917431" h="0">
+                <a:path w="6919174" h="0">
                   <a:moveTo>
                     <a:pt x="0" y="0"/>
                   </a:moveTo>
                   <a:lnTo>
-                    <a:pt x="6917431" y="0"/>
-                  </a:lnTo>
-                  <a:lnTo>
-                    <a:pt x="6917431" y="0"/>
+                    <a:pt x="6919174" y="0"/>
+                  </a:lnTo>
+                  <a:lnTo>
+                    <a:pt x="6919174" y="0"/>
                   </a:lnTo>
                 </a:path>
               </a:pathLst>
@@ -3648,21 +3648,21 @@
           </p:nvSpPr>
           <p:spPr>
             <a:xfrm>
-              <a:off x="2019661" y="2736682"/>
-              <a:ext cx="6917431" cy="0"/>
+              <a:off x="2017917" y="2737727"/>
+              <a:ext cx="6919174" cy="0"/>
             </a:xfrm>
             <a:custGeom>
               <a:avLst/>
               <a:pathLst>
-                <a:path w="6917431" h="0">
+                <a:path w="6919174" h="0">
                   <a:moveTo>
                     <a:pt x="0" y="0"/>
                   </a:moveTo>
                   <a:lnTo>
-                    <a:pt x="6917431" y="0"/>
-                  </a:lnTo>
-                  <a:lnTo>
-                    <a:pt x="6917431" y="0"/>
+                    <a:pt x="6919174" y="0"/>
+                  </a:lnTo>
+                  <a:lnTo>
+                    <a:pt x="6919174" y="0"/>
                   </a:lnTo>
                 </a:path>
               </a:pathLst>
@@ -3691,21 +3691,21 @@
           </p:nvSpPr>
           <p:spPr>
             <a:xfrm>
-              <a:off x="2019661" y="2295888"/>
-              <a:ext cx="6917431" cy="0"/>
+              <a:off x="2017917" y="2296531"/>
+              <a:ext cx="6919174" cy="0"/>
             </a:xfrm>
             <a:custGeom>
               <a:avLst/>
               <a:pathLst>
-                <a:path w="6917431" h="0">
+                <a:path w="6919174" h="0">
                   <a:moveTo>
                     <a:pt x="0" y="0"/>
                   </a:moveTo>
                   <a:lnTo>
-                    <a:pt x="6917431" y="0"/>
-                  </a:lnTo>
-                  <a:lnTo>
-                    <a:pt x="6917431" y="0"/>
+                    <a:pt x="6919174" y="0"/>
+                  </a:lnTo>
+                  <a:lnTo>
+                    <a:pt x="6919174" y="0"/>
                   </a:lnTo>
                 </a:path>
               </a:pathLst>
@@ -3734,21 +3734,21 @@
           </p:nvSpPr>
           <p:spPr>
             <a:xfrm>
-              <a:off x="2019661" y="1855093"/>
-              <a:ext cx="6917431" cy="0"/>
+              <a:off x="2017917" y="1855335"/>
+              <a:ext cx="6919174" cy="0"/>
             </a:xfrm>
             <a:custGeom>
               <a:avLst/>
               <a:pathLst>
-                <a:path w="6917431" h="0">
+                <a:path w="6919174" h="0">
                   <a:moveTo>
                     <a:pt x="0" y="0"/>
                   </a:moveTo>
                   <a:lnTo>
-                    <a:pt x="6917431" y="0"/>
-                  </a:lnTo>
-                  <a:lnTo>
-                    <a:pt x="6917431" y="0"/>
+                    <a:pt x="6919174" y="0"/>
+                  </a:lnTo>
+                  <a:lnTo>
+                    <a:pt x="6919174" y="0"/>
                   </a:lnTo>
                 </a:path>
               </a:pathLst>
@@ -3777,15 +3777,15 @@
           </p:nvSpPr>
           <p:spPr>
             <a:xfrm>
-              <a:off x="2019661" y="1590617"/>
-              <a:ext cx="0" cy="4055309"/>
+              <a:off x="2017917" y="1590617"/>
+              <a:ext cx="0" cy="4059006"/>
             </a:xfrm>
             <a:custGeom>
               <a:avLst/>
               <a:pathLst>
-                <a:path w="0" h="4055309">
+                <a:path w="0" h="4059006">
                   <a:moveTo>
-                    <a:pt x="0" y="4055309"/>
+                    <a:pt x="0" y="4059006"/>
                   </a:moveTo>
                   <a:lnTo>
                     <a:pt x="0" y="0"/>
@@ -3820,15 +3820,15 @@
           </p:nvSpPr>
           <p:spPr>
             <a:xfrm>
-              <a:off x="3760070" y="1590617"/>
-              <a:ext cx="0" cy="4055309"/>
+              <a:off x="3758765" y="1590617"/>
+              <a:ext cx="0" cy="4059006"/>
             </a:xfrm>
             <a:custGeom>
               <a:avLst/>
               <a:pathLst>
-                <a:path w="0" h="4055309">
+                <a:path w="0" h="4059006">
                   <a:moveTo>
-                    <a:pt x="0" y="4055309"/>
+                    <a:pt x="0" y="4059006"/>
                   </a:moveTo>
                   <a:lnTo>
                     <a:pt x="0" y="0"/>
@@ -3863,15 +3863,15 @@
           </p:nvSpPr>
           <p:spPr>
             <a:xfrm>
-              <a:off x="5500479" y="1590617"/>
-              <a:ext cx="0" cy="4055309"/>
+              <a:off x="5499613" y="1590617"/>
+              <a:ext cx="0" cy="4059006"/>
             </a:xfrm>
             <a:custGeom>
               <a:avLst/>
               <a:pathLst>
-                <a:path w="0" h="4055309">
+                <a:path w="0" h="4059006">
                   <a:moveTo>
-                    <a:pt x="0" y="4055309"/>
+                    <a:pt x="0" y="4059006"/>
                   </a:moveTo>
                   <a:lnTo>
                     <a:pt x="0" y="0"/>
@@ -3906,15 +3906,15 @@
           </p:nvSpPr>
           <p:spPr>
             <a:xfrm>
-              <a:off x="7240889" y="1590617"/>
-              <a:ext cx="0" cy="4055309"/>
+              <a:off x="7240461" y="1590617"/>
+              <a:ext cx="0" cy="4059006"/>
             </a:xfrm>
             <a:custGeom>
               <a:avLst/>
               <a:pathLst>
-                <a:path w="0" h="4055309">
+                <a:path w="0" h="4059006">
                   <a:moveTo>
-                    <a:pt x="0" y="4055309"/>
+                    <a:pt x="0" y="4059006"/>
                   </a:moveTo>
                   <a:lnTo>
                     <a:pt x="0" y="0"/>
@@ -3949,8 +3949,8 @@
           </p:nvSpPr>
           <p:spPr>
             <a:xfrm>
-              <a:off x="2019661" y="1656736"/>
-              <a:ext cx="6781795" cy="396715"/>
+              <a:off x="2017917" y="1656796"/>
+              <a:ext cx="6783504" cy="397076"/>
             </a:xfrm>
             <a:prstGeom prst="rect">
               <a:avLst/>
@@ -3975,8 +3975,8 @@
           </p:nvSpPr>
           <p:spPr>
             <a:xfrm>
-              <a:off x="2019661" y="2097530"/>
-              <a:ext cx="5847775" cy="396715"/>
+              <a:off x="2017917" y="2097993"/>
+              <a:ext cx="5849249" cy="397076"/>
             </a:xfrm>
             <a:prstGeom prst="rect">
               <a:avLst/>
@@ -4001,8 +4001,8 @@
           </p:nvSpPr>
           <p:spPr>
             <a:xfrm>
-              <a:off x="2019661" y="2538325"/>
-              <a:ext cx="4989173" cy="396715"/>
+              <a:off x="2017917" y="2539189"/>
+              <a:ext cx="4990431" cy="397076"/>
             </a:xfrm>
             <a:prstGeom prst="rect">
               <a:avLst/>
@@ -4027,8 +4027,8 @@
           </p:nvSpPr>
           <p:spPr>
             <a:xfrm>
-              <a:off x="2019661" y="2979119"/>
-              <a:ext cx="4925358" cy="396715"/>
+              <a:off x="2017917" y="2980385"/>
+              <a:ext cx="4926600" cy="397076"/>
             </a:xfrm>
             <a:prstGeom prst="rect">
               <a:avLst/>
@@ -4053,8 +4053,8 @@
           </p:nvSpPr>
           <p:spPr>
             <a:xfrm>
-              <a:off x="2019661" y="3419914"/>
-              <a:ext cx="4681701" cy="396715"/>
+              <a:off x="2017917" y="3421582"/>
+              <a:ext cx="4682881" cy="397076"/>
             </a:xfrm>
             <a:prstGeom prst="rect">
               <a:avLst/>
@@ -4079,8 +4079,8 @@
           </p:nvSpPr>
           <p:spPr>
             <a:xfrm>
-              <a:off x="2019661" y="3860708"/>
-              <a:ext cx="3724476" cy="396715"/>
+              <a:off x="2017917" y="3862778"/>
+              <a:ext cx="3725414" cy="397076"/>
             </a:xfrm>
             <a:prstGeom prst="rect">
               <a:avLst/>
@@ -4105,8 +4105,8 @@
           </p:nvSpPr>
           <p:spPr>
             <a:xfrm>
-              <a:off x="2019661" y="4301503"/>
-              <a:ext cx="1635984" cy="396715"/>
+              <a:off x="2017917" y="4303974"/>
+              <a:ext cx="1636397" cy="397076"/>
             </a:xfrm>
             <a:prstGeom prst="rect">
               <a:avLst/>
@@ -4131,8 +4131,8 @@
           </p:nvSpPr>
           <p:spPr>
             <a:xfrm>
-              <a:off x="2019661" y="4742297"/>
-              <a:ext cx="545328" cy="396715"/>
+              <a:off x="2017917" y="4745171"/>
+              <a:ext cx="545465" cy="397076"/>
             </a:xfrm>
             <a:prstGeom prst="rect">
               <a:avLst/>
@@ -4157,8 +4157,8 @@
           </p:nvSpPr>
           <p:spPr>
             <a:xfrm>
-              <a:off x="2019661" y="5183092"/>
-              <a:ext cx="353883" cy="396715"/>
+              <a:off x="2017917" y="5186367"/>
+              <a:ext cx="353972" cy="397076"/>
             </a:xfrm>
             <a:prstGeom prst="rect">
               <a:avLst/>
@@ -4183,7 +4183,7 @@
           </p:nvSpPr>
           <p:spPr>
             <a:xfrm>
-              <a:off x="8216454" y="1790659"/>
+              <a:off x="8216380" y="1790900"/>
               <a:ext cx="22866" cy="19479"/>
             </a:xfrm>
             <a:custGeom>
@@ -4280,7 +4280,7 @@
           </p:nvSpPr>
           <p:spPr>
             <a:xfrm>
-              <a:off x="8212220" y="1816913"/>
+              <a:off x="8212145" y="1817155"/>
               <a:ext cx="21596" cy="17785"/>
             </a:xfrm>
             <a:custGeom>
@@ -4377,7 +4377,7 @@
           </p:nvSpPr>
           <p:spPr>
             <a:xfrm>
-              <a:off x="8211796" y="1843591"/>
+              <a:off x="8211722" y="1843832"/>
               <a:ext cx="23290" cy="43616"/>
             </a:xfrm>
             <a:custGeom>
@@ -4474,7 +4474,7 @@
           </p:nvSpPr>
           <p:spPr>
             <a:xfrm>
-              <a:off x="8247790" y="1789389"/>
+              <a:off x="8247715" y="1789630"/>
               <a:ext cx="57166" cy="97818"/>
             </a:xfrm>
             <a:custGeom>
@@ -4691,7 +4691,7 @@
           </p:nvSpPr>
           <p:spPr>
             <a:xfrm>
-              <a:off x="8255412" y="1822418"/>
+              <a:off x="8255338" y="1822660"/>
               <a:ext cx="41922" cy="12280"/>
             </a:xfrm>
             <a:custGeom>
@@ -4734,7 +4734,7 @@
           </p:nvSpPr>
           <p:spPr>
             <a:xfrm>
-              <a:off x="8255412" y="1842321"/>
+              <a:off x="8255338" y="1842562"/>
               <a:ext cx="41922" cy="12280"/>
             </a:xfrm>
             <a:custGeom>
@@ -4777,7 +4777,7 @@
           </p:nvSpPr>
           <p:spPr>
             <a:xfrm>
-              <a:off x="8245249" y="1791506"/>
+              <a:off x="8245175" y="1791747"/>
               <a:ext cx="18208" cy="19479"/>
             </a:xfrm>
             <a:custGeom>
@@ -4874,7 +4874,7 @@
           </p:nvSpPr>
           <p:spPr>
             <a:xfrm>
-              <a:off x="8286325" y="1791506"/>
+              <a:off x="8286250" y="1791747"/>
               <a:ext cx="18632" cy="19902"/>
             </a:xfrm>
             <a:custGeom>
@@ -4971,7 +4971,7 @@
           </p:nvSpPr>
           <p:spPr>
             <a:xfrm>
-              <a:off x="8319778" y="1789812"/>
+              <a:off x="8319703" y="1790053"/>
               <a:ext cx="34300" cy="97395"/>
             </a:xfrm>
             <a:custGeom>
@@ -5107,7 +5107,7 @@
           </p:nvSpPr>
           <p:spPr>
             <a:xfrm>
-              <a:off x="8354501" y="1791930"/>
+              <a:off x="8354427" y="1792171"/>
               <a:ext cx="63942" cy="93584"/>
             </a:xfrm>
             <a:custGeom>
@@ -5579,7 +5579,7 @@
           </p:nvSpPr>
           <p:spPr>
             <a:xfrm>
-              <a:off x="8428606" y="1794894"/>
+              <a:off x="8428532" y="1795135"/>
               <a:ext cx="95277" cy="92313"/>
             </a:xfrm>
             <a:custGeom>
@@ -5727,7 +5727,7 @@
           </p:nvSpPr>
           <p:spPr>
             <a:xfrm>
-              <a:off x="8486196" y="1821572"/>
+              <a:off x="8486122" y="1821813"/>
               <a:ext cx="41498" cy="41075"/>
             </a:xfrm>
             <a:custGeom>
@@ -5824,7 +5824,7 @@
           </p:nvSpPr>
           <p:spPr>
             <a:xfrm>
-              <a:off x="8550562" y="1789389"/>
+              <a:off x="8550487" y="1789630"/>
               <a:ext cx="84267" cy="98242"/>
             </a:xfrm>
             <a:custGeom>
@@ -6161,7 +6161,7 @@
           </p:nvSpPr>
           <p:spPr>
             <a:xfrm>
-              <a:off x="8559454" y="1809715"/>
+              <a:off x="8559380" y="1809956"/>
               <a:ext cx="52085" cy="9739"/>
             </a:xfrm>
             <a:custGeom>
@@ -6204,7 +6204,7 @@
           </p:nvSpPr>
           <p:spPr>
             <a:xfrm>
-              <a:off x="8559454" y="1827076"/>
+              <a:off x="8559380" y="1827318"/>
               <a:ext cx="52085" cy="9739"/>
             </a:xfrm>
             <a:custGeom>
@@ -6247,7 +6247,7 @@
           </p:nvSpPr>
           <p:spPr>
             <a:xfrm>
-              <a:off x="7494163" y="2230607"/>
+              <a:off x="7493853" y="2231250"/>
               <a:ext cx="26677" cy="97395"/>
             </a:xfrm>
             <a:custGeom>
@@ -6383,7 +6383,7 @@
           </p:nvSpPr>
           <p:spPr>
             <a:xfrm>
-              <a:off x="7517453" y="2233994"/>
+              <a:off x="7517143" y="2234637"/>
               <a:ext cx="77069" cy="94430"/>
             </a:xfrm>
             <a:custGeom>
@@ -6702,7 +6702,7 @@
           </p:nvSpPr>
           <p:spPr>
             <a:xfrm>
-              <a:off x="7535662" y="2258555"/>
+              <a:off x="7535352" y="2259198"/>
               <a:ext cx="17361" cy="9739"/>
             </a:xfrm>
             <a:custGeom>
@@ -6745,7 +6745,7 @@
           </p:nvSpPr>
           <p:spPr>
             <a:xfrm>
-              <a:off x="7561493" y="2258555"/>
+              <a:off x="7561183" y="2259198"/>
               <a:ext cx="17361" cy="9739"/>
             </a:xfrm>
             <a:custGeom>
@@ -6788,7 +6788,7 @@
           </p:nvSpPr>
           <p:spPr>
             <a:xfrm>
-              <a:off x="7535662" y="2275917"/>
+              <a:off x="7535352" y="2276560"/>
               <a:ext cx="17361" cy="9316"/>
             </a:xfrm>
             <a:custGeom>
@@ -6831,7 +6831,7 @@
           </p:nvSpPr>
           <p:spPr>
             <a:xfrm>
-              <a:off x="7561069" y="2275917"/>
+              <a:off x="7560759" y="2276560"/>
               <a:ext cx="17785" cy="9316"/>
             </a:xfrm>
             <a:custGeom>
@@ -6904,7 +6904,7 @@
           </p:nvSpPr>
           <p:spPr>
             <a:xfrm>
-              <a:off x="7602992" y="2231454"/>
+              <a:off x="7602681" y="2232097"/>
               <a:ext cx="41075" cy="96548"/>
             </a:xfrm>
             <a:custGeom>
@@ -7193,7 +7193,7 @@
           </p:nvSpPr>
           <p:spPr>
             <a:xfrm>
-              <a:off x="7657618" y="2230607"/>
+              <a:off x="7657307" y="2231250"/>
               <a:ext cx="20749" cy="24560"/>
             </a:xfrm>
             <a:custGeom>
@@ -7290,7 +7290,7 @@
           </p:nvSpPr>
           <p:spPr>
             <a:xfrm>
-              <a:off x="7638138" y="2234841"/>
+              <a:off x="7637828" y="2235484"/>
               <a:ext cx="55049" cy="92313"/>
             </a:xfrm>
             <a:custGeom>
@@ -7705,7 +7705,7 @@
           </p:nvSpPr>
           <p:spPr>
             <a:xfrm>
-              <a:off x="7637715" y="2264483"/>
+              <a:off x="7637405" y="2265126"/>
               <a:ext cx="17361" cy="41075"/>
             </a:xfrm>
             <a:custGeom>
@@ -7802,7 +7802,7 @@
           </p:nvSpPr>
           <p:spPr>
             <a:xfrm>
-              <a:off x="7685989" y="2269565"/>
+              <a:off x="7685679" y="2270208"/>
               <a:ext cx="16938" cy="35146"/>
             </a:xfrm>
             <a:custGeom>
@@ -7899,7 +7899,7 @@
           </p:nvSpPr>
           <p:spPr>
             <a:xfrm>
-              <a:off x="5010333" y="2670554"/>
+              <a:off x="5009806" y="2671599"/>
               <a:ext cx="98242" cy="98242"/>
             </a:xfrm>
             <a:custGeom>
@@ -8329,7 +8329,7 @@
           </p:nvSpPr>
           <p:spPr>
             <a:xfrm>
-              <a:off x="5032353" y="2687493"/>
+              <a:off x="5031826" y="2688537"/>
               <a:ext cx="51661" cy="8469"/>
             </a:xfrm>
             <a:custGeom>
@@ -8372,7 +8372,7 @@
           </p:nvSpPr>
           <p:spPr>
             <a:xfrm>
-              <a:off x="5032353" y="2703161"/>
+              <a:off x="5031826" y="2704205"/>
               <a:ext cx="51661" cy="8892"/>
             </a:xfrm>
             <a:custGeom>
@@ -8415,7 +8415,7 @@
           </p:nvSpPr>
           <p:spPr>
             <a:xfrm>
-              <a:off x="5032353" y="2719252"/>
+              <a:off x="5031826" y="2720297"/>
               <a:ext cx="51661" cy="8892"/>
             </a:xfrm>
             <a:custGeom>
@@ -8458,7 +8458,7 @@
           </p:nvSpPr>
           <p:spPr>
             <a:xfrm>
-              <a:off x="5117891" y="2671401"/>
+              <a:off x="5117365" y="2672446"/>
               <a:ext cx="30912" cy="97395"/>
             </a:xfrm>
             <a:custGeom>
@@ -8594,7 +8594,7 @@
           </p:nvSpPr>
           <p:spPr>
             <a:xfrm>
-              <a:off x="5142875" y="2671401"/>
+              <a:off x="5142349" y="2672446"/>
               <a:ext cx="74528" cy="97818"/>
             </a:xfrm>
             <a:custGeom>
@@ -8811,7 +8811,7 @@
           </p:nvSpPr>
           <p:spPr>
             <a:xfrm>
-              <a:off x="5227990" y="2676483"/>
+              <a:off x="5227463" y="2677528"/>
               <a:ext cx="96548" cy="92737"/>
             </a:xfrm>
             <a:custGeom>
@@ -9250,7 +9250,7 @@
           </p:nvSpPr>
           <p:spPr>
             <a:xfrm>
-              <a:off x="5380011" y="2675212"/>
+              <a:off x="5379484" y="2676257"/>
               <a:ext cx="47850" cy="34723"/>
             </a:xfrm>
             <a:custGeom>
@@ -9293,7 +9293,7 @@
           </p:nvSpPr>
           <p:spPr>
             <a:xfrm>
-              <a:off x="5388057" y="2682411"/>
+              <a:off x="5387530" y="2683456"/>
               <a:ext cx="32182" cy="6775"/>
             </a:xfrm>
             <a:custGeom>
@@ -9336,7 +9336,7 @@
           </p:nvSpPr>
           <p:spPr>
             <a:xfrm>
-              <a:off x="5388057" y="2695962"/>
+              <a:off x="5387530" y="2697007"/>
               <a:ext cx="32182" cy="6775"/>
             </a:xfrm>
             <a:custGeom>
@@ -9379,7 +9379,7 @@
           </p:nvSpPr>
           <p:spPr>
             <a:xfrm>
-              <a:off x="5374083" y="2717558"/>
+              <a:off x="5373556" y="2718603"/>
               <a:ext cx="58860" cy="50814"/>
             </a:xfrm>
             <a:custGeom>
@@ -9608,7 +9608,7 @@
           </p:nvSpPr>
           <p:spPr>
             <a:xfrm>
-              <a:off x="5381705" y="2742119"/>
+              <a:off x="5381178" y="2743163"/>
               <a:ext cx="16514" cy="18208"/>
             </a:xfrm>
             <a:custGeom>
@@ -9705,7 +9705,7 @@
           </p:nvSpPr>
           <p:spPr>
             <a:xfrm>
-              <a:off x="5333431" y="2678177"/>
+              <a:off x="5332904" y="2679221"/>
               <a:ext cx="40228" cy="87232"/>
             </a:xfrm>
             <a:custGeom>
@@ -9841,7 +9841,7 @@
           </p:nvSpPr>
           <p:spPr>
             <a:xfrm>
-              <a:off x="5352486" y="2719252"/>
+              <a:off x="5351960" y="2720297"/>
               <a:ext cx="10162" cy="28795"/>
             </a:xfrm>
             <a:custGeom>
@@ -9884,7 +9884,7 @@
           </p:nvSpPr>
           <p:spPr>
             <a:xfrm>
-              <a:off x="5456657" y="2742965"/>
+              <a:off x="5456130" y="2744010"/>
               <a:ext cx="17361" cy="29218"/>
             </a:xfrm>
             <a:custGeom>
@@ -9936,7 +9936,7 @@
           </p:nvSpPr>
           <p:spPr>
             <a:xfrm>
-              <a:off x="5566756" y="2677330"/>
+              <a:off x="5566229" y="2678374"/>
               <a:ext cx="69446" cy="51238"/>
             </a:xfrm>
             <a:custGeom>
@@ -9979,7 +9979,7 @@
           </p:nvSpPr>
           <p:spPr>
             <a:xfrm>
-              <a:off x="5575225" y="2685375"/>
+              <a:off x="5574698" y="2686420"/>
               <a:ext cx="52508" cy="35146"/>
             </a:xfrm>
             <a:custGeom>
@@ -10022,7 +10022,7 @@
           </p:nvSpPr>
           <p:spPr>
             <a:xfrm>
-              <a:off x="5609948" y="2734920"/>
+              <a:off x="5609422" y="2735965"/>
               <a:ext cx="38534" cy="33453"/>
             </a:xfrm>
             <a:custGeom>
@@ -10119,7 +10119,7 @@
           </p:nvSpPr>
           <p:spPr>
             <a:xfrm>
-              <a:off x="5553628" y="2734920"/>
+              <a:off x="5553102" y="2735965"/>
               <a:ext cx="38534" cy="33876"/>
             </a:xfrm>
             <a:custGeom>
@@ -10216,7 +10216,7 @@
           </p:nvSpPr>
           <p:spPr>
             <a:xfrm>
-              <a:off x="5664998" y="2671401"/>
+              <a:off x="5664471" y="2672446"/>
               <a:ext cx="87232" cy="97395"/>
             </a:xfrm>
             <a:custGeom>
@@ -10631,7 +10631,7 @@
           </p:nvSpPr>
           <p:spPr>
             <a:xfrm>
-              <a:off x="5675161" y="2675212"/>
+              <a:off x="5674634" y="2676257"/>
               <a:ext cx="19055" cy="20749"/>
             </a:xfrm>
             <a:custGeom>
@@ -10728,7 +10728,7 @@
           </p:nvSpPr>
           <p:spPr>
             <a:xfrm>
-              <a:off x="5709884" y="2719675"/>
+              <a:off x="5709358" y="2720720"/>
               <a:ext cx="19055" cy="24137"/>
             </a:xfrm>
             <a:custGeom>
@@ -10825,7 +10825,7 @@
           </p:nvSpPr>
           <p:spPr>
             <a:xfrm>
-              <a:off x="5778061" y="2671401"/>
+              <a:off x="5777534" y="2672446"/>
               <a:ext cx="19479" cy="22443"/>
             </a:xfrm>
             <a:custGeom>
@@ -10922,7 +10922,7 @@
           </p:nvSpPr>
           <p:spPr>
             <a:xfrm>
-              <a:off x="5769591" y="2702737"/>
+              <a:off x="5769065" y="2703782"/>
               <a:ext cx="37264" cy="60554"/>
             </a:xfrm>
             <a:custGeom>
@@ -11007,7 +11007,7 @@
           </p:nvSpPr>
           <p:spPr>
             <a:xfrm>
-              <a:off x="5805162" y="2674789"/>
+              <a:off x="5804635" y="2675834"/>
               <a:ext cx="58437" cy="94007"/>
             </a:xfrm>
             <a:custGeom>
@@ -11272,7 +11272,7 @@
           </p:nvSpPr>
           <p:spPr>
             <a:xfrm>
-              <a:off x="5822100" y="2686646"/>
+              <a:off x="5821574" y="2687691"/>
               <a:ext cx="30065" cy="32182"/>
             </a:xfrm>
             <a:custGeom>
@@ -11351,7 +11351,7 @@
           </p:nvSpPr>
           <p:spPr>
             <a:xfrm>
-              <a:off x="5823794" y="2725604"/>
+              <a:off x="5823267" y="2726649"/>
               <a:ext cx="26254" cy="25830"/>
             </a:xfrm>
             <a:custGeom>
@@ -11394,7 +11394,7 @@
           </p:nvSpPr>
           <p:spPr>
             <a:xfrm>
-              <a:off x="5831416" y="2732802"/>
+              <a:off x="5830890" y="2733847"/>
               <a:ext cx="11009" cy="11433"/>
             </a:xfrm>
             <a:custGeom>
@@ -11437,7 +11437,7 @@
           </p:nvSpPr>
           <p:spPr>
             <a:xfrm>
-              <a:off x="5877996" y="2676906"/>
+              <a:off x="5877470" y="2677951"/>
               <a:ext cx="32606" cy="80880"/>
             </a:xfrm>
             <a:custGeom>
@@ -11609,7 +11609,7 @@
           </p:nvSpPr>
           <p:spPr>
             <a:xfrm>
-              <a:off x="5910603" y="2676059"/>
+              <a:off x="5910076" y="2677104"/>
               <a:ext cx="64788" cy="89349"/>
             </a:xfrm>
             <a:custGeom>
@@ -11700,7 +11700,7 @@
           </p:nvSpPr>
           <p:spPr>
             <a:xfrm>
-              <a:off x="5924577" y="2684105"/>
+              <a:off x="5924050" y="2685150"/>
               <a:ext cx="14397" cy="12703"/>
             </a:xfrm>
             <a:custGeom>
@@ -11743,7 +11743,7 @@
           </p:nvSpPr>
           <p:spPr>
             <a:xfrm>
-              <a:off x="5947443" y="2684105"/>
+              <a:off x="5946917" y="2685150"/>
               <a:ext cx="14397" cy="12703"/>
             </a:xfrm>
             <a:custGeom>
@@ -11786,7 +11786,7 @@
           </p:nvSpPr>
           <p:spPr>
             <a:xfrm>
-              <a:off x="5924577" y="2704431"/>
+              <a:off x="5924050" y="2705476"/>
               <a:ext cx="14397" cy="12280"/>
             </a:xfrm>
             <a:custGeom>
@@ -11829,7 +11829,7 @@
           </p:nvSpPr>
           <p:spPr>
             <a:xfrm>
-              <a:off x="5947443" y="2704431"/>
+              <a:off x="5946917" y="2705476"/>
               <a:ext cx="14397" cy="12280"/>
             </a:xfrm>
             <a:custGeom>
@@ -11872,7 +11872,7 @@
           </p:nvSpPr>
           <p:spPr>
             <a:xfrm>
-              <a:off x="5987248" y="2670978"/>
+              <a:off x="5986722" y="2672023"/>
               <a:ext cx="99512" cy="97818"/>
             </a:xfrm>
             <a:custGeom>
@@ -12326,7 +12326,7 @@
           </p:nvSpPr>
           <p:spPr>
             <a:xfrm>
-              <a:off x="6061353" y="2670978"/>
+              <a:off x="6060827" y="2672023"/>
               <a:ext cx="15244" cy="15244"/>
             </a:xfrm>
             <a:custGeom>
@@ -12423,7 +12423,7 @@
           </p:nvSpPr>
           <p:spPr>
             <a:xfrm>
-              <a:off x="5994447" y="2704431"/>
+              <a:off x="5993921" y="2705476"/>
               <a:ext cx="36417" cy="31759"/>
             </a:xfrm>
             <a:custGeom>
@@ -12466,7 +12466,7 @@
           </p:nvSpPr>
           <p:spPr>
             <a:xfrm>
-              <a:off x="6002916" y="2712477"/>
+              <a:off x="6002390" y="2713521"/>
               <a:ext cx="19479" cy="15667"/>
             </a:xfrm>
             <a:custGeom>
@@ -12509,7 +12509,7 @@
           </p:nvSpPr>
           <p:spPr>
             <a:xfrm>
-              <a:off x="5988095" y="2743389"/>
+              <a:off x="5987569" y="2744434"/>
               <a:ext cx="48697" cy="19055"/>
             </a:xfrm>
             <a:custGeom>
@@ -12606,7 +12606,7 @@
           </p:nvSpPr>
           <p:spPr>
             <a:xfrm>
-              <a:off x="6096924" y="2677330"/>
+              <a:off x="6096397" y="2678374"/>
               <a:ext cx="35993" cy="89349"/>
             </a:xfrm>
             <a:custGeom>
@@ -12730,7 +12730,7 @@
           </p:nvSpPr>
           <p:spPr>
             <a:xfrm>
-              <a:off x="6135458" y="2671401"/>
+              <a:off x="6134932" y="2672446"/>
               <a:ext cx="57590" cy="97818"/>
             </a:xfrm>
             <a:custGeom>
@@ -13052,7 +13052,7 @@
           </p:nvSpPr>
           <p:spPr>
             <a:xfrm>
-              <a:off x="6150703" y="2697232"/>
+              <a:off x="6150176" y="2698277"/>
               <a:ext cx="25407" cy="38111"/>
             </a:xfrm>
             <a:custGeom>
@@ -13149,7 +13149,7 @@
           </p:nvSpPr>
           <p:spPr>
             <a:xfrm>
-              <a:off x="6203211" y="2670978"/>
+              <a:off x="6202685" y="2672023"/>
               <a:ext cx="97395" cy="63518"/>
             </a:xfrm>
             <a:custGeom>
@@ -13528,7 +13528,7 @@
           </p:nvSpPr>
           <p:spPr>
             <a:xfrm>
-              <a:off x="6215068" y="2740001"/>
+              <a:off x="6214542" y="2741046"/>
               <a:ext cx="74104" cy="28795"/>
             </a:xfrm>
             <a:custGeom>
@@ -13583,7 +13583,7 @@
           </p:nvSpPr>
           <p:spPr>
             <a:xfrm>
-              <a:off x="6223537" y="2747200"/>
+              <a:off x="6223011" y="2748245"/>
               <a:ext cx="57166" cy="9739"/>
             </a:xfrm>
             <a:custGeom>
@@ -13626,7 +13626,7 @@
           </p:nvSpPr>
           <p:spPr>
             <a:xfrm>
-              <a:off x="6310346" y="2673942"/>
+              <a:off x="6309820" y="2674987"/>
               <a:ext cx="35146" cy="94854"/>
             </a:xfrm>
             <a:custGeom>
@@ -13888,7 +13888,7 @@
           </p:nvSpPr>
           <p:spPr>
             <a:xfrm>
-              <a:off x="6325167" y="2681564"/>
+              <a:off x="6324641" y="2682609"/>
               <a:ext cx="11856" cy="16938"/>
             </a:xfrm>
             <a:custGeom>
@@ -13931,7 +13931,7 @@
           </p:nvSpPr>
           <p:spPr>
             <a:xfrm>
-              <a:off x="6324744" y="2705701"/>
+              <a:off x="6324217" y="2706746"/>
               <a:ext cx="12280" cy="16938"/>
             </a:xfrm>
             <a:custGeom>
@@ -14004,7 +14004,7 @@
           </p:nvSpPr>
           <p:spPr>
             <a:xfrm>
-              <a:off x="6347610" y="2674789"/>
+              <a:off x="6347084" y="2675834"/>
               <a:ext cx="58860" cy="94007"/>
             </a:xfrm>
             <a:custGeom>
@@ -14431,7 +14431,7 @@
           </p:nvSpPr>
           <p:spPr>
             <a:xfrm>
-              <a:off x="6421292" y="2673942"/>
+              <a:off x="6420765" y="2674987"/>
               <a:ext cx="21172" cy="20325"/>
             </a:xfrm>
             <a:custGeom>
@@ -14528,7 +14528,7 @@
           </p:nvSpPr>
           <p:spPr>
             <a:xfrm>
-              <a:off x="6419598" y="2709089"/>
+              <a:off x="6419071" y="2710134"/>
               <a:ext cx="98242" cy="58860"/>
             </a:xfrm>
             <a:custGeom>
@@ -14739,7 +14739,7 @@
           </p:nvSpPr>
           <p:spPr>
             <a:xfrm>
-              <a:off x="6447970" y="2671401"/>
+              <a:off x="6447443" y="2672446"/>
               <a:ext cx="66906" cy="77916"/>
             </a:xfrm>
             <a:custGeom>
@@ -14938,7 +14938,7 @@
           </p:nvSpPr>
           <p:spPr>
             <a:xfrm>
-              <a:off x="6461944" y="2704431"/>
+              <a:off x="6461417" y="2705476"/>
               <a:ext cx="38958" cy="8045"/>
             </a:xfrm>
             <a:custGeom>
@@ -14981,7 +14981,7 @@
           </p:nvSpPr>
           <p:spPr>
             <a:xfrm>
-              <a:off x="6461944" y="2719252"/>
+              <a:off x="6461417" y="2720297"/>
               <a:ext cx="38958" cy="8045"/>
             </a:xfrm>
             <a:custGeom>
@@ -15024,7 +15024,7 @@
           </p:nvSpPr>
           <p:spPr>
             <a:xfrm>
-              <a:off x="6461944" y="2734073"/>
+              <a:off x="6461417" y="2735118"/>
               <a:ext cx="38958" cy="8045"/>
             </a:xfrm>
             <a:custGeom>
@@ -15067,7 +15067,7 @@
           </p:nvSpPr>
           <p:spPr>
             <a:xfrm>
-              <a:off x="6528426" y="2671401"/>
+              <a:off x="6527900" y="2672446"/>
               <a:ext cx="24983" cy="31335"/>
             </a:xfrm>
             <a:custGeom>
@@ -15164,7 +15164,7 @@
           </p:nvSpPr>
           <p:spPr>
             <a:xfrm>
-              <a:off x="6527580" y="2699773"/>
+              <a:off x="6527053" y="2700818"/>
               <a:ext cx="27101" cy="69023"/>
             </a:xfrm>
             <a:custGeom>
@@ -15300,7 +15300,7 @@
           </p:nvSpPr>
           <p:spPr>
             <a:xfrm>
-              <a:off x="6587287" y="2671825"/>
+              <a:off x="6586760" y="2672870"/>
               <a:ext cx="38958" cy="96548"/>
             </a:xfrm>
             <a:custGeom>
@@ -15598,7 +15598,7 @@
           </p:nvSpPr>
           <p:spPr>
             <a:xfrm>
-              <a:off x="6600838" y="2697232"/>
+              <a:off x="6600311" y="2698277"/>
               <a:ext cx="12280" cy="32182"/>
             </a:xfrm>
             <a:custGeom>
@@ -15719,7 +15719,7 @@
           </p:nvSpPr>
           <p:spPr>
             <a:xfrm>
-              <a:off x="6555104" y="2671825"/>
+              <a:off x="6554578" y="2672870"/>
               <a:ext cx="34300" cy="34723"/>
             </a:xfrm>
             <a:custGeom>
@@ -15786,7 +15786,7 @@
           </p:nvSpPr>
           <p:spPr>
             <a:xfrm>
-              <a:off x="6552987" y="2712053"/>
+              <a:off x="6552460" y="2713098"/>
               <a:ext cx="33453" cy="7622"/>
             </a:xfrm>
             <a:custGeom>
@@ -15829,7 +15829,7 @@
           </p:nvSpPr>
           <p:spPr>
             <a:xfrm>
-              <a:off x="6549599" y="2725604"/>
+              <a:off x="6549073" y="2726649"/>
               <a:ext cx="46156" cy="41498"/>
             </a:xfrm>
             <a:custGeom>
@@ -15980,7 +15980,7 @@
           </p:nvSpPr>
           <p:spPr>
             <a:xfrm>
-              <a:off x="6638102" y="2671401"/>
+              <a:off x="6637575" y="2672446"/>
               <a:ext cx="96124" cy="93584"/>
             </a:xfrm>
             <a:custGeom>
@@ -16176,7 +16176,7 @@
           </p:nvSpPr>
           <p:spPr>
             <a:xfrm>
-              <a:off x="6787582" y="2730262"/>
+              <a:off x="6787056" y="2731307"/>
               <a:ext cx="18208" cy="20325"/>
             </a:xfrm>
             <a:custGeom>
@@ -16273,7 +16273,7 @@
           </p:nvSpPr>
           <p:spPr>
             <a:xfrm>
-              <a:off x="6822306" y="2733226"/>
+              <a:off x="6821779" y="2734271"/>
               <a:ext cx="21172" cy="28795"/>
             </a:xfrm>
             <a:custGeom>
@@ -16370,7 +16370,7 @@
           </p:nvSpPr>
           <p:spPr>
             <a:xfrm>
-              <a:off x="6770220" y="2733649"/>
+              <a:off x="6769694" y="2734694"/>
               <a:ext cx="52932" cy="33029"/>
             </a:xfrm>
             <a:custGeom>
@@ -16686,7 +16686,7 @@
           </p:nvSpPr>
           <p:spPr>
             <a:xfrm>
-              <a:off x="6743543" y="2734920"/>
+              <a:off x="6743016" y="2735965"/>
               <a:ext cx="20749" cy="30065"/>
             </a:xfrm>
             <a:custGeom>
@@ -16783,7 +16783,7 @@
           </p:nvSpPr>
           <p:spPr>
             <a:xfrm>
-              <a:off x="6746930" y="2671401"/>
+              <a:off x="6746404" y="2672446"/>
               <a:ext cx="94430" cy="57590"/>
             </a:xfrm>
             <a:custGeom>
@@ -17024,7 +17024,7 @@
           </p:nvSpPr>
           <p:spPr>
             <a:xfrm>
-              <a:off x="6784195" y="2711206"/>
+              <a:off x="6783668" y="2712251"/>
               <a:ext cx="22019" cy="16514"/>
             </a:xfrm>
             <a:custGeom>
@@ -17121,7 +17121,7 @@
           </p:nvSpPr>
           <p:spPr>
             <a:xfrm>
-              <a:off x="6615786" y="3113043"/>
+              <a:off x="6615243" y="3114489"/>
               <a:ext cx="55472" cy="96971"/>
             </a:xfrm>
             <a:custGeom>
@@ -17317,7 +17317,7 @@
           </p:nvSpPr>
           <p:spPr>
             <a:xfrm>
-              <a:off x="6635688" y="3115160"/>
+              <a:off x="6635146" y="3116607"/>
               <a:ext cx="25830" cy="32606"/>
             </a:xfrm>
             <a:custGeom>
@@ -17414,7 +17414,7 @@
           </p:nvSpPr>
           <p:spPr>
             <a:xfrm>
-              <a:off x="6571746" y="3114736"/>
+              <a:off x="6571203" y="3116183"/>
               <a:ext cx="37264" cy="94854"/>
             </a:xfrm>
             <a:custGeom>
@@ -17676,7 +17676,7 @@
           </p:nvSpPr>
           <p:spPr>
             <a:xfrm>
-              <a:off x="6586991" y="3122359"/>
+              <a:off x="6586448" y="3123805"/>
               <a:ext cx="13550" cy="16938"/>
             </a:xfrm>
             <a:custGeom>
@@ -17719,7 +17719,7 @@
           </p:nvSpPr>
           <p:spPr>
             <a:xfrm>
-              <a:off x="6586991" y="3146496"/>
+              <a:off x="6586448" y="3147942"/>
               <a:ext cx="13550" cy="16938"/>
             </a:xfrm>
             <a:custGeom>
@@ -17765,7 +17765,7 @@
           </p:nvSpPr>
           <p:spPr>
             <a:xfrm>
-              <a:off x="6683115" y="3111349"/>
+              <a:off x="6682573" y="3112796"/>
               <a:ext cx="91466" cy="38534"/>
             </a:xfrm>
             <a:custGeom>
@@ -17874,7 +17874,7 @@
           </p:nvSpPr>
           <p:spPr>
             <a:xfrm>
-              <a:off x="6703441" y="3136756"/>
+              <a:off x="6702899" y="3138203"/>
               <a:ext cx="60977" cy="7622"/>
             </a:xfrm>
             <a:custGeom>
@@ -17917,7 +17917,7 @@
           </p:nvSpPr>
           <p:spPr>
             <a:xfrm>
-              <a:off x="6693702" y="3152848"/>
+              <a:off x="6693159" y="3154294"/>
               <a:ext cx="86385" cy="56743"/>
             </a:xfrm>
             <a:custGeom>
@@ -18140,7 +18140,7 @@
           </p:nvSpPr>
           <p:spPr>
             <a:xfrm>
-              <a:off x="6112549" y="3551720"/>
+              <a:off x="6111945" y="3553568"/>
               <a:ext cx="98242" cy="34723"/>
             </a:xfrm>
             <a:custGeom>
@@ -18303,7 +18303,7 @@
           </p:nvSpPr>
           <p:spPr>
             <a:xfrm>
-              <a:off x="6128217" y="3572046"/>
+              <a:off x="6127613" y="3573894"/>
               <a:ext cx="66482" cy="79186"/>
             </a:xfrm>
             <a:custGeom>
@@ -18454,7 +18454,7 @@
           </p:nvSpPr>
           <p:spPr>
             <a:xfrm>
-              <a:off x="6136686" y="3590254"/>
+              <a:off x="6136082" y="3592103"/>
               <a:ext cx="49544" cy="7622"/>
             </a:xfrm>
             <a:custGeom>
@@ -18497,7 +18497,7 @@
           </p:nvSpPr>
           <p:spPr>
             <a:xfrm>
-              <a:off x="6136686" y="3605499"/>
+              <a:off x="6136082" y="3607347"/>
               <a:ext cx="49544" cy="7622"/>
             </a:xfrm>
             <a:custGeom>
@@ -18540,7 +18540,7 @@
           </p:nvSpPr>
           <p:spPr>
             <a:xfrm>
-              <a:off x="6149390" y="3620743"/>
+              <a:off x="6148786" y="3622592"/>
               <a:ext cx="59707" cy="30488"/>
             </a:xfrm>
             <a:custGeom>
@@ -18730,7 +18730,7 @@
           </p:nvSpPr>
           <p:spPr>
             <a:xfrm>
-              <a:off x="6271769" y="3552990"/>
+              <a:off x="6271165" y="3554839"/>
               <a:ext cx="44886" cy="44886"/>
             </a:xfrm>
             <a:custGeom>
@@ -18959,7 +18959,7 @@
           </p:nvSpPr>
           <p:spPr>
             <a:xfrm>
-              <a:off x="6273039" y="3583903"/>
+              <a:off x="6272435" y="3585751"/>
               <a:ext cx="46156" cy="66482"/>
             </a:xfrm>
             <a:custGeom>
@@ -19182,7 +19182,7 @@
           </p:nvSpPr>
           <p:spPr>
             <a:xfrm>
-              <a:off x="6220107" y="3554684"/>
+              <a:off x="6219503" y="3556533"/>
               <a:ext cx="24560" cy="27101"/>
             </a:xfrm>
             <a:custGeom>
@@ -19279,7 +19279,7 @@
           </p:nvSpPr>
           <p:spPr>
             <a:xfrm>
-              <a:off x="6249749" y="3556378"/>
+              <a:off x="6249145" y="3558226"/>
               <a:ext cx="23713" cy="23290"/>
             </a:xfrm>
             <a:custGeom>
@@ -19376,7 +19376,7 @@
           </p:nvSpPr>
           <p:spPr>
             <a:xfrm>
-              <a:off x="6220107" y="3575433"/>
+              <a:off x="6219503" y="3577282"/>
               <a:ext cx="52932" cy="31759"/>
             </a:xfrm>
             <a:custGeom>
@@ -19566,7 +19566,7 @@
           </p:nvSpPr>
           <p:spPr>
             <a:xfrm>
-              <a:off x="6228153" y="3610580"/>
+              <a:off x="6227549" y="3612429"/>
               <a:ext cx="38111" cy="39804"/>
             </a:xfrm>
             <a:custGeom>
@@ -19621,7 +19621,7 @@
           </p:nvSpPr>
           <p:spPr>
             <a:xfrm>
-              <a:off x="6236622" y="3618203"/>
+              <a:off x="6236018" y="3620051"/>
               <a:ext cx="21172" cy="17785"/>
             </a:xfrm>
             <a:custGeom>
@@ -19664,7 +19664,7 @@
           </p:nvSpPr>
           <p:spPr>
             <a:xfrm>
-              <a:off x="6328512" y="3558072"/>
+              <a:off x="6327908" y="3559920"/>
               <a:ext cx="95277" cy="92313"/>
             </a:xfrm>
             <a:custGeom>
@@ -19812,7 +19812,7 @@
           </p:nvSpPr>
           <p:spPr>
             <a:xfrm>
-              <a:off x="6386102" y="3584749"/>
+              <a:off x="6385498" y="3586598"/>
               <a:ext cx="41498" cy="41075"/>
             </a:xfrm>
             <a:custGeom>
@@ -19909,7 +19909,7 @@
           </p:nvSpPr>
           <p:spPr>
             <a:xfrm>
-              <a:off x="6463595" y="3557225"/>
+              <a:off x="6462991" y="3559073"/>
               <a:ext cx="73258" cy="93584"/>
             </a:xfrm>
             <a:custGeom>
@@ -20261,7 +20261,7 @@
           </p:nvSpPr>
           <p:spPr>
             <a:xfrm>
-              <a:off x="6486885" y="3575010"/>
+              <a:off x="6486281" y="3576859"/>
               <a:ext cx="41498" cy="7622"/>
             </a:xfrm>
             <a:custGeom>
@@ -20304,7 +20304,7 @@
           </p:nvSpPr>
           <p:spPr>
             <a:xfrm>
-              <a:off x="6436917" y="3552990"/>
+              <a:off x="6436313" y="3554839"/>
               <a:ext cx="30065" cy="97395"/>
             </a:xfrm>
             <a:custGeom>
@@ -20626,7 +20626,7 @@
           </p:nvSpPr>
           <p:spPr>
             <a:xfrm>
-              <a:off x="5370864" y="3996325"/>
+              <a:off x="5370018" y="3998576"/>
               <a:ext cx="35146" cy="94854"/>
             </a:xfrm>
             <a:custGeom>
@@ -20888,7 +20888,7 @@
           </p:nvSpPr>
           <p:spPr>
             <a:xfrm>
-              <a:off x="5385685" y="4003948"/>
+              <a:off x="5384839" y="4006198"/>
               <a:ext cx="11856" cy="16938"/>
             </a:xfrm>
             <a:custGeom>
@@ -20931,7 +20931,7 @@
           </p:nvSpPr>
           <p:spPr>
             <a:xfrm>
-              <a:off x="5385261" y="4028085"/>
+              <a:off x="5384416" y="4030335"/>
               <a:ext cx="12280" cy="16938"/>
             </a:xfrm>
             <a:custGeom>
@@ -21004,7 +21004,7 @@
           </p:nvSpPr>
           <p:spPr>
             <a:xfrm>
-              <a:off x="5406857" y="3993361"/>
+              <a:off x="5406012" y="3995612"/>
               <a:ext cx="61401" cy="98242"/>
             </a:xfrm>
             <a:custGeom>
@@ -21416,7 +21416,7 @@
           </p:nvSpPr>
           <p:spPr>
             <a:xfrm>
-              <a:off x="5424643" y="4022156"/>
+              <a:off x="5423797" y="4024407"/>
               <a:ext cx="29218" cy="5081"/>
             </a:xfrm>
             <a:custGeom>
@@ -21459,7 +21459,7 @@
           </p:nvSpPr>
           <p:spPr>
             <a:xfrm>
-              <a:off x="5424643" y="4034013"/>
+              <a:off x="5423797" y="4036264"/>
               <a:ext cx="29218" cy="5504"/>
             </a:xfrm>
             <a:custGeom>
@@ -21502,7 +21502,7 @@
           </p:nvSpPr>
           <p:spPr>
             <a:xfrm>
-              <a:off x="5427607" y="4061538"/>
+              <a:off x="5426762" y="4063788"/>
               <a:ext cx="26254" cy="12280"/>
             </a:xfrm>
             <a:custGeom>
@@ -21596,7 +21596,7 @@
           </p:nvSpPr>
           <p:spPr>
             <a:xfrm>
-              <a:off x="5484350" y="3994632"/>
+              <a:off x="5483505" y="3996882"/>
               <a:ext cx="22866" cy="19479"/>
             </a:xfrm>
             <a:custGeom>
@@ -21693,7 +21693,7 @@
           </p:nvSpPr>
           <p:spPr>
             <a:xfrm>
-              <a:off x="5480115" y="4020886"/>
+              <a:off x="5479270" y="4023136"/>
               <a:ext cx="21596" cy="17785"/>
             </a:xfrm>
             <a:custGeom>
@@ -21790,7 +21790,7 @@
           </p:nvSpPr>
           <p:spPr>
             <a:xfrm>
-              <a:off x="5479692" y="4047564"/>
+              <a:off x="5478847" y="4049814"/>
               <a:ext cx="23290" cy="43616"/>
             </a:xfrm>
             <a:custGeom>
@@ -21887,7 +21887,7 @@
           </p:nvSpPr>
           <p:spPr>
             <a:xfrm>
-              <a:off x="5508911" y="3998443"/>
+              <a:off x="5508065" y="4000693"/>
               <a:ext cx="66059" cy="21172"/>
             </a:xfrm>
             <a:custGeom>
@@ -21942,7 +21942,7 @@
           </p:nvSpPr>
           <p:spPr>
             <a:xfrm>
-              <a:off x="5519920" y="4011993"/>
+              <a:off x="5519075" y="4014244"/>
               <a:ext cx="49967" cy="80033"/>
             </a:xfrm>
             <a:custGeom>
@@ -22213,7 +22213,7 @@
           </p:nvSpPr>
           <p:spPr>
             <a:xfrm>
-              <a:off x="5506793" y="4061961"/>
+              <a:off x="5505948" y="4064212"/>
               <a:ext cx="46156" cy="8045"/>
             </a:xfrm>
             <a:custGeom>
@@ -22256,7 +22256,7 @@
           </p:nvSpPr>
           <p:spPr>
             <a:xfrm>
-              <a:off x="3820578" y="4452036"/>
+              <a:off x="3819287" y="4454689"/>
               <a:ext cx="35146" cy="94854"/>
             </a:xfrm>
             <a:custGeom>
@@ -22518,7 +22518,7 @@
           </p:nvSpPr>
           <p:spPr>
             <a:xfrm>
-              <a:off x="3835399" y="4459658"/>
+              <a:off x="3834108" y="4462311"/>
               <a:ext cx="11856" cy="16938"/>
             </a:xfrm>
             <a:custGeom>
@@ -22561,7 +22561,7 @@
           </p:nvSpPr>
           <p:spPr>
             <a:xfrm>
-              <a:off x="3834975" y="4483795"/>
+              <a:off x="3833685" y="4486448"/>
               <a:ext cx="12280" cy="16938"/>
             </a:xfrm>
             <a:custGeom>
@@ -22634,7 +22634,7 @@
           </p:nvSpPr>
           <p:spPr>
             <a:xfrm>
-              <a:off x="3857842" y="4452883"/>
+              <a:off x="3856551" y="4455535"/>
               <a:ext cx="58860" cy="94007"/>
             </a:xfrm>
             <a:custGeom>
@@ -23061,7 +23061,7 @@
           </p:nvSpPr>
           <p:spPr>
             <a:xfrm>
-              <a:off x="3931100" y="4448649"/>
+              <a:off x="3929809" y="4451301"/>
               <a:ext cx="96548" cy="46156"/>
             </a:xfrm>
             <a:custGeom>
@@ -23347,7 +23347,7 @@
           </p:nvSpPr>
           <p:spPr>
             <a:xfrm>
-              <a:off x="3939569" y="4453730"/>
+              <a:off x="3938279" y="4456382"/>
               <a:ext cx="19055" cy="21172"/>
             </a:xfrm>
             <a:custGeom>
@@ -23444,7 +23444,7 @@
           </p:nvSpPr>
           <p:spPr>
             <a:xfrm>
-              <a:off x="3930253" y="4493958"/>
+              <a:off x="3928963" y="4496611"/>
               <a:ext cx="97395" cy="53355"/>
             </a:xfrm>
             <a:custGeom>
@@ -23787,7 +23787,7 @@
           </p:nvSpPr>
           <p:spPr>
             <a:xfrm>
-              <a:off x="3939146" y="4499040"/>
+              <a:off x="3937855" y="4501692"/>
               <a:ext cx="18632" cy="24137"/>
             </a:xfrm>
             <a:custGeom>
@@ -23884,7 +23884,7 @@
           </p:nvSpPr>
           <p:spPr>
             <a:xfrm>
-              <a:off x="4074652" y="4459658"/>
+              <a:off x="4073361" y="4462311"/>
               <a:ext cx="38111" cy="94430"/>
             </a:xfrm>
             <a:custGeom>
@@ -24101,7 +24101,7 @@
           </p:nvSpPr>
           <p:spPr>
             <a:xfrm>
-              <a:off x="4147063" y="4448649"/>
+              <a:off x="4145773" y="4451301"/>
               <a:ext cx="87655" cy="73681"/>
             </a:xfrm>
             <a:custGeom>
@@ -24417,7 +24417,7 @@
           </p:nvSpPr>
           <p:spPr>
             <a:xfrm>
-              <a:off x="4163155" y="4482102"/>
+              <a:off x="4161864" y="4484754"/>
               <a:ext cx="81303" cy="62671"/>
             </a:xfrm>
             <a:custGeom>
@@ -24706,7 +24706,7 @@
           </p:nvSpPr>
           <p:spPr>
             <a:xfrm>
-              <a:off x="4171624" y="4490147"/>
+              <a:off x="4170333" y="4492800"/>
               <a:ext cx="29218" cy="15244"/>
             </a:xfrm>
             <a:custGeom>
@@ -24749,7 +24749,7 @@
           </p:nvSpPr>
           <p:spPr>
             <a:xfrm>
-              <a:off x="4255045" y="4449495"/>
+              <a:off x="4253754" y="4452148"/>
               <a:ext cx="33453" cy="97395"/>
             </a:xfrm>
             <a:custGeom>
@@ -25071,7 +25071,7 @@
           </p:nvSpPr>
           <p:spPr>
             <a:xfrm>
-              <a:off x="4285110" y="4449495"/>
+              <a:off x="4283820" y="4452148"/>
               <a:ext cx="68600" cy="97395"/>
             </a:xfrm>
             <a:custGeom>
@@ -25201,7 +25201,7 @@
           </p:nvSpPr>
           <p:spPr>
             <a:xfrm>
-              <a:off x="4299931" y="4512167"/>
+              <a:off x="4298641" y="4514819"/>
               <a:ext cx="38958" cy="20749"/>
             </a:xfrm>
             <a:custGeom>
@@ -25244,7 +25244,7 @@
           </p:nvSpPr>
           <p:spPr>
             <a:xfrm>
-              <a:off x="4364720" y="4448649"/>
+              <a:off x="4363429" y="4451301"/>
               <a:ext cx="96548" cy="46156"/>
             </a:xfrm>
             <a:custGeom>
@@ -25530,7 +25530,7 @@
           </p:nvSpPr>
           <p:spPr>
             <a:xfrm>
-              <a:off x="4373189" y="4453730"/>
+              <a:off x="4371899" y="4456382"/>
               <a:ext cx="19055" cy="21172"/>
             </a:xfrm>
             <a:custGeom>
@@ -25627,7 +25627,7 @@
           </p:nvSpPr>
           <p:spPr>
             <a:xfrm>
-              <a:off x="4363873" y="4493958"/>
+              <a:off x="4362583" y="4496611"/>
               <a:ext cx="97395" cy="53355"/>
             </a:xfrm>
             <a:custGeom>
@@ -25970,7 +25970,7 @@
           </p:nvSpPr>
           <p:spPr>
             <a:xfrm>
-              <a:off x="4372766" y="4499040"/>
+              <a:off x="4371475" y="4501692"/>
               <a:ext cx="18632" cy="24137"/>
             </a:xfrm>
             <a:custGeom>
@@ -26067,7 +26067,7 @@
           </p:nvSpPr>
           <p:spPr>
             <a:xfrm>
-              <a:off x="4470584" y="4448649"/>
+              <a:off x="4469294" y="4451301"/>
               <a:ext cx="97818" cy="98665"/>
             </a:xfrm>
             <a:custGeom>
@@ -26305,7 +26305,7 @@
           </p:nvSpPr>
           <p:spPr>
             <a:xfrm>
-              <a:off x="4472278" y="4467704"/>
+              <a:off x="4470988" y="4470356"/>
               <a:ext cx="13974" cy="22019"/>
             </a:xfrm>
             <a:custGeom>
@@ -26402,7 +26402,7 @@
           </p:nvSpPr>
           <p:spPr>
             <a:xfrm>
-              <a:off x="4498533" y="4477444"/>
+              <a:off x="4497242" y="4480096"/>
               <a:ext cx="70293" cy="66482"/>
             </a:xfrm>
             <a:custGeom>
@@ -26493,7 +26493,7 @@
           </p:nvSpPr>
           <p:spPr>
             <a:xfrm>
-              <a:off x="4594657" y="4449495"/>
+              <a:off x="4593367" y="4452148"/>
               <a:ext cx="19479" cy="97395"/>
             </a:xfrm>
             <a:custGeom>
@@ -26602,7 +26602,7 @@
           </p:nvSpPr>
           <p:spPr>
             <a:xfrm>
-              <a:off x="4579836" y="4470668"/>
+              <a:off x="4578546" y="4473321"/>
               <a:ext cx="11009" cy="31759"/>
             </a:xfrm>
             <a:custGeom>
@@ -26699,7 +26699,7 @@
           </p:nvSpPr>
           <p:spPr>
             <a:xfrm>
-              <a:off x="4610749" y="4449919"/>
+              <a:off x="4609458" y="4452571"/>
               <a:ext cx="67753" cy="93160"/>
             </a:xfrm>
             <a:custGeom>
@@ -26895,7 +26895,7 @@
           </p:nvSpPr>
           <p:spPr>
             <a:xfrm>
-              <a:off x="4687818" y="4452036"/>
+              <a:off x="4686527" y="4454689"/>
               <a:ext cx="35146" cy="94854"/>
             </a:xfrm>
             <a:custGeom>
@@ -27157,7 +27157,7 @@
           </p:nvSpPr>
           <p:spPr>
             <a:xfrm>
-              <a:off x="4702639" y="4459658"/>
+              <a:off x="4701348" y="4462311"/>
               <a:ext cx="11856" cy="16938"/>
             </a:xfrm>
             <a:custGeom>
@@ -27200,7 +27200,7 @@
           </p:nvSpPr>
           <p:spPr>
             <a:xfrm>
-              <a:off x="4702215" y="4483795"/>
+              <a:off x="4700925" y="4486448"/>
               <a:ext cx="12280" cy="16938"/>
             </a:xfrm>
             <a:custGeom>
@@ -27273,7 +27273,7 @@
           </p:nvSpPr>
           <p:spPr>
             <a:xfrm>
-              <a:off x="4725082" y="4452883"/>
+              <a:off x="4723791" y="4455535"/>
               <a:ext cx="58860" cy="94007"/>
             </a:xfrm>
             <a:custGeom>
@@ -27700,7 +27700,7 @@
           </p:nvSpPr>
           <p:spPr>
             <a:xfrm>
-              <a:off x="4795376" y="4448225"/>
+              <a:off x="4794085" y="4450877"/>
               <a:ext cx="99512" cy="99088"/>
             </a:xfrm>
             <a:custGeom>
@@ -27938,7 +27938,7 @@
           </p:nvSpPr>
           <p:spPr>
             <a:xfrm>
-              <a:off x="4796646" y="4467281"/>
+              <a:off x="4795356" y="4469933"/>
               <a:ext cx="13550" cy="21172"/>
             </a:xfrm>
             <a:custGeom>
@@ -28035,7 +28035,7 @@
           </p:nvSpPr>
           <p:spPr>
             <a:xfrm>
-              <a:off x="4824594" y="4474903"/>
+              <a:off x="4823304" y="4477555"/>
               <a:ext cx="68600" cy="70717"/>
             </a:xfrm>
             <a:custGeom>
@@ -28450,7 +28450,7 @@
           </p:nvSpPr>
           <p:spPr>
             <a:xfrm>
-              <a:off x="4929188" y="4459658"/>
+              <a:off x="4927898" y="4462311"/>
               <a:ext cx="38111" cy="94430"/>
             </a:xfrm>
             <a:custGeom>
@@ -28667,7 +28667,7 @@
           </p:nvSpPr>
           <p:spPr>
             <a:xfrm>
-              <a:off x="2729921" y="4892831"/>
+              <a:off x="2728356" y="4895885"/>
               <a:ext cx="35146" cy="94854"/>
             </a:xfrm>
             <a:custGeom>
@@ -28929,7 +28929,7 @@
           </p:nvSpPr>
           <p:spPr>
             <a:xfrm>
-              <a:off x="2744742" y="4900453"/>
+              <a:off x="2743177" y="4903507"/>
               <a:ext cx="11856" cy="16938"/>
             </a:xfrm>
             <a:custGeom>
@@ -28972,7 +28972,7 @@
           </p:nvSpPr>
           <p:spPr>
             <a:xfrm>
-              <a:off x="2744319" y="4924590"/>
+              <a:off x="2742753" y="4927644"/>
               <a:ext cx="12280" cy="16938"/>
             </a:xfrm>
             <a:custGeom>
@@ -29045,7 +29045,7 @@
           </p:nvSpPr>
           <p:spPr>
             <a:xfrm>
-              <a:off x="2767186" y="4893678"/>
+              <a:off x="2765620" y="4896732"/>
               <a:ext cx="58860" cy="94007"/>
             </a:xfrm>
             <a:custGeom>
@@ -29472,7 +29472,7 @@
           </p:nvSpPr>
           <p:spPr>
             <a:xfrm>
-              <a:off x="2839173" y="4892407"/>
+              <a:off x="2837608" y="4895461"/>
               <a:ext cx="93584" cy="96548"/>
             </a:xfrm>
             <a:custGeom>
@@ -29932,7 +29932,7 @@
           </p:nvSpPr>
           <p:spPr>
             <a:xfrm>
-              <a:off x="2861616" y="4900029"/>
+              <a:off x="2860051" y="4903084"/>
               <a:ext cx="54625" cy="8469"/>
             </a:xfrm>
             <a:custGeom>
@@ -29975,7 +29975,7 @@
           </p:nvSpPr>
           <p:spPr>
             <a:xfrm>
-              <a:off x="2861616" y="4915697"/>
+              <a:off x="2860051" y="4918752"/>
               <a:ext cx="54625" cy="8469"/>
             </a:xfrm>
             <a:custGeom>
@@ -30018,7 +30018,7 @@
           </p:nvSpPr>
           <p:spPr>
             <a:xfrm>
-              <a:off x="2972139" y="4890290"/>
+              <a:off x="2970573" y="4893344"/>
               <a:ext cx="33876" cy="42345"/>
             </a:xfrm>
             <a:custGeom>
@@ -30127,7 +30127,7 @@
           </p:nvSpPr>
           <p:spPr>
             <a:xfrm>
-              <a:off x="2979761" y="4906805"/>
+              <a:off x="2978195" y="4909859"/>
               <a:ext cx="18632" cy="6351"/>
             </a:xfrm>
             <a:custGeom>
@@ -30170,7 +30170,7 @@
           </p:nvSpPr>
           <p:spPr>
             <a:xfrm>
-              <a:off x="2979761" y="4919508"/>
+              <a:off x="2978195" y="4922563"/>
               <a:ext cx="18632" cy="6351"/>
             </a:xfrm>
             <a:custGeom>
@@ -30213,7 +30213,7 @@
           </p:nvSpPr>
           <p:spPr>
             <a:xfrm>
-              <a:off x="2965363" y="4935176"/>
+              <a:off x="2963798" y="4938231"/>
               <a:ext cx="42769" cy="52932"/>
             </a:xfrm>
             <a:custGeom>
@@ -30637,7 +30637,7 @@
           </p:nvSpPr>
           <p:spPr>
             <a:xfrm>
-              <a:off x="3006862" y="4890713"/>
+              <a:off x="3005297" y="4893768"/>
               <a:ext cx="38958" cy="96548"/>
             </a:xfrm>
             <a:custGeom>
@@ -30935,7 +30935,7 @@
           </p:nvSpPr>
           <p:spPr>
             <a:xfrm>
-              <a:off x="3020413" y="4916121"/>
+              <a:off x="3018847" y="4919175"/>
               <a:ext cx="12280" cy="32182"/>
             </a:xfrm>
             <a:custGeom>
@@ -31056,7 +31056,7 @@
           </p:nvSpPr>
           <p:spPr>
             <a:xfrm>
-              <a:off x="2949695" y="4891984"/>
+              <a:off x="2948130" y="4895038"/>
               <a:ext cx="19902" cy="18632"/>
             </a:xfrm>
             <a:custGeom>
@@ -31153,7 +31153,7 @@
           </p:nvSpPr>
           <p:spPr>
             <a:xfrm>
-              <a:off x="2947155" y="4917391"/>
+              <a:off x="2945589" y="4920445"/>
               <a:ext cx="20325" cy="18632"/>
             </a:xfrm>
             <a:custGeom>
@@ -31250,7 +31250,7 @@
           </p:nvSpPr>
           <p:spPr>
             <a:xfrm>
-              <a:off x="2947155" y="4945763"/>
+              <a:off x="2945589" y="4948817"/>
               <a:ext cx="20749" cy="42345"/>
             </a:xfrm>
             <a:custGeom>
@@ -31347,7 +31347,7 @@
           </p:nvSpPr>
           <p:spPr>
             <a:xfrm>
-              <a:off x="3057254" y="4890290"/>
+              <a:off x="3055688" y="4893344"/>
               <a:ext cx="35146" cy="67329"/>
             </a:xfrm>
             <a:custGeom>
@@ -31663,7 +31663,7 @@
           </p:nvSpPr>
           <p:spPr>
             <a:xfrm>
-              <a:off x="3056407" y="4961854"/>
+              <a:off x="3054841" y="4964908"/>
               <a:ext cx="33029" cy="16938"/>
             </a:xfrm>
             <a:custGeom>
@@ -31760,7 +31760,7 @@
           </p:nvSpPr>
           <p:spPr>
             <a:xfrm>
-              <a:off x="3096212" y="4889443"/>
+              <a:off x="3094646" y="4892497"/>
               <a:ext cx="55896" cy="33029"/>
             </a:xfrm>
             <a:custGeom>
@@ -31881,7 +31881,7 @@
           </p:nvSpPr>
           <p:spPr>
             <a:xfrm>
-              <a:off x="3107222" y="4919932"/>
+              <a:off x="3105656" y="4922986"/>
               <a:ext cx="33453" cy="7622"/>
             </a:xfrm>
             <a:custGeom>
@@ -31924,7 +31924,7 @@
           </p:nvSpPr>
           <p:spPr>
             <a:xfrm>
-              <a:off x="3095788" y="4938141"/>
+              <a:off x="3094223" y="4941195"/>
               <a:ext cx="58013" cy="49544"/>
             </a:xfrm>
             <a:custGeom>
@@ -32129,7 +32129,7 @@
           </p:nvSpPr>
           <p:spPr>
             <a:xfrm>
-              <a:off x="3092824" y="4951691"/>
+              <a:off x="3091258" y="4954745"/>
               <a:ext cx="19479" cy="25830"/>
             </a:xfrm>
             <a:custGeom>
@@ -32226,7 +32226,7 @@
           </p:nvSpPr>
           <p:spPr>
             <a:xfrm>
-              <a:off x="3133052" y="4952538"/>
+              <a:off x="3131487" y="4955592"/>
               <a:ext cx="21596" cy="26254"/>
             </a:xfrm>
             <a:custGeom>
@@ -32323,7 +32323,7 @@
           </p:nvSpPr>
           <p:spPr>
             <a:xfrm>
-              <a:off x="3163541" y="4889020"/>
+              <a:off x="3161976" y="4892074"/>
               <a:ext cx="99512" cy="41498"/>
             </a:xfrm>
             <a:custGeom>
@@ -32513,7 +32513,7 @@
           </p:nvSpPr>
           <p:spPr>
             <a:xfrm>
-              <a:off x="3181326" y="4925437"/>
+              <a:off x="3179761" y="4928491"/>
               <a:ext cx="63942" cy="8469"/>
             </a:xfrm>
             <a:custGeom>
@@ -32556,7 +32556,7 @@
           </p:nvSpPr>
           <p:spPr>
             <a:xfrm>
-              <a:off x="3177092" y="4945339"/>
+              <a:off x="3175526" y="4948394"/>
               <a:ext cx="71987" cy="42345"/>
             </a:xfrm>
             <a:custGeom>
@@ -32611,7 +32611,7 @@
           </p:nvSpPr>
           <p:spPr>
             <a:xfrm>
-              <a:off x="3185561" y="4953385"/>
+              <a:off x="3183995" y="4956439"/>
               <a:ext cx="55049" cy="19479"/>
             </a:xfrm>
             <a:custGeom>
@@ -32654,7 +32654,7 @@
           </p:nvSpPr>
           <p:spPr>
             <a:xfrm>
-              <a:off x="3273640" y="4890290"/>
+              <a:off x="3272075" y="4893344"/>
               <a:ext cx="28795" cy="30912"/>
             </a:xfrm>
             <a:custGeom>
@@ -32751,7 +32751,7 @@
           </p:nvSpPr>
           <p:spPr>
             <a:xfrm>
-              <a:off x="3272793" y="4914427"/>
+              <a:off x="3271228" y="4917481"/>
               <a:ext cx="33453" cy="73681"/>
             </a:xfrm>
             <a:custGeom>
@@ -32887,7 +32887,7 @@
           </p:nvSpPr>
           <p:spPr>
             <a:xfrm>
-              <a:off x="3302012" y="4895795"/>
+              <a:off x="3300446" y="4898849"/>
               <a:ext cx="69023" cy="88079"/>
             </a:xfrm>
             <a:custGeom>
@@ -32978,7 +32978,7 @@
           </p:nvSpPr>
           <p:spPr>
             <a:xfrm>
-              <a:off x="2538476" y="5331084"/>
+              <a:off x="2536862" y="5334540"/>
               <a:ext cx="40228" cy="97395"/>
             </a:xfrm>
             <a:custGeom>
@@ -33246,7 +33246,7 @@
           </p:nvSpPr>
           <p:spPr>
             <a:xfrm>
-              <a:off x="2581669" y="5331084"/>
+              <a:off x="2580055" y="5334540"/>
               <a:ext cx="55472" cy="97818"/>
             </a:xfrm>
             <a:custGeom>
@@ -33697,7 +33697,7 @@
           </p:nvSpPr>
           <p:spPr>
             <a:xfrm>
-              <a:off x="2590138" y="5343788"/>
+              <a:off x="2588524" y="5347244"/>
               <a:ext cx="16938" cy="22443"/>
             </a:xfrm>
             <a:custGeom>
@@ -33767,7 +33767,7 @@
           </p:nvSpPr>
           <p:spPr>
             <a:xfrm>
-              <a:off x="2601995" y="5407730"/>
+              <a:off x="2600381" y="5411186"/>
               <a:ext cx="12703" cy="19055"/>
             </a:xfrm>
             <a:custGeom>
@@ -33864,7 +33864,7 @@
           </p:nvSpPr>
           <p:spPr>
             <a:xfrm>
-              <a:off x="2651963" y="5331931"/>
+              <a:off x="2650349" y="5335387"/>
               <a:ext cx="22866" cy="19479"/>
             </a:xfrm>
             <a:custGeom>
@@ -33961,7 +33961,7 @@
           </p:nvSpPr>
           <p:spPr>
             <a:xfrm>
-              <a:off x="2647728" y="5358186"/>
+              <a:off x="2646114" y="5361642"/>
               <a:ext cx="21596" cy="17785"/>
             </a:xfrm>
             <a:custGeom>
@@ -34058,7 +34058,7 @@
           </p:nvSpPr>
           <p:spPr>
             <a:xfrm>
-              <a:off x="2647305" y="5384863"/>
+              <a:off x="2645691" y="5388320"/>
               <a:ext cx="23290" cy="43616"/>
             </a:xfrm>
             <a:custGeom>
@@ -34155,7 +34155,7 @@
           </p:nvSpPr>
           <p:spPr>
             <a:xfrm>
-              <a:off x="2683299" y="5330661"/>
+              <a:off x="2681685" y="5334117"/>
               <a:ext cx="57166" cy="97818"/>
             </a:xfrm>
             <a:custGeom>
@@ -34372,7 +34372,7 @@
           </p:nvSpPr>
           <p:spPr>
             <a:xfrm>
-              <a:off x="2690921" y="5363691"/>
+              <a:off x="2689307" y="5367147"/>
               <a:ext cx="41922" cy="12280"/>
             </a:xfrm>
             <a:custGeom>
@@ -34415,7 +34415,7 @@
           </p:nvSpPr>
           <p:spPr>
             <a:xfrm>
-              <a:off x="2690921" y="5383593"/>
+              <a:off x="2689307" y="5387049"/>
               <a:ext cx="41922" cy="12280"/>
             </a:xfrm>
             <a:custGeom>
@@ -34458,7 +34458,7 @@
           </p:nvSpPr>
           <p:spPr>
             <a:xfrm>
-              <a:off x="2680758" y="5332778"/>
+              <a:off x="2679144" y="5336234"/>
               <a:ext cx="18208" cy="19479"/>
             </a:xfrm>
             <a:custGeom>
@@ -34555,7 +34555,7 @@
           </p:nvSpPr>
           <p:spPr>
             <a:xfrm>
-              <a:off x="2721833" y="5332778"/>
+              <a:off x="2720219" y="5336234"/>
               <a:ext cx="18632" cy="19902"/>
             </a:xfrm>
             <a:custGeom>
@@ -34652,7 +34652,7 @@
           </p:nvSpPr>
           <p:spPr>
             <a:xfrm>
-              <a:off x="2754439" y="5331084"/>
+              <a:off x="2752826" y="5334540"/>
               <a:ext cx="38111" cy="97395"/>
             </a:xfrm>
             <a:custGeom>
@@ -34974,7 +34974,7 @@
           </p:nvSpPr>
           <p:spPr>
             <a:xfrm>
-              <a:off x="2795515" y="5330661"/>
+              <a:off x="2793901" y="5334117"/>
               <a:ext cx="54625" cy="25830"/>
             </a:xfrm>
             <a:custGeom>
@@ -35083,7 +35083,7 @@
           </p:nvSpPr>
           <p:spPr>
             <a:xfrm>
-              <a:off x="2791280" y="5367502"/>
+              <a:off x="2789666" y="5370958"/>
               <a:ext cx="62248" cy="60977"/>
             </a:xfrm>
             <a:custGeom>
@@ -35465,7 +35465,7 @@
           </p:nvSpPr>
           <p:spPr>
             <a:xfrm>
-              <a:off x="2866232" y="5331084"/>
+              <a:off x="2864618" y="5334540"/>
               <a:ext cx="96124" cy="93584"/>
             </a:xfrm>
             <a:custGeom>
@@ -35661,7 +35661,7 @@
           </p:nvSpPr>
           <p:spPr>
             <a:xfrm>
-              <a:off x="2973367" y="5331084"/>
+              <a:off x="2971753" y="5334540"/>
               <a:ext cx="97395" cy="38958"/>
             </a:xfrm>
             <a:custGeom>
@@ -35764,7 +35764,7 @@
           </p:nvSpPr>
           <p:spPr>
             <a:xfrm>
-              <a:off x="2980989" y="5372583"/>
+              <a:off x="2979375" y="5376039"/>
               <a:ext cx="86385" cy="56743"/>
             </a:xfrm>
             <a:custGeom>
@@ -36338,7 +36338,7 @@
           </p:nvSpPr>
           <p:spPr>
             <a:xfrm>
-              <a:off x="3035191" y="5407307"/>
+              <a:off x="3033578" y="5410763"/>
               <a:ext cx="32182" cy="20749"/>
             </a:xfrm>
             <a:custGeom>
@@ -36435,7 +36435,7 @@
           </p:nvSpPr>
           <p:spPr>
             <a:xfrm>
-              <a:off x="2973790" y="5409001"/>
+              <a:off x="2972176" y="5412457"/>
               <a:ext cx="31759" cy="19055"/>
             </a:xfrm>
             <a:custGeom>
@@ -36532,7 +36532,7 @@
           </p:nvSpPr>
           <p:spPr>
             <a:xfrm>
-              <a:off x="3113531" y="5334049"/>
+              <a:off x="3111917" y="5337505"/>
               <a:ext cx="65212" cy="52508"/>
             </a:xfrm>
             <a:custGeom>
@@ -36611,7 +36611,7 @@
           </p:nvSpPr>
           <p:spPr>
             <a:xfrm>
-              <a:off x="3130893" y="5341671"/>
+              <a:off x="3129279" y="5345127"/>
               <a:ext cx="28371" cy="5928"/>
             </a:xfrm>
             <a:custGeom>
@@ -36654,7 +36654,7 @@
           </p:nvSpPr>
           <p:spPr>
             <a:xfrm>
-              <a:off x="3130893" y="5354375"/>
+              <a:off x="3129279" y="5357831"/>
               <a:ext cx="28371" cy="6351"/>
             </a:xfrm>
             <a:custGeom>
@@ -36697,7 +36697,7 @@
           </p:nvSpPr>
           <p:spPr>
             <a:xfrm>
-              <a:off x="3130893" y="5367502"/>
+              <a:off x="3129279" y="5370958"/>
               <a:ext cx="28371" cy="7622"/>
             </a:xfrm>
             <a:custGeom>
@@ -36740,7 +36740,7 @@
           </p:nvSpPr>
           <p:spPr>
             <a:xfrm>
-              <a:off x="3109296" y="5388251"/>
+              <a:off x="3107683" y="5391707"/>
               <a:ext cx="33029" cy="40228"/>
             </a:xfrm>
             <a:custGeom>
@@ -37062,7 +37062,7 @@
           </p:nvSpPr>
           <p:spPr>
             <a:xfrm>
-              <a:off x="3141479" y="5388251"/>
+              <a:off x="3139865" y="5391707"/>
               <a:ext cx="37264" cy="40228"/>
             </a:xfrm>
             <a:custGeom>
@@ -37384,7 +37384,7 @@
           </p:nvSpPr>
           <p:spPr>
             <a:xfrm>
-              <a:off x="3080925" y="5331084"/>
+              <a:off x="3079311" y="5334540"/>
               <a:ext cx="30065" cy="97395"/>
             </a:xfrm>
             <a:custGeom>
@@ -37706,7 +37706,7 @@
           </p:nvSpPr>
           <p:spPr>
             <a:xfrm>
-              <a:off x="3190177" y="5331084"/>
+              <a:off x="3188563" y="5334540"/>
               <a:ext cx="98665" cy="97395"/>
             </a:xfrm>
             <a:custGeom>
@@ -38079,7 +38079,7 @@
           </p:nvSpPr>
           <p:spPr>
             <a:xfrm>
-              <a:off x="3338387" y="5331508"/>
+              <a:off x="3336773" y="5334964"/>
               <a:ext cx="54625" cy="96971"/>
             </a:xfrm>
             <a:custGeom>
@@ -38395,7 +38395,7 @@
           </p:nvSpPr>
           <p:spPr>
             <a:xfrm>
-              <a:off x="3352361" y="5373430"/>
+              <a:off x="3350747" y="5376886"/>
               <a:ext cx="18632" cy="24560"/>
             </a:xfrm>
             <a:custGeom>
@@ -38492,7 +38492,7 @@
           </p:nvSpPr>
           <p:spPr>
             <a:xfrm>
-              <a:off x="3301969" y="5331084"/>
+              <a:off x="3300355" y="5334540"/>
               <a:ext cx="34723" cy="93584"/>
             </a:xfrm>
             <a:custGeom>
@@ -38613,7 +38613,7 @@
           </p:nvSpPr>
           <p:spPr>
             <a:xfrm>
-              <a:off x="3309592" y="5353104"/>
+              <a:off x="3307978" y="5356560"/>
               <a:ext cx="19479" cy="24560"/>
             </a:xfrm>
             <a:custGeom>
@@ -38656,7 +38656,7 @@
           </p:nvSpPr>
           <p:spPr>
             <a:xfrm>
-              <a:off x="3309592" y="5385710"/>
+              <a:off x="3307978" y="5389166"/>
               <a:ext cx="19479" cy="24560"/>
             </a:xfrm>
             <a:custGeom>
@@ -38699,7 +38699,7 @@
           </p:nvSpPr>
           <p:spPr>
             <a:xfrm>
-              <a:off x="3462036" y="5331931"/>
+              <a:off x="3460422" y="5335387"/>
               <a:ext cx="36840" cy="33876"/>
             </a:xfrm>
             <a:custGeom>
@@ -38796,7 +38796,7 @@
           </p:nvSpPr>
           <p:spPr>
             <a:xfrm>
-              <a:off x="3464153" y="5360303"/>
+              <a:off x="3462540" y="5363759"/>
               <a:ext cx="36840" cy="32606"/>
             </a:xfrm>
             <a:custGeom>
@@ -38893,7 +38893,7 @@
           </p:nvSpPr>
           <p:spPr>
             <a:xfrm>
-              <a:off x="3459072" y="5387404"/>
+              <a:off x="3457458" y="5390860"/>
               <a:ext cx="46156" cy="40651"/>
             </a:xfrm>
             <a:custGeom>
@@ -38990,7 +38990,7 @@
           </p:nvSpPr>
           <p:spPr>
             <a:xfrm>
-              <a:off x="3406987" y="5333625"/>
+              <a:off x="3405373" y="5337081"/>
               <a:ext cx="56743" cy="41922"/>
             </a:xfrm>
             <a:custGeom>
@@ -39057,7 +39057,7 @@
           </p:nvSpPr>
           <p:spPr>
             <a:xfrm>
-              <a:off x="3420114" y="5340401"/>
+              <a:off x="3418500" y="5343857"/>
               <a:ext cx="30912" cy="4658"/>
             </a:xfrm>
             <a:custGeom>
@@ -39100,7 +39100,7 @@
           </p:nvSpPr>
           <p:spPr>
             <a:xfrm>
-              <a:off x="3420114" y="5351410"/>
+              <a:off x="3418500" y="5354866"/>
               <a:ext cx="30912" cy="4658"/>
             </a:xfrm>
             <a:custGeom>
@@ -39143,7 +39143,7 @@
           </p:nvSpPr>
           <p:spPr>
             <a:xfrm>
-              <a:off x="3412068" y="5380629"/>
+              <a:off x="3410454" y="5384085"/>
               <a:ext cx="46580" cy="47850"/>
             </a:xfrm>
             <a:custGeom>
@@ -39348,7 +39348,7 @@
           </p:nvSpPr>
           <p:spPr>
             <a:xfrm>
-              <a:off x="3419690" y="5386981"/>
+              <a:off x="3418077" y="5390437"/>
               <a:ext cx="31335" cy="8469"/>
             </a:xfrm>
             <a:custGeom>
@@ -39391,7 +39391,7 @@
           </p:nvSpPr>
           <p:spPr>
             <a:xfrm>
-              <a:off x="3407410" y="5404766"/>
+              <a:off x="3405796" y="5408222"/>
               <a:ext cx="17785" cy="19479"/>
             </a:xfrm>
             <a:custGeom>
@@ -39488,7 +39488,7 @@
           </p:nvSpPr>
           <p:spPr>
             <a:xfrm>
-              <a:off x="3444251" y="5406460"/>
+              <a:off x="3442637" y="5409916"/>
               <a:ext cx="15667" cy="15244"/>
             </a:xfrm>
             <a:custGeom>
@@ -39585,7 +39585,7 @@
           </p:nvSpPr>
           <p:spPr>
             <a:xfrm>
-              <a:off x="3554350" y="5329814"/>
+              <a:off x="3552736" y="5333270"/>
               <a:ext cx="55896" cy="99088"/>
             </a:xfrm>
             <a:custGeom>
@@ -39856,7 +39856,7 @@
           </p:nvSpPr>
           <p:spPr>
             <a:xfrm>
-              <a:off x="3570018" y="5363267"/>
+              <a:off x="3568404" y="5366723"/>
               <a:ext cx="24983" cy="46156"/>
             </a:xfrm>
             <a:custGeom>
@@ -39899,7 +39899,7 @@
           </p:nvSpPr>
           <p:spPr>
             <a:xfrm>
-              <a:off x="3577640" y="5370042"/>
+              <a:off x="3576026" y="5373499"/>
               <a:ext cx="9316" cy="32606"/>
             </a:xfrm>
             <a:custGeom>
@@ -39942,7 +39942,7 @@
           </p:nvSpPr>
           <p:spPr>
             <a:xfrm>
-              <a:off x="3518356" y="5340401"/>
+              <a:off x="3516742" y="5343857"/>
               <a:ext cx="30488" cy="70717"/>
             </a:xfrm>
             <a:custGeom>
@@ -39997,7 +39997,7 @@
           </p:nvSpPr>
           <p:spPr>
             <a:xfrm>
-              <a:off x="3526402" y="5348446"/>
+              <a:off x="3524788" y="5351902"/>
               <a:ext cx="14397" cy="44039"/>
             </a:xfrm>
             <a:custGeom>
@@ -40040,8 +40040,8 @@
           </p:nvSpPr>
           <p:spPr>
             <a:xfrm>
-              <a:off x="2019661" y="1590617"/>
-              <a:ext cx="6917431" cy="4055309"/>
+              <a:off x="2017917" y="1590617"/>
+              <a:ext cx="6919174" cy="4059006"/>
             </a:xfrm>
             <a:prstGeom prst="rect">
               <a:avLst/>
@@ -40070,7 +40070,7 @@
           </p:nvSpPr>
           <p:spPr>
             <a:xfrm>
-              <a:off x="1926585" y="5341859"/>
+              <a:off x="1924841" y="5345315"/>
               <a:ext cx="54133" cy="79126"/>
             </a:xfrm>
             <a:custGeom>
@@ -40944,7 +40944,7 @@
           </p:nvSpPr>
           <p:spPr>
             <a:xfrm>
-              <a:off x="1942138" y="5353864"/>
+              <a:off x="1940394" y="5357320"/>
               <a:ext cx="22373" cy="27939"/>
             </a:xfrm>
             <a:custGeom>
@@ -41455,7 +41455,7 @@
           </p:nvSpPr>
           <p:spPr>
             <a:xfrm>
-              <a:off x="1926258" y="4901064"/>
+              <a:off x="1924514" y="4904118"/>
               <a:ext cx="55170" cy="79126"/>
             </a:xfrm>
             <a:custGeom>
@@ -42452,7 +42452,7 @@
           </p:nvSpPr>
           <p:spPr>
             <a:xfrm>
-              <a:off x="1943720" y="4911814"/>
+              <a:off x="1941977" y="4914869"/>
               <a:ext cx="20027" cy="21555"/>
             </a:xfrm>
             <a:custGeom>
@@ -42963,7 +42963,7 @@
           </p:nvSpPr>
           <p:spPr>
             <a:xfrm>
-              <a:off x="1942028" y="4944120"/>
+              <a:off x="1940285" y="4947174"/>
               <a:ext cx="23519" cy="25266"/>
             </a:xfrm>
             <a:custGeom>
@@ -43474,7 +43474,7 @@
           </p:nvSpPr>
           <p:spPr>
             <a:xfrm>
-              <a:off x="1927513" y="4461416"/>
+              <a:off x="1925769" y="4464068"/>
               <a:ext cx="52442" cy="76889"/>
             </a:xfrm>
             <a:custGeom>
@@ -43760,7 +43760,7 @@
           </p:nvSpPr>
           <p:spPr>
             <a:xfrm>
-              <a:off x="1926803" y="4019475"/>
+              <a:off x="1925060" y="4021726"/>
               <a:ext cx="54024" cy="79126"/>
             </a:xfrm>
             <a:custGeom>
@@ -44454,7 +44454,7 @@
           </p:nvSpPr>
           <p:spPr>
             <a:xfrm>
-              <a:off x="1942902" y="4059311"/>
+              <a:off x="1941158" y="4061562"/>
               <a:ext cx="22537" cy="27339"/>
             </a:xfrm>
             <a:custGeom>
@@ -44905,7 +44905,7 @@
           </p:nvSpPr>
           <p:spPr>
             <a:xfrm>
-              <a:off x="1926148" y="3579827"/>
+              <a:off x="1924405" y="3581675"/>
               <a:ext cx="55607" cy="77980"/>
             </a:xfrm>
             <a:custGeom>
@@ -45737,7 +45737,7 @@
           </p:nvSpPr>
           <p:spPr>
             <a:xfrm>
-              <a:off x="1924402" y="3139032"/>
+              <a:off x="1922659" y="3140479"/>
               <a:ext cx="59863" cy="76889"/>
             </a:xfrm>
             <a:custGeom>
@@ -45801,7 +45801,7 @@
           </p:nvSpPr>
           <p:spPr>
             <a:xfrm>
-              <a:off x="1936899" y="3153018"/>
+              <a:off x="1935155" y="3154465"/>
               <a:ext cx="22952" cy="35836"/>
             </a:xfrm>
             <a:custGeom>
@@ -45953,7 +45953,7 @@
                     <a:pt x="22327" y="1184"/>
                   </a:lnTo>
                   <a:lnTo>
-                    <a:pt x="22217" y="1396"/>
+                    <a:pt x="22217" y="1397"/>
                   </a:lnTo>
                   <a:lnTo>
                     <a:pt x="22100" y="1620"/>
@@ -46078,7 +46078,7 @@
           </p:nvSpPr>
           <p:spPr>
             <a:xfrm>
-              <a:off x="1925275" y="2697092"/>
+              <a:off x="1923532" y="2698137"/>
               <a:ext cx="55552" cy="79290"/>
             </a:xfrm>
             <a:custGeom>
@@ -47001,7 +47001,7 @@
                     <a:pt x="26919" y="13"/>
                   </a:lnTo>
                   <a:lnTo>
-                    <a:pt x="27939" y="0"/>
+                    <a:pt x="27940" y="0"/>
                   </a:lnTo>
                   <a:lnTo>
                     <a:pt x="29274" y="16"/>
@@ -47387,7 +47387,7 @@
           </p:nvSpPr>
           <p:spPr>
             <a:xfrm>
-              <a:off x="1926585" y="2256297"/>
+              <a:off x="1924841" y="2256940"/>
               <a:ext cx="53806" cy="78035"/>
             </a:xfrm>
             <a:custGeom>
@@ -48153,7 +48153,7 @@
           </p:nvSpPr>
           <p:spPr>
             <a:xfrm>
-              <a:off x="1929750" y="1816649"/>
+              <a:off x="1928007" y="1816890"/>
               <a:ext cx="52005" cy="76889"/>
             </a:xfrm>
             <a:custGeom>
@@ -48217,7 +48217,7 @@
           </p:nvSpPr>
           <p:spPr>
             <a:xfrm>
-              <a:off x="1984866" y="5381449"/>
+              <a:off x="1983123" y="5384905"/>
               <a:ext cx="34794" cy="0"/>
             </a:xfrm>
             <a:custGeom>
@@ -48257,7 +48257,7 @@
           </p:nvSpPr>
           <p:spPr>
             <a:xfrm>
-              <a:off x="1984866" y="4940655"/>
+              <a:off x="1983123" y="4943709"/>
               <a:ext cx="34794" cy="0"/>
             </a:xfrm>
             <a:custGeom>
@@ -48297,7 +48297,7 @@
           </p:nvSpPr>
           <p:spPr>
             <a:xfrm>
-              <a:off x="1984866" y="4499860"/>
+              <a:off x="1983123" y="4502513"/>
               <a:ext cx="34794" cy="0"/>
             </a:xfrm>
             <a:custGeom>
@@ -48337,7 +48337,7 @@
           </p:nvSpPr>
           <p:spPr>
             <a:xfrm>
-              <a:off x="1984866" y="4059066"/>
+              <a:off x="1983123" y="4061316"/>
               <a:ext cx="34794" cy="0"/>
             </a:xfrm>
             <a:custGeom>
@@ -48377,7 +48377,7 @@
           </p:nvSpPr>
           <p:spPr>
             <a:xfrm>
-              <a:off x="1984866" y="3618271"/>
+              <a:off x="1983123" y="3620120"/>
               <a:ext cx="34794" cy="0"/>
             </a:xfrm>
             <a:custGeom>
@@ -48417,7 +48417,7 @@
           </p:nvSpPr>
           <p:spPr>
             <a:xfrm>
-              <a:off x="1984866" y="3177477"/>
+              <a:off x="1983123" y="3178924"/>
               <a:ext cx="34794" cy="0"/>
             </a:xfrm>
             <a:custGeom>
@@ -48457,7 +48457,7 @@
           </p:nvSpPr>
           <p:spPr>
             <a:xfrm>
-              <a:off x="1984866" y="2736682"/>
+              <a:off x="1983123" y="2737727"/>
               <a:ext cx="34794" cy="0"/>
             </a:xfrm>
             <a:custGeom>
@@ -48497,7 +48497,7 @@
           </p:nvSpPr>
           <p:spPr>
             <a:xfrm>
-              <a:off x="1984866" y="2295888"/>
+              <a:off x="1983123" y="2296531"/>
               <a:ext cx="34794" cy="0"/>
             </a:xfrm>
             <a:custGeom>
@@ -48537,7 +48537,7 @@
           </p:nvSpPr>
           <p:spPr>
             <a:xfrm>
-              <a:off x="1984866" y="1855093"/>
+              <a:off x="1983123" y="1855335"/>
               <a:ext cx="34794" cy="0"/>
             </a:xfrm>
             <a:custGeom>
@@ -48577,7 +48577,7 @@
           </p:nvSpPr>
           <p:spPr>
             <a:xfrm>
-              <a:off x="2019661" y="5645926"/>
+              <a:off x="2017917" y="5649623"/>
               <a:ext cx="0" cy="34794"/>
             </a:xfrm>
             <a:custGeom>
@@ -48617,7 +48617,7 @@
           </p:nvSpPr>
           <p:spPr>
             <a:xfrm>
-              <a:off x="3760070" y="5645926"/>
+              <a:off x="3758765" y="5649623"/>
               <a:ext cx="0" cy="34794"/>
             </a:xfrm>
             <a:custGeom>
@@ -48657,7 +48657,7 @@
           </p:nvSpPr>
           <p:spPr>
             <a:xfrm>
-              <a:off x="5500479" y="5645926"/>
+              <a:off x="5499613" y="5649623"/>
               <a:ext cx="0" cy="34794"/>
             </a:xfrm>
             <a:custGeom>
@@ -48697,7 +48697,7 @@
           </p:nvSpPr>
           <p:spPr>
             <a:xfrm>
-              <a:off x="7240889" y="5645926"/>
+              <a:off x="7240461" y="5649623"/>
               <a:ext cx="0" cy="34794"/>
             </a:xfrm>
             <a:custGeom>
@@ -48737,7 +48737,7 @@
           </p:nvSpPr>
           <p:spPr>
             <a:xfrm>
-              <a:off x="1992948" y="5707410"/>
+              <a:off x="1991205" y="5711107"/>
               <a:ext cx="53424" cy="79126"/>
             </a:xfrm>
             <a:custGeom>
@@ -49180,7 +49180,7 @@
                     <a:pt x="48312" y="12306"/>
                   </a:lnTo>
                   <a:lnTo>
-                    <a:pt x="48894" y="13492"/>
+                    <a:pt x="48895" y="13492"/>
                   </a:lnTo>
                   <a:lnTo>
                     <a:pt x="49447" y="14740"/>
@@ -49248,7 +49248,7 @@
           </p:nvSpPr>
           <p:spPr>
             <a:xfrm>
-              <a:off x="2002880" y="5715377"/>
+              <a:off x="2001137" y="5719075"/>
               <a:ext cx="33506" cy="63137"/>
             </a:xfrm>
             <a:custGeom>
@@ -49759,7 +49759,7 @@
           </p:nvSpPr>
           <p:spPr>
             <a:xfrm>
-              <a:off x="3671093" y="5707410"/>
+              <a:off x="3669788" y="5711107"/>
               <a:ext cx="52987" cy="79126"/>
             </a:xfrm>
             <a:custGeom>
@@ -51068,7 +51068,7 @@
           </p:nvSpPr>
           <p:spPr>
             <a:xfrm>
-              <a:off x="3733358" y="5707410"/>
+              <a:off x="3732053" y="5711107"/>
               <a:ext cx="53424" cy="79126"/>
             </a:xfrm>
             <a:custGeom>
@@ -51579,7 +51579,7 @@
           </p:nvSpPr>
           <p:spPr>
             <a:xfrm>
-              <a:off x="3743290" y="5715377"/>
+              <a:off x="3741985" y="5719075"/>
               <a:ext cx="33506" cy="63137"/>
             </a:xfrm>
             <a:custGeom>
@@ -52090,7 +52090,7 @@
           </p:nvSpPr>
           <p:spPr>
             <a:xfrm>
-              <a:off x="3795513" y="5707410"/>
+              <a:off x="3794209" y="5711107"/>
               <a:ext cx="53424" cy="79126"/>
             </a:xfrm>
             <a:custGeom>
@@ -52601,7 +52601,7 @@
           </p:nvSpPr>
           <p:spPr>
             <a:xfrm>
-              <a:off x="3805445" y="5715377"/>
+              <a:off x="3804140" y="5719075"/>
               <a:ext cx="33506" cy="63137"/>
             </a:xfrm>
             <a:custGeom>
@@ -53112,7 +53112,7 @@
           </p:nvSpPr>
           <p:spPr>
             <a:xfrm>
-              <a:off x="5412921" y="5707410"/>
+              <a:off x="5412055" y="5711107"/>
               <a:ext cx="51568" cy="79126"/>
             </a:xfrm>
             <a:custGeom>
@@ -53986,7 +53986,7 @@
           </p:nvSpPr>
           <p:spPr>
             <a:xfrm>
-              <a:off x="5423672" y="5743317"/>
+              <a:off x="5422806" y="5747015"/>
               <a:ext cx="30832" cy="35306"/>
             </a:xfrm>
             <a:custGeom>
@@ -54497,7 +54497,7 @@
           </p:nvSpPr>
           <p:spPr>
             <a:xfrm>
-              <a:off x="5473767" y="5707410"/>
+              <a:off x="5472901" y="5711107"/>
               <a:ext cx="53424" cy="79126"/>
             </a:xfrm>
             <a:custGeom>
@@ -55008,7 +55008,7 @@
           </p:nvSpPr>
           <p:spPr>
             <a:xfrm>
-              <a:off x="5483699" y="5715377"/>
+              <a:off x="5482833" y="5719075"/>
               <a:ext cx="33506" cy="63137"/>
             </a:xfrm>
             <a:custGeom>
@@ -55519,7 +55519,7 @@
           </p:nvSpPr>
           <p:spPr>
             <a:xfrm>
-              <a:off x="5535923" y="5707410"/>
+              <a:off x="5535057" y="5711107"/>
               <a:ext cx="53424" cy="79126"/>
             </a:xfrm>
             <a:custGeom>
@@ -56030,7 +56030,7 @@
           </p:nvSpPr>
           <p:spPr>
             <a:xfrm>
-              <a:off x="5545855" y="5715377"/>
+              <a:off x="5544989" y="5719075"/>
               <a:ext cx="33506" cy="63137"/>
             </a:xfrm>
             <a:custGeom>
@@ -56541,7 +56541,7 @@
           </p:nvSpPr>
           <p:spPr>
             <a:xfrm>
-              <a:off x="7152894" y="5707410"/>
+              <a:off x="7152467" y="5711107"/>
               <a:ext cx="51623" cy="79126"/>
             </a:xfrm>
             <a:custGeom>
@@ -57415,7 +57415,7 @@
           </p:nvSpPr>
           <p:spPr>
             <a:xfrm>
-              <a:off x="7162881" y="5715377"/>
+              <a:off x="7162453" y="5719075"/>
               <a:ext cx="30941" cy="36070"/>
             </a:xfrm>
             <a:custGeom>
@@ -57926,7 +57926,7 @@
           </p:nvSpPr>
           <p:spPr>
             <a:xfrm>
-              <a:off x="7214177" y="5707410"/>
+              <a:off x="7213749" y="5711107"/>
               <a:ext cx="53424" cy="79126"/>
             </a:xfrm>
             <a:custGeom>
@@ -58437,7 +58437,7 @@
           </p:nvSpPr>
           <p:spPr>
             <a:xfrm>
-              <a:off x="7224109" y="5715377"/>
+              <a:off x="7223681" y="5719075"/>
               <a:ext cx="33506" cy="63137"/>
             </a:xfrm>
             <a:custGeom>
@@ -58948,7 +58948,7 @@
           </p:nvSpPr>
           <p:spPr>
             <a:xfrm>
-              <a:off x="7276332" y="5707410"/>
+              <a:off x="7275905" y="5711107"/>
               <a:ext cx="53424" cy="79126"/>
             </a:xfrm>
             <a:custGeom>
@@ -59459,7 +59459,7 @@
           </p:nvSpPr>
           <p:spPr>
             <a:xfrm>
-              <a:off x="7286264" y="5715377"/>
+              <a:off x="7285837" y="5719075"/>
               <a:ext cx="33506" cy="63137"/>
             </a:xfrm>
             <a:custGeom>
